--- a/github/Introduction to Git & Github.pptx
+++ b/github/Introduction to Git & Github.pptx
@@ -104,6 +104,11 @@
       </a:defRPr>
     </a:lvl9pPr>
   </p:defaultTextStyle>
+  <p:extLst>
+    <p:ext uri="{EFAFB233-063F-42B5-8137-9DF3F51BA10A}">
+      <p15:sldGuideLst xmlns:p15="http://schemas.microsoft.com/office/powerpoint/2012/main"/>
+    </p:ext>
+  </p:extLst>
 </p:presentation>
 </file>
 
@@ -293,7 +298,7 @@
           <a:p>
             <a:fld id="{4AAD347D-5ACD-4C99-B74B-A9C85AD731AF}" type="datetimeFigureOut">
               <a:rPr lang="en-US" smtClean="0"/>
-              <a:t>5/29/2019</a:t>
+              <a:t>5/30/2019</a:t>
             </a:fld>
             <a:endParaRPr lang="en-US" dirty="0"/>
           </a:p>
@@ -568,7 +573,7 @@
           <a:p>
             <a:fld id="{4509A250-FF31-4206-8172-F9D3106AACB1}" type="datetimeFigureOut">
               <a:rPr lang="en-US" smtClean="0"/>
-              <a:t>5/29/2019</a:t>
+              <a:t>5/30/2019</a:t>
             </a:fld>
             <a:endParaRPr lang="en-US" dirty="0"/>
           </a:p>
@@ -762,7 +767,7 @@
           <a:p>
             <a:fld id="{4509A250-FF31-4206-8172-F9D3106AACB1}" type="datetimeFigureOut">
               <a:rPr lang="en-US" smtClean="0"/>
-              <a:t>5/29/2019</a:t>
+              <a:t>5/30/2019</a:t>
             </a:fld>
             <a:endParaRPr lang="en-US" dirty="0"/>
           </a:p>
@@ -1035,7 +1040,7 @@
           <a:p>
             <a:fld id="{4AAD347D-5ACD-4C99-B74B-A9C85AD731AF}" type="datetimeFigureOut">
               <a:rPr lang="en-US" smtClean="0"/>
-              <a:t>5/29/2019</a:t>
+              <a:t>5/30/2019</a:t>
             </a:fld>
             <a:endParaRPr lang="en-US" dirty="0"/>
           </a:p>
@@ -1377,7 +1382,7 @@
           <a:p>
             <a:fld id="{4509A250-FF31-4206-8172-F9D3106AACB1}" type="datetimeFigureOut">
               <a:rPr lang="en-US" smtClean="0"/>
-              <a:t>5/29/2019</a:t>
+              <a:t>5/30/2019</a:t>
             </a:fld>
             <a:endParaRPr lang="en-US" dirty="0"/>
           </a:p>
@@ -2000,7 +2005,7 @@
           <a:p>
             <a:fld id="{4509A250-FF31-4206-8172-F9D3106AACB1}" type="datetimeFigureOut">
               <a:rPr lang="en-US" smtClean="0"/>
-              <a:t>5/29/2019</a:t>
+              <a:t>5/30/2019</a:t>
             </a:fld>
             <a:endParaRPr lang="en-US" dirty="0"/>
           </a:p>
@@ -2860,7 +2865,7 @@
           <a:p>
             <a:fld id="{4509A250-FF31-4206-8172-F9D3106AACB1}" type="datetimeFigureOut">
               <a:rPr lang="en-US" smtClean="0"/>
-              <a:t>5/29/2019</a:t>
+              <a:t>5/30/2019</a:t>
             </a:fld>
             <a:endParaRPr lang="en-US" dirty="0"/>
           </a:p>
@@ -3030,7 +3035,7 @@
           <a:p>
             <a:fld id="{4509A250-FF31-4206-8172-F9D3106AACB1}" type="datetimeFigureOut">
               <a:rPr lang="en-US" smtClean="0"/>
-              <a:t>5/29/2019</a:t>
+              <a:t>5/30/2019</a:t>
             </a:fld>
             <a:endParaRPr lang="en-US" dirty="0"/>
           </a:p>
@@ -3210,7 +3215,7 @@
           <a:p>
             <a:fld id="{4509A250-FF31-4206-8172-F9D3106AACB1}" type="datetimeFigureOut">
               <a:rPr lang="en-US" smtClean="0"/>
-              <a:t>5/29/2019</a:t>
+              <a:t>5/30/2019</a:t>
             </a:fld>
             <a:endParaRPr lang="en-US" dirty="0"/>
           </a:p>
@@ -3380,7 +3385,7 @@
           <a:p>
             <a:fld id="{4509A250-FF31-4206-8172-F9D3106AACB1}" type="datetimeFigureOut">
               <a:rPr lang="en-US" smtClean="0"/>
-              <a:t>5/29/2019</a:t>
+              <a:t>5/30/2019</a:t>
             </a:fld>
             <a:endParaRPr lang="en-US" dirty="0"/>
           </a:p>
@@ -3627,7 +3632,7 @@
           <a:p>
             <a:fld id="{9796027F-7875-4030-9381-8BD8C4F21935}" type="datetimeFigureOut">
               <a:rPr lang="en-US" smtClean="0"/>
-              <a:t>5/29/2019</a:t>
+              <a:t>5/30/2019</a:t>
             </a:fld>
             <a:endParaRPr lang="en-US" dirty="0"/>
           </a:p>
@@ -3919,7 +3924,7 @@
           <a:p>
             <a:fld id="{9796027F-7875-4030-9381-8BD8C4F21935}" type="datetimeFigureOut">
               <a:rPr lang="en-US" smtClean="0"/>
-              <a:t>5/29/2019</a:t>
+              <a:t>5/30/2019</a:t>
             </a:fld>
             <a:endParaRPr lang="en-US" dirty="0"/>
           </a:p>
@@ -4363,7 +4368,7 @@
           <a:p>
             <a:fld id="{9796027F-7875-4030-9381-8BD8C4F21935}" type="datetimeFigureOut">
               <a:rPr lang="en-US" smtClean="0"/>
-              <a:t>5/29/2019</a:t>
+              <a:t>5/30/2019</a:t>
             </a:fld>
             <a:endParaRPr lang="en-US" dirty="0"/>
           </a:p>
@@ -4481,7 +4486,7 @@
           <a:p>
             <a:fld id="{4509A250-FF31-4206-8172-F9D3106AACB1}" type="datetimeFigureOut">
               <a:rPr lang="en-US" smtClean="0"/>
-              <a:t>5/29/2019</a:t>
+              <a:t>5/30/2019</a:t>
             </a:fld>
             <a:endParaRPr lang="en-US" dirty="0"/>
           </a:p>
@@ -4576,7 +4581,7 @@
           <a:p>
             <a:fld id="{4509A250-FF31-4206-8172-F9D3106AACB1}" type="datetimeFigureOut">
               <a:rPr lang="en-US" smtClean="0"/>
-              <a:t>5/29/2019</a:t>
+              <a:t>5/30/2019</a:t>
             </a:fld>
             <a:endParaRPr lang="en-US" dirty="0"/>
           </a:p>
@@ -4855,7 +4860,7 @@
           <a:p>
             <a:fld id="{4509A250-FF31-4206-8172-F9D3106AACB1}" type="datetimeFigureOut">
               <a:rPr lang="en-US" smtClean="0"/>
-              <a:t>5/29/2019</a:t>
+              <a:t>5/30/2019</a:t>
             </a:fld>
             <a:endParaRPr lang="en-US" dirty="0"/>
           </a:p>
@@ -5130,7 +5135,7 @@
           <a:p>
             <a:fld id="{4509A250-FF31-4206-8172-F9D3106AACB1}" type="datetimeFigureOut">
               <a:rPr lang="en-US" smtClean="0"/>
-              <a:t>5/29/2019</a:t>
+              <a:t>5/30/2019</a:t>
             </a:fld>
             <a:endParaRPr lang="en-US" dirty="0"/>
           </a:p>
@@ -5559,7 +5564,7 @@
           <a:p>
             <a:fld id="{4AAD347D-5ACD-4C99-B74B-A9C85AD731AF}" type="datetimeFigureOut">
               <a:rPr lang="en-US" smtClean="0"/>
-              <a:t>5/29/2019</a:t>
+              <a:t>5/30/2019</a:t>
             </a:fld>
             <a:endParaRPr lang="en-US" dirty="0"/>
           </a:p>
@@ -6111,11 +6116,11 @@
           <a:p>
             <a:r>
               <a:rPr lang="en-US" dirty="0"/>
-              <a:t>Introduction to Git &amp; </a:t>
-            </a:r>
-            <a:r>
-              <a:rPr lang="en-US" dirty="0" err="1"/>
-              <a:t>Github</a:t>
+              <a:t>Introduction to Git </a:t>
+            </a:r>
+            <a:r>
+              <a:rPr lang="en-US"/>
+              <a:t>&amp; GitHub</a:t>
             </a:r>
             <a:endParaRPr lang="en-US" dirty="0"/>
           </a:p>
@@ -6143,7 +6148,7 @@
           <a:lstStyle/>
           <a:p>
             <a:r>
-              <a:rPr lang="en-US"/>
+              <a:rPr lang="en-US" dirty="0"/>
               <a:t>Rice Data &amp; Donuts, Summer 2019</a:t>
             </a:r>
           </a:p>

--- a/github/Introduction to Git & Github.pptx
+++ b/github/Introduction to Git & Github.pptx
@@ -5,7 +5,7 @@
     <p:sldMasterId id="2147483707" r:id="rId1"/>
   </p:sldMasterIdLst>
   <p:notesMasterIdLst>
-    <p:notesMasterId r:id="rId12"/>
+    <p:notesMasterId r:id="rId31"/>
   </p:notesMasterIdLst>
   <p:sldIdLst>
     <p:sldId id="266" r:id="rId2"/>
@@ -13,11 +13,30 @@
     <p:sldId id="258" r:id="rId4"/>
     <p:sldId id="259" r:id="rId5"/>
     <p:sldId id="260" r:id="rId6"/>
-    <p:sldId id="261" r:id="rId7"/>
+    <p:sldId id="267" r:id="rId7"/>
     <p:sldId id="262" r:id="rId8"/>
-    <p:sldId id="265" r:id="rId9"/>
-    <p:sldId id="263" r:id="rId10"/>
-    <p:sldId id="264" r:id="rId11"/>
+    <p:sldId id="274" r:id="rId9"/>
+    <p:sldId id="265" r:id="rId10"/>
+    <p:sldId id="263" r:id="rId11"/>
+    <p:sldId id="264" r:id="rId12"/>
+    <p:sldId id="268" r:id="rId13"/>
+    <p:sldId id="275" r:id="rId14"/>
+    <p:sldId id="276" r:id="rId15"/>
+    <p:sldId id="277" r:id="rId16"/>
+    <p:sldId id="278" r:id="rId17"/>
+    <p:sldId id="273" r:id="rId18"/>
+    <p:sldId id="279" r:id="rId19"/>
+    <p:sldId id="280" r:id="rId20"/>
+    <p:sldId id="285" r:id="rId21"/>
+    <p:sldId id="281" r:id="rId22"/>
+    <p:sldId id="286" r:id="rId23"/>
+    <p:sldId id="282" r:id="rId24"/>
+    <p:sldId id="287" r:id="rId25"/>
+    <p:sldId id="283" r:id="rId26"/>
+    <p:sldId id="284" r:id="rId27"/>
+    <p:sldId id="288" r:id="rId28"/>
+    <p:sldId id="270" r:id="rId29"/>
+    <p:sldId id="271" r:id="rId30"/>
   </p:sldIdLst>
   <p:sldSz cx="12192000" cy="6858000"/>
   <p:notesSz cx="6858000" cy="9144000"/>
@@ -603,7 +622,7 @@
           <a:bodyPr/>
           <a:lstStyle/>
           <a:p>
-            <a:fld id="{CE8F6EB4-B6EF-44F6-BBD1-CD5E279CFAE2}" type="datetime4">
+            <a:fld id="{64A2D28A-44D6-4F71-B77F-AC810983F0F9}" type="datetime4">
               <a:rPr lang="en-US" smtClean="0"/>
               <a:t>June 3, 2019</a:t>
             </a:fld>
@@ -784,7 +803,7 @@
           <a:bodyPr/>
           <a:lstStyle/>
           <a:p>
-            <a:fld id="{8A405AA7-4C18-4A99-8AAA-8677C1976FC9}" type="datetime4">
+            <a:fld id="{F74480E6-35C7-40E9-B6C1-E57DFD4DF83C}" type="datetime4">
               <a:rPr lang="en-US" smtClean="0"/>
               <a:t>June 3, 2019</a:t>
             </a:fld>
@@ -968,7 +987,7 @@
           <a:bodyPr/>
           <a:lstStyle/>
           <a:p>
-            <a:fld id="{4EA0D668-33DD-41B9-B668-7E7FF430C345}" type="datetime4">
+            <a:fld id="{1A5552F4-4FE4-4E0E-936F-9158426B99E2}" type="datetime4">
               <a:rPr lang="en-US" smtClean="0"/>
               <a:t>June 3, 2019</a:t>
             </a:fld>
@@ -1070,7 +1089,13 @@
         </p:spPr>
         <p:txBody>
           <a:bodyPr/>
-          <a:lstStyle/>
+          <a:lstStyle>
+            <a:lvl1pPr>
+              <a:defRPr>
+                <a:latin typeface="+mn-lt"/>
+              </a:defRPr>
+            </a:lvl1pPr>
+          </a:lstStyle>
           <a:p>
             <a:r>
               <a:rPr lang="en-US" dirty="0" smtClean="0"/>
@@ -1147,7 +1172,7 @@
           <a:bodyPr/>
           <a:lstStyle/>
           <a:p>
-            <a:fld id="{8AAE40A0-A7D8-4DC3-BC9E-BADA32DA2004}" type="datetime4">
+            <a:fld id="{74F93749-3CD2-4A95-98ED-FE9E109683BE}" type="datetime4">
               <a:rPr lang="en-US" smtClean="0"/>
               <a:t>June 3, 2019</a:t>
             </a:fld>
@@ -1471,7 +1496,7 @@
           <a:bodyPr/>
           <a:lstStyle/>
           <a:p>
-            <a:fld id="{B08FEED8-D7D4-44E9-BFBC-ED06B5996D94}" type="datetime4">
+            <a:fld id="{930E186A-0FBF-4DA6-A71A-C325C944F843}" type="datetime4">
               <a:rPr lang="en-US" smtClean="0"/>
               <a:t>June 3, 2019</a:t>
             </a:fld>
@@ -1776,7 +1801,7 @@
           <a:bodyPr/>
           <a:lstStyle/>
           <a:p>
-            <a:fld id="{A143C325-9442-4629-8CC6-5CAC69736C93}" type="datetime4">
+            <a:fld id="{3289D242-BAA3-4044-BDEF-2597A5A654EF}" type="datetime4">
               <a:rPr lang="en-US" smtClean="0"/>
               <a:t>June 3, 2019</a:t>
             </a:fld>
@@ -2154,7 +2179,7 @@
           <a:bodyPr/>
           <a:lstStyle/>
           <a:p>
-            <a:fld id="{EEDAFACB-3FED-4607-9FDD-34A82581A119}" type="datetime4">
+            <a:fld id="{F2F0CD59-A5AD-4382-8C3D-D984415916E6}" type="datetime4">
               <a:rPr lang="en-US" smtClean="0"/>
               <a:t>June 3, 2019</a:t>
             </a:fld>
@@ -2283,7 +2308,7 @@
           <a:bodyPr/>
           <a:lstStyle/>
           <a:p>
-            <a:fld id="{EC2805D6-2E3E-42F7-ABBA-DCD51C704328}" type="datetime4">
+            <a:fld id="{7CF69FE5-613D-4C74-96D7-27911459A362}" type="datetime4">
               <a:rPr lang="en-US" smtClean="0"/>
               <a:t>June 3, 2019</a:t>
             </a:fld>
@@ -2389,7 +2414,7 @@
           <a:bodyPr/>
           <a:lstStyle/>
           <a:p>
-            <a:fld id="{7A745AAB-8888-45FB-8C4E-B86AF9A05200}" type="datetime4">
+            <a:fld id="{A7A4566C-9F1F-4845-8842-8A0339049AF6}" type="datetime4">
               <a:rPr lang="en-US" smtClean="0"/>
               <a:t>June 3, 2019</a:t>
             </a:fld>
@@ -2670,7 +2695,7 @@
           <a:bodyPr/>
           <a:lstStyle/>
           <a:p>
-            <a:fld id="{9F896CED-8AFA-412F-B61A-472E6093CDBA}" type="datetime4">
+            <a:fld id="{2E0CFB47-241B-48D4-BB7E-CF21A52B27C6}" type="datetime4">
               <a:rPr lang="en-US" smtClean="0"/>
               <a:t>June 3, 2019</a:t>
             </a:fld>
@@ -2931,7 +2956,7 @@
           <a:bodyPr/>
           <a:lstStyle/>
           <a:p>
-            <a:fld id="{61078AB2-2970-444D-B1FF-A9F37FC020F5}" type="datetime4">
+            <a:fld id="{10045882-F850-4580-92A6-05497B2E8977}" type="datetime4">
               <a:rPr lang="en-US" smtClean="0"/>
               <a:t>June 3, 2019</a:t>
             </a:fld>
@@ -3151,7 +3176,7 @@
             </a:lvl1pPr>
           </a:lstStyle>
           <a:p>
-            <a:fld id="{1148AE1E-D441-45CD-8192-49B13802301D}" type="datetime4">
+            <a:fld id="{9EABF51D-0C08-4C4F-8D1C-BAC468AC6D9B}" type="datetime4">
               <a:rPr lang="en-US" smtClean="0"/>
               <a:t>June 3, 2019</a:t>
             </a:fld>
@@ -3960,15 +3985,329 @@
           </a:p>
         </p:txBody>
       </p:sp>
+      <p:sp>
+        <p:nvSpPr>
+          <p:cNvPr id="3" name="Content Placeholder 2"/>
+          <p:cNvSpPr>
+            <a:spLocks noGrp="1"/>
+          </p:cNvSpPr>
+          <p:nvPr>
+            <p:ph idx="1"/>
+          </p:nvPr>
+        </p:nvSpPr>
+        <p:spPr/>
+        <p:txBody>
+          <a:bodyPr/>
+          <a:lstStyle/>
+          <a:p>
+            <a:r>
+              <a:rPr lang="en-US" b="1" dirty="0"/>
+              <a:t>untracked</a:t>
+            </a:r>
+            <a:r>
+              <a:rPr lang="en-US" dirty="0"/>
+              <a:t>: </a:t>
+            </a:r>
+            <a:r>
+              <a:rPr lang="en-US" dirty="0" err="1"/>
+              <a:t>git</a:t>
+            </a:r>
+            <a:r>
+              <a:rPr lang="en-US" dirty="0"/>
+              <a:t> has not been told about this file.</a:t>
+            </a:r>
+          </a:p>
+          <a:p>
+            <a:r>
+              <a:rPr lang="en-US" b="1" dirty="0"/>
+              <a:t>modified</a:t>
+            </a:r>
+            <a:r>
+              <a:rPr lang="en-US" dirty="0"/>
+              <a:t>: we told </a:t>
+            </a:r>
+            <a:r>
+              <a:rPr lang="en-US" dirty="0" err="1"/>
+              <a:t>git</a:t>
+            </a:r>
+            <a:r>
+              <a:rPr lang="en-US" dirty="0"/>
+              <a:t> about this file, but we've changed it without telling </a:t>
+            </a:r>
+            <a:r>
+              <a:rPr lang="en-US" dirty="0" err="1"/>
+              <a:t>git</a:t>
+            </a:r>
+            <a:r>
+              <a:rPr lang="en-US" dirty="0"/>
+              <a:t> to remember our change.</a:t>
+            </a:r>
+          </a:p>
+          <a:p>
+            <a:r>
+              <a:rPr lang="en-US" b="1" dirty="0"/>
+              <a:t>staged</a:t>
+            </a:r>
+            <a:r>
+              <a:rPr lang="en-US" dirty="0"/>
+              <a:t>: we have told </a:t>
+            </a:r>
+            <a:r>
+              <a:rPr lang="en-US" dirty="0" err="1"/>
+              <a:t>git</a:t>
+            </a:r>
+            <a:r>
+              <a:rPr lang="en-US" dirty="0"/>
+              <a:t> about this file and told </a:t>
+            </a:r>
+            <a:r>
+              <a:rPr lang="en-US" dirty="0" err="1"/>
+              <a:t>git</a:t>
+            </a:r>
+            <a:r>
+              <a:rPr lang="en-US" dirty="0"/>
+              <a:t> we will want it to remember our change.</a:t>
+            </a:r>
+          </a:p>
+          <a:p>
+            <a:r>
+              <a:rPr lang="en-US" b="1" dirty="0"/>
+              <a:t>committed</a:t>
+            </a:r>
+            <a:r>
+              <a:rPr lang="en-US" dirty="0"/>
+              <a:t>: we have made </a:t>
+            </a:r>
+            <a:r>
+              <a:rPr lang="en-US" dirty="0" err="1"/>
+              <a:t>git</a:t>
+            </a:r>
+            <a:r>
+              <a:rPr lang="en-US" dirty="0"/>
+              <a:t> take a snapshot of our file</a:t>
+            </a:r>
+            <a:r>
+              <a:rPr lang="en-US" dirty="0" smtClean="0"/>
+              <a:t>.</a:t>
+            </a:r>
+            <a:endParaRPr lang="en-US" dirty="0"/>
+          </a:p>
+        </p:txBody>
+      </p:sp>
+      <p:sp>
+        <p:nvSpPr>
+          <p:cNvPr id="5" name="Date Placeholder 4"/>
+          <p:cNvSpPr>
+            <a:spLocks noGrp="1"/>
+          </p:cNvSpPr>
+          <p:nvPr>
+            <p:ph type="dt" sz="half" idx="10"/>
+          </p:nvPr>
+        </p:nvSpPr>
+        <p:spPr/>
+        <p:txBody>
+          <a:bodyPr/>
+          <a:lstStyle/>
+          <a:p>
+            <a:fld id="{EBB345CB-8700-4516-A08B-C5962626710A}" type="datetime4">
+              <a:rPr lang="en-US" smtClean="0"/>
+              <a:t>June 3, 2019</a:t>
+            </a:fld>
+            <a:endParaRPr lang="en-US" dirty="0"/>
+          </a:p>
+        </p:txBody>
+      </p:sp>
+      <p:sp>
+        <p:nvSpPr>
+          <p:cNvPr id="6" name="Slide Number Placeholder 5"/>
+          <p:cNvSpPr>
+            <a:spLocks noGrp="1"/>
+          </p:cNvSpPr>
+          <p:nvPr>
+            <p:ph type="sldNum" sz="quarter" idx="12"/>
+          </p:nvPr>
+        </p:nvSpPr>
+        <p:spPr/>
+        <p:txBody>
+          <a:bodyPr/>
+          <a:lstStyle/>
+          <a:p>
+            <a:fld id="{D57F1E4F-1CFF-5643-939E-02111984F565}" type="slidenum">
+              <a:rPr lang="en-US" smtClean="0"/>
+              <a:t>10</a:t>
+            </a:fld>
+            <a:endParaRPr lang="en-US" dirty="0"/>
+          </a:p>
+        </p:txBody>
+      </p:sp>
+      <p:sp>
+        <p:nvSpPr>
+          <p:cNvPr id="7" name="Footer Placeholder 6"/>
+          <p:cNvSpPr>
+            <a:spLocks noGrp="1"/>
+          </p:cNvSpPr>
+          <p:nvPr>
+            <p:ph type="ftr" sz="quarter" idx="11"/>
+          </p:nvPr>
+        </p:nvSpPr>
+        <p:spPr/>
+        <p:txBody>
+          <a:bodyPr/>
+          <a:lstStyle/>
+          <a:p>
+            <a:r>
+              <a:rPr lang="en-US" smtClean="0"/>
+              <a:t>Digital Scholarship Services </a:t>
+            </a:r>
+            <a:r>
+              <a:rPr lang="en-US" smtClean="0">
+                <a:solidFill>
+                  <a:schemeClr val="accent1">
+                    <a:lumMod val="50000"/>
+                  </a:schemeClr>
+                </a:solidFill>
+              </a:rPr>
+              <a:t>| Email</a:t>
+            </a:r>
+            <a:r>
+              <a:rPr lang="en-US" smtClean="0"/>
+              <a:t> cf24@rice.edu </a:t>
+            </a:r>
+            <a:r>
+              <a:rPr lang="en-US" smtClean="0">
+                <a:solidFill>
+                  <a:schemeClr val="accent1">
+                    <a:lumMod val="50000"/>
+                  </a:schemeClr>
+                </a:solidFill>
+              </a:rPr>
+              <a:t>|</a:t>
+            </a:r>
+            <a:r>
+              <a:rPr lang="en-US" smtClean="0"/>
+              <a:t> library.rice.edu/dss</a:t>
+            </a:r>
+            <a:endParaRPr lang="en-US" dirty="0"/>
+          </a:p>
+        </p:txBody>
+      </p:sp>
+    </p:spTree>
+    <p:extLst>
+      <p:ext uri="{BB962C8B-B14F-4D97-AF65-F5344CB8AC3E}">
+        <p14:creationId xmlns:p14="http://schemas.microsoft.com/office/powerpoint/2010/main" val="2194927679"/>
+      </p:ext>
+    </p:extLst>
+  </p:cSld>
+  <p:clrMapOvr>
+    <a:masterClrMapping/>
+  </p:clrMapOvr>
+  <p:timing>
+    <p:tnLst>
+      <p:par>
+        <p:cTn id="1" dur="indefinite" restart="never" nodeType="tmRoot"/>
+      </p:par>
+    </p:tnLst>
+  </p:timing>
+</p:sld>
+</file>
+
+<file path=ppt/slides/slide11.xml><?xml version="1.0" encoding="utf-8"?>
+<p:sld xmlns:a="http://schemas.openxmlformats.org/drawingml/2006/main" xmlns:r="http://schemas.openxmlformats.org/officeDocument/2006/relationships" xmlns:p="http://schemas.openxmlformats.org/presentationml/2006/main">
+  <p:cSld>
+    <p:spTree>
+      <p:nvGrpSpPr>
+        <p:cNvPr id="1" name=""/>
+        <p:cNvGrpSpPr/>
+        <p:nvPr/>
+      </p:nvGrpSpPr>
+      <p:grpSpPr>
+        <a:xfrm>
+          <a:off x="0" y="0"/>
+          <a:ext cx="0" cy="0"/>
+          <a:chOff x="0" y="0"/>
+          <a:chExt cx="0" cy="0"/>
+        </a:xfrm>
+      </p:grpSpPr>
+      <p:sp>
+        <p:nvSpPr>
+          <p:cNvPr id="2" name="Title 1"/>
+          <p:cNvSpPr>
+            <a:spLocks noGrp="1"/>
+          </p:cNvSpPr>
+          <p:nvPr>
+            <p:ph type="title"/>
+          </p:nvPr>
+        </p:nvSpPr>
+        <p:spPr/>
+        <p:txBody>
+          <a:bodyPr/>
+          <a:lstStyle/>
+          <a:p>
+            <a:r>
+              <a:rPr lang="en-US" dirty="0" smtClean="0">
+                <a:latin typeface="+mn-lt"/>
+              </a:rPr>
+              <a:t>STATES OF FILES IN A REPOSITORY</a:t>
+            </a:r>
+            <a:endParaRPr lang="en-US" dirty="0">
+              <a:latin typeface="+mn-lt"/>
+            </a:endParaRPr>
+          </a:p>
+        </p:txBody>
+      </p:sp>
+      <p:sp>
+        <p:nvSpPr>
+          <p:cNvPr id="6" name="Date Placeholder 5"/>
+          <p:cNvSpPr>
+            <a:spLocks noGrp="1"/>
+          </p:cNvSpPr>
+          <p:nvPr>
+            <p:ph type="dt" sz="half" idx="10"/>
+          </p:nvPr>
+        </p:nvSpPr>
+        <p:spPr/>
+        <p:txBody>
+          <a:bodyPr/>
+          <a:lstStyle/>
+          <a:p>
+            <a:fld id="{429314C5-54C3-45D4-BD43-1E6786BE277B}" type="datetime4">
+              <a:rPr lang="en-US" smtClean="0"/>
+              <a:t>June 3, 2019</a:t>
+            </a:fld>
+            <a:endParaRPr lang="en-US" dirty="0"/>
+          </a:p>
+        </p:txBody>
+      </p:sp>
+      <p:sp>
+        <p:nvSpPr>
+          <p:cNvPr id="7" name="Slide Number Placeholder 6"/>
+          <p:cNvSpPr>
+            <a:spLocks noGrp="1"/>
+          </p:cNvSpPr>
+          <p:nvPr>
+            <p:ph type="sldNum" sz="quarter" idx="12"/>
+          </p:nvPr>
+        </p:nvSpPr>
+        <p:spPr/>
+        <p:txBody>
+          <a:bodyPr/>
+          <a:lstStyle/>
+          <a:p>
+            <a:fld id="{D57F1E4F-1CFF-5643-939E-02111984F565}" type="slidenum">
+              <a:rPr lang="en-US" smtClean="0"/>
+              <a:t>11</a:t>
+            </a:fld>
+            <a:endParaRPr lang="en-US" dirty="0"/>
+          </a:p>
+        </p:txBody>
+      </p:sp>
       <p:pic>
         <p:nvPicPr>
-          <p:cNvPr id="4" name="Content Placeholder 3"/>
+          <p:cNvPr id="8" name="Picture 7"/>
           <p:cNvPicPr>
-            <a:picLocks noGrp="1" noChangeAspect="1"/>
+            <a:picLocks noChangeAspect="1"/>
           </p:cNvPicPr>
-          <p:nvPr>
-            <p:ph idx="1"/>
-          </p:nvPr>
+          <p:nvPr/>
         </p:nvPicPr>
         <p:blipFill>
           <a:blip r:embed="rId2"/>
@@ -3978,8 +4317,8 @@
         </p:blipFill>
         <p:spPr>
           <a:xfrm>
-            <a:off x="1636295" y="1853248"/>
-            <a:ext cx="7857070" cy="4392771"/>
+            <a:off x="1475874" y="1876927"/>
+            <a:ext cx="9489405" cy="3968040"/>
           </a:xfrm>
           <a:prstGeom prst="rect">
             <a:avLst/>
@@ -3988,7 +4327,7 @@
       </p:pic>
       <p:sp>
         <p:nvSpPr>
-          <p:cNvPr id="5" name="Footer Placeholder 4"/>
+          <p:cNvPr id="10" name="Footer Placeholder 9"/>
           <p:cNvSpPr>
             <a:spLocks noGrp="1"/>
           </p:cNvSpPr>
@@ -4003,54 +4342,36 @@
           <a:p>
             <a:r>
               <a:rPr lang="en-US" smtClean="0"/>
-              <a:t>Digital Scholarship Services | Email cf24@rice.edu | library.rice.edu/dss</a:t>
-            </a:r>
-            <a:endParaRPr lang="en-US" dirty="0"/>
-          </a:p>
-        </p:txBody>
-      </p:sp>
-      <p:sp>
-        <p:nvSpPr>
-          <p:cNvPr id="6" name="Date Placeholder 5"/>
-          <p:cNvSpPr>
-            <a:spLocks noGrp="1"/>
-          </p:cNvSpPr>
-          <p:nvPr>
-            <p:ph type="dt" sz="half" idx="10"/>
-          </p:nvPr>
-        </p:nvSpPr>
-        <p:spPr/>
-        <p:txBody>
-          <a:bodyPr/>
-          <a:lstStyle/>
-          <a:p>
-            <a:fld id="{3686C9ED-58DA-41A6-B894-9B830C59600E}" type="datetime4">
-              <a:rPr lang="en-US" smtClean="0"/>
-              <a:t>June 3, 2019</a:t>
-            </a:fld>
-            <a:endParaRPr lang="en-US" dirty="0"/>
-          </a:p>
-        </p:txBody>
-      </p:sp>
-      <p:sp>
-        <p:nvSpPr>
-          <p:cNvPr id="7" name="Slide Number Placeholder 6"/>
-          <p:cNvSpPr>
-            <a:spLocks noGrp="1"/>
-          </p:cNvSpPr>
-          <p:nvPr>
-            <p:ph type="sldNum" sz="quarter" idx="12"/>
-          </p:nvPr>
-        </p:nvSpPr>
-        <p:spPr/>
-        <p:txBody>
-          <a:bodyPr/>
-          <a:lstStyle/>
-          <a:p>
-            <a:fld id="{D57F1E4F-1CFF-5643-939E-02111984F565}" type="slidenum">
-              <a:rPr lang="en-US" smtClean="0"/>
-              <a:t>10</a:t>
-            </a:fld>
+              <a:t>Digital Scholarship Services </a:t>
+            </a:r>
+            <a:r>
+              <a:rPr lang="en-US" smtClean="0">
+                <a:solidFill>
+                  <a:schemeClr val="accent1">
+                    <a:lumMod val="50000"/>
+                  </a:schemeClr>
+                </a:solidFill>
+              </a:rPr>
+              <a:t>| Email</a:t>
+            </a:r>
+            <a:r>
+              <a:rPr lang="en-US" smtClean="0"/>
+              <a:t> cf24@rice.edu </a:t>
+            </a:r>
+            <a:r>
+              <a:rPr lang="en-US" smtClean="0">
+                <a:solidFill>
+                  <a:schemeClr val="accent1">
+                    <a:lumMod val="50000"/>
+                  </a:schemeClr>
+                </a:solidFill>
+              </a:rPr>
+              <a:t>|</a:t>
+            </a:r>
+            <a:r>
+              <a:rPr lang="en-US" smtClean="0"/>
+              <a:t> library.rice.edu/dss</a:t>
+            </a:r>
             <a:endParaRPr lang="en-US" dirty="0"/>
           </a:p>
         </p:txBody>
@@ -4075,6 +4396,1734 @@
 </p:sld>
 </file>
 
+<file path=ppt/slides/slide12.xml><?xml version="1.0" encoding="utf-8"?>
+<p:sld xmlns:a="http://schemas.openxmlformats.org/drawingml/2006/main" xmlns:r="http://schemas.openxmlformats.org/officeDocument/2006/relationships" xmlns:p="http://schemas.openxmlformats.org/presentationml/2006/main">
+  <p:cSld>
+    <p:spTree>
+      <p:nvGrpSpPr>
+        <p:cNvPr id="1" name=""/>
+        <p:cNvGrpSpPr/>
+        <p:nvPr/>
+      </p:nvGrpSpPr>
+      <p:grpSpPr>
+        <a:xfrm>
+          <a:off x="0" y="0"/>
+          <a:ext cx="0" cy="0"/>
+          <a:chOff x="0" y="0"/>
+          <a:chExt cx="0" cy="0"/>
+        </a:xfrm>
+      </p:grpSpPr>
+      <p:sp>
+        <p:nvSpPr>
+          <p:cNvPr id="4" name="Title 3"/>
+          <p:cNvSpPr>
+            <a:spLocks noGrp="1"/>
+          </p:cNvSpPr>
+          <p:nvPr>
+            <p:ph type="title"/>
+          </p:nvPr>
+        </p:nvSpPr>
+        <p:spPr/>
+        <p:txBody>
+          <a:bodyPr/>
+          <a:lstStyle/>
+          <a:p>
+            <a:r>
+              <a:rPr lang="en-US" dirty="0" smtClean="0">
+                <a:latin typeface="+mn-lt"/>
+              </a:rPr>
+              <a:t>CREATING &amp; CLONING</a:t>
+            </a:r>
+            <a:br>
+              <a:rPr lang="en-US" dirty="0" smtClean="0">
+                <a:latin typeface="+mn-lt"/>
+              </a:rPr>
+            </a:br>
+            <a:r>
+              <a:rPr lang="en-US" dirty="0" smtClean="0">
+                <a:latin typeface="+mn-lt"/>
+              </a:rPr>
+              <a:t>REPOSITORIES</a:t>
+            </a:r>
+            <a:endParaRPr lang="en-US" dirty="0">
+              <a:latin typeface="+mn-lt"/>
+            </a:endParaRPr>
+          </a:p>
+        </p:txBody>
+      </p:sp>
+      <p:sp>
+        <p:nvSpPr>
+          <p:cNvPr id="5" name="Text Placeholder 4"/>
+          <p:cNvSpPr>
+            <a:spLocks noGrp="1"/>
+          </p:cNvSpPr>
+          <p:nvPr>
+            <p:ph type="body" idx="1"/>
+          </p:nvPr>
+        </p:nvSpPr>
+        <p:spPr/>
+        <p:txBody>
+          <a:bodyPr/>
+          <a:lstStyle/>
+          <a:p>
+            <a:r>
+              <a:rPr lang="en-US" dirty="0" smtClean="0"/>
+              <a:t>Initialization &amp; Copying from a server</a:t>
+            </a:r>
+            <a:endParaRPr lang="en-US" dirty="0"/>
+          </a:p>
+        </p:txBody>
+      </p:sp>
+      <p:sp>
+        <p:nvSpPr>
+          <p:cNvPr id="7" name="Date Placeholder 6"/>
+          <p:cNvSpPr>
+            <a:spLocks noGrp="1"/>
+          </p:cNvSpPr>
+          <p:nvPr>
+            <p:ph type="dt" sz="half" idx="10"/>
+          </p:nvPr>
+        </p:nvSpPr>
+        <p:spPr/>
+        <p:txBody>
+          <a:bodyPr/>
+          <a:lstStyle/>
+          <a:p>
+            <a:fld id="{697056D7-45FA-4127-A77C-F084484F25E2}" type="datetime4">
+              <a:rPr lang="en-US" smtClean="0"/>
+              <a:t>June 3, 2019</a:t>
+            </a:fld>
+            <a:endParaRPr lang="en-US" dirty="0"/>
+          </a:p>
+        </p:txBody>
+      </p:sp>
+      <p:sp>
+        <p:nvSpPr>
+          <p:cNvPr id="8" name="Slide Number Placeholder 7"/>
+          <p:cNvSpPr>
+            <a:spLocks noGrp="1"/>
+          </p:cNvSpPr>
+          <p:nvPr>
+            <p:ph type="sldNum" sz="quarter" idx="12"/>
+          </p:nvPr>
+        </p:nvSpPr>
+        <p:spPr/>
+        <p:txBody>
+          <a:bodyPr/>
+          <a:lstStyle/>
+          <a:p>
+            <a:fld id="{D57F1E4F-1CFF-5643-939E-02111984F565}" type="slidenum">
+              <a:rPr lang="en-US" smtClean="0"/>
+              <a:t>12</a:t>
+            </a:fld>
+            <a:endParaRPr lang="en-US" dirty="0"/>
+          </a:p>
+        </p:txBody>
+      </p:sp>
+      <p:sp>
+        <p:nvSpPr>
+          <p:cNvPr id="2" name="Footer Placeholder 1"/>
+          <p:cNvSpPr>
+            <a:spLocks noGrp="1"/>
+          </p:cNvSpPr>
+          <p:nvPr>
+            <p:ph type="ftr" sz="quarter" idx="11"/>
+          </p:nvPr>
+        </p:nvSpPr>
+        <p:spPr/>
+        <p:txBody>
+          <a:bodyPr/>
+          <a:lstStyle/>
+          <a:p>
+            <a:r>
+              <a:rPr lang="en-US" smtClean="0"/>
+              <a:t>Digital Scholarship Services </a:t>
+            </a:r>
+            <a:r>
+              <a:rPr lang="en-US" smtClean="0">
+                <a:solidFill>
+                  <a:schemeClr val="accent1">
+                    <a:lumMod val="50000"/>
+                  </a:schemeClr>
+                </a:solidFill>
+              </a:rPr>
+              <a:t>| Email</a:t>
+            </a:r>
+            <a:r>
+              <a:rPr lang="en-US" smtClean="0"/>
+              <a:t> cf24@rice.edu </a:t>
+            </a:r>
+            <a:r>
+              <a:rPr lang="en-US" smtClean="0">
+                <a:solidFill>
+                  <a:schemeClr val="accent1">
+                    <a:lumMod val="50000"/>
+                  </a:schemeClr>
+                </a:solidFill>
+              </a:rPr>
+              <a:t>|</a:t>
+            </a:r>
+            <a:r>
+              <a:rPr lang="en-US" smtClean="0"/>
+              <a:t> library.rice.edu/dss</a:t>
+            </a:r>
+            <a:endParaRPr lang="en-US" dirty="0"/>
+          </a:p>
+        </p:txBody>
+      </p:sp>
+    </p:spTree>
+    <p:extLst>
+      <p:ext uri="{BB962C8B-B14F-4D97-AF65-F5344CB8AC3E}">
+        <p14:creationId xmlns:p14="http://schemas.microsoft.com/office/powerpoint/2010/main" val="2838629569"/>
+      </p:ext>
+    </p:extLst>
+  </p:cSld>
+  <p:clrMapOvr>
+    <a:masterClrMapping/>
+  </p:clrMapOvr>
+  <p:timing>
+    <p:tnLst>
+      <p:par>
+        <p:cTn id="1" dur="indefinite" restart="never" nodeType="tmRoot"/>
+      </p:par>
+    </p:tnLst>
+  </p:timing>
+</p:sld>
+</file>
+
+<file path=ppt/slides/slide13.xml><?xml version="1.0" encoding="utf-8"?>
+<p:sld xmlns:a="http://schemas.openxmlformats.org/drawingml/2006/main" xmlns:r="http://schemas.openxmlformats.org/officeDocument/2006/relationships" xmlns:p="http://schemas.openxmlformats.org/presentationml/2006/main">
+  <p:cSld>
+    <p:spTree>
+      <p:nvGrpSpPr>
+        <p:cNvPr id="1" name=""/>
+        <p:cNvGrpSpPr/>
+        <p:nvPr/>
+      </p:nvGrpSpPr>
+      <p:grpSpPr>
+        <a:xfrm>
+          <a:off x="0" y="0"/>
+          <a:ext cx="0" cy="0"/>
+          <a:chOff x="0" y="0"/>
+          <a:chExt cx="0" cy="0"/>
+        </a:xfrm>
+      </p:grpSpPr>
+      <p:sp>
+        <p:nvSpPr>
+          <p:cNvPr id="7" name="Title 6"/>
+          <p:cNvSpPr>
+            <a:spLocks noGrp="1"/>
+          </p:cNvSpPr>
+          <p:nvPr>
+            <p:ph type="title"/>
+          </p:nvPr>
+        </p:nvSpPr>
+        <p:spPr/>
+        <p:txBody>
+          <a:bodyPr/>
+          <a:lstStyle/>
+          <a:p>
+            <a:r>
+              <a:rPr lang="en-US" dirty="0" smtClean="0"/>
+              <a:t>INITIALIZATION</a:t>
+            </a:r>
+            <a:endParaRPr lang="en-US" dirty="0"/>
+          </a:p>
+        </p:txBody>
+      </p:sp>
+      <p:sp>
+        <p:nvSpPr>
+          <p:cNvPr id="8" name="Content Placeholder 7"/>
+          <p:cNvSpPr>
+            <a:spLocks noGrp="1"/>
+          </p:cNvSpPr>
+          <p:nvPr>
+            <p:ph idx="1"/>
+          </p:nvPr>
+        </p:nvSpPr>
+        <p:spPr/>
+        <p:txBody>
+          <a:bodyPr/>
+          <a:lstStyle/>
+          <a:p>
+            <a:r>
+              <a:rPr lang="en-US" dirty="0" err="1">
+                <a:latin typeface="Courier New" panose="02070309020205020404" pitchFamily="49" charset="0"/>
+                <a:cs typeface="Courier New" panose="02070309020205020404" pitchFamily="49" charset="0"/>
+              </a:rPr>
+              <a:t>g</a:t>
+            </a:r>
+            <a:r>
+              <a:rPr lang="en-US" dirty="0" err="1" smtClean="0">
+                <a:latin typeface="Courier New" panose="02070309020205020404" pitchFamily="49" charset="0"/>
+                <a:cs typeface="Courier New" panose="02070309020205020404" pitchFamily="49" charset="0"/>
+              </a:rPr>
+              <a:t>it</a:t>
+            </a:r>
+            <a:r>
+              <a:rPr lang="en-US" dirty="0" smtClean="0">
+                <a:latin typeface="Courier New" panose="02070309020205020404" pitchFamily="49" charset="0"/>
+                <a:cs typeface="Courier New" panose="02070309020205020404" pitchFamily="49" charset="0"/>
+              </a:rPr>
+              <a:t> </a:t>
+            </a:r>
+            <a:r>
+              <a:rPr lang="en-US" dirty="0" err="1" smtClean="0">
+                <a:latin typeface="Courier New" panose="02070309020205020404" pitchFamily="49" charset="0"/>
+                <a:cs typeface="Courier New" panose="02070309020205020404" pitchFamily="49" charset="0"/>
+              </a:rPr>
+              <a:t>init</a:t>
+            </a:r>
+            <a:r>
+              <a:rPr lang="en-US" dirty="0" smtClean="0">
+                <a:latin typeface="Courier New" panose="02070309020205020404" pitchFamily="49" charset="0"/>
+                <a:cs typeface="Courier New" panose="02070309020205020404" pitchFamily="49" charset="0"/>
+              </a:rPr>
+              <a:t>: </a:t>
+            </a:r>
+            <a:r>
+              <a:rPr lang="en-US" dirty="0" smtClean="0">
+                <a:cs typeface="Courier New" panose="02070309020205020404" pitchFamily="49" charset="0"/>
+              </a:rPr>
+              <a:t>Create a repository, with a file index and database</a:t>
+            </a:r>
+          </a:p>
+          <a:p>
+            <a:r>
+              <a:rPr lang="en-US" dirty="0" smtClean="0">
+                <a:cs typeface="Courier New" panose="02070309020205020404" pitchFamily="49" charset="0"/>
+              </a:rPr>
+              <a:t>Stored in the hidden directory .</a:t>
+            </a:r>
+            <a:r>
+              <a:rPr lang="en-US" dirty="0" err="1" smtClean="0">
+                <a:cs typeface="Courier New" panose="02070309020205020404" pitchFamily="49" charset="0"/>
+              </a:rPr>
+              <a:t>git</a:t>
+            </a:r>
+            <a:endParaRPr lang="en-US" dirty="0" smtClean="0">
+              <a:cs typeface="Courier New" panose="02070309020205020404" pitchFamily="49" charset="0"/>
+            </a:endParaRPr>
+          </a:p>
+          <a:p>
+            <a:r>
+              <a:rPr lang="en-US" dirty="0" smtClean="0">
+                <a:cs typeface="Courier New" panose="02070309020205020404" pitchFamily="49" charset="0"/>
+              </a:rPr>
+              <a:t>Note: No files are added to the repository by default!</a:t>
+            </a:r>
+          </a:p>
+          <a:p>
+            <a:pPr lvl="1"/>
+            <a:r>
+              <a:rPr lang="en-US" dirty="0" smtClean="0">
+                <a:cs typeface="Courier New" panose="02070309020205020404" pitchFamily="49" charset="0"/>
+              </a:rPr>
+              <a:t>We’ll get to adding files a bit later</a:t>
+            </a:r>
+            <a:endParaRPr lang="en-US" dirty="0">
+              <a:cs typeface="Courier New" panose="02070309020205020404" pitchFamily="49" charset="0"/>
+            </a:endParaRPr>
+          </a:p>
+        </p:txBody>
+      </p:sp>
+      <p:sp>
+        <p:nvSpPr>
+          <p:cNvPr id="4" name="Date Placeholder 3"/>
+          <p:cNvSpPr>
+            <a:spLocks noGrp="1"/>
+          </p:cNvSpPr>
+          <p:nvPr>
+            <p:ph type="dt" sz="half" idx="10"/>
+          </p:nvPr>
+        </p:nvSpPr>
+        <p:spPr/>
+        <p:txBody>
+          <a:bodyPr/>
+          <a:lstStyle/>
+          <a:p>
+            <a:fld id="{930E186A-0FBF-4DA6-A71A-C325C944F843}" type="datetime4">
+              <a:rPr lang="en-US" smtClean="0"/>
+              <a:t>June 3, 2019</a:t>
+            </a:fld>
+            <a:endParaRPr lang="en-US" dirty="0"/>
+          </a:p>
+        </p:txBody>
+      </p:sp>
+      <p:sp>
+        <p:nvSpPr>
+          <p:cNvPr id="5" name="Footer Placeholder 4"/>
+          <p:cNvSpPr>
+            <a:spLocks noGrp="1"/>
+          </p:cNvSpPr>
+          <p:nvPr>
+            <p:ph type="ftr" sz="quarter" idx="11"/>
+          </p:nvPr>
+        </p:nvSpPr>
+        <p:spPr/>
+        <p:txBody>
+          <a:bodyPr/>
+          <a:lstStyle/>
+          <a:p>
+            <a:r>
+              <a:rPr lang="en-US" smtClean="0"/>
+              <a:t>Digital Scholarship Services </a:t>
+            </a:r>
+            <a:r>
+              <a:rPr lang="en-US" smtClean="0">
+                <a:solidFill>
+                  <a:schemeClr val="accent1">
+                    <a:lumMod val="50000"/>
+                  </a:schemeClr>
+                </a:solidFill>
+              </a:rPr>
+              <a:t>| Email</a:t>
+            </a:r>
+            <a:r>
+              <a:rPr lang="en-US" smtClean="0"/>
+              <a:t> cf24@rice.edu </a:t>
+            </a:r>
+            <a:r>
+              <a:rPr lang="en-US" smtClean="0">
+                <a:solidFill>
+                  <a:schemeClr val="accent1">
+                    <a:lumMod val="50000"/>
+                  </a:schemeClr>
+                </a:solidFill>
+              </a:rPr>
+              <a:t>|</a:t>
+            </a:r>
+            <a:r>
+              <a:rPr lang="en-US" smtClean="0"/>
+              <a:t> library.rice.edu/dss</a:t>
+            </a:r>
+            <a:endParaRPr lang="en-US" dirty="0"/>
+          </a:p>
+        </p:txBody>
+      </p:sp>
+      <p:sp>
+        <p:nvSpPr>
+          <p:cNvPr id="6" name="Slide Number Placeholder 5"/>
+          <p:cNvSpPr>
+            <a:spLocks noGrp="1"/>
+          </p:cNvSpPr>
+          <p:nvPr>
+            <p:ph type="sldNum" sz="quarter" idx="12"/>
+          </p:nvPr>
+        </p:nvSpPr>
+        <p:spPr/>
+        <p:txBody>
+          <a:bodyPr/>
+          <a:lstStyle/>
+          <a:p>
+            <a:fld id="{D57F1E4F-1CFF-5643-939E-02111984F565}" type="slidenum">
+              <a:rPr lang="en-US" smtClean="0"/>
+              <a:t>13</a:t>
+            </a:fld>
+            <a:endParaRPr lang="en-US" dirty="0"/>
+          </a:p>
+        </p:txBody>
+      </p:sp>
+    </p:spTree>
+    <p:extLst>
+      <p:ext uri="{BB962C8B-B14F-4D97-AF65-F5344CB8AC3E}">
+        <p14:creationId xmlns:p14="http://schemas.microsoft.com/office/powerpoint/2010/main" val="1050215713"/>
+      </p:ext>
+    </p:extLst>
+  </p:cSld>
+  <p:clrMapOvr>
+    <a:masterClrMapping/>
+  </p:clrMapOvr>
+</p:sld>
+</file>
+
+<file path=ppt/slides/slide14.xml><?xml version="1.0" encoding="utf-8"?>
+<p:sld xmlns:a="http://schemas.openxmlformats.org/drawingml/2006/main" xmlns:r="http://schemas.openxmlformats.org/officeDocument/2006/relationships" xmlns:p="http://schemas.openxmlformats.org/presentationml/2006/main">
+  <p:cSld>
+    <p:spTree>
+      <p:nvGrpSpPr>
+        <p:cNvPr id="1" name=""/>
+        <p:cNvGrpSpPr/>
+        <p:nvPr/>
+      </p:nvGrpSpPr>
+      <p:grpSpPr>
+        <a:xfrm>
+          <a:off x="0" y="0"/>
+          <a:ext cx="0" cy="0"/>
+          <a:chOff x="0" y="0"/>
+          <a:chExt cx="0" cy="0"/>
+        </a:xfrm>
+      </p:grpSpPr>
+      <p:sp>
+        <p:nvSpPr>
+          <p:cNvPr id="2" name="Title 1"/>
+          <p:cNvSpPr>
+            <a:spLocks noGrp="1"/>
+          </p:cNvSpPr>
+          <p:nvPr>
+            <p:ph type="title"/>
+          </p:nvPr>
+        </p:nvSpPr>
+        <p:spPr/>
+        <p:txBody>
+          <a:bodyPr/>
+          <a:lstStyle/>
+          <a:p>
+            <a:r>
+              <a:rPr lang="en-US" dirty="0" smtClean="0"/>
+              <a:t>CLONING</a:t>
+            </a:r>
+            <a:endParaRPr lang="en-US" dirty="0"/>
+          </a:p>
+        </p:txBody>
+      </p:sp>
+      <p:sp>
+        <p:nvSpPr>
+          <p:cNvPr id="3" name="Content Placeholder 2"/>
+          <p:cNvSpPr>
+            <a:spLocks noGrp="1"/>
+          </p:cNvSpPr>
+          <p:nvPr>
+            <p:ph idx="1"/>
+          </p:nvPr>
+        </p:nvSpPr>
+        <p:spPr/>
+        <p:txBody>
+          <a:bodyPr/>
+          <a:lstStyle/>
+          <a:p>
+            <a:r>
+              <a:rPr lang="en-US" dirty="0" smtClean="0"/>
+              <a:t>Downloads entire history of a repository hosted on GitHub</a:t>
+            </a:r>
+          </a:p>
+          <a:p>
+            <a:r>
+              <a:rPr lang="en-US" dirty="0" smtClean="0">
+                <a:cs typeface="Courier New" panose="02070309020205020404" pitchFamily="49" charset="0"/>
+              </a:rPr>
+              <a:t>Two ways to get the URL:</a:t>
+            </a:r>
+          </a:p>
+          <a:p>
+            <a:endParaRPr lang="en-US" dirty="0" smtClean="0">
+              <a:cs typeface="Courier New" panose="02070309020205020404" pitchFamily="49" charset="0"/>
+            </a:endParaRPr>
+          </a:p>
+          <a:p>
+            <a:endParaRPr lang="en-US" dirty="0">
+              <a:latin typeface="Courier New" panose="02070309020205020404" pitchFamily="49" charset="0"/>
+              <a:cs typeface="Courier New" panose="02070309020205020404" pitchFamily="49" charset="0"/>
+            </a:endParaRPr>
+          </a:p>
+        </p:txBody>
+      </p:sp>
+      <p:sp>
+        <p:nvSpPr>
+          <p:cNvPr id="4" name="Date Placeholder 3"/>
+          <p:cNvSpPr>
+            <a:spLocks noGrp="1"/>
+          </p:cNvSpPr>
+          <p:nvPr>
+            <p:ph type="dt" sz="half" idx="10"/>
+          </p:nvPr>
+        </p:nvSpPr>
+        <p:spPr/>
+        <p:txBody>
+          <a:bodyPr/>
+          <a:lstStyle/>
+          <a:p>
+            <a:fld id="{74F93749-3CD2-4A95-98ED-FE9E109683BE}" type="datetime4">
+              <a:rPr lang="en-US" smtClean="0"/>
+              <a:t>June 3, 2019</a:t>
+            </a:fld>
+            <a:endParaRPr lang="en-US" dirty="0"/>
+          </a:p>
+        </p:txBody>
+      </p:sp>
+      <p:sp>
+        <p:nvSpPr>
+          <p:cNvPr id="5" name="Footer Placeholder 4"/>
+          <p:cNvSpPr>
+            <a:spLocks noGrp="1"/>
+          </p:cNvSpPr>
+          <p:nvPr>
+            <p:ph type="ftr" sz="quarter" idx="11"/>
+          </p:nvPr>
+        </p:nvSpPr>
+        <p:spPr/>
+        <p:txBody>
+          <a:bodyPr/>
+          <a:lstStyle/>
+          <a:p>
+            <a:r>
+              <a:rPr lang="en-US" smtClean="0"/>
+              <a:t>Digital Scholarship Services </a:t>
+            </a:r>
+            <a:r>
+              <a:rPr lang="en-US" smtClean="0">
+                <a:solidFill>
+                  <a:schemeClr val="accent1">
+                    <a:lumMod val="50000"/>
+                  </a:schemeClr>
+                </a:solidFill>
+              </a:rPr>
+              <a:t>| Email</a:t>
+            </a:r>
+            <a:r>
+              <a:rPr lang="en-US" smtClean="0"/>
+              <a:t> cf24@rice.edu </a:t>
+            </a:r>
+            <a:r>
+              <a:rPr lang="en-US" smtClean="0">
+                <a:solidFill>
+                  <a:schemeClr val="accent1">
+                    <a:lumMod val="50000"/>
+                  </a:schemeClr>
+                </a:solidFill>
+              </a:rPr>
+              <a:t>|</a:t>
+            </a:r>
+            <a:r>
+              <a:rPr lang="en-US" smtClean="0"/>
+              <a:t> library.rice.edu/dss</a:t>
+            </a:r>
+            <a:endParaRPr lang="en-US" dirty="0"/>
+          </a:p>
+        </p:txBody>
+      </p:sp>
+      <p:sp>
+        <p:nvSpPr>
+          <p:cNvPr id="6" name="Slide Number Placeholder 5"/>
+          <p:cNvSpPr>
+            <a:spLocks noGrp="1"/>
+          </p:cNvSpPr>
+          <p:nvPr>
+            <p:ph type="sldNum" sz="quarter" idx="12"/>
+          </p:nvPr>
+        </p:nvSpPr>
+        <p:spPr/>
+        <p:txBody>
+          <a:bodyPr/>
+          <a:lstStyle/>
+          <a:p>
+            <a:fld id="{D57F1E4F-1CFF-5643-939E-02111984F565}" type="slidenum">
+              <a:rPr lang="en-US" smtClean="0"/>
+              <a:t>14</a:t>
+            </a:fld>
+            <a:endParaRPr lang="en-US" dirty="0"/>
+          </a:p>
+        </p:txBody>
+      </p:sp>
+      <p:pic>
+        <p:nvPicPr>
+          <p:cNvPr id="7" name="Picture 6"/>
+          <p:cNvPicPr>
+            <a:picLocks noChangeAspect="1"/>
+          </p:cNvPicPr>
+          <p:nvPr/>
+        </p:nvPicPr>
+        <p:blipFill>
+          <a:blip r:embed="rId2"/>
+          <a:stretch>
+            <a:fillRect/>
+          </a:stretch>
+        </p:blipFill>
+        <p:spPr>
+          <a:xfrm>
+            <a:off x="2209800" y="2899567"/>
+            <a:ext cx="7942864" cy="3277396"/>
+          </a:xfrm>
+          <a:prstGeom prst="rect">
+            <a:avLst/>
+          </a:prstGeom>
+        </p:spPr>
+      </p:pic>
+      <p:sp>
+        <p:nvSpPr>
+          <p:cNvPr id="8" name="Rectangle 7"/>
+          <p:cNvSpPr/>
+          <p:nvPr/>
+        </p:nvSpPr>
+        <p:spPr>
+          <a:xfrm>
+            <a:off x="4130566" y="3216166"/>
+            <a:ext cx="1718441" cy="204951"/>
+          </a:xfrm>
+          <a:prstGeom prst="rect">
+            <a:avLst/>
+          </a:prstGeom>
+          <a:noFill/>
+          <a:ln w="57150">
+            <a:solidFill>
+              <a:schemeClr val="accent1">
+                <a:lumMod val="50000"/>
+              </a:schemeClr>
+            </a:solidFill>
+          </a:ln>
+        </p:spPr>
+        <p:style>
+          <a:lnRef idx="2">
+            <a:schemeClr val="accent1">
+              <a:shade val="50000"/>
+            </a:schemeClr>
+          </a:lnRef>
+          <a:fillRef idx="1">
+            <a:schemeClr val="accent1"/>
+          </a:fillRef>
+          <a:effectRef idx="0">
+            <a:schemeClr val="accent1"/>
+          </a:effectRef>
+          <a:fontRef idx="minor">
+            <a:schemeClr val="lt1"/>
+          </a:fontRef>
+        </p:style>
+        <p:txBody>
+          <a:bodyPr rtlCol="0" anchor="ctr"/>
+          <a:lstStyle/>
+          <a:p>
+            <a:pPr algn="ctr"/>
+            <a:endParaRPr lang="en-US"/>
+          </a:p>
+        </p:txBody>
+      </p:sp>
+      <p:sp>
+        <p:nvSpPr>
+          <p:cNvPr id="9" name="Rectangle 8"/>
+          <p:cNvSpPr/>
+          <p:nvPr/>
+        </p:nvSpPr>
+        <p:spPr>
+          <a:xfrm>
+            <a:off x="9067160" y="5940057"/>
+            <a:ext cx="1085504" cy="217733"/>
+          </a:xfrm>
+          <a:prstGeom prst="rect">
+            <a:avLst/>
+          </a:prstGeom>
+          <a:noFill/>
+          <a:ln w="57150">
+            <a:solidFill>
+              <a:schemeClr val="accent1">
+                <a:lumMod val="50000"/>
+              </a:schemeClr>
+            </a:solidFill>
+          </a:ln>
+        </p:spPr>
+        <p:style>
+          <a:lnRef idx="2">
+            <a:schemeClr val="accent1">
+              <a:shade val="50000"/>
+            </a:schemeClr>
+          </a:lnRef>
+          <a:fillRef idx="1">
+            <a:schemeClr val="accent1"/>
+          </a:fillRef>
+          <a:effectRef idx="0">
+            <a:schemeClr val="accent1"/>
+          </a:effectRef>
+          <a:fontRef idx="minor">
+            <a:schemeClr val="lt1"/>
+          </a:fontRef>
+        </p:style>
+        <p:txBody>
+          <a:bodyPr rtlCol="0" anchor="ctr"/>
+          <a:lstStyle/>
+          <a:p>
+            <a:pPr algn="ctr"/>
+            <a:endParaRPr lang="en-US"/>
+          </a:p>
+        </p:txBody>
+      </p:sp>
+    </p:spTree>
+    <p:extLst>
+      <p:ext uri="{BB962C8B-B14F-4D97-AF65-F5344CB8AC3E}">
+        <p14:creationId xmlns:p14="http://schemas.microsoft.com/office/powerpoint/2010/main" val="1403318947"/>
+      </p:ext>
+    </p:extLst>
+  </p:cSld>
+  <p:clrMapOvr>
+    <a:masterClrMapping/>
+  </p:clrMapOvr>
+</p:sld>
+</file>
+
+<file path=ppt/slides/slide15.xml><?xml version="1.0" encoding="utf-8"?>
+<p:sld xmlns:a="http://schemas.openxmlformats.org/drawingml/2006/main" xmlns:r="http://schemas.openxmlformats.org/officeDocument/2006/relationships" xmlns:p="http://schemas.openxmlformats.org/presentationml/2006/main">
+  <p:cSld>
+    <p:spTree>
+      <p:nvGrpSpPr>
+        <p:cNvPr id="1" name=""/>
+        <p:cNvGrpSpPr/>
+        <p:nvPr/>
+      </p:nvGrpSpPr>
+      <p:grpSpPr>
+        <a:xfrm>
+          <a:off x="0" y="0"/>
+          <a:ext cx="0" cy="0"/>
+          <a:chOff x="0" y="0"/>
+          <a:chExt cx="0" cy="0"/>
+        </a:xfrm>
+      </p:grpSpPr>
+      <p:sp>
+        <p:nvSpPr>
+          <p:cNvPr id="2" name="Title 1"/>
+          <p:cNvSpPr>
+            <a:spLocks noGrp="1"/>
+          </p:cNvSpPr>
+          <p:nvPr>
+            <p:ph type="title"/>
+          </p:nvPr>
+        </p:nvSpPr>
+        <p:spPr/>
+        <p:txBody>
+          <a:bodyPr/>
+          <a:lstStyle/>
+          <a:p>
+            <a:r>
+              <a:rPr lang="en-US" dirty="0" smtClean="0"/>
+              <a:t>CLONING</a:t>
+            </a:r>
+            <a:endParaRPr lang="en-US" dirty="0"/>
+          </a:p>
+        </p:txBody>
+      </p:sp>
+      <p:sp>
+        <p:nvSpPr>
+          <p:cNvPr id="3" name="Content Placeholder 2"/>
+          <p:cNvSpPr>
+            <a:spLocks noGrp="1"/>
+          </p:cNvSpPr>
+          <p:nvPr>
+            <p:ph idx="1"/>
+          </p:nvPr>
+        </p:nvSpPr>
+        <p:spPr/>
+        <p:txBody>
+          <a:bodyPr/>
+          <a:lstStyle/>
+          <a:p>
+            <a:r>
+              <a:rPr lang="en-US" dirty="0" smtClean="0"/>
+              <a:t>Most recent snapshot immediately available</a:t>
+            </a:r>
+          </a:p>
+          <a:p>
+            <a:r>
+              <a:rPr lang="en-US" dirty="0" smtClean="0"/>
+              <a:t>Full history needs to be downloaded as well. Takes time &amp; space!</a:t>
+            </a:r>
+            <a:endParaRPr lang="en-US" dirty="0"/>
+          </a:p>
+        </p:txBody>
+      </p:sp>
+      <p:sp>
+        <p:nvSpPr>
+          <p:cNvPr id="4" name="Date Placeholder 3"/>
+          <p:cNvSpPr>
+            <a:spLocks noGrp="1"/>
+          </p:cNvSpPr>
+          <p:nvPr>
+            <p:ph type="dt" sz="half" idx="10"/>
+          </p:nvPr>
+        </p:nvSpPr>
+        <p:spPr/>
+        <p:txBody>
+          <a:bodyPr/>
+          <a:lstStyle/>
+          <a:p>
+            <a:fld id="{74F93749-3CD2-4A95-98ED-FE9E109683BE}" type="datetime4">
+              <a:rPr lang="en-US" smtClean="0"/>
+              <a:t>June 3, 2019</a:t>
+            </a:fld>
+            <a:endParaRPr lang="en-US" dirty="0"/>
+          </a:p>
+        </p:txBody>
+      </p:sp>
+      <p:sp>
+        <p:nvSpPr>
+          <p:cNvPr id="5" name="Footer Placeholder 4"/>
+          <p:cNvSpPr>
+            <a:spLocks noGrp="1"/>
+          </p:cNvSpPr>
+          <p:nvPr>
+            <p:ph type="ftr" sz="quarter" idx="11"/>
+          </p:nvPr>
+        </p:nvSpPr>
+        <p:spPr/>
+        <p:txBody>
+          <a:bodyPr/>
+          <a:lstStyle/>
+          <a:p>
+            <a:r>
+              <a:rPr lang="en-US" smtClean="0"/>
+              <a:t>Digital Scholarship Services </a:t>
+            </a:r>
+            <a:r>
+              <a:rPr lang="en-US" smtClean="0">
+                <a:solidFill>
+                  <a:schemeClr val="accent1">
+                    <a:lumMod val="50000"/>
+                  </a:schemeClr>
+                </a:solidFill>
+              </a:rPr>
+              <a:t>| Email</a:t>
+            </a:r>
+            <a:r>
+              <a:rPr lang="en-US" smtClean="0"/>
+              <a:t> cf24@rice.edu </a:t>
+            </a:r>
+            <a:r>
+              <a:rPr lang="en-US" smtClean="0">
+                <a:solidFill>
+                  <a:schemeClr val="accent1">
+                    <a:lumMod val="50000"/>
+                  </a:schemeClr>
+                </a:solidFill>
+              </a:rPr>
+              <a:t>|</a:t>
+            </a:r>
+            <a:r>
+              <a:rPr lang="en-US" smtClean="0"/>
+              <a:t> library.rice.edu/dss</a:t>
+            </a:r>
+            <a:endParaRPr lang="en-US" dirty="0"/>
+          </a:p>
+        </p:txBody>
+      </p:sp>
+      <p:sp>
+        <p:nvSpPr>
+          <p:cNvPr id="6" name="Slide Number Placeholder 5"/>
+          <p:cNvSpPr>
+            <a:spLocks noGrp="1"/>
+          </p:cNvSpPr>
+          <p:nvPr>
+            <p:ph type="sldNum" sz="quarter" idx="12"/>
+          </p:nvPr>
+        </p:nvSpPr>
+        <p:spPr/>
+        <p:txBody>
+          <a:bodyPr/>
+          <a:lstStyle/>
+          <a:p>
+            <a:fld id="{D57F1E4F-1CFF-5643-939E-02111984F565}" type="slidenum">
+              <a:rPr lang="en-US" smtClean="0"/>
+              <a:t>15</a:t>
+            </a:fld>
+            <a:endParaRPr lang="en-US" dirty="0"/>
+          </a:p>
+        </p:txBody>
+      </p:sp>
+    </p:spTree>
+    <p:extLst>
+      <p:ext uri="{BB962C8B-B14F-4D97-AF65-F5344CB8AC3E}">
+        <p14:creationId xmlns:p14="http://schemas.microsoft.com/office/powerpoint/2010/main" val="3316237551"/>
+      </p:ext>
+    </p:extLst>
+  </p:cSld>
+  <p:clrMapOvr>
+    <a:masterClrMapping/>
+  </p:clrMapOvr>
+</p:sld>
+</file>
+
+<file path=ppt/slides/slide16.xml><?xml version="1.0" encoding="utf-8"?>
+<p:sld xmlns:a="http://schemas.openxmlformats.org/drawingml/2006/main" xmlns:r="http://schemas.openxmlformats.org/officeDocument/2006/relationships" xmlns:p="http://schemas.openxmlformats.org/presentationml/2006/main">
+  <p:cSld>
+    <p:spTree>
+      <p:nvGrpSpPr>
+        <p:cNvPr id="1" name=""/>
+        <p:cNvGrpSpPr/>
+        <p:nvPr/>
+      </p:nvGrpSpPr>
+      <p:grpSpPr>
+        <a:xfrm>
+          <a:off x="0" y="0"/>
+          <a:ext cx="0" cy="0"/>
+          <a:chOff x="0" y="0"/>
+          <a:chExt cx="0" cy="0"/>
+        </a:xfrm>
+      </p:grpSpPr>
+      <p:sp>
+        <p:nvSpPr>
+          <p:cNvPr id="2" name="Title 1"/>
+          <p:cNvSpPr>
+            <a:spLocks noGrp="1"/>
+          </p:cNvSpPr>
+          <p:nvPr>
+            <p:ph type="title"/>
+          </p:nvPr>
+        </p:nvSpPr>
+        <p:spPr/>
+        <p:txBody>
+          <a:bodyPr/>
+          <a:lstStyle/>
+          <a:p>
+            <a:r>
+              <a:rPr lang="en-US" dirty="0" smtClean="0"/>
+              <a:t>CLONING</a:t>
+            </a:r>
+            <a:endParaRPr lang="en-US" dirty="0"/>
+          </a:p>
+        </p:txBody>
+      </p:sp>
+      <p:sp>
+        <p:nvSpPr>
+          <p:cNvPr id="3" name="Content Placeholder 2"/>
+          <p:cNvSpPr>
+            <a:spLocks noGrp="1"/>
+          </p:cNvSpPr>
+          <p:nvPr>
+            <p:ph idx="1"/>
+          </p:nvPr>
+        </p:nvSpPr>
+        <p:spPr/>
+        <p:txBody>
+          <a:bodyPr/>
+          <a:lstStyle/>
+          <a:p>
+            <a:pPr marL="0" indent="0">
+              <a:buNone/>
+            </a:pPr>
+            <a:r>
+              <a:rPr lang="en-US" dirty="0" smtClean="0"/>
+              <a:t>Clone this repository from GitHub now!</a:t>
+            </a:r>
+          </a:p>
+          <a:p>
+            <a:endParaRPr lang="en-US" dirty="0"/>
+          </a:p>
+          <a:p>
+            <a:pPr marL="0" indent="0">
+              <a:buNone/>
+            </a:pPr>
+            <a:r>
+              <a:rPr lang="en-US" dirty="0">
+                <a:hlinkClick r:id="rId2"/>
+              </a:rPr>
+              <a:t>https://github.com/bakitybacon/rice-data-and-donuts-github</a:t>
+            </a:r>
+            <a:endParaRPr lang="en-US" dirty="0"/>
+          </a:p>
+        </p:txBody>
+      </p:sp>
+      <p:sp>
+        <p:nvSpPr>
+          <p:cNvPr id="4" name="Date Placeholder 3"/>
+          <p:cNvSpPr>
+            <a:spLocks noGrp="1"/>
+          </p:cNvSpPr>
+          <p:nvPr>
+            <p:ph type="dt" sz="half" idx="10"/>
+          </p:nvPr>
+        </p:nvSpPr>
+        <p:spPr/>
+        <p:txBody>
+          <a:bodyPr/>
+          <a:lstStyle/>
+          <a:p>
+            <a:fld id="{74F93749-3CD2-4A95-98ED-FE9E109683BE}" type="datetime4">
+              <a:rPr lang="en-US" smtClean="0"/>
+              <a:t>June 3, 2019</a:t>
+            </a:fld>
+            <a:endParaRPr lang="en-US" dirty="0"/>
+          </a:p>
+        </p:txBody>
+      </p:sp>
+      <p:sp>
+        <p:nvSpPr>
+          <p:cNvPr id="5" name="Footer Placeholder 4"/>
+          <p:cNvSpPr>
+            <a:spLocks noGrp="1"/>
+          </p:cNvSpPr>
+          <p:nvPr>
+            <p:ph type="ftr" sz="quarter" idx="11"/>
+          </p:nvPr>
+        </p:nvSpPr>
+        <p:spPr/>
+        <p:txBody>
+          <a:bodyPr/>
+          <a:lstStyle/>
+          <a:p>
+            <a:r>
+              <a:rPr lang="en-US" smtClean="0"/>
+              <a:t>Digital Scholarship Services </a:t>
+            </a:r>
+            <a:r>
+              <a:rPr lang="en-US" smtClean="0">
+                <a:solidFill>
+                  <a:schemeClr val="accent1">
+                    <a:lumMod val="50000"/>
+                  </a:schemeClr>
+                </a:solidFill>
+              </a:rPr>
+              <a:t>| Email</a:t>
+            </a:r>
+            <a:r>
+              <a:rPr lang="en-US" smtClean="0"/>
+              <a:t> cf24@rice.edu </a:t>
+            </a:r>
+            <a:r>
+              <a:rPr lang="en-US" smtClean="0">
+                <a:solidFill>
+                  <a:schemeClr val="accent1">
+                    <a:lumMod val="50000"/>
+                  </a:schemeClr>
+                </a:solidFill>
+              </a:rPr>
+              <a:t>|</a:t>
+            </a:r>
+            <a:r>
+              <a:rPr lang="en-US" smtClean="0"/>
+              <a:t> library.rice.edu/dss</a:t>
+            </a:r>
+            <a:endParaRPr lang="en-US" dirty="0"/>
+          </a:p>
+        </p:txBody>
+      </p:sp>
+      <p:sp>
+        <p:nvSpPr>
+          <p:cNvPr id="6" name="Slide Number Placeholder 5"/>
+          <p:cNvSpPr>
+            <a:spLocks noGrp="1"/>
+          </p:cNvSpPr>
+          <p:nvPr>
+            <p:ph type="sldNum" sz="quarter" idx="12"/>
+          </p:nvPr>
+        </p:nvSpPr>
+        <p:spPr/>
+        <p:txBody>
+          <a:bodyPr/>
+          <a:lstStyle/>
+          <a:p>
+            <a:fld id="{D57F1E4F-1CFF-5643-939E-02111984F565}" type="slidenum">
+              <a:rPr lang="en-US" smtClean="0"/>
+              <a:t>16</a:t>
+            </a:fld>
+            <a:endParaRPr lang="en-US" dirty="0"/>
+          </a:p>
+        </p:txBody>
+      </p:sp>
+    </p:spTree>
+    <p:extLst>
+      <p:ext uri="{BB962C8B-B14F-4D97-AF65-F5344CB8AC3E}">
+        <p14:creationId xmlns:p14="http://schemas.microsoft.com/office/powerpoint/2010/main" val="2097334092"/>
+      </p:ext>
+    </p:extLst>
+  </p:cSld>
+  <p:clrMapOvr>
+    <a:masterClrMapping/>
+  </p:clrMapOvr>
+</p:sld>
+</file>
+
+<file path=ppt/slides/slide17.xml><?xml version="1.0" encoding="utf-8"?>
+<p:sld xmlns:a="http://schemas.openxmlformats.org/drawingml/2006/main" xmlns:r="http://schemas.openxmlformats.org/officeDocument/2006/relationships" xmlns:p="http://schemas.openxmlformats.org/presentationml/2006/main">
+  <p:cSld>
+    <p:spTree>
+      <p:nvGrpSpPr>
+        <p:cNvPr id="1" name=""/>
+        <p:cNvGrpSpPr/>
+        <p:nvPr/>
+      </p:nvGrpSpPr>
+      <p:grpSpPr>
+        <a:xfrm>
+          <a:off x="0" y="0"/>
+          <a:ext cx="0" cy="0"/>
+          <a:chOff x="0" y="0"/>
+          <a:chExt cx="0" cy="0"/>
+        </a:xfrm>
+      </p:grpSpPr>
+      <p:sp>
+        <p:nvSpPr>
+          <p:cNvPr id="4" name="Title 3"/>
+          <p:cNvSpPr>
+            <a:spLocks noGrp="1"/>
+          </p:cNvSpPr>
+          <p:nvPr>
+            <p:ph type="title"/>
+          </p:nvPr>
+        </p:nvSpPr>
+        <p:spPr/>
+        <p:txBody>
+          <a:bodyPr/>
+          <a:lstStyle/>
+          <a:p>
+            <a:r>
+              <a:rPr lang="en-US" dirty="0" smtClean="0">
+                <a:latin typeface="+mn-lt"/>
+              </a:rPr>
+              <a:t>EDITING WORKFLOW</a:t>
+            </a:r>
+            <a:endParaRPr lang="en-US" dirty="0">
+              <a:latin typeface="+mn-lt"/>
+            </a:endParaRPr>
+          </a:p>
+        </p:txBody>
+      </p:sp>
+      <p:sp>
+        <p:nvSpPr>
+          <p:cNvPr id="5" name="Text Placeholder 4"/>
+          <p:cNvSpPr>
+            <a:spLocks noGrp="1"/>
+          </p:cNvSpPr>
+          <p:nvPr>
+            <p:ph type="body" idx="1"/>
+          </p:nvPr>
+        </p:nvSpPr>
+        <p:spPr/>
+        <p:txBody>
+          <a:bodyPr/>
+          <a:lstStyle/>
+          <a:p>
+            <a:r>
+              <a:rPr lang="en-US" dirty="0" smtClean="0"/>
+              <a:t>Editing, adding, staging, and committing</a:t>
+            </a:r>
+            <a:endParaRPr lang="en-US" dirty="0"/>
+          </a:p>
+        </p:txBody>
+      </p:sp>
+      <p:sp>
+        <p:nvSpPr>
+          <p:cNvPr id="7" name="Date Placeholder 6"/>
+          <p:cNvSpPr>
+            <a:spLocks noGrp="1"/>
+          </p:cNvSpPr>
+          <p:nvPr>
+            <p:ph type="dt" sz="half" idx="10"/>
+          </p:nvPr>
+        </p:nvSpPr>
+        <p:spPr/>
+        <p:txBody>
+          <a:bodyPr/>
+          <a:lstStyle/>
+          <a:p>
+            <a:fld id="{BC12CDDA-E02E-4D2B-B8BD-6E893F38A342}" type="datetime4">
+              <a:rPr lang="en-US" smtClean="0"/>
+              <a:t>June 3, 2019</a:t>
+            </a:fld>
+            <a:endParaRPr lang="en-US" dirty="0"/>
+          </a:p>
+        </p:txBody>
+      </p:sp>
+      <p:sp>
+        <p:nvSpPr>
+          <p:cNvPr id="8" name="Slide Number Placeholder 7"/>
+          <p:cNvSpPr>
+            <a:spLocks noGrp="1"/>
+          </p:cNvSpPr>
+          <p:nvPr>
+            <p:ph type="sldNum" sz="quarter" idx="12"/>
+          </p:nvPr>
+        </p:nvSpPr>
+        <p:spPr/>
+        <p:txBody>
+          <a:bodyPr/>
+          <a:lstStyle/>
+          <a:p>
+            <a:fld id="{D57F1E4F-1CFF-5643-939E-02111984F565}" type="slidenum">
+              <a:rPr lang="en-US" smtClean="0"/>
+              <a:t>17</a:t>
+            </a:fld>
+            <a:endParaRPr lang="en-US" dirty="0"/>
+          </a:p>
+        </p:txBody>
+      </p:sp>
+      <p:sp>
+        <p:nvSpPr>
+          <p:cNvPr id="2" name="Footer Placeholder 1"/>
+          <p:cNvSpPr>
+            <a:spLocks noGrp="1"/>
+          </p:cNvSpPr>
+          <p:nvPr>
+            <p:ph type="ftr" sz="quarter" idx="11"/>
+          </p:nvPr>
+        </p:nvSpPr>
+        <p:spPr/>
+        <p:txBody>
+          <a:bodyPr/>
+          <a:lstStyle/>
+          <a:p>
+            <a:r>
+              <a:rPr lang="en-US" smtClean="0"/>
+              <a:t>Digital Scholarship Services </a:t>
+            </a:r>
+            <a:r>
+              <a:rPr lang="en-US" smtClean="0">
+                <a:solidFill>
+                  <a:schemeClr val="accent1">
+                    <a:lumMod val="50000"/>
+                  </a:schemeClr>
+                </a:solidFill>
+              </a:rPr>
+              <a:t>| Email</a:t>
+            </a:r>
+            <a:r>
+              <a:rPr lang="en-US" smtClean="0"/>
+              <a:t> cf24@rice.edu </a:t>
+            </a:r>
+            <a:r>
+              <a:rPr lang="en-US" smtClean="0">
+                <a:solidFill>
+                  <a:schemeClr val="accent1">
+                    <a:lumMod val="50000"/>
+                  </a:schemeClr>
+                </a:solidFill>
+              </a:rPr>
+              <a:t>|</a:t>
+            </a:r>
+            <a:r>
+              <a:rPr lang="en-US" smtClean="0"/>
+              <a:t> library.rice.edu/dss</a:t>
+            </a:r>
+            <a:endParaRPr lang="en-US" dirty="0"/>
+          </a:p>
+        </p:txBody>
+      </p:sp>
+    </p:spTree>
+    <p:extLst>
+      <p:ext uri="{BB962C8B-B14F-4D97-AF65-F5344CB8AC3E}">
+        <p14:creationId xmlns:p14="http://schemas.microsoft.com/office/powerpoint/2010/main" val="2297392477"/>
+      </p:ext>
+    </p:extLst>
+  </p:cSld>
+  <p:clrMapOvr>
+    <a:masterClrMapping/>
+  </p:clrMapOvr>
+  <p:timing>
+    <p:tnLst>
+      <p:par>
+        <p:cTn id="1" dur="indefinite" restart="never" nodeType="tmRoot"/>
+      </p:par>
+    </p:tnLst>
+  </p:timing>
+</p:sld>
+</file>
+
+<file path=ppt/slides/slide18.xml><?xml version="1.0" encoding="utf-8"?>
+<p:sld xmlns:a="http://schemas.openxmlformats.org/drawingml/2006/main" xmlns:r="http://schemas.openxmlformats.org/officeDocument/2006/relationships" xmlns:p="http://schemas.openxmlformats.org/presentationml/2006/main">
+  <p:cSld>
+    <p:spTree>
+      <p:nvGrpSpPr>
+        <p:cNvPr id="1" name=""/>
+        <p:cNvGrpSpPr/>
+        <p:nvPr/>
+      </p:nvGrpSpPr>
+      <p:grpSpPr>
+        <a:xfrm>
+          <a:off x="0" y="0"/>
+          <a:ext cx="0" cy="0"/>
+          <a:chOff x="0" y="0"/>
+          <a:chExt cx="0" cy="0"/>
+        </a:xfrm>
+      </p:grpSpPr>
+      <p:sp>
+        <p:nvSpPr>
+          <p:cNvPr id="7" name="Title 6"/>
+          <p:cNvSpPr>
+            <a:spLocks noGrp="1"/>
+          </p:cNvSpPr>
+          <p:nvPr>
+            <p:ph type="title"/>
+          </p:nvPr>
+        </p:nvSpPr>
+        <p:spPr/>
+        <p:txBody>
+          <a:bodyPr/>
+          <a:lstStyle/>
+          <a:p>
+            <a:r>
+              <a:rPr lang="en-US" dirty="0" smtClean="0"/>
+              <a:t>REVIEW OF FILE STATES</a:t>
+            </a:r>
+            <a:endParaRPr lang="en-US" dirty="0"/>
+          </a:p>
+        </p:txBody>
+      </p:sp>
+      <p:sp>
+        <p:nvSpPr>
+          <p:cNvPr id="4" name="Date Placeholder 3"/>
+          <p:cNvSpPr>
+            <a:spLocks noGrp="1"/>
+          </p:cNvSpPr>
+          <p:nvPr>
+            <p:ph type="dt" sz="half" idx="10"/>
+          </p:nvPr>
+        </p:nvSpPr>
+        <p:spPr/>
+        <p:txBody>
+          <a:bodyPr/>
+          <a:lstStyle/>
+          <a:p>
+            <a:fld id="{930E186A-0FBF-4DA6-A71A-C325C944F843}" type="datetime4">
+              <a:rPr lang="en-US" smtClean="0"/>
+              <a:t>June 3, 2019</a:t>
+            </a:fld>
+            <a:endParaRPr lang="en-US" dirty="0"/>
+          </a:p>
+        </p:txBody>
+      </p:sp>
+      <p:sp>
+        <p:nvSpPr>
+          <p:cNvPr id="5" name="Footer Placeholder 4"/>
+          <p:cNvSpPr>
+            <a:spLocks noGrp="1"/>
+          </p:cNvSpPr>
+          <p:nvPr>
+            <p:ph type="ftr" sz="quarter" idx="11"/>
+          </p:nvPr>
+        </p:nvSpPr>
+        <p:spPr/>
+        <p:txBody>
+          <a:bodyPr/>
+          <a:lstStyle/>
+          <a:p>
+            <a:r>
+              <a:rPr lang="en-US" smtClean="0"/>
+              <a:t>Digital Scholarship Services </a:t>
+            </a:r>
+            <a:r>
+              <a:rPr lang="en-US" smtClean="0">
+                <a:solidFill>
+                  <a:schemeClr val="accent1">
+                    <a:lumMod val="50000"/>
+                  </a:schemeClr>
+                </a:solidFill>
+              </a:rPr>
+              <a:t>| Email</a:t>
+            </a:r>
+            <a:r>
+              <a:rPr lang="en-US" smtClean="0"/>
+              <a:t> cf24@rice.edu </a:t>
+            </a:r>
+            <a:r>
+              <a:rPr lang="en-US" smtClean="0">
+                <a:solidFill>
+                  <a:schemeClr val="accent1">
+                    <a:lumMod val="50000"/>
+                  </a:schemeClr>
+                </a:solidFill>
+              </a:rPr>
+              <a:t>|</a:t>
+            </a:r>
+            <a:r>
+              <a:rPr lang="en-US" smtClean="0"/>
+              <a:t> library.rice.edu/dss</a:t>
+            </a:r>
+            <a:endParaRPr lang="en-US" dirty="0"/>
+          </a:p>
+        </p:txBody>
+      </p:sp>
+      <p:sp>
+        <p:nvSpPr>
+          <p:cNvPr id="6" name="Slide Number Placeholder 5"/>
+          <p:cNvSpPr>
+            <a:spLocks noGrp="1"/>
+          </p:cNvSpPr>
+          <p:nvPr>
+            <p:ph type="sldNum" sz="quarter" idx="12"/>
+          </p:nvPr>
+        </p:nvSpPr>
+        <p:spPr/>
+        <p:txBody>
+          <a:bodyPr/>
+          <a:lstStyle/>
+          <a:p>
+            <a:fld id="{D57F1E4F-1CFF-5643-939E-02111984F565}" type="slidenum">
+              <a:rPr lang="en-US" smtClean="0"/>
+              <a:t>18</a:t>
+            </a:fld>
+            <a:endParaRPr lang="en-US" dirty="0"/>
+          </a:p>
+        </p:txBody>
+      </p:sp>
+      <p:pic>
+        <p:nvPicPr>
+          <p:cNvPr id="9" name="Content Placeholder 8"/>
+          <p:cNvPicPr>
+            <a:picLocks noGrp="1" noChangeAspect="1"/>
+          </p:cNvPicPr>
+          <p:nvPr>
+            <p:ph idx="1"/>
+          </p:nvPr>
+        </p:nvPicPr>
+        <p:blipFill>
+          <a:blip r:embed="rId2"/>
+          <a:stretch>
+            <a:fillRect/>
+          </a:stretch>
+        </p:blipFill>
+        <p:spPr>
+          <a:xfrm>
+            <a:off x="1365180" y="1905642"/>
+            <a:ext cx="9461640" cy="3956430"/>
+          </a:xfrm>
+          <a:prstGeom prst="rect">
+            <a:avLst/>
+          </a:prstGeom>
+        </p:spPr>
+      </p:pic>
+    </p:spTree>
+    <p:extLst>
+      <p:ext uri="{BB962C8B-B14F-4D97-AF65-F5344CB8AC3E}">
+        <p14:creationId xmlns:p14="http://schemas.microsoft.com/office/powerpoint/2010/main" val="3876220976"/>
+      </p:ext>
+    </p:extLst>
+  </p:cSld>
+  <p:clrMapOvr>
+    <a:masterClrMapping/>
+  </p:clrMapOvr>
+</p:sld>
+</file>
+
+<file path=ppt/slides/slide19.xml><?xml version="1.0" encoding="utf-8"?>
+<p:sld xmlns:a="http://schemas.openxmlformats.org/drawingml/2006/main" xmlns:r="http://schemas.openxmlformats.org/officeDocument/2006/relationships" xmlns:p="http://schemas.openxmlformats.org/presentationml/2006/main">
+  <p:cSld>
+    <p:spTree>
+      <p:nvGrpSpPr>
+        <p:cNvPr id="1" name=""/>
+        <p:cNvGrpSpPr/>
+        <p:nvPr/>
+      </p:nvGrpSpPr>
+      <p:grpSpPr>
+        <a:xfrm>
+          <a:off x="0" y="0"/>
+          <a:ext cx="0" cy="0"/>
+          <a:chOff x="0" y="0"/>
+          <a:chExt cx="0" cy="0"/>
+        </a:xfrm>
+      </p:grpSpPr>
+      <p:sp>
+        <p:nvSpPr>
+          <p:cNvPr id="2" name="Title 1"/>
+          <p:cNvSpPr>
+            <a:spLocks noGrp="1"/>
+          </p:cNvSpPr>
+          <p:nvPr>
+            <p:ph type="title"/>
+          </p:nvPr>
+        </p:nvSpPr>
+        <p:spPr/>
+        <p:txBody>
+          <a:bodyPr/>
+          <a:lstStyle/>
+          <a:p>
+            <a:r>
+              <a:rPr lang="en-US" dirty="0" smtClean="0"/>
+              <a:t>WORKFLOW</a:t>
+            </a:r>
+            <a:endParaRPr lang="en-US" dirty="0"/>
+          </a:p>
+        </p:txBody>
+      </p:sp>
+      <p:sp>
+        <p:nvSpPr>
+          <p:cNvPr id="3" name="Content Placeholder 2"/>
+          <p:cNvSpPr>
+            <a:spLocks noGrp="1"/>
+          </p:cNvSpPr>
+          <p:nvPr>
+            <p:ph idx="1"/>
+          </p:nvPr>
+        </p:nvSpPr>
+        <p:spPr>
+          <a:xfrm>
+            <a:off x="838200" y="1825625"/>
+            <a:ext cx="4267200" cy="4351338"/>
+          </a:xfrm>
+        </p:spPr>
+        <p:txBody>
+          <a:bodyPr/>
+          <a:lstStyle/>
+          <a:p>
+            <a:r>
+              <a:rPr lang="en-US" b="1" dirty="0" smtClean="0"/>
+              <a:t>Working Directory</a:t>
+            </a:r>
+          </a:p>
+          <a:p>
+            <a:pPr lvl="1"/>
+            <a:r>
+              <a:rPr lang="en-US" dirty="0" smtClean="0"/>
+              <a:t>Changed files on disk.</a:t>
+            </a:r>
+          </a:p>
+          <a:p>
+            <a:r>
+              <a:rPr lang="en-US" b="1" dirty="0" smtClean="0"/>
+              <a:t>Index</a:t>
+            </a:r>
+          </a:p>
+          <a:p>
+            <a:pPr lvl="1"/>
+            <a:r>
+              <a:rPr lang="en-US" dirty="0" smtClean="0"/>
+              <a:t>We’ve told </a:t>
+            </a:r>
+            <a:r>
+              <a:rPr lang="en-US" dirty="0" err="1" smtClean="0"/>
+              <a:t>git</a:t>
+            </a:r>
+            <a:r>
+              <a:rPr lang="en-US" dirty="0" smtClean="0"/>
+              <a:t> to pay attention to these changes.</a:t>
+            </a:r>
+          </a:p>
+          <a:p>
+            <a:r>
+              <a:rPr lang="en-US" b="1" dirty="0" smtClean="0"/>
+              <a:t>HEAD</a:t>
+            </a:r>
+            <a:endParaRPr lang="en-US" dirty="0" smtClean="0"/>
+          </a:p>
+          <a:p>
+            <a:pPr lvl="1"/>
+            <a:r>
+              <a:rPr lang="en-US" dirty="0" smtClean="0"/>
+              <a:t>This is just the most recent commit (snapshot). You can come back here whenever!</a:t>
+            </a:r>
+          </a:p>
+          <a:p>
+            <a:pPr lvl="1"/>
+            <a:endParaRPr lang="en-US" b="1" i="1" dirty="0"/>
+          </a:p>
+        </p:txBody>
+      </p:sp>
+      <p:sp>
+        <p:nvSpPr>
+          <p:cNvPr id="4" name="Date Placeholder 3"/>
+          <p:cNvSpPr>
+            <a:spLocks noGrp="1"/>
+          </p:cNvSpPr>
+          <p:nvPr>
+            <p:ph type="dt" sz="half" idx="10"/>
+          </p:nvPr>
+        </p:nvSpPr>
+        <p:spPr/>
+        <p:txBody>
+          <a:bodyPr/>
+          <a:lstStyle/>
+          <a:p>
+            <a:fld id="{74F93749-3CD2-4A95-98ED-FE9E109683BE}" type="datetime4">
+              <a:rPr lang="en-US" smtClean="0"/>
+              <a:t>June 3, 2019</a:t>
+            </a:fld>
+            <a:endParaRPr lang="en-US" dirty="0"/>
+          </a:p>
+        </p:txBody>
+      </p:sp>
+      <p:sp>
+        <p:nvSpPr>
+          <p:cNvPr id="5" name="Footer Placeholder 4"/>
+          <p:cNvSpPr>
+            <a:spLocks noGrp="1"/>
+          </p:cNvSpPr>
+          <p:nvPr>
+            <p:ph type="ftr" sz="quarter" idx="11"/>
+          </p:nvPr>
+        </p:nvSpPr>
+        <p:spPr/>
+        <p:txBody>
+          <a:bodyPr/>
+          <a:lstStyle/>
+          <a:p>
+            <a:r>
+              <a:rPr lang="en-US" smtClean="0"/>
+              <a:t>Digital Scholarship Services </a:t>
+            </a:r>
+            <a:r>
+              <a:rPr lang="en-US" smtClean="0">
+                <a:solidFill>
+                  <a:schemeClr val="accent1">
+                    <a:lumMod val="50000"/>
+                  </a:schemeClr>
+                </a:solidFill>
+              </a:rPr>
+              <a:t>| Email</a:t>
+            </a:r>
+            <a:r>
+              <a:rPr lang="en-US" smtClean="0"/>
+              <a:t> cf24@rice.edu </a:t>
+            </a:r>
+            <a:r>
+              <a:rPr lang="en-US" smtClean="0">
+                <a:solidFill>
+                  <a:schemeClr val="accent1">
+                    <a:lumMod val="50000"/>
+                  </a:schemeClr>
+                </a:solidFill>
+              </a:rPr>
+              <a:t>|</a:t>
+            </a:r>
+            <a:r>
+              <a:rPr lang="en-US" smtClean="0"/>
+              <a:t> library.rice.edu/dss</a:t>
+            </a:r>
+            <a:endParaRPr lang="en-US" dirty="0"/>
+          </a:p>
+        </p:txBody>
+      </p:sp>
+      <p:sp>
+        <p:nvSpPr>
+          <p:cNvPr id="6" name="Slide Number Placeholder 5"/>
+          <p:cNvSpPr>
+            <a:spLocks noGrp="1"/>
+          </p:cNvSpPr>
+          <p:nvPr>
+            <p:ph type="sldNum" sz="quarter" idx="12"/>
+          </p:nvPr>
+        </p:nvSpPr>
+        <p:spPr/>
+        <p:txBody>
+          <a:bodyPr/>
+          <a:lstStyle/>
+          <a:p>
+            <a:fld id="{D57F1E4F-1CFF-5643-939E-02111984F565}" type="slidenum">
+              <a:rPr lang="en-US" smtClean="0"/>
+              <a:t>19</a:t>
+            </a:fld>
+            <a:endParaRPr lang="en-US" dirty="0"/>
+          </a:p>
+        </p:txBody>
+      </p:sp>
+      <p:pic>
+        <p:nvPicPr>
+          <p:cNvPr id="8" name="Picture 7"/>
+          <p:cNvPicPr>
+            <a:picLocks noChangeAspect="1"/>
+          </p:cNvPicPr>
+          <p:nvPr/>
+        </p:nvPicPr>
+        <p:blipFill>
+          <a:blip r:embed="rId2"/>
+          <a:stretch>
+            <a:fillRect/>
+          </a:stretch>
+        </p:blipFill>
+        <p:spPr>
+          <a:xfrm>
+            <a:off x="5105400" y="2104105"/>
+            <a:ext cx="6248400" cy="3571875"/>
+          </a:xfrm>
+          <a:prstGeom prst="rect">
+            <a:avLst/>
+          </a:prstGeom>
+        </p:spPr>
+      </p:pic>
+    </p:spTree>
+    <p:extLst>
+      <p:ext uri="{BB962C8B-B14F-4D97-AF65-F5344CB8AC3E}">
+        <p14:creationId xmlns:p14="http://schemas.microsoft.com/office/powerpoint/2010/main" val="3785025071"/>
+      </p:ext>
+    </p:extLst>
+  </p:cSld>
+  <p:clrMapOvr>
+    <a:masterClrMapping/>
+  </p:clrMapOvr>
+</p:sld>
+</file>
+
 <file path=ppt/slides/slide2.xml><?xml version="1.0" encoding="utf-8"?>
 <p:sld xmlns:a="http://schemas.openxmlformats.org/drawingml/2006/main" xmlns:r="http://schemas.openxmlformats.org/officeDocument/2006/relationships" xmlns:p="http://schemas.openxmlformats.org/presentationml/2006/main">
   <p:cSld>
@@ -4140,33 +6189,6 @@
       </p:sp>
       <p:sp>
         <p:nvSpPr>
-          <p:cNvPr id="4" name="Footer Placeholder 3"/>
-          <p:cNvSpPr>
-            <a:spLocks noGrp="1"/>
-          </p:cNvSpPr>
-          <p:nvPr>
-            <p:ph type="ftr" sz="quarter" idx="11"/>
-          </p:nvPr>
-        </p:nvSpPr>
-        <p:spPr/>
-        <p:txBody>
-          <a:bodyPr/>
-          <a:lstStyle/>
-          <a:p>
-            <a:r>
-              <a:rPr lang="en-US" dirty="0" smtClean="0"/>
-              <a:t>Digital Scholarship Services | Email cf24@rice.edu | library.rice.edu/</a:t>
-            </a:r>
-            <a:r>
-              <a:rPr lang="en-US" dirty="0" err="1" smtClean="0"/>
-              <a:t>dss</a:t>
-            </a:r>
-            <a:endParaRPr lang="en-US" dirty="0"/>
-          </a:p>
-        </p:txBody>
-      </p:sp>
-      <p:sp>
-        <p:nvSpPr>
           <p:cNvPr id="5" name="Date Placeholder 4"/>
           <p:cNvSpPr>
             <a:spLocks noGrp="1"/>
@@ -4180,7 +6202,7 @@
           <a:bodyPr/>
           <a:lstStyle/>
           <a:p>
-            <a:fld id="{300D1784-8065-47E5-A0D4-5F1468301474}" type="datetime4">
+            <a:fld id="{339FAF52-DB73-42B1-86E0-91EB4E09C484}" type="datetime4">
               <a:rPr lang="en-US" smtClean="0"/>
               <a:t>June 3, 2019</a:t>
             </a:fld>
@@ -4207,6 +6229,57 @@
               <a:rPr lang="en-US" smtClean="0"/>
               <a:t>2</a:t>
             </a:fld>
+            <a:endParaRPr lang="en-US" dirty="0"/>
+          </a:p>
+        </p:txBody>
+      </p:sp>
+      <p:sp>
+        <p:nvSpPr>
+          <p:cNvPr id="7" name="Footer Placeholder 6"/>
+          <p:cNvSpPr>
+            <a:spLocks noGrp="1"/>
+          </p:cNvSpPr>
+          <p:nvPr>
+            <p:ph type="ftr" sz="quarter" idx="11"/>
+          </p:nvPr>
+        </p:nvSpPr>
+        <p:spPr/>
+        <p:txBody>
+          <a:bodyPr/>
+          <a:lstStyle/>
+          <a:p>
+            <a:r>
+              <a:rPr lang="en-US" smtClean="0"/>
+              <a:t>Digital Scholarship Services </a:t>
+            </a:r>
+            <a:r>
+              <a:rPr lang="en-US" smtClean="0">
+                <a:solidFill>
+                  <a:schemeClr val="accent1">
+                    <a:lumMod val="50000"/>
+                  </a:schemeClr>
+                </a:solidFill>
+              </a:rPr>
+              <a:t>| Email</a:t>
+            </a:r>
+            <a:r>
+              <a:rPr lang="en-US" smtClean="0"/>
+              <a:t> cf24@rice.edu </a:t>
+            </a:r>
+            <a:r>
+              <a:rPr lang="en-US" smtClean="0">
+                <a:solidFill>
+                  <a:schemeClr val="accent1">
+                    <a:lumMod val="50000"/>
+                  </a:schemeClr>
+                </a:solidFill>
+              </a:rPr>
+              <a:t>|</a:t>
+            </a:r>
+            <a:r>
+              <a:rPr lang="en-US" smtClean="0"/>
+              <a:t> library.rice.edu/dss</a:t>
+            </a:r>
             <a:endParaRPr lang="en-US" dirty="0"/>
           </a:p>
         </p:txBody>
@@ -4215,6 +6288,2201 @@
     <p:extLst>
       <p:ext uri="{BB962C8B-B14F-4D97-AF65-F5344CB8AC3E}">
         <p14:creationId xmlns:p14="http://schemas.microsoft.com/office/powerpoint/2010/main" val="446306358"/>
+      </p:ext>
+    </p:extLst>
+  </p:cSld>
+  <p:clrMapOvr>
+    <a:masterClrMapping/>
+  </p:clrMapOvr>
+  <p:timing>
+    <p:tnLst>
+      <p:par>
+        <p:cTn id="1" dur="indefinite" restart="never" nodeType="tmRoot"/>
+      </p:par>
+    </p:tnLst>
+  </p:timing>
+</p:sld>
+</file>
+
+<file path=ppt/slides/slide20.xml><?xml version="1.0" encoding="utf-8"?>
+<p:sld xmlns:a="http://schemas.openxmlformats.org/drawingml/2006/main" xmlns:r="http://schemas.openxmlformats.org/officeDocument/2006/relationships" xmlns:p="http://schemas.openxmlformats.org/presentationml/2006/main">
+  <p:cSld>
+    <p:spTree>
+      <p:nvGrpSpPr>
+        <p:cNvPr id="1" name=""/>
+        <p:cNvGrpSpPr/>
+        <p:nvPr/>
+      </p:nvGrpSpPr>
+      <p:grpSpPr>
+        <a:xfrm>
+          <a:off x="0" y="0"/>
+          <a:ext cx="0" cy="0"/>
+          <a:chOff x="0" y="0"/>
+          <a:chExt cx="0" cy="0"/>
+        </a:xfrm>
+      </p:grpSpPr>
+      <p:sp>
+        <p:nvSpPr>
+          <p:cNvPr id="2" name="Title 1"/>
+          <p:cNvSpPr>
+            <a:spLocks noGrp="1"/>
+          </p:cNvSpPr>
+          <p:nvPr>
+            <p:ph type="title"/>
+          </p:nvPr>
+        </p:nvSpPr>
+        <p:spPr/>
+        <p:txBody>
+          <a:bodyPr/>
+          <a:lstStyle/>
+          <a:p>
+            <a:r>
+              <a:rPr lang="en-US" dirty="0" smtClean="0"/>
+              <a:t>EDITING A FILE LOCALLY</a:t>
+            </a:r>
+            <a:endParaRPr lang="en-US" dirty="0"/>
+          </a:p>
+        </p:txBody>
+      </p:sp>
+      <p:sp>
+        <p:nvSpPr>
+          <p:cNvPr id="3" name="Content Placeholder 2"/>
+          <p:cNvSpPr>
+            <a:spLocks noGrp="1"/>
+          </p:cNvSpPr>
+          <p:nvPr>
+            <p:ph idx="1"/>
+          </p:nvPr>
+        </p:nvSpPr>
+        <p:spPr>
+          <a:xfrm>
+            <a:off x="838200" y="1825625"/>
+            <a:ext cx="5070822" cy="4351338"/>
+          </a:xfrm>
+        </p:spPr>
+        <p:txBody>
+          <a:bodyPr/>
+          <a:lstStyle/>
+          <a:p>
+            <a:r>
+              <a:rPr lang="en-US" dirty="0" smtClean="0"/>
+              <a:t>Open and edit any file using any program</a:t>
+            </a:r>
+          </a:p>
+          <a:p>
+            <a:r>
+              <a:rPr lang="en-US" dirty="0" smtClean="0"/>
+              <a:t>Use “Show in Explorer” to easily find the most recent files</a:t>
+            </a:r>
+          </a:p>
+        </p:txBody>
+      </p:sp>
+      <p:sp>
+        <p:nvSpPr>
+          <p:cNvPr id="4" name="Date Placeholder 3"/>
+          <p:cNvSpPr>
+            <a:spLocks noGrp="1"/>
+          </p:cNvSpPr>
+          <p:nvPr>
+            <p:ph type="dt" sz="half" idx="10"/>
+          </p:nvPr>
+        </p:nvSpPr>
+        <p:spPr/>
+        <p:txBody>
+          <a:bodyPr/>
+          <a:lstStyle/>
+          <a:p>
+            <a:fld id="{74F93749-3CD2-4A95-98ED-FE9E109683BE}" type="datetime4">
+              <a:rPr lang="en-US" smtClean="0"/>
+              <a:t>June 3, 2019</a:t>
+            </a:fld>
+            <a:endParaRPr lang="en-US" dirty="0"/>
+          </a:p>
+        </p:txBody>
+      </p:sp>
+      <p:sp>
+        <p:nvSpPr>
+          <p:cNvPr id="5" name="Footer Placeholder 4"/>
+          <p:cNvSpPr>
+            <a:spLocks noGrp="1"/>
+          </p:cNvSpPr>
+          <p:nvPr>
+            <p:ph type="ftr" sz="quarter" idx="11"/>
+          </p:nvPr>
+        </p:nvSpPr>
+        <p:spPr/>
+        <p:txBody>
+          <a:bodyPr/>
+          <a:lstStyle/>
+          <a:p>
+            <a:r>
+              <a:rPr lang="en-US" smtClean="0"/>
+              <a:t>Digital Scholarship Services </a:t>
+            </a:r>
+            <a:r>
+              <a:rPr lang="en-US" smtClean="0">
+                <a:solidFill>
+                  <a:schemeClr val="accent1">
+                    <a:lumMod val="50000"/>
+                  </a:schemeClr>
+                </a:solidFill>
+              </a:rPr>
+              <a:t>| Email</a:t>
+            </a:r>
+            <a:r>
+              <a:rPr lang="en-US" smtClean="0"/>
+              <a:t> cf24@rice.edu </a:t>
+            </a:r>
+            <a:r>
+              <a:rPr lang="en-US" smtClean="0">
+                <a:solidFill>
+                  <a:schemeClr val="accent1">
+                    <a:lumMod val="50000"/>
+                  </a:schemeClr>
+                </a:solidFill>
+              </a:rPr>
+              <a:t>|</a:t>
+            </a:r>
+            <a:r>
+              <a:rPr lang="en-US" smtClean="0"/>
+              <a:t> library.rice.edu/dss</a:t>
+            </a:r>
+            <a:endParaRPr lang="en-US" dirty="0"/>
+          </a:p>
+        </p:txBody>
+      </p:sp>
+      <p:sp>
+        <p:nvSpPr>
+          <p:cNvPr id="6" name="Slide Number Placeholder 5"/>
+          <p:cNvSpPr>
+            <a:spLocks noGrp="1"/>
+          </p:cNvSpPr>
+          <p:nvPr>
+            <p:ph type="sldNum" sz="quarter" idx="12"/>
+          </p:nvPr>
+        </p:nvSpPr>
+        <p:spPr/>
+        <p:txBody>
+          <a:bodyPr/>
+          <a:lstStyle/>
+          <a:p>
+            <a:fld id="{D57F1E4F-1CFF-5643-939E-02111984F565}" type="slidenum">
+              <a:rPr lang="en-US" smtClean="0"/>
+              <a:t>20</a:t>
+            </a:fld>
+            <a:endParaRPr lang="en-US" dirty="0"/>
+          </a:p>
+        </p:txBody>
+      </p:sp>
+    </p:spTree>
+    <p:extLst>
+      <p:ext uri="{BB962C8B-B14F-4D97-AF65-F5344CB8AC3E}">
+        <p14:creationId xmlns:p14="http://schemas.microsoft.com/office/powerpoint/2010/main" val="1252426942"/>
+      </p:ext>
+    </p:extLst>
+  </p:cSld>
+  <p:clrMapOvr>
+    <a:masterClrMapping/>
+  </p:clrMapOvr>
+</p:sld>
+</file>
+
+<file path=ppt/slides/slide21.xml><?xml version="1.0" encoding="utf-8"?>
+<p:sld xmlns:a="http://schemas.openxmlformats.org/drawingml/2006/main" xmlns:r="http://schemas.openxmlformats.org/officeDocument/2006/relationships" xmlns:p="http://schemas.openxmlformats.org/presentationml/2006/main">
+  <p:cSld>
+    <p:spTree>
+      <p:nvGrpSpPr>
+        <p:cNvPr id="1" name=""/>
+        <p:cNvGrpSpPr/>
+        <p:nvPr/>
+      </p:nvGrpSpPr>
+      <p:grpSpPr>
+        <a:xfrm>
+          <a:off x="0" y="0"/>
+          <a:ext cx="0" cy="0"/>
+          <a:chOff x="0" y="0"/>
+          <a:chExt cx="0" cy="0"/>
+        </a:xfrm>
+      </p:grpSpPr>
+      <p:sp>
+        <p:nvSpPr>
+          <p:cNvPr id="2" name="Title 1"/>
+          <p:cNvSpPr>
+            <a:spLocks noGrp="1"/>
+          </p:cNvSpPr>
+          <p:nvPr>
+            <p:ph type="title"/>
+          </p:nvPr>
+        </p:nvSpPr>
+        <p:spPr/>
+        <p:txBody>
+          <a:bodyPr/>
+          <a:lstStyle/>
+          <a:p>
+            <a:r>
+              <a:rPr lang="en-US" dirty="0" smtClean="0"/>
+              <a:t>EDITING A FILE LOCALLY</a:t>
+            </a:r>
+            <a:endParaRPr lang="en-US" dirty="0"/>
+          </a:p>
+        </p:txBody>
+      </p:sp>
+      <p:sp>
+        <p:nvSpPr>
+          <p:cNvPr id="3" name="Content Placeholder 2"/>
+          <p:cNvSpPr>
+            <a:spLocks noGrp="1"/>
+          </p:cNvSpPr>
+          <p:nvPr>
+            <p:ph idx="1"/>
+          </p:nvPr>
+        </p:nvSpPr>
+        <p:spPr>
+          <a:xfrm>
+            <a:off x="838200" y="1825625"/>
+            <a:ext cx="4955561" cy="4351338"/>
+          </a:xfrm>
+        </p:spPr>
+        <p:txBody>
+          <a:bodyPr/>
+          <a:lstStyle/>
+          <a:p>
+            <a:r>
+              <a:rPr lang="en-US" dirty="0" smtClean="0"/>
+              <a:t>Starting from an empty repository</a:t>
+            </a:r>
+          </a:p>
+          <a:p>
+            <a:pPr lvl="1"/>
+            <a:r>
+              <a:rPr lang="en-US" dirty="0" smtClean="0"/>
+              <a:t>How do we know? </a:t>
+            </a:r>
+          </a:p>
+          <a:p>
+            <a:pPr lvl="1"/>
+            <a:r>
+              <a:rPr lang="en-US" b="1" dirty="0" smtClean="0"/>
+              <a:t>HEAD </a:t>
+            </a:r>
+            <a:r>
+              <a:rPr lang="en-US" dirty="0" smtClean="0"/>
+              <a:t>doesn’t point to anything (no snapshots!)</a:t>
+            </a:r>
+            <a:endParaRPr lang="en-US" b="1" dirty="0" smtClean="0"/>
+          </a:p>
+          <a:p>
+            <a:r>
+              <a:rPr lang="en-US" dirty="0"/>
+              <a:t>W</a:t>
+            </a:r>
+            <a:r>
+              <a:rPr lang="en-US" dirty="0" smtClean="0"/>
+              <a:t>e have added a file to the </a:t>
+            </a:r>
+            <a:r>
+              <a:rPr lang="en-US" b="1" dirty="0" smtClean="0"/>
+              <a:t>Working </a:t>
+            </a:r>
+            <a:r>
+              <a:rPr lang="en-US" b="1" dirty="0"/>
+              <a:t>D</a:t>
+            </a:r>
+            <a:r>
+              <a:rPr lang="en-US" b="1" dirty="0" smtClean="0"/>
+              <a:t>irectory</a:t>
+            </a:r>
+            <a:r>
+              <a:rPr lang="en-US" dirty="0" smtClean="0"/>
+              <a:t>, but not yet told </a:t>
+            </a:r>
+            <a:r>
+              <a:rPr lang="en-US" dirty="0" err="1" smtClean="0"/>
+              <a:t>git</a:t>
+            </a:r>
+            <a:r>
+              <a:rPr lang="en-US" dirty="0" smtClean="0"/>
+              <a:t> to pay attention to it.</a:t>
+            </a:r>
+            <a:endParaRPr lang="en-US" dirty="0"/>
+          </a:p>
+        </p:txBody>
+      </p:sp>
+      <p:sp>
+        <p:nvSpPr>
+          <p:cNvPr id="4" name="Date Placeholder 3"/>
+          <p:cNvSpPr>
+            <a:spLocks noGrp="1"/>
+          </p:cNvSpPr>
+          <p:nvPr>
+            <p:ph type="dt" sz="half" idx="10"/>
+          </p:nvPr>
+        </p:nvSpPr>
+        <p:spPr/>
+        <p:txBody>
+          <a:bodyPr/>
+          <a:lstStyle/>
+          <a:p>
+            <a:fld id="{74F93749-3CD2-4A95-98ED-FE9E109683BE}" type="datetime4">
+              <a:rPr lang="en-US" smtClean="0"/>
+              <a:t>June 3, 2019</a:t>
+            </a:fld>
+            <a:endParaRPr lang="en-US" dirty="0"/>
+          </a:p>
+        </p:txBody>
+      </p:sp>
+      <p:sp>
+        <p:nvSpPr>
+          <p:cNvPr id="5" name="Footer Placeholder 4"/>
+          <p:cNvSpPr>
+            <a:spLocks noGrp="1"/>
+          </p:cNvSpPr>
+          <p:nvPr>
+            <p:ph type="ftr" sz="quarter" idx="11"/>
+          </p:nvPr>
+        </p:nvSpPr>
+        <p:spPr/>
+        <p:txBody>
+          <a:bodyPr/>
+          <a:lstStyle/>
+          <a:p>
+            <a:r>
+              <a:rPr lang="en-US" smtClean="0"/>
+              <a:t>Digital Scholarship Services </a:t>
+            </a:r>
+            <a:r>
+              <a:rPr lang="en-US" smtClean="0">
+                <a:solidFill>
+                  <a:schemeClr val="accent1">
+                    <a:lumMod val="50000"/>
+                  </a:schemeClr>
+                </a:solidFill>
+              </a:rPr>
+              <a:t>| Email</a:t>
+            </a:r>
+            <a:r>
+              <a:rPr lang="en-US" smtClean="0"/>
+              <a:t> cf24@rice.edu </a:t>
+            </a:r>
+            <a:r>
+              <a:rPr lang="en-US" smtClean="0">
+                <a:solidFill>
+                  <a:schemeClr val="accent1">
+                    <a:lumMod val="50000"/>
+                  </a:schemeClr>
+                </a:solidFill>
+              </a:rPr>
+              <a:t>|</a:t>
+            </a:r>
+            <a:r>
+              <a:rPr lang="en-US" smtClean="0"/>
+              <a:t> library.rice.edu/dss</a:t>
+            </a:r>
+            <a:endParaRPr lang="en-US" dirty="0"/>
+          </a:p>
+        </p:txBody>
+      </p:sp>
+      <p:sp>
+        <p:nvSpPr>
+          <p:cNvPr id="6" name="Slide Number Placeholder 5"/>
+          <p:cNvSpPr>
+            <a:spLocks noGrp="1"/>
+          </p:cNvSpPr>
+          <p:nvPr>
+            <p:ph type="sldNum" sz="quarter" idx="12"/>
+          </p:nvPr>
+        </p:nvSpPr>
+        <p:spPr/>
+        <p:txBody>
+          <a:bodyPr/>
+          <a:lstStyle/>
+          <a:p>
+            <a:fld id="{D57F1E4F-1CFF-5643-939E-02111984F565}" type="slidenum">
+              <a:rPr lang="en-US" smtClean="0"/>
+              <a:t>21</a:t>
+            </a:fld>
+            <a:endParaRPr lang="en-US" dirty="0"/>
+          </a:p>
+        </p:txBody>
+      </p:sp>
+      <p:pic>
+        <p:nvPicPr>
+          <p:cNvPr id="8" name="Picture 7"/>
+          <p:cNvPicPr>
+            <a:picLocks noChangeAspect="1"/>
+          </p:cNvPicPr>
+          <p:nvPr/>
+        </p:nvPicPr>
+        <p:blipFill>
+          <a:blip r:embed="rId2"/>
+          <a:stretch>
+            <a:fillRect/>
+          </a:stretch>
+        </p:blipFill>
+        <p:spPr>
+          <a:xfrm>
+            <a:off x="5909021" y="1464499"/>
+            <a:ext cx="5979699" cy="4802158"/>
+          </a:xfrm>
+          <a:prstGeom prst="rect">
+            <a:avLst/>
+          </a:prstGeom>
+        </p:spPr>
+      </p:pic>
+    </p:spTree>
+    <p:extLst>
+      <p:ext uri="{BB962C8B-B14F-4D97-AF65-F5344CB8AC3E}">
+        <p14:creationId xmlns:p14="http://schemas.microsoft.com/office/powerpoint/2010/main" val="3732287462"/>
+      </p:ext>
+    </p:extLst>
+  </p:cSld>
+  <p:clrMapOvr>
+    <a:masterClrMapping/>
+  </p:clrMapOvr>
+</p:sld>
+</file>
+
+<file path=ppt/slides/slide22.xml><?xml version="1.0" encoding="utf-8"?>
+<p:sld xmlns:a="http://schemas.openxmlformats.org/drawingml/2006/main" xmlns:r="http://schemas.openxmlformats.org/officeDocument/2006/relationships" xmlns:p="http://schemas.openxmlformats.org/presentationml/2006/main">
+  <p:cSld>
+    <p:spTree>
+      <p:nvGrpSpPr>
+        <p:cNvPr id="1" name=""/>
+        <p:cNvGrpSpPr/>
+        <p:nvPr/>
+      </p:nvGrpSpPr>
+      <p:grpSpPr>
+        <a:xfrm>
+          <a:off x="0" y="0"/>
+          <a:ext cx="0" cy="0"/>
+          <a:chOff x="0" y="0"/>
+          <a:chExt cx="0" cy="0"/>
+        </a:xfrm>
+      </p:grpSpPr>
+      <p:sp>
+        <p:nvSpPr>
+          <p:cNvPr id="2" name="Title 1"/>
+          <p:cNvSpPr>
+            <a:spLocks noGrp="1"/>
+          </p:cNvSpPr>
+          <p:nvPr>
+            <p:ph type="title"/>
+          </p:nvPr>
+        </p:nvSpPr>
+        <p:spPr/>
+        <p:txBody>
+          <a:bodyPr/>
+          <a:lstStyle/>
+          <a:p>
+            <a:r>
+              <a:rPr lang="en-US" dirty="0"/>
+              <a:t>TELLING GIT ABOUT OUR CHANGES</a:t>
+            </a:r>
+          </a:p>
+        </p:txBody>
+      </p:sp>
+      <p:sp>
+        <p:nvSpPr>
+          <p:cNvPr id="3" name="Content Placeholder 2"/>
+          <p:cNvSpPr>
+            <a:spLocks noGrp="1"/>
+          </p:cNvSpPr>
+          <p:nvPr>
+            <p:ph idx="1"/>
+          </p:nvPr>
+        </p:nvSpPr>
+        <p:spPr>
+          <a:xfrm>
+            <a:off x="838200" y="1825625"/>
+            <a:ext cx="5032402" cy="4351338"/>
+          </a:xfrm>
+        </p:spPr>
+        <p:txBody>
+          <a:bodyPr/>
+          <a:lstStyle/>
+          <a:p>
+            <a:r>
+              <a:rPr lang="en-US" dirty="0" err="1" smtClean="0"/>
+              <a:t>Git</a:t>
+            </a:r>
+            <a:r>
+              <a:rPr lang="en-US" dirty="0" smtClean="0"/>
+              <a:t> will automatically find what we changed. All we have to do is tell it what we want to save</a:t>
+            </a:r>
+          </a:p>
+          <a:p>
+            <a:r>
+              <a:rPr lang="en-US" dirty="0" smtClean="0"/>
+              <a:t>Toggle whether we want to add this change using check boxes</a:t>
+            </a:r>
+          </a:p>
+          <a:p>
+            <a:r>
+              <a:rPr lang="en-US" dirty="0" smtClean="0"/>
+              <a:t>Monitor Changes</a:t>
+            </a:r>
+          </a:p>
+          <a:p>
+            <a:pPr lvl="1"/>
+            <a:r>
+              <a:rPr lang="en-US" dirty="0" smtClean="0"/>
+              <a:t>Green: added in</a:t>
+            </a:r>
+          </a:p>
+          <a:p>
+            <a:pPr lvl="1"/>
+            <a:r>
+              <a:rPr lang="en-US" dirty="0" smtClean="0"/>
+              <a:t>Red: taken out</a:t>
+            </a:r>
+          </a:p>
+          <a:p>
+            <a:pPr lvl="1"/>
+            <a:r>
+              <a:rPr lang="en-US" dirty="0" smtClean="0"/>
+              <a:t>White: not changed</a:t>
+            </a:r>
+            <a:endParaRPr lang="en-US" dirty="0"/>
+          </a:p>
+        </p:txBody>
+      </p:sp>
+      <p:sp>
+        <p:nvSpPr>
+          <p:cNvPr id="4" name="Date Placeholder 3"/>
+          <p:cNvSpPr>
+            <a:spLocks noGrp="1"/>
+          </p:cNvSpPr>
+          <p:nvPr>
+            <p:ph type="dt" sz="half" idx="10"/>
+          </p:nvPr>
+        </p:nvSpPr>
+        <p:spPr/>
+        <p:txBody>
+          <a:bodyPr/>
+          <a:lstStyle/>
+          <a:p>
+            <a:fld id="{74F93749-3CD2-4A95-98ED-FE9E109683BE}" type="datetime4">
+              <a:rPr lang="en-US" smtClean="0"/>
+              <a:t>June 3, 2019</a:t>
+            </a:fld>
+            <a:endParaRPr lang="en-US" dirty="0"/>
+          </a:p>
+        </p:txBody>
+      </p:sp>
+      <p:sp>
+        <p:nvSpPr>
+          <p:cNvPr id="5" name="Footer Placeholder 4"/>
+          <p:cNvSpPr>
+            <a:spLocks noGrp="1"/>
+          </p:cNvSpPr>
+          <p:nvPr>
+            <p:ph type="ftr" sz="quarter" idx="11"/>
+          </p:nvPr>
+        </p:nvSpPr>
+        <p:spPr/>
+        <p:txBody>
+          <a:bodyPr/>
+          <a:lstStyle/>
+          <a:p>
+            <a:r>
+              <a:rPr lang="en-US" smtClean="0"/>
+              <a:t>Digital Scholarship Services </a:t>
+            </a:r>
+            <a:r>
+              <a:rPr lang="en-US" smtClean="0">
+                <a:solidFill>
+                  <a:schemeClr val="accent1">
+                    <a:lumMod val="50000"/>
+                  </a:schemeClr>
+                </a:solidFill>
+              </a:rPr>
+              <a:t>| Email</a:t>
+            </a:r>
+            <a:r>
+              <a:rPr lang="en-US" smtClean="0"/>
+              <a:t> cf24@rice.edu </a:t>
+            </a:r>
+            <a:r>
+              <a:rPr lang="en-US" smtClean="0">
+                <a:solidFill>
+                  <a:schemeClr val="accent1">
+                    <a:lumMod val="50000"/>
+                  </a:schemeClr>
+                </a:solidFill>
+              </a:rPr>
+              <a:t>|</a:t>
+            </a:r>
+            <a:r>
+              <a:rPr lang="en-US" smtClean="0"/>
+              <a:t> library.rice.edu/dss</a:t>
+            </a:r>
+            <a:endParaRPr lang="en-US" dirty="0"/>
+          </a:p>
+        </p:txBody>
+      </p:sp>
+      <p:sp>
+        <p:nvSpPr>
+          <p:cNvPr id="6" name="Slide Number Placeholder 5"/>
+          <p:cNvSpPr>
+            <a:spLocks noGrp="1"/>
+          </p:cNvSpPr>
+          <p:nvPr>
+            <p:ph type="sldNum" sz="quarter" idx="12"/>
+          </p:nvPr>
+        </p:nvSpPr>
+        <p:spPr/>
+        <p:txBody>
+          <a:bodyPr/>
+          <a:lstStyle/>
+          <a:p>
+            <a:fld id="{D57F1E4F-1CFF-5643-939E-02111984F565}" type="slidenum">
+              <a:rPr lang="en-US" smtClean="0"/>
+              <a:t>22</a:t>
+            </a:fld>
+            <a:endParaRPr lang="en-US" dirty="0"/>
+          </a:p>
+        </p:txBody>
+      </p:sp>
+    </p:spTree>
+    <p:extLst>
+      <p:ext uri="{BB962C8B-B14F-4D97-AF65-F5344CB8AC3E}">
+        <p14:creationId xmlns:p14="http://schemas.microsoft.com/office/powerpoint/2010/main" val="3913421144"/>
+      </p:ext>
+    </p:extLst>
+  </p:cSld>
+  <p:clrMapOvr>
+    <a:masterClrMapping/>
+  </p:clrMapOvr>
+</p:sld>
+</file>
+
+<file path=ppt/slides/slide23.xml><?xml version="1.0" encoding="utf-8"?>
+<p:sld xmlns:a="http://schemas.openxmlformats.org/drawingml/2006/main" xmlns:r="http://schemas.openxmlformats.org/officeDocument/2006/relationships" xmlns:p="http://schemas.openxmlformats.org/presentationml/2006/main">
+  <p:cSld>
+    <p:spTree>
+      <p:nvGrpSpPr>
+        <p:cNvPr id="1" name=""/>
+        <p:cNvGrpSpPr/>
+        <p:nvPr/>
+      </p:nvGrpSpPr>
+      <p:grpSpPr>
+        <a:xfrm>
+          <a:off x="0" y="0"/>
+          <a:ext cx="0" cy="0"/>
+          <a:chOff x="0" y="0"/>
+          <a:chExt cx="0" cy="0"/>
+        </a:xfrm>
+      </p:grpSpPr>
+      <p:sp>
+        <p:nvSpPr>
+          <p:cNvPr id="2" name="Title 1"/>
+          <p:cNvSpPr>
+            <a:spLocks noGrp="1"/>
+          </p:cNvSpPr>
+          <p:nvPr>
+            <p:ph type="title"/>
+          </p:nvPr>
+        </p:nvSpPr>
+        <p:spPr/>
+        <p:txBody>
+          <a:bodyPr/>
+          <a:lstStyle/>
+          <a:p>
+            <a:r>
+              <a:rPr lang="en-US" dirty="0" smtClean="0"/>
+              <a:t>TELLING GIT ABOUT OUR CHANGES</a:t>
+            </a:r>
+            <a:endParaRPr lang="en-US" dirty="0"/>
+          </a:p>
+        </p:txBody>
+      </p:sp>
+      <p:sp>
+        <p:nvSpPr>
+          <p:cNvPr id="3" name="Content Placeholder 2"/>
+          <p:cNvSpPr>
+            <a:spLocks noGrp="1"/>
+          </p:cNvSpPr>
+          <p:nvPr>
+            <p:ph idx="1"/>
+          </p:nvPr>
+        </p:nvSpPr>
+        <p:spPr>
+          <a:xfrm>
+            <a:off x="838200" y="1825625"/>
+            <a:ext cx="5293659" cy="4351338"/>
+          </a:xfrm>
+        </p:spPr>
+        <p:txBody>
+          <a:bodyPr/>
+          <a:lstStyle/>
+          <a:p>
+            <a:r>
+              <a:rPr lang="en-US" dirty="0" smtClean="0"/>
+              <a:t>Now that we have made file.txt, we can tell </a:t>
+            </a:r>
+            <a:r>
+              <a:rPr lang="en-US" dirty="0" err="1" smtClean="0"/>
+              <a:t>git</a:t>
+            </a:r>
+            <a:r>
+              <a:rPr lang="en-US" dirty="0" smtClean="0"/>
+              <a:t> to pay attention to the file</a:t>
+            </a:r>
+          </a:p>
+          <a:p>
+            <a:pPr lvl="1"/>
+            <a:r>
+              <a:rPr lang="en-US" dirty="0" smtClean="0"/>
+              <a:t>Transition between which two states for file.txt?</a:t>
+            </a:r>
+          </a:p>
+          <a:p>
+            <a:pPr lvl="1"/>
+            <a:r>
+              <a:rPr lang="en-US" dirty="0" smtClean="0"/>
+              <a:t>Command: </a:t>
+            </a:r>
+            <a:r>
+              <a:rPr lang="en-US" dirty="0" err="1" smtClean="0">
+                <a:latin typeface="Courier New" panose="02070309020205020404" pitchFamily="49" charset="0"/>
+                <a:cs typeface="Courier New" panose="02070309020205020404" pitchFamily="49" charset="0"/>
+              </a:rPr>
+              <a:t>git</a:t>
+            </a:r>
+            <a:r>
+              <a:rPr lang="en-US" dirty="0" smtClean="0">
+                <a:latin typeface="Courier New" panose="02070309020205020404" pitchFamily="49" charset="0"/>
+                <a:cs typeface="Courier New" panose="02070309020205020404" pitchFamily="49" charset="0"/>
+              </a:rPr>
+              <a:t> add</a:t>
+            </a:r>
+          </a:p>
+          <a:p>
+            <a:r>
+              <a:rPr lang="en-US" dirty="0" smtClean="0">
+                <a:cs typeface="Courier New" panose="02070309020205020404" pitchFamily="49" charset="0"/>
+              </a:rPr>
+              <a:t>Whatever we have added will be changed in the new snapshot. No add means it won’t change!</a:t>
+            </a:r>
+            <a:endParaRPr lang="en-US" dirty="0">
+              <a:cs typeface="Courier New" panose="02070309020205020404" pitchFamily="49" charset="0"/>
+            </a:endParaRPr>
+          </a:p>
+        </p:txBody>
+      </p:sp>
+      <p:sp>
+        <p:nvSpPr>
+          <p:cNvPr id="4" name="Date Placeholder 3"/>
+          <p:cNvSpPr>
+            <a:spLocks noGrp="1"/>
+          </p:cNvSpPr>
+          <p:nvPr>
+            <p:ph type="dt" sz="half" idx="10"/>
+          </p:nvPr>
+        </p:nvSpPr>
+        <p:spPr/>
+        <p:txBody>
+          <a:bodyPr/>
+          <a:lstStyle/>
+          <a:p>
+            <a:fld id="{74F93749-3CD2-4A95-98ED-FE9E109683BE}" type="datetime4">
+              <a:rPr lang="en-US" smtClean="0"/>
+              <a:t>June 3, 2019</a:t>
+            </a:fld>
+            <a:endParaRPr lang="en-US" dirty="0"/>
+          </a:p>
+        </p:txBody>
+      </p:sp>
+      <p:sp>
+        <p:nvSpPr>
+          <p:cNvPr id="5" name="Footer Placeholder 4"/>
+          <p:cNvSpPr>
+            <a:spLocks noGrp="1"/>
+          </p:cNvSpPr>
+          <p:nvPr>
+            <p:ph type="ftr" sz="quarter" idx="11"/>
+          </p:nvPr>
+        </p:nvSpPr>
+        <p:spPr/>
+        <p:txBody>
+          <a:bodyPr/>
+          <a:lstStyle/>
+          <a:p>
+            <a:r>
+              <a:rPr lang="en-US" smtClean="0"/>
+              <a:t>Digital Scholarship Services </a:t>
+            </a:r>
+            <a:r>
+              <a:rPr lang="en-US" smtClean="0">
+                <a:solidFill>
+                  <a:schemeClr val="accent1">
+                    <a:lumMod val="50000"/>
+                  </a:schemeClr>
+                </a:solidFill>
+              </a:rPr>
+              <a:t>| Email</a:t>
+            </a:r>
+            <a:r>
+              <a:rPr lang="en-US" smtClean="0"/>
+              <a:t> cf24@rice.edu </a:t>
+            </a:r>
+            <a:r>
+              <a:rPr lang="en-US" smtClean="0">
+                <a:solidFill>
+                  <a:schemeClr val="accent1">
+                    <a:lumMod val="50000"/>
+                  </a:schemeClr>
+                </a:solidFill>
+              </a:rPr>
+              <a:t>|</a:t>
+            </a:r>
+            <a:r>
+              <a:rPr lang="en-US" smtClean="0"/>
+              <a:t> library.rice.edu/dss</a:t>
+            </a:r>
+            <a:endParaRPr lang="en-US" dirty="0"/>
+          </a:p>
+        </p:txBody>
+      </p:sp>
+      <p:sp>
+        <p:nvSpPr>
+          <p:cNvPr id="6" name="Slide Number Placeholder 5"/>
+          <p:cNvSpPr>
+            <a:spLocks noGrp="1"/>
+          </p:cNvSpPr>
+          <p:nvPr>
+            <p:ph type="sldNum" sz="quarter" idx="12"/>
+          </p:nvPr>
+        </p:nvSpPr>
+        <p:spPr/>
+        <p:txBody>
+          <a:bodyPr/>
+          <a:lstStyle/>
+          <a:p>
+            <a:fld id="{D57F1E4F-1CFF-5643-939E-02111984F565}" type="slidenum">
+              <a:rPr lang="en-US" smtClean="0"/>
+              <a:t>23</a:t>
+            </a:fld>
+            <a:endParaRPr lang="en-US" dirty="0"/>
+          </a:p>
+        </p:txBody>
+      </p:sp>
+      <p:pic>
+        <p:nvPicPr>
+          <p:cNvPr id="7" name="Picture 6"/>
+          <p:cNvPicPr>
+            <a:picLocks noChangeAspect="1"/>
+          </p:cNvPicPr>
+          <p:nvPr/>
+        </p:nvPicPr>
+        <p:blipFill>
+          <a:blip r:embed="rId2"/>
+          <a:stretch>
+            <a:fillRect/>
+          </a:stretch>
+        </p:blipFill>
+        <p:spPr>
+          <a:xfrm>
+            <a:off x="6187249" y="1472573"/>
+            <a:ext cx="5454502" cy="4544026"/>
+          </a:xfrm>
+          <a:prstGeom prst="rect">
+            <a:avLst/>
+          </a:prstGeom>
+        </p:spPr>
+      </p:pic>
+    </p:spTree>
+    <p:extLst>
+      <p:ext uri="{BB962C8B-B14F-4D97-AF65-F5344CB8AC3E}">
+        <p14:creationId xmlns:p14="http://schemas.microsoft.com/office/powerpoint/2010/main" val="3030896885"/>
+      </p:ext>
+    </p:extLst>
+  </p:cSld>
+  <p:clrMapOvr>
+    <a:masterClrMapping/>
+  </p:clrMapOvr>
+</p:sld>
+</file>
+
+<file path=ppt/slides/slide24.xml><?xml version="1.0" encoding="utf-8"?>
+<p:sld xmlns:a="http://schemas.openxmlformats.org/drawingml/2006/main" xmlns:r="http://schemas.openxmlformats.org/officeDocument/2006/relationships" xmlns:p="http://schemas.openxmlformats.org/presentationml/2006/main">
+  <p:cSld>
+    <p:spTree>
+      <p:nvGrpSpPr>
+        <p:cNvPr id="1" name=""/>
+        <p:cNvGrpSpPr/>
+        <p:nvPr/>
+      </p:nvGrpSpPr>
+      <p:grpSpPr>
+        <a:xfrm>
+          <a:off x="0" y="0"/>
+          <a:ext cx="0" cy="0"/>
+          <a:chOff x="0" y="0"/>
+          <a:chExt cx="0" cy="0"/>
+        </a:xfrm>
+      </p:grpSpPr>
+      <p:sp>
+        <p:nvSpPr>
+          <p:cNvPr id="2" name="Title 1"/>
+          <p:cNvSpPr>
+            <a:spLocks noGrp="1"/>
+          </p:cNvSpPr>
+          <p:nvPr>
+            <p:ph type="title"/>
+          </p:nvPr>
+        </p:nvSpPr>
+        <p:spPr/>
+        <p:txBody>
+          <a:bodyPr/>
+          <a:lstStyle/>
+          <a:p>
+            <a:r>
+              <a:rPr lang="en-US" dirty="0"/>
+              <a:t>SNAPSHOTS OF OUR CHANGES</a:t>
+            </a:r>
+          </a:p>
+        </p:txBody>
+      </p:sp>
+      <p:sp>
+        <p:nvSpPr>
+          <p:cNvPr id="3" name="Content Placeholder 2"/>
+          <p:cNvSpPr>
+            <a:spLocks noGrp="1"/>
+          </p:cNvSpPr>
+          <p:nvPr>
+            <p:ph idx="1"/>
+          </p:nvPr>
+        </p:nvSpPr>
+        <p:spPr>
+          <a:xfrm>
+            <a:off x="838200" y="1825625"/>
+            <a:ext cx="5262923" cy="4351338"/>
+          </a:xfrm>
+        </p:spPr>
+        <p:txBody>
+          <a:bodyPr/>
+          <a:lstStyle/>
+          <a:p>
+            <a:r>
+              <a:rPr lang="en-US" dirty="0" smtClean="0"/>
+              <a:t>Once we have reached a milestone, or we just want to quickly and reversibly save our changes</a:t>
+            </a:r>
+          </a:p>
+          <a:p>
+            <a:r>
+              <a:rPr lang="en-US" dirty="0" smtClean="0"/>
+              <a:t>Annotating our Snapshot </a:t>
+            </a:r>
+          </a:p>
+          <a:p>
+            <a:pPr lvl="1"/>
+            <a:r>
+              <a:rPr lang="en-US" dirty="0" smtClean="0"/>
+              <a:t>Short, simple </a:t>
+            </a:r>
+            <a:r>
+              <a:rPr lang="en-US" b="1" dirty="0" smtClean="0"/>
+              <a:t>summary</a:t>
+            </a:r>
+            <a:r>
+              <a:rPr lang="en-US" dirty="0" smtClean="0"/>
+              <a:t>. A few words</a:t>
+            </a:r>
+          </a:p>
+          <a:p>
+            <a:pPr lvl="1"/>
+            <a:r>
+              <a:rPr lang="en-US" dirty="0" smtClean="0"/>
+              <a:t>Extended </a:t>
+            </a:r>
+            <a:r>
+              <a:rPr lang="en-US" b="1" dirty="0" smtClean="0"/>
+              <a:t>description</a:t>
+            </a:r>
+            <a:r>
+              <a:rPr lang="en-US" dirty="0" smtClean="0"/>
+              <a:t> of approach. A few sentences</a:t>
+            </a:r>
+          </a:p>
+          <a:p>
+            <a:r>
+              <a:rPr lang="en-US" dirty="0" smtClean="0"/>
+              <a:t>Only changes locally!</a:t>
+            </a:r>
+          </a:p>
+        </p:txBody>
+      </p:sp>
+      <p:sp>
+        <p:nvSpPr>
+          <p:cNvPr id="4" name="Date Placeholder 3"/>
+          <p:cNvSpPr>
+            <a:spLocks noGrp="1"/>
+          </p:cNvSpPr>
+          <p:nvPr>
+            <p:ph type="dt" sz="half" idx="10"/>
+          </p:nvPr>
+        </p:nvSpPr>
+        <p:spPr/>
+        <p:txBody>
+          <a:bodyPr/>
+          <a:lstStyle/>
+          <a:p>
+            <a:fld id="{74F93749-3CD2-4A95-98ED-FE9E109683BE}" type="datetime4">
+              <a:rPr lang="en-US" smtClean="0"/>
+              <a:t>June 3, 2019</a:t>
+            </a:fld>
+            <a:endParaRPr lang="en-US" dirty="0"/>
+          </a:p>
+        </p:txBody>
+      </p:sp>
+      <p:sp>
+        <p:nvSpPr>
+          <p:cNvPr id="5" name="Footer Placeholder 4"/>
+          <p:cNvSpPr>
+            <a:spLocks noGrp="1"/>
+          </p:cNvSpPr>
+          <p:nvPr>
+            <p:ph type="ftr" sz="quarter" idx="11"/>
+          </p:nvPr>
+        </p:nvSpPr>
+        <p:spPr/>
+        <p:txBody>
+          <a:bodyPr/>
+          <a:lstStyle/>
+          <a:p>
+            <a:r>
+              <a:rPr lang="en-US" smtClean="0"/>
+              <a:t>Digital Scholarship Services </a:t>
+            </a:r>
+            <a:r>
+              <a:rPr lang="en-US" smtClean="0">
+                <a:solidFill>
+                  <a:schemeClr val="accent1">
+                    <a:lumMod val="50000"/>
+                  </a:schemeClr>
+                </a:solidFill>
+              </a:rPr>
+              <a:t>| Email</a:t>
+            </a:r>
+            <a:r>
+              <a:rPr lang="en-US" smtClean="0"/>
+              <a:t> cf24@rice.edu </a:t>
+            </a:r>
+            <a:r>
+              <a:rPr lang="en-US" smtClean="0">
+                <a:solidFill>
+                  <a:schemeClr val="accent1">
+                    <a:lumMod val="50000"/>
+                  </a:schemeClr>
+                </a:solidFill>
+              </a:rPr>
+              <a:t>|</a:t>
+            </a:r>
+            <a:r>
+              <a:rPr lang="en-US" smtClean="0"/>
+              <a:t> library.rice.edu/dss</a:t>
+            </a:r>
+            <a:endParaRPr lang="en-US" dirty="0"/>
+          </a:p>
+        </p:txBody>
+      </p:sp>
+      <p:sp>
+        <p:nvSpPr>
+          <p:cNvPr id="6" name="Slide Number Placeholder 5"/>
+          <p:cNvSpPr>
+            <a:spLocks noGrp="1"/>
+          </p:cNvSpPr>
+          <p:nvPr>
+            <p:ph type="sldNum" sz="quarter" idx="12"/>
+          </p:nvPr>
+        </p:nvSpPr>
+        <p:spPr/>
+        <p:txBody>
+          <a:bodyPr/>
+          <a:lstStyle/>
+          <a:p>
+            <a:fld id="{D57F1E4F-1CFF-5643-939E-02111984F565}" type="slidenum">
+              <a:rPr lang="en-US" smtClean="0"/>
+              <a:t>24</a:t>
+            </a:fld>
+            <a:endParaRPr lang="en-US" dirty="0"/>
+          </a:p>
+        </p:txBody>
+      </p:sp>
+    </p:spTree>
+    <p:extLst>
+      <p:ext uri="{BB962C8B-B14F-4D97-AF65-F5344CB8AC3E}">
+        <p14:creationId xmlns:p14="http://schemas.microsoft.com/office/powerpoint/2010/main" val="4082885933"/>
+      </p:ext>
+    </p:extLst>
+  </p:cSld>
+  <p:clrMapOvr>
+    <a:masterClrMapping/>
+  </p:clrMapOvr>
+</p:sld>
+</file>
+
+<file path=ppt/slides/slide25.xml><?xml version="1.0" encoding="utf-8"?>
+<p:sld xmlns:a="http://schemas.openxmlformats.org/drawingml/2006/main" xmlns:r="http://schemas.openxmlformats.org/officeDocument/2006/relationships" xmlns:p="http://schemas.openxmlformats.org/presentationml/2006/main">
+  <p:cSld>
+    <p:spTree>
+      <p:nvGrpSpPr>
+        <p:cNvPr id="1" name=""/>
+        <p:cNvGrpSpPr/>
+        <p:nvPr/>
+      </p:nvGrpSpPr>
+      <p:grpSpPr>
+        <a:xfrm>
+          <a:off x="0" y="0"/>
+          <a:ext cx="0" cy="0"/>
+          <a:chOff x="0" y="0"/>
+          <a:chExt cx="0" cy="0"/>
+        </a:xfrm>
+      </p:grpSpPr>
+      <p:sp>
+        <p:nvSpPr>
+          <p:cNvPr id="2" name="Title 1"/>
+          <p:cNvSpPr>
+            <a:spLocks noGrp="1"/>
+          </p:cNvSpPr>
+          <p:nvPr>
+            <p:ph type="title"/>
+          </p:nvPr>
+        </p:nvSpPr>
+        <p:spPr/>
+        <p:txBody>
+          <a:bodyPr/>
+          <a:lstStyle/>
+          <a:p>
+            <a:r>
+              <a:rPr lang="en-US" dirty="0" smtClean="0"/>
+              <a:t>SNAPSHOTS OF OUR CHANGES</a:t>
+            </a:r>
+            <a:endParaRPr lang="en-US" dirty="0"/>
+          </a:p>
+        </p:txBody>
+      </p:sp>
+      <p:sp>
+        <p:nvSpPr>
+          <p:cNvPr id="3" name="Content Placeholder 2"/>
+          <p:cNvSpPr>
+            <a:spLocks noGrp="1"/>
+          </p:cNvSpPr>
+          <p:nvPr>
+            <p:ph idx="1"/>
+          </p:nvPr>
+        </p:nvSpPr>
+        <p:spPr>
+          <a:xfrm>
+            <a:off x="838200" y="1825625"/>
+            <a:ext cx="5255239" cy="4351338"/>
+          </a:xfrm>
+        </p:spPr>
+        <p:txBody>
+          <a:bodyPr/>
+          <a:lstStyle/>
+          <a:p>
+            <a:r>
+              <a:rPr lang="en-US" dirty="0" smtClean="0"/>
+              <a:t>Tell </a:t>
+            </a:r>
+            <a:r>
+              <a:rPr lang="en-US" dirty="0" err="1" smtClean="0"/>
+              <a:t>git</a:t>
+            </a:r>
+            <a:r>
+              <a:rPr lang="en-US" dirty="0" smtClean="0"/>
+              <a:t> to take a snapshot of our files!</a:t>
+            </a:r>
+            <a:endParaRPr lang="en-US" dirty="0"/>
+          </a:p>
+          <a:p>
+            <a:pPr lvl="1"/>
+            <a:r>
+              <a:rPr lang="en-US" dirty="0"/>
+              <a:t>Transition between which two states for file.txt?</a:t>
+            </a:r>
+          </a:p>
+          <a:p>
+            <a:pPr lvl="1"/>
+            <a:r>
+              <a:rPr lang="en-US" dirty="0"/>
+              <a:t>Command: </a:t>
+            </a:r>
+            <a:r>
+              <a:rPr lang="en-US" dirty="0" err="1">
+                <a:latin typeface="Courier New" panose="02070309020205020404" pitchFamily="49" charset="0"/>
+                <a:cs typeface="Courier New" panose="02070309020205020404" pitchFamily="49" charset="0"/>
+              </a:rPr>
+              <a:t>git</a:t>
+            </a:r>
+            <a:r>
+              <a:rPr lang="en-US" dirty="0">
+                <a:latin typeface="Courier New" panose="02070309020205020404" pitchFamily="49" charset="0"/>
+                <a:cs typeface="Courier New" panose="02070309020205020404" pitchFamily="49" charset="0"/>
+              </a:rPr>
+              <a:t> </a:t>
+            </a:r>
+            <a:r>
+              <a:rPr lang="en-US" dirty="0" smtClean="0">
+                <a:latin typeface="Courier New" panose="02070309020205020404" pitchFamily="49" charset="0"/>
+                <a:cs typeface="Courier New" panose="02070309020205020404" pitchFamily="49" charset="0"/>
+              </a:rPr>
+              <a:t>commit</a:t>
+            </a:r>
+            <a:endParaRPr lang="en-US" dirty="0" smtClean="0">
+              <a:cs typeface="Courier New" panose="02070309020205020404" pitchFamily="49" charset="0"/>
+            </a:endParaRPr>
+          </a:p>
+          <a:p>
+            <a:r>
+              <a:rPr lang="en-US" b="1" dirty="0" smtClean="0">
+                <a:cs typeface="Courier New" panose="02070309020205020404" pitchFamily="49" charset="0"/>
+              </a:rPr>
+              <a:t>HEAD </a:t>
+            </a:r>
+            <a:r>
+              <a:rPr lang="en-US" dirty="0" smtClean="0">
+                <a:cs typeface="Courier New" panose="02070309020205020404" pitchFamily="49" charset="0"/>
+              </a:rPr>
+              <a:t>now points to our most recent snapshot!</a:t>
+            </a:r>
+            <a:endParaRPr lang="en-US" b="1" dirty="0">
+              <a:cs typeface="Courier New" panose="02070309020205020404" pitchFamily="49" charset="0"/>
+            </a:endParaRPr>
+          </a:p>
+        </p:txBody>
+      </p:sp>
+      <p:sp>
+        <p:nvSpPr>
+          <p:cNvPr id="4" name="Date Placeholder 3"/>
+          <p:cNvSpPr>
+            <a:spLocks noGrp="1"/>
+          </p:cNvSpPr>
+          <p:nvPr>
+            <p:ph type="dt" sz="half" idx="10"/>
+          </p:nvPr>
+        </p:nvSpPr>
+        <p:spPr/>
+        <p:txBody>
+          <a:bodyPr/>
+          <a:lstStyle/>
+          <a:p>
+            <a:fld id="{74F93749-3CD2-4A95-98ED-FE9E109683BE}" type="datetime4">
+              <a:rPr lang="en-US" smtClean="0"/>
+              <a:t>June 3, 2019</a:t>
+            </a:fld>
+            <a:endParaRPr lang="en-US" dirty="0"/>
+          </a:p>
+        </p:txBody>
+      </p:sp>
+      <p:sp>
+        <p:nvSpPr>
+          <p:cNvPr id="5" name="Footer Placeholder 4"/>
+          <p:cNvSpPr>
+            <a:spLocks noGrp="1"/>
+          </p:cNvSpPr>
+          <p:nvPr>
+            <p:ph type="ftr" sz="quarter" idx="11"/>
+          </p:nvPr>
+        </p:nvSpPr>
+        <p:spPr/>
+        <p:txBody>
+          <a:bodyPr/>
+          <a:lstStyle/>
+          <a:p>
+            <a:r>
+              <a:rPr lang="en-US" smtClean="0"/>
+              <a:t>Digital Scholarship Services </a:t>
+            </a:r>
+            <a:r>
+              <a:rPr lang="en-US" smtClean="0">
+                <a:solidFill>
+                  <a:schemeClr val="accent1">
+                    <a:lumMod val="50000"/>
+                  </a:schemeClr>
+                </a:solidFill>
+              </a:rPr>
+              <a:t>| Email</a:t>
+            </a:r>
+            <a:r>
+              <a:rPr lang="en-US" smtClean="0"/>
+              <a:t> cf24@rice.edu </a:t>
+            </a:r>
+            <a:r>
+              <a:rPr lang="en-US" smtClean="0">
+                <a:solidFill>
+                  <a:schemeClr val="accent1">
+                    <a:lumMod val="50000"/>
+                  </a:schemeClr>
+                </a:solidFill>
+              </a:rPr>
+              <a:t>|</a:t>
+            </a:r>
+            <a:r>
+              <a:rPr lang="en-US" smtClean="0"/>
+              <a:t> library.rice.edu/dss</a:t>
+            </a:r>
+            <a:endParaRPr lang="en-US" dirty="0"/>
+          </a:p>
+        </p:txBody>
+      </p:sp>
+      <p:sp>
+        <p:nvSpPr>
+          <p:cNvPr id="6" name="Slide Number Placeholder 5"/>
+          <p:cNvSpPr>
+            <a:spLocks noGrp="1"/>
+          </p:cNvSpPr>
+          <p:nvPr>
+            <p:ph type="sldNum" sz="quarter" idx="12"/>
+          </p:nvPr>
+        </p:nvSpPr>
+        <p:spPr/>
+        <p:txBody>
+          <a:bodyPr/>
+          <a:lstStyle/>
+          <a:p>
+            <a:fld id="{D57F1E4F-1CFF-5643-939E-02111984F565}" type="slidenum">
+              <a:rPr lang="en-US" smtClean="0"/>
+              <a:t>25</a:t>
+            </a:fld>
+            <a:endParaRPr lang="en-US" dirty="0"/>
+          </a:p>
+        </p:txBody>
+      </p:sp>
+      <p:pic>
+        <p:nvPicPr>
+          <p:cNvPr id="7" name="Picture 6"/>
+          <p:cNvPicPr>
+            <a:picLocks noChangeAspect="1"/>
+          </p:cNvPicPr>
+          <p:nvPr/>
+        </p:nvPicPr>
+        <p:blipFill>
+          <a:blip r:embed="rId2"/>
+          <a:stretch>
+            <a:fillRect/>
+          </a:stretch>
+        </p:blipFill>
+        <p:spPr>
+          <a:xfrm>
+            <a:off x="6427656" y="1626050"/>
+            <a:ext cx="5435091" cy="4750487"/>
+          </a:xfrm>
+          <a:prstGeom prst="rect">
+            <a:avLst/>
+          </a:prstGeom>
+        </p:spPr>
+      </p:pic>
+    </p:spTree>
+    <p:extLst>
+      <p:ext uri="{BB962C8B-B14F-4D97-AF65-F5344CB8AC3E}">
+        <p14:creationId xmlns:p14="http://schemas.microsoft.com/office/powerpoint/2010/main" val="4102143817"/>
+      </p:ext>
+    </p:extLst>
+  </p:cSld>
+  <p:clrMapOvr>
+    <a:masterClrMapping/>
+  </p:clrMapOvr>
+</p:sld>
+</file>
+
+<file path=ppt/slides/slide26.xml><?xml version="1.0" encoding="utf-8"?>
+<p:sld xmlns:a="http://schemas.openxmlformats.org/drawingml/2006/main" xmlns:r="http://schemas.openxmlformats.org/officeDocument/2006/relationships" xmlns:p="http://schemas.openxmlformats.org/presentationml/2006/main">
+  <p:cSld>
+    <p:spTree>
+      <p:nvGrpSpPr>
+        <p:cNvPr id="1" name=""/>
+        <p:cNvGrpSpPr/>
+        <p:nvPr/>
+      </p:nvGrpSpPr>
+      <p:grpSpPr>
+        <a:xfrm>
+          <a:off x="0" y="0"/>
+          <a:ext cx="0" cy="0"/>
+          <a:chOff x="0" y="0"/>
+          <a:chExt cx="0" cy="0"/>
+        </a:xfrm>
+      </p:grpSpPr>
+      <p:sp>
+        <p:nvSpPr>
+          <p:cNvPr id="2" name="Title 1"/>
+          <p:cNvSpPr>
+            <a:spLocks noGrp="1"/>
+          </p:cNvSpPr>
+          <p:nvPr>
+            <p:ph type="title"/>
+          </p:nvPr>
+        </p:nvSpPr>
+        <p:spPr/>
+        <p:txBody>
+          <a:bodyPr/>
+          <a:lstStyle/>
+          <a:p>
+            <a:r>
+              <a:rPr lang="en-US" dirty="0" smtClean="0"/>
+              <a:t>UPLOADING OUR CHANGES</a:t>
+            </a:r>
+            <a:endParaRPr lang="en-US" dirty="0"/>
+          </a:p>
+        </p:txBody>
+      </p:sp>
+      <p:sp>
+        <p:nvSpPr>
+          <p:cNvPr id="3" name="Content Placeholder 2"/>
+          <p:cNvSpPr>
+            <a:spLocks noGrp="1"/>
+          </p:cNvSpPr>
+          <p:nvPr>
+            <p:ph idx="1"/>
+          </p:nvPr>
+        </p:nvSpPr>
+        <p:spPr>
+          <a:xfrm>
+            <a:off x="838200" y="1825625"/>
+            <a:ext cx="5063138" cy="4351338"/>
+          </a:xfrm>
+        </p:spPr>
+        <p:txBody>
+          <a:bodyPr/>
+          <a:lstStyle/>
+          <a:p>
+            <a:r>
+              <a:rPr lang="en-US" dirty="0" smtClean="0"/>
+              <a:t>Once we have a commit, we can send it to GitHub</a:t>
+            </a:r>
+          </a:p>
+          <a:p>
+            <a:r>
+              <a:rPr lang="en-US" dirty="0" smtClean="0"/>
+              <a:t>This is called a push.</a:t>
+            </a:r>
+            <a:endParaRPr lang="en-US" dirty="0"/>
+          </a:p>
+        </p:txBody>
+      </p:sp>
+      <p:sp>
+        <p:nvSpPr>
+          <p:cNvPr id="4" name="Date Placeholder 3"/>
+          <p:cNvSpPr>
+            <a:spLocks noGrp="1"/>
+          </p:cNvSpPr>
+          <p:nvPr>
+            <p:ph type="dt" sz="half" idx="10"/>
+          </p:nvPr>
+        </p:nvSpPr>
+        <p:spPr/>
+        <p:txBody>
+          <a:bodyPr/>
+          <a:lstStyle/>
+          <a:p>
+            <a:fld id="{74F93749-3CD2-4A95-98ED-FE9E109683BE}" type="datetime4">
+              <a:rPr lang="en-US" smtClean="0"/>
+              <a:t>June 3, 2019</a:t>
+            </a:fld>
+            <a:endParaRPr lang="en-US" dirty="0"/>
+          </a:p>
+        </p:txBody>
+      </p:sp>
+      <p:sp>
+        <p:nvSpPr>
+          <p:cNvPr id="5" name="Footer Placeholder 4"/>
+          <p:cNvSpPr>
+            <a:spLocks noGrp="1"/>
+          </p:cNvSpPr>
+          <p:nvPr>
+            <p:ph type="ftr" sz="quarter" idx="11"/>
+          </p:nvPr>
+        </p:nvSpPr>
+        <p:spPr/>
+        <p:txBody>
+          <a:bodyPr/>
+          <a:lstStyle/>
+          <a:p>
+            <a:r>
+              <a:rPr lang="en-US" smtClean="0"/>
+              <a:t>Digital Scholarship Services </a:t>
+            </a:r>
+            <a:r>
+              <a:rPr lang="en-US" smtClean="0">
+                <a:solidFill>
+                  <a:schemeClr val="accent1">
+                    <a:lumMod val="50000"/>
+                  </a:schemeClr>
+                </a:solidFill>
+              </a:rPr>
+              <a:t>| Email</a:t>
+            </a:r>
+            <a:r>
+              <a:rPr lang="en-US" smtClean="0"/>
+              <a:t> cf24@rice.edu </a:t>
+            </a:r>
+            <a:r>
+              <a:rPr lang="en-US" smtClean="0">
+                <a:solidFill>
+                  <a:schemeClr val="accent1">
+                    <a:lumMod val="50000"/>
+                  </a:schemeClr>
+                </a:solidFill>
+              </a:rPr>
+              <a:t>|</a:t>
+            </a:r>
+            <a:r>
+              <a:rPr lang="en-US" smtClean="0"/>
+              <a:t> library.rice.edu/dss</a:t>
+            </a:r>
+            <a:endParaRPr lang="en-US" dirty="0"/>
+          </a:p>
+        </p:txBody>
+      </p:sp>
+      <p:sp>
+        <p:nvSpPr>
+          <p:cNvPr id="6" name="Slide Number Placeholder 5"/>
+          <p:cNvSpPr>
+            <a:spLocks noGrp="1"/>
+          </p:cNvSpPr>
+          <p:nvPr>
+            <p:ph type="sldNum" sz="quarter" idx="12"/>
+          </p:nvPr>
+        </p:nvSpPr>
+        <p:spPr/>
+        <p:txBody>
+          <a:bodyPr/>
+          <a:lstStyle/>
+          <a:p>
+            <a:fld id="{D57F1E4F-1CFF-5643-939E-02111984F565}" type="slidenum">
+              <a:rPr lang="en-US" smtClean="0"/>
+              <a:t>26</a:t>
+            </a:fld>
+            <a:endParaRPr lang="en-US" dirty="0"/>
+          </a:p>
+        </p:txBody>
+      </p:sp>
+    </p:spTree>
+    <p:extLst>
+      <p:ext uri="{BB962C8B-B14F-4D97-AF65-F5344CB8AC3E}">
+        <p14:creationId xmlns:p14="http://schemas.microsoft.com/office/powerpoint/2010/main" val="366690583"/>
+      </p:ext>
+    </p:extLst>
+  </p:cSld>
+  <p:clrMapOvr>
+    <a:masterClrMapping/>
+  </p:clrMapOvr>
+</p:sld>
+</file>
+
+<file path=ppt/slides/slide27.xml><?xml version="1.0" encoding="utf-8"?>
+<p:sld xmlns:a="http://schemas.openxmlformats.org/drawingml/2006/main" xmlns:r="http://schemas.openxmlformats.org/officeDocument/2006/relationships" xmlns:p="http://schemas.openxmlformats.org/presentationml/2006/main">
+  <p:cSld>
+    <p:spTree>
+      <p:nvGrpSpPr>
+        <p:cNvPr id="1" name=""/>
+        <p:cNvGrpSpPr/>
+        <p:nvPr/>
+      </p:nvGrpSpPr>
+      <p:grpSpPr>
+        <a:xfrm>
+          <a:off x="0" y="0"/>
+          <a:ext cx="0" cy="0"/>
+          <a:chOff x="0" y="0"/>
+          <a:chExt cx="0" cy="0"/>
+        </a:xfrm>
+      </p:grpSpPr>
+      <p:sp>
+        <p:nvSpPr>
+          <p:cNvPr id="2" name="Title 1"/>
+          <p:cNvSpPr>
+            <a:spLocks noGrp="1"/>
+          </p:cNvSpPr>
+          <p:nvPr>
+            <p:ph type="title"/>
+          </p:nvPr>
+        </p:nvSpPr>
+        <p:spPr/>
+        <p:txBody>
+          <a:bodyPr/>
+          <a:lstStyle/>
+          <a:p>
+            <a:r>
+              <a:rPr lang="en-US" dirty="0" smtClean="0"/>
+              <a:t>GOING BACK IN TIME</a:t>
+            </a:r>
+            <a:endParaRPr lang="en-US" dirty="0"/>
+          </a:p>
+        </p:txBody>
+      </p:sp>
+      <p:sp>
+        <p:nvSpPr>
+          <p:cNvPr id="3" name="Content Placeholder 2"/>
+          <p:cNvSpPr>
+            <a:spLocks noGrp="1"/>
+          </p:cNvSpPr>
+          <p:nvPr>
+            <p:ph idx="1"/>
+          </p:nvPr>
+        </p:nvSpPr>
+        <p:spPr>
+          <a:xfrm>
+            <a:off x="838200" y="1825625"/>
+            <a:ext cx="5262923" cy="4351338"/>
+          </a:xfrm>
+        </p:spPr>
+        <p:txBody>
+          <a:bodyPr/>
+          <a:lstStyle/>
+          <a:p>
+            <a:r>
+              <a:rPr lang="en-US" dirty="0" smtClean="0"/>
+              <a:t>What if we made a change we realized deleted something we really needed?</a:t>
+            </a:r>
+          </a:p>
+          <a:p>
+            <a:r>
+              <a:rPr lang="en-US" dirty="0" smtClean="0"/>
+              <a:t>Solution: Reverting to a previous commit!</a:t>
+            </a:r>
+            <a:endParaRPr lang="en-US" dirty="0"/>
+          </a:p>
+        </p:txBody>
+      </p:sp>
+      <p:sp>
+        <p:nvSpPr>
+          <p:cNvPr id="4" name="Date Placeholder 3"/>
+          <p:cNvSpPr>
+            <a:spLocks noGrp="1"/>
+          </p:cNvSpPr>
+          <p:nvPr>
+            <p:ph type="dt" sz="half" idx="10"/>
+          </p:nvPr>
+        </p:nvSpPr>
+        <p:spPr/>
+        <p:txBody>
+          <a:bodyPr/>
+          <a:lstStyle/>
+          <a:p>
+            <a:fld id="{74F93749-3CD2-4A95-98ED-FE9E109683BE}" type="datetime4">
+              <a:rPr lang="en-US" smtClean="0"/>
+              <a:t>June 3, 2019</a:t>
+            </a:fld>
+            <a:endParaRPr lang="en-US" dirty="0"/>
+          </a:p>
+        </p:txBody>
+      </p:sp>
+      <p:sp>
+        <p:nvSpPr>
+          <p:cNvPr id="5" name="Footer Placeholder 4"/>
+          <p:cNvSpPr>
+            <a:spLocks noGrp="1"/>
+          </p:cNvSpPr>
+          <p:nvPr>
+            <p:ph type="ftr" sz="quarter" idx="11"/>
+          </p:nvPr>
+        </p:nvSpPr>
+        <p:spPr/>
+        <p:txBody>
+          <a:bodyPr/>
+          <a:lstStyle/>
+          <a:p>
+            <a:r>
+              <a:rPr lang="en-US" smtClean="0"/>
+              <a:t>Digital Scholarship Services </a:t>
+            </a:r>
+            <a:r>
+              <a:rPr lang="en-US" smtClean="0">
+                <a:solidFill>
+                  <a:schemeClr val="accent1">
+                    <a:lumMod val="50000"/>
+                  </a:schemeClr>
+                </a:solidFill>
+              </a:rPr>
+              <a:t>| Email</a:t>
+            </a:r>
+            <a:r>
+              <a:rPr lang="en-US" smtClean="0"/>
+              <a:t> cf24@rice.edu </a:t>
+            </a:r>
+            <a:r>
+              <a:rPr lang="en-US" smtClean="0">
+                <a:solidFill>
+                  <a:schemeClr val="accent1">
+                    <a:lumMod val="50000"/>
+                  </a:schemeClr>
+                </a:solidFill>
+              </a:rPr>
+              <a:t>|</a:t>
+            </a:r>
+            <a:r>
+              <a:rPr lang="en-US" smtClean="0"/>
+              <a:t> library.rice.edu/dss</a:t>
+            </a:r>
+            <a:endParaRPr lang="en-US" dirty="0"/>
+          </a:p>
+        </p:txBody>
+      </p:sp>
+      <p:sp>
+        <p:nvSpPr>
+          <p:cNvPr id="6" name="Slide Number Placeholder 5"/>
+          <p:cNvSpPr>
+            <a:spLocks noGrp="1"/>
+          </p:cNvSpPr>
+          <p:nvPr>
+            <p:ph type="sldNum" sz="quarter" idx="12"/>
+          </p:nvPr>
+        </p:nvSpPr>
+        <p:spPr/>
+        <p:txBody>
+          <a:bodyPr/>
+          <a:lstStyle/>
+          <a:p>
+            <a:fld id="{D57F1E4F-1CFF-5643-939E-02111984F565}" type="slidenum">
+              <a:rPr lang="en-US" smtClean="0"/>
+              <a:t>27</a:t>
+            </a:fld>
+            <a:endParaRPr lang="en-US" dirty="0"/>
+          </a:p>
+        </p:txBody>
+      </p:sp>
+    </p:spTree>
+    <p:extLst>
+      <p:ext uri="{BB962C8B-B14F-4D97-AF65-F5344CB8AC3E}">
+        <p14:creationId xmlns:p14="http://schemas.microsoft.com/office/powerpoint/2010/main" val="866188761"/>
+      </p:ext>
+    </p:extLst>
+  </p:cSld>
+  <p:clrMapOvr>
+    <a:masterClrMapping/>
+  </p:clrMapOvr>
+</p:sld>
+</file>
+
+<file path=ppt/slides/slide28.xml><?xml version="1.0" encoding="utf-8"?>
+<p:sld xmlns:a="http://schemas.openxmlformats.org/drawingml/2006/main" xmlns:r="http://schemas.openxmlformats.org/officeDocument/2006/relationships" xmlns:p="http://schemas.openxmlformats.org/presentationml/2006/main">
+  <p:cSld>
+    <p:spTree>
+      <p:nvGrpSpPr>
+        <p:cNvPr id="1" name=""/>
+        <p:cNvGrpSpPr/>
+        <p:nvPr/>
+      </p:nvGrpSpPr>
+      <p:grpSpPr>
+        <a:xfrm>
+          <a:off x="0" y="0"/>
+          <a:ext cx="0" cy="0"/>
+          <a:chOff x="0" y="0"/>
+          <a:chExt cx="0" cy="0"/>
+        </a:xfrm>
+      </p:grpSpPr>
+      <p:sp>
+        <p:nvSpPr>
+          <p:cNvPr id="4" name="Title 3"/>
+          <p:cNvSpPr>
+            <a:spLocks noGrp="1"/>
+          </p:cNvSpPr>
+          <p:nvPr>
+            <p:ph type="title"/>
+          </p:nvPr>
+        </p:nvSpPr>
+        <p:spPr/>
+        <p:txBody>
+          <a:bodyPr/>
+          <a:lstStyle/>
+          <a:p>
+            <a:r>
+              <a:rPr lang="en-US" dirty="0" smtClean="0">
+                <a:latin typeface="+mn-lt"/>
+              </a:rPr>
+              <a:t>BRANCHES &amp; MERGING</a:t>
+            </a:r>
+            <a:endParaRPr lang="en-US" dirty="0">
+              <a:latin typeface="+mn-lt"/>
+            </a:endParaRPr>
+          </a:p>
+        </p:txBody>
+      </p:sp>
+      <p:sp>
+        <p:nvSpPr>
+          <p:cNvPr id="5" name="Text Placeholder 4"/>
+          <p:cNvSpPr>
+            <a:spLocks noGrp="1"/>
+          </p:cNvSpPr>
+          <p:nvPr>
+            <p:ph type="body" idx="1"/>
+          </p:nvPr>
+        </p:nvSpPr>
+        <p:spPr/>
+        <p:txBody>
+          <a:bodyPr/>
+          <a:lstStyle/>
+          <a:p>
+            <a:r>
+              <a:rPr lang="en-US" dirty="0" smtClean="0"/>
+              <a:t>Creating, working on, and switching branches. Combining changes across branches</a:t>
+            </a:r>
+            <a:endParaRPr lang="en-US" dirty="0"/>
+          </a:p>
+        </p:txBody>
+      </p:sp>
+      <p:sp>
+        <p:nvSpPr>
+          <p:cNvPr id="7" name="Date Placeholder 6"/>
+          <p:cNvSpPr>
+            <a:spLocks noGrp="1"/>
+          </p:cNvSpPr>
+          <p:nvPr>
+            <p:ph type="dt" sz="half" idx="10"/>
+          </p:nvPr>
+        </p:nvSpPr>
+        <p:spPr/>
+        <p:txBody>
+          <a:bodyPr/>
+          <a:lstStyle/>
+          <a:p>
+            <a:fld id="{058BBB48-E612-431F-A2D1-FE84E0649533}" type="datetime4">
+              <a:rPr lang="en-US" smtClean="0"/>
+              <a:t>June 3, 2019</a:t>
+            </a:fld>
+            <a:endParaRPr lang="en-US" dirty="0"/>
+          </a:p>
+        </p:txBody>
+      </p:sp>
+      <p:sp>
+        <p:nvSpPr>
+          <p:cNvPr id="8" name="Slide Number Placeholder 7"/>
+          <p:cNvSpPr>
+            <a:spLocks noGrp="1"/>
+          </p:cNvSpPr>
+          <p:nvPr>
+            <p:ph type="sldNum" sz="quarter" idx="12"/>
+          </p:nvPr>
+        </p:nvSpPr>
+        <p:spPr/>
+        <p:txBody>
+          <a:bodyPr/>
+          <a:lstStyle/>
+          <a:p>
+            <a:fld id="{D57F1E4F-1CFF-5643-939E-02111984F565}" type="slidenum">
+              <a:rPr lang="en-US" smtClean="0"/>
+              <a:t>28</a:t>
+            </a:fld>
+            <a:endParaRPr lang="en-US" dirty="0"/>
+          </a:p>
+        </p:txBody>
+      </p:sp>
+      <p:sp>
+        <p:nvSpPr>
+          <p:cNvPr id="2" name="Footer Placeholder 1"/>
+          <p:cNvSpPr>
+            <a:spLocks noGrp="1"/>
+          </p:cNvSpPr>
+          <p:nvPr>
+            <p:ph type="ftr" sz="quarter" idx="11"/>
+          </p:nvPr>
+        </p:nvSpPr>
+        <p:spPr/>
+        <p:txBody>
+          <a:bodyPr/>
+          <a:lstStyle/>
+          <a:p>
+            <a:r>
+              <a:rPr lang="en-US" smtClean="0"/>
+              <a:t>Digital Scholarship Services </a:t>
+            </a:r>
+            <a:r>
+              <a:rPr lang="en-US" smtClean="0">
+                <a:solidFill>
+                  <a:schemeClr val="accent1">
+                    <a:lumMod val="50000"/>
+                  </a:schemeClr>
+                </a:solidFill>
+              </a:rPr>
+              <a:t>| Email</a:t>
+            </a:r>
+            <a:r>
+              <a:rPr lang="en-US" smtClean="0"/>
+              <a:t> cf24@rice.edu </a:t>
+            </a:r>
+            <a:r>
+              <a:rPr lang="en-US" smtClean="0">
+                <a:solidFill>
+                  <a:schemeClr val="accent1">
+                    <a:lumMod val="50000"/>
+                  </a:schemeClr>
+                </a:solidFill>
+              </a:rPr>
+              <a:t>|</a:t>
+            </a:r>
+            <a:r>
+              <a:rPr lang="en-US" smtClean="0"/>
+              <a:t> library.rice.edu/dss</a:t>
+            </a:r>
+            <a:endParaRPr lang="en-US" dirty="0"/>
+          </a:p>
+        </p:txBody>
+      </p:sp>
+    </p:spTree>
+    <p:extLst>
+      <p:ext uri="{BB962C8B-B14F-4D97-AF65-F5344CB8AC3E}">
+        <p14:creationId xmlns:p14="http://schemas.microsoft.com/office/powerpoint/2010/main" val="2804592253"/>
+      </p:ext>
+    </p:extLst>
+  </p:cSld>
+  <p:clrMapOvr>
+    <a:masterClrMapping/>
+  </p:clrMapOvr>
+  <p:timing>
+    <p:tnLst>
+      <p:par>
+        <p:cTn id="1" dur="indefinite" restart="never" nodeType="tmRoot"/>
+      </p:par>
+    </p:tnLst>
+  </p:timing>
+</p:sld>
+</file>
+
+<file path=ppt/slides/slide29.xml><?xml version="1.0" encoding="utf-8"?>
+<p:sld xmlns:a="http://schemas.openxmlformats.org/drawingml/2006/main" xmlns:r="http://schemas.openxmlformats.org/officeDocument/2006/relationships" xmlns:p="http://schemas.openxmlformats.org/presentationml/2006/main">
+  <p:cSld>
+    <p:spTree>
+      <p:nvGrpSpPr>
+        <p:cNvPr id="1" name=""/>
+        <p:cNvGrpSpPr/>
+        <p:nvPr/>
+      </p:nvGrpSpPr>
+      <p:grpSpPr>
+        <a:xfrm>
+          <a:off x="0" y="0"/>
+          <a:ext cx="0" cy="0"/>
+          <a:chOff x="0" y="0"/>
+          <a:chExt cx="0" cy="0"/>
+        </a:xfrm>
+      </p:grpSpPr>
+      <p:sp>
+        <p:nvSpPr>
+          <p:cNvPr id="2" name="Title 1"/>
+          <p:cNvSpPr>
+            <a:spLocks noGrp="1"/>
+          </p:cNvSpPr>
+          <p:nvPr>
+            <p:ph type="title"/>
+          </p:nvPr>
+        </p:nvSpPr>
+        <p:spPr/>
+        <p:txBody>
+          <a:bodyPr/>
+          <a:lstStyle/>
+          <a:p>
+            <a:r>
+              <a:rPr lang="en-US" dirty="0" smtClean="0">
+                <a:latin typeface="+mn-lt"/>
+              </a:rPr>
+              <a:t>ACKNOWLEDGMENTS</a:t>
+            </a:r>
+            <a:endParaRPr lang="en-US" dirty="0">
+              <a:latin typeface="+mn-lt"/>
+            </a:endParaRPr>
+          </a:p>
+        </p:txBody>
+      </p:sp>
+      <p:sp>
+        <p:nvSpPr>
+          <p:cNvPr id="3" name="Content Placeholder 2"/>
+          <p:cNvSpPr>
+            <a:spLocks noGrp="1"/>
+          </p:cNvSpPr>
+          <p:nvPr>
+            <p:ph idx="1"/>
+          </p:nvPr>
+        </p:nvSpPr>
+        <p:spPr/>
+        <p:txBody>
+          <a:bodyPr/>
+          <a:lstStyle/>
+          <a:p>
+            <a:r>
+              <a:rPr lang="en-US" dirty="0"/>
+              <a:t>The </a:t>
+            </a:r>
+            <a:r>
+              <a:rPr lang="en-US" dirty="0" smtClean="0"/>
+              <a:t>figures are </a:t>
+            </a:r>
+            <a:r>
+              <a:rPr lang="en-US" dirty="0"/>
+              <a:t>taken from Pro </a:t>
+            </a:r>
+            <a:r>
+              <a:rPr lang="en-US" dirty="0" err="1"/>
+              <a:t>Git</a:t>
+            </a:r>
+            <a:r>
+              <a:rPr lang="en-US" dirty="0"/>
+              <a:t> book, written by Scott Chacon and Ben Straub and published by </a:t>
+            </a:r>
+            <a:r>
+              <a:rPr lang="en-US" dirty="0" err="1"/>
+              <a:t>Apress</a:t>
+            </a:r>
+            <a:r>
+              <a:rPr lang="en-US" dirty="0"/>
+              <a:t>, </a:t>
+            </a:r>
+            <a:r>
+              <a:rPr lang="en-US" dirty="0" smtClean="0"/>
+              <a:t>used under </a:t>
+            </a:r>
+            <a:r>
+              <a:rPr lang="en-US" dirty="0"/>
+              <a:t>the terms of the Creative Commons Attribution-</a:t>
+            </a:r>
+            <a:r>
+              <a:rPr lang="en-US" dirty="0" err="1"/>
+              <a:t>NonCommercial</a:t>
+            </a:r>
+            <a:r>
+              <a:rPr lang="en-US" dirty="0"/>
+              <a:t>-</a:t>
+            </a:r>
+            <a:r>
+              <a:rPr lang="en-US" dirty="0" err="1"/>
+              <a:t>ShareAlike</a:t>
+            </a:r>
+            <a:r>
+              <a:rPr lang="en-US" dirty="0"/>
+              <a:t> 3.0 </a:t>
+            </a:r>
+            <a:r>
+              <a:rPr lang="en-US" dirty="0" err="1"/>
+              <a:t>Unported</a:t>
+            </a:r>
+            <a:r>
+              <a:rPr lang="en-US" dirty="0"/>
+              <a:t> License</a:t>
+            </a:r>
+            <a:r>
+              <a:rPr lang="en-US" dirty="0" smtClean="0"/>
+              <a:t>.</a:t>
+            </a:r>
+          </a:p>
+          <a:p>
+            <a:r>
+              <a:rPr lang="en-US" dirty="0" smtClean="0"/>
+              <a:t>The GitHub mark is used under their official license (</a:t>
+            </a:r>
+            <a:r>
+              <a:rPr lang="en-US" dirty="0">
+                <a:hlinkClick r:id="rId2"/>
+              </a:rPr>
+              <a:t>https://github.com/logos</a:t>
+            </a:r>
+            <a:r>
+              <a:rPr lang="en-US" dirty="0" smtClean="0"/>
+              <a:t>)</a:t>
+            </a:r>
+            <a:endParaRPr lang="en-US" dirty="0"/>
+          </a:p>
+        </p:txBody>
+      </p:sp>
+      <p:sp>
+        <p:nvSpPr>
+          <p:cNvPr id="5" name="Date Placeholder 4"/>
+          <p:cNvSpPr>
+            <a:spLocks noGrp="1"/>
+          </p:cNvSpPr>
+          <p:nvPr>
+            <p:ph type="dt" sz="half" idx="10"/>
+          </p:nvPr>
+        </p:nvSpPr>
+        <p:spPr/>
+        <p:txBody>
+          <a:bodyPr/>
+          <a:lstStyle/>
+          <a:p>
+            <a:fld id="{9985793D-3B5D-46A1-A058-9C498F103400}" type="datetime4">
+              <a:rPr lang="en-US" smtClean="0"/>
+              <a:t>June 3, 2019</a:t>
+            </a:fld>
+            <a:endParaRPr lang="en-US" dirty="0"/>
+          </a:p>
+        </p:txBody>
+      </p:sp>
+      <p:sp>
+        <p:nvSpPr>
+          <p:cNvPr id="6" name="Slide Number Placeholder 5"/>
+          <p:cNvSpPr>
+            <a:spLocks noGrp="1"/>
+          </p:cNvSpPr>
+          <p:nvPr>
+            <p:ph type="sldNum" sz="quarter" idx="12"/>
+          </p:nvPr>
+        </p:nvSpPr>
+        <p:spPr/>
+        <p:txBody>
+          <a:bodyPr/>
+          <a:lstStyle/>
+          <a:p>
+            <a:fld id="{D57F1E4F-1CFF-5643-939E-02111984F565}" type="slidenum">
+              <a:rPr lang="en-US" smtClean="0"/>
+              <a:t>29</a:t>
+            </a:fld>
+            <a:endParaRPr lang="en-US" dirty="0"/>
+          </a:p>
+        </p:txBody>
+      </p:sp>
+      <p:sp>
+        <p:nvSpPr>
+          <p:cNvPr id="7" name="Footer Placeholder 6"/>
+          <p:cNvSpPr>
+            <a:spLocks noGrp="1"/>
+          </p:cNvSpPr>
+          <p:nvPr>
+            <p:ph type="ftr" sz="quarter" idx="11"/>
+          </p:nvPr>
+        </p:nvSpPr>
+        <p:spPr/>
+        <p:txBody>
+          <a:bodyPr/>
+          <a:lstStyle/>
+          <a:p>
+            <a:r>
+              <a:rPr lang="en-US" smtClean="0"/>
+              <a:t>Digital Scholarship Services </a:t>
+            </a:r>
+            <a:r>
+              <a:rPr lang="en-US" smtClean="0">
+                <a:solidFill>
+                  <a:schemeClr val="accent1">
+                    <a:lumMod val="50000"/>
+                  </a:schemeClr>
+                </a:solidFill>
+              </a:rPr>
+              <a:t>| Email</a:t>
+            </a:r>
+            <a:r>
+              <a:rPr lang="en-US" smtClean="0"/>
+              <a:t> cf24@rice.edu </a:t>
+            </a:r>
+            <a:r>
+              <a:rPr lang="en-US" smtClean="0">
+                <a:solidFill>
+                  <a:schemeClr val="accent1">
+                    <a:lumMod val="50000"/>
+                  </a:schemeClr>
+                </a:solidFill>
+              </a:rPr>
+              <a:t>|</a:t>
+            </a:r>
+            <a:r>
+              <a:rPr lang="en-US" smtClean="0"/>
+              <a:t> library.rice.edu/dss</a:t>
+            </a:r>
+            <a:endParaRPr lang="en-US" dirty="0"/>
+          </a:p>
+        </p:txBody>
+      </p:sp>
+    </p:spTree>
+    <p:extLst>
+      <p:ext uri="{BB962C8B-B14F-4D97-AF65-F5344CB8AC3E}">
+        <p14:creationId xmlns:p14="http://schemas.microsoft.com/office/powerpoint/2010/main" val="3144273736"/>
       </p:ext>
     </p:extLst>
   </p:cSld>
@@ -4296,29 +8564,6 @@
       </p:sp>
       <p:sp>
         <p:nvSpPr>
-          <p:cNvPr id="4" name="Footer Placeholder 3"/>
-          <p:cNvSpPr>
-            <a:spLocks noGrp="1"/>
-          </p:cNvSpPr>
-          <p:nvPr>
-            <p:ph type="ftr" sz="quarter" idx="11"/>
-          </p:nvPr>
-        </p:nvSpPr>
-        <p:spPr/>
-        <p:txBody>
-          <a:bodyPr/>
-          <a:lstStyle/>
-          <a:p>
-            <a:r>
-              <a:rPr lang="en-US" smtClean="0"/>
-              <a:t>Digital Scholarship Services | Email cf24@rice.edu | library.rice.edu/dss</a:t>
-            </a:r>
-            <a:endParaRPr lang="en-US" dirty="0"/>
-          </a:p>
-        </p:txBody>
-      </p:sp>
-      <p:sp>
-        <p:nvSpPr>
           <p:cNvPr id="5" name="Date Placeholder 4"/>
           <p:cNvSpPr>
             <a:spLocks noGrp="1"/>
@@ -4332,7 +8577,7 @@
           <a:bodyPr/>
           <a:lstStyle/>
           <a:p>
-            <a:fld id="{B45805B4-F50A-40F2-864E-FEAE1CD2FDAA}" type="datetime4">
+            <a:fld id="{49C53E21-08B0-4FDE-BC40-11E60AED3BA0}" type="datetime4">
               <a:rPr lang="en-US" smtClean="0"/>
               <a:t>June 3, 2019</a:t>
             </a:fld>
@@ -4359,6 +8604,57 @@
               <a:rPr lang="en-US" smtClean="0"/>
               <a:t>3</a:t>
             </a:fld>
+            <a:endParaRPr lang="en-US" dirty="0"/>
+          </a:p>
+        </p:txBody>
+      </p:sp>
+      <p:sp>
+        <p:nvSpPr>
+          <p:cNvPr id="7" name="Footer Placeholder 6"/>
+          <p:cNvSpPr>
+            <a:spLocks noGrp="1"/>
+          </p:cNvSpPr>
+          <p:nvPr>
+            <p:ph type="ftr" sz="quarter" idx="11"/>
+          </p:nvPr>
+        </p:nvSpPr>
+        <p:spPr/>
+        <p:txBody>
+          <a:bodyPr/>
+          <a:lstStyle/>
+          <a:p>
+            <a:r>
+              <a:rPr lang="en-US" smtClean="0"/>
+              <a:t>Digital Scholarship Services </a:t>
+            </a:r>
+            <a:r>
+              <a:rPr lang="en-US" smtClean="0">
+                <a:solidFill>
+                  <a:schemeClr val="accent1">
+                    <a:lumMod val="50000"/>
+                  </a:schemeClr>
+                </a:solidFill>
+              </a:rPr>
+              <a:t>| Email</a:t>
+            </a:r>
+            <a:r>
+              <a:rPr lang="en-US" smtClean="0"/>
+              <a:t> cf24@rice.edu </a:t>
+            </a:r>
+            <a:r>
+              <a:rPr lang="en-US" smtClean="0">
+                <a:solidFill>
+                  <a:schemeClr val="accent1">
+                    <a:lumMod val="50000"/>
+                  </a:schemeClr>
+                </a:solidFill>
+              </a:rPr>
+              <a:t>|</a:t>
+            </a:r>
+            <a:r>
+              <a:rPr lang="en-US" smtClean="0"/>
+              <a:t> library.rice.edu/dss</a:t>
+            </a:r>
             <a:endParaRPr lang="en-US" dirty="0"/>
           </a:p>
         </p:txBody>
@@ -4448,29 +8744,6 @@
       </p:sp>
       <p:sp>
         <p:nvSpPr>
-          <p:cNvPr id="4" name="Footer Placeholder 3"/>
-          <p:cNvSpPr>
-            <a:spLocks noGrp="1"/>
-          </p:cNvSpPr>
-          <p:nvPr>
-            <p:ph type="ftr" sz="quarter" idx="11"/>
-          </p:nvPr>
-        </p:nvSpPr>
-        <p:spPr/>
-        <p:txBody>
-          <a:bodyPr/>
-          <a:lstStyle/>
-          <a:p>
-            <a:r>
-              <a:rPr lang="en-US" smtClean="0"/>
-              <a:t>Digital Scholarship Services | Email cf24@rice.edu | library.rice.edu/dss</a:t>
-            </a:r>
-            <a:endParaRPr lang="en-US" dirty="0"/>
-          </a:p>
-        </p:txBody>
-      </p:sp>
-      <p:sp>
-        <p:nvSpPr>
           <p:cNvPr id="5" name="Date Placeholder 4"/>
           <p:cNvSpPr>
             <a:spLocks noGrp="1"/>
@@ -4484,7 +8757,7 @@
           <a:bodyPr/>
           <a:lstStyle/>
           <a:p>
-            <a:fld id="{A89BD2E6-65B3-409B-9402-355EDF5A4942}" type="datetime4">
+            <a:fld id="{ABCDBDCF-BD7C-42D5-AA45-BDAC8FAB55A4}" type="datetime4">
               <a:rPr lang="en-US" smtClean="0"/>
               <a:t>June 3, 2019</a:t>
             </a:fld>
@@ -4511,6 +8784,57 @@
               <a:rPr lang="en-US" smtClean="0"/>
               <a:t>4</a:t>
             </a:fld>
+            <a:endParaRPr lang="en-US" dirty="0"/>
+          </a:p>
+        </p:txBody>
+      </p:sp>
+      <p:sp>
+        <p:nvSpPr>
+          <p:cNvPr id="7" name="Footer Placeholder 6"/>
+          <p:cNvSpPr>
+            <a:spLocks noGrp="1"/>
+          </p:cNvSpPr>
+          <p:nvPr>
+            <p:ph type="ftr" sz="quarter" idx="11"/>
+          </p:nvPr>
+        </p:nvSpPr>
+        <p:spPr/>
+        <p:txBody>
+          <a:bodyPr/>
+          <a:lstStyle/>
+          <a:p>
+            <a:r>
+              <a:rPr lang="en-US" smtClean="0"/>
+              <a:t>Digital Scholarship Services </a:t>
+            </a:r>
+            <a:r>
+              <a:rPr lang="en-US" smtClean="0">
+                <a:solidFill>
+                  <a:schemeClr val="accent1">
+                    <a:lumMod val="50000"/>
+                  </a:schemeClr>
+                </a:solidFill>
+              </a:rPr>
+              <a:t>| Email</a:t>
+            </a:r>
+            <a:r>
+              <a:rPr lang="en-US" smtClean="0"/>
+              <a:t> cf24@rice.edu </a:t>
+            </a:r>
+            <a:r>
+              <a:rPr lang="en-US" smtClean="0">
+                <a:solidFill>
+                  <a:schemeClr val="accent1">
+                    <a:lumMod val="50000"/>
+                  </a:schemeClr>
+                </a:solidFill>
+              </a:rPr>
+              <a:t>|</a:t>
+            </a:r>
+            <a:r>
+              <a:rPr lang="en-US" smtClean="0"/>
+              <a:t> library.rice.edu/dss</a:t>
+            </a:r>
             <a:endParaRPr lang="en-US" dirty="0"/>
           </a:p>
         </p:txBody>
@@ -4600,29 +8924,6 @@
       </p:sp>
       <p:sp>
         <p:nvSpPr>
-          <p:cNvPr id="4" name="Footer Placeholder 3"/>
-          <p:cNvSpPr>
-            <a:spLocks noGrp="1"/>
-          </p:cNvSpPr>
-          <p:nvPr>
-            <p:ph type="ftr" sz="quarter" idx="11"/>
-          </p:nvPr>
-        </p:nvSpPr>
-        <p:spPr/>
-        <p:txBody>
-          <a:bodyPr/>
-          <a:lstStyle/>
-          <a:p>
-            <a:r>
-              <a:rPr lang="en-US" smtClean="0"/>
-              <a:t>Digital Scholarship Services | Email cf24@rice.edu | library.rice.edu/dss</a:t>
-            </a:r>
-            <a:endParaRPr lang="en-US" dirty="0"/>
-          </a:p>
-        </p:txBody>
-      </p:sp>
-      <p:sp>
-        <p:nvSpPr>
           <p:cNvPr id="5" name="Date Placeholder 4"/>
           <p:cNvSpPr>
             <a:spLocks noGrp="1"/>
@@ -4636,7 +8937,7 @@
           <a:bodyPr/>
           <a:lstStyle/>
           <a:p>
-            <a:fld id="{D92B9C81-BD33-4C99-A64E-D9369B29ED11}" type="datetime4">
+            <a:fld id="{FB169DAF-4CD7-4B82-BB7C-54F3FCD01B55}" type="datetime4">
               <a:rPr lang="en-US" smtClean="0"/>
               <a:t>June 3, 2019</a:t>
             </a:fld>
@@ -4663,6 +8964,57 @@
               <a:rPr lang="en-US" smtClean="0"/>
               <a:t>5</a:t>
             </a:fld>
+            <a:endParaRPr lang="en-US" dirty="0"/>
+          </a:p>
+        </p:txBody>
+      </p:sp>
+      <p:sp>
+        <p:nvSpPr>
+          <p:cNvPr id="7" name="Footer Placeholder 6"/>
+          <p:cNvSpPr>
+            <a:spLocks noGrp="1"/>
+          </p:cNvSpPr>
+          <p:nvPr>
+            <p:ph type="ftr" sz="quarter" idx="11"/>
+          </p:nvPr>
+        </p:nvSpPr>
+        <p:spPr/>
+        <p:txBody>
+          <a:bodyPr/>
+          <a:lstStyle/>
+          <a:p>
+            <a:r>
+              <a:rPr lang="en-US" smtClean="0"/>
+              <a:t>Digital Scholarship Services </a:t>
+            </a:r>
+            <a:r>
+              <a:rPr lang="en-US" smtClean="0">
+                <a:solidFill>
+                  <a:schemeClr val="accent1">
+                    <a:lumMod val="50000"/>
+                  </a:schemeClr>
+                </a:solidFill>
+              </a:rPr>
+              <a:t>| Email</a:t>
+            </a:r>
+            <a:r>
+              <a:rPr lang="en-US" smtClean="0"/>
+              <a:t> cf24@rice.edu </a:t>
+            </a:r>
+            <a:r>
+              <a:rPr lang="en-US" smtClean="0">
+                <a:solidFill>
+                  <a:schemeClr val="accent1">
+                    <a:lumMod val="50000"/>
+                  </a:schemeClr>
+                </a:solidFill>
+              </a:rPr>
+              <a:t>|</a:t>
+            </a:r>
+            <a:r>
+              <a:rPr lang="en-US" smtClean="0"/>
+              <a:t> library.rice.edu/dss</a:t>
+            </a:r>
             <a:endParaRPr lang="en-US" dirty="0"/>
           </a:p>
         </p:txBody>
@@ -4752,34 +9104,11 @@
             </a:r>
             <a:r>
               <a:rPr lang="en-US" dirty="0"/>
-              <a:t> State </a:t>
+              <a:t> </a:t>
             </a:r>
             <a:r>
               <a:rPr lang="en-US" dirty="0" smtClean="0"/>
-              <a:t>Cycle</a:t>
-            </a:r>
-            <a:endParaRPr lang="en-US" dirty="0"/>
-          </a:p>
-        </p:txBody>
-      </p:sp>
-      <p:sp>
-        <p:nvSpPr>
-          <p:cNvPr id="6" name="Footer Placeholder 5"/>
-          <p:cNvSpPr>
-            <a:spLocks noGrp="1"/>
-          </p:cNvSpPr>
-          <p:nvPr>
-            <p:ph type="ftr" sz="quarter" idx="11"/>
-          </p:nvPr>
-        </p:nvSpPr>
-        <p:spPr/>
-        <p:txBody>
-          <a:bodyPr/>
-          <a:lstStyle/>
-          <a:p>
-            <a:r>
-              <a:rPr lang="en-US" smtClean="0"/>
-              <a:t>Digital Scholarship Services | Email cf24@rice.edu | library.rice.edu/dss</a:t>
+              <a:t>File States</a:t>
             </a:r>
             <a:endParaRPr lang="en-US" dirty="0"/>
           </a:p>
@@ -4800,7 +9129,7 @@
           <a:bodyPr/>
           <a:lstStyle/>
           <a:p>
-            <a:fld id="{2E19EF20-B3EB-4959-B46B-C91494B3075B}" type="datetime4">
+            <a:fld id="{4573C887-AB40-46D8-8F4C-D4BD7F03A5A2}" type="datetime4">
               <a:rPr lang="en-US" smtClean="0"/>
               <a:t>June 3, 2019</a:t>
             </a:fld>
@@ -4827,6 +9156,57 @@
               <a:rPr lang="en-US" smtClean="0"/>
               <a:t>6</a:t>
             </a:fld>
+            <a:endParaRPr lang="en-US" dirty="0"/>
+          </a:p>
+        </p:txBody>
+      </p:sp>
+      <p:sp>
+        <p:nvSpPr>
+          <p:cNvPr id="2" name="Footer Placeholder 1"/>
+          <p:cNvSpPr>
+            <a:spLocks noGrp="1"/>
+          </p:cNvSpPr>
+          <p:nvPr>
+            <p:ph type="ftr" sz="quarter" idx="11"/>
+          </p:nvPr>
+        </p:nvSpPr>
+        <p:spPr/>
+        <p:txBody>
+          <a:bodyPr/>
+          <a:lstStyle/>
+          <a:p>
+            <a:r>
+              <a:rPr lang="en-US" smtClean="0"/>
+              <a:t>Digital Scholarship Services </a:t>
+            </a:r>
+            <a:r>
+              <a:rPr lang="en-US" smtClean="0">
+                <a:solidFill>
+                  <a:schemeClr val="accent1">
+                    <a:lumMod val="50000"/>
+                  </a:schemeClr>
+                </a:solidFill>
+              </a:rPr>
+              <a:t>| Email</a:t>
+            </a:r>
+            <a:r>
+              <a:rPr lang="en-US" smtClean="0"/>
+              <a:t> cf24@rice.edu </a:t>
+            </a:r>
+            <a:r>
+              <a:rPr lang="en-US" smtClean="0">
+                <a:solidFill>
+                  <a:schemeClr val="accent1">
+                    <a:lumMod val="50000"/>
+                  </a:schemeClr>
+                </a:solidFill>
+              </a:rPr>
+              <a:t>|</a:t>
+            </a:r>
+            <a:r>
+              <a:rPr lang="en-US" smtClean="0"/>
+              <a:t> library.rice.edu/dss</a:t>
+            </a:r>
             <a:endParaRPr lang="en-US" dirty="0"/>
           </a:p>
         </p:txBody>
@@ -4834,7 +9214,7 @@
     </p:spTree>
     <p:extLst>
       <p:ext uri="{BB962C8B-B14F-4D97-AF65-F5344CB8AC3E}">
-        <p14:creationId xmlns:p14="http://schemas.microsoft.com/office/powerpoint/2010/main" val="202466769"/>
+        <p14:creationId xmlns:p14="http://schemas.microsoft.com/office/powerpoint/2010/main" val="1997213232"/>
       </p:ext>
     </p:extLst>
   </p:cSld>
@@ -4954,29 +9334,6 @@
       </p:sp>
       <p:sp>
         <p:nvSpPr>
-          <p:cNvPr id="8" name="Footer Placeholder 7"/>
-          <p:cNvSpPr>
-            <a:spLocks noGrp="1"/>
-          </p:cNvSpPr>
-          <p:nvPr>
-            <p:ph type="ftr" sz="quarter" idx="11"/>
-          </p:nvPr>
-        </p:nvSpPr>
-        <p:spPr/>
-        <p:txBody>
-          <a:bodyPr/>
-          <a:lstStyle/>
-          <a:p>
-            <a:r>
-              <a:rPr lang="en-US" smtClean="0"/>
-              <a:t>Digital Scholarship Services | Email cf24@rice.edu | library.rice.edu/dss</a:t>
-            </a:r>
-            <a:endParaRPr lang="en-US" dirty="0"/>
-          </a:p>
-        </p:txBody>
-      </p:sp>
-      <p:sp>
-        <p:nvSpPr>
           <p:cNvPr id="9" name="Date Placeholder 8"/>
           <p:cNvSpPr>
             <a:spLocks noGrp="1"/>
@@ -4990,7 +9347,7 @@
           <a:bodyPr/>
           <a:lstStyle/>
           <a:p>
-            <a:fld id="{DA654607-ECF3-4682-ABB2-71761D1D7F64}" type="datetime4">
+            <a:fld id="{028403BE-1A09-4C34-8E7D-EE75D3FBE4FE}" type="datetime4">
               <a:rPr lang="en-US" smtClean="0"/>
               <a:t>June 3, 2019</a:t>
             </a:fld>
@@ -5017,6 +9374,57 @@
               <a:rPr lang="en-US" smtClean="0"/>
               <a:t>7</a:t>
             </a:fld>
+            <a:endParaRPr lang="en-US" dirty="0"/>
+          </a:p>
+        </p:txBody>
+      </p:sp>
+      <p:sp>
+        <p:nvSpPr>
+          <p:cNvPr id="2" name="Footer Placeholder 1"/>
+          <p:cNvSpPr>
+            <a:spLocks noGrp="1"/>
+          </p:cNvSpPr>
+          <p:nvPr>
+            <p:ph type="ftr" sz="quarter" idx="11"/>
+          </p:nvPr>
+        </p:nvSpPr>
+        <p:spPr/>
+        <p:txBody>
+          <a:bodyPr/>
+          <a:lstStyle/>
+          <a:p>
+            <a:r>
+              <a:rPr lang="en-US" smtClean="0"/>
+              <a:t>Digital Scholarship Services </a:t>
+            </a:r>
+            <a:r>
+              <a:rPr lang="en-US" smtClean="0">
+                <a:solidFill>
+                  <a:schemeClr val="accent1">
+                    <a:lumMod val="50000"/>
+                  </a:schemeClr>
+                </a:solidFill>
+              </a:rPr>
+              <a:t>| Email</a:t>
+            </a:r>
+            <a:r>
+              <a:rPr lang="en-US" smtClean="0"/>
+              <a:t> cf24@rice.edu </a:t>
+            </a:r>
+            <a:r>
+              <a:rPr lang="en-US" smtClean="0">
+                <a:solidFill>
+                  <a:schemeClr val="accent1">
+                    <a:lumMod val="50000"/>
+                  </a:schemeClr>
+                </a:solidFill>
+              </a:rPr>
+              <a:t>|</a:t>
+            </a:r>
+            <a:r>
+              <a:rPr lang="en-US" smtClean="0"/>
+              <a:t> library.rice.edu/dss</a:t>
+            </a:r>
             <a:endParaRPr lang="en-US" dirty="0"/>
           </a:p>
         </p:txBody>
@@ -5077,7 +9485,7 @@
               <a:rPr lang="en-US" dirty="0" smtClean="0">
                 <a:latin typeface="+mn-lt"/>
               </a:rPr>
-              <a:t>LOCALITY</a:t>
+              <a:t>SNAPSHOTS</a:t>
             </a:r>
             <a:endParaRPr lang="en-US" dirty="0">
               <a:latin typeface="+mn-lt"/>
@@ -5095,67 +9503,48 @@
             <p:ph idx="1"/>
           </p:nvPr>
         </p:nvSpPr>
-        <p:spPr/>
+        <p:spPr>
+          <a:xfrm>
+            <a:off x="838199" y="1825625"/>
+            <a:ext cx="10261433" cy="4351338"/>
+          </a:xfrm>
+        </p:spPr>
         <p:txBody>
           <a:bodyPr/>
           <a:lstStyle/>
           <a:p>
             <a:r>
               <a:rPr lang="en-US" dirty="0" smtClean="0"/>
-              <a:t>Snapshots stored on your computer, not a server!</a:t>
-            </a:r>
-          </a:p>
-          <a:p>
-            <a:pPr lvl="1"/>
+              <a:t>Sample Snapshot:</a:t>
+            </a:r>
+          </a:p>
+          <a:p>
+            <a:endParaRPr lang="en-US" dirty="0"/>
+          </a:p>
+          <a:p>
+            <a:endParaRPr lang="en-US" dirty="0" smtClean="0"/>
+          </a:p>
+          <a:p>
+            <a:endParaRPr lang="en-US" dirty="0"/>
+          </a:p>
+          <a:p>
+            <a:endParaRPr lang="en-US" dirty="0" smtClean="0"/>
+          </a:p>
+          <a:p>
+            <a:endParaRPr lang="en-US" dirty="0"/>
+          </a:p>
+          <a:p>
             <a:r>
               <a:rPr lang="en-US" dirty="0" smtClean="0"/>
-              <a:t>.</a:t>
-            </a:r>
-            <a:r>
-              <a:rPr lang="en-US" dirty="0" err="1" smtClean="0"/>
-              <a:t>git</a:t>
-            </a:r>
-            <a:r>
-              <a:rPr lang="en-US" dirty="0" smtClean="0"/>
-              <a:t> directory</a:t>
-            </a:r>
-          </a:p>
-          <a:p>
-            <a:pPr lvl="1"/>
-            <a:r>
-              <a:rPr lang="en-US" dirty="0" smtClean="0"/>
-              <a:t>Stores entire history of project</a:t>
-            </a:r>
-            <a:endParaRPr lang="en-US" dirty="0"/>
-          </a:p>
-        </p:txBody>
-      </p:sp>
-      <p:sp>
-        <p:nvSpPr>
-          <p:cNvPr id="4" name="Footer Placeholder 3"/>
-          <p:cNvSpPr>
-            <a:spLocks noGrp="1"/>
-          </p:cNvSpPr>
-          <p:nvPr>
-            <p:ph type="ftr" sz="quarter" idx="11"/>
-          </p:nvPr>
-        </p:nvSpPr>
-        <p:spPr/>
-        <p:txBody>
-          <a:bodyPr/>
-          <a:lstStyle/>
-          <a:p>
-            <a:r>
-              <a:rPr lang="en-US" smtClean="0"/>
-              <a:t>Digital Scholarship Services | Email cf24@rice.edu | library.rice.edu/dss</a:t>
-            </a:r>
-            <a:endParaRPr lang="en-US" dirty="0"/>
-          </a:p>
-        </p:txBody>
-      </p:sp>
-      <p:sp>
-        <p:nvSpPr>
-          <p:cNvPr id="5" name="Date Placeholder 4"/>
+              <a:t>Can see all files present at any of these times!</a:t>
+            </a:r>
+            <a:endParaRPr lang="en-US" dirty="0"/>
+          </a:p>
+        </p:txBody>
+      </p:sp>
+      <p:sp>
+        <p:nvSpPr>
+          <p:cNvPr id="4" name="Date Placeholder 3"/>
           <p:cNvSpPr>
             <a:spLocks noGrp="1"/>
           </p:cNvSpPr>
@@ -5168,7 +9557,7 @@
           <a:bodyPr/>
           <a:lstStyle/>
           <a:p>
-            <a:fld id="{8AFC66CC-9FFB-41FB-84DB-3C959F6555A6}" type="datetime4">
+            <a:fld id="{0E6AE29B-8C09-43B5-86A8-3F3FC8EBB2F2}" type="datetime4">
               <a:rPr lang="en-US" smtClean="0"/>
               <a:t>June 3, 2019</a:t>
             </a:fld>
@@ -5195,6 +9584,80 @@
               <a:rPr lang="en-US" smtClean="0"/>
               <a:t>8</a:t>
             </a:fld>
+            <a:endParaRPr lang="en-US" dirty="0"/>
+          </a:p>
+        </p:txBody>
+      </p:sp>
+      <p:pic>
+        <p:nvPicPr>
+          <p:cNvPr id="12" name="Picture 11"/>
+          <p:cNvPicPr>
+            <a:picLocks noChangeAspect="1"/>
+          </p:cNvPicPr>
+          <p:nvPr/>
+        </p:nvPicPr>
+        <p:blipFill rotWithShape="1">
+          <a:blip r:embed="rId2"/>
+          <a:srcRect t="38708"/>
+          <a:stretch/>
+        </p:blipFill>
+        <p:spPr>
+          <a:xfrm>
+            <a:off x="1525504" y="2919662"/>
+            <a:ext cx="9429750" cy="1284371"/>
+          </a:xfrm>
+          <a:prstGeom prst="rect">
+            <a:avLst/>
+          </a:prstGeom>
+        </p:spPr>
+      </p:pic>
+      <p:sp>
+        <p:nvSpPr>
+          <p:cNvPr id="13" name="Footer Placeholder 12"/>
+          <p:cNvSpPr>
+            <a:spLocks noGrp="1"/>
+          </p:cNvSpPr>
+          <p:nvPr>
+            <p:ph type="ftr" sz="quarter" idx="11"/>
+          </p:nvPr>
+        </p:nvSpPr>
+        <p:spPr/>
+        <p:txBody>
+          <a:bodyPr/>
+          <a:lstStyle/>
+          <a:p>
+            <a:r>
+              <a:rPr lang="en-US" smtClean="0"/>
+              <a:t>Digital Scholarship Services </a:t>
+            </a:r>
+            <a:r>
+              <a:rPr lang="en-US" smtClean="0">
+                <a:solidFill>
+                  <a:schemeClr val="accent1">
+                    <a:lumMod val="50000"/>
+                  </a:schemeClr>
+                </a:solidFill>
+              </a:rPr>
+              <a:t>| Email</a:t>
+            </a:r>
+            <a:r>
+              <a:rPr lang="en-US" smtClean="0"/>
+              <a:t> cf24@rice.edu </a:t>
+            </a:r>
+            <a:r>
+              <a:rPr lang="en-US" smtClean="0">
+                <a:solidFill>
+                  <a:schemeClr val="accent1">
+                    <a:lumMod val="50000"/>
+                  </a:schemeClr>
+                </a:solidFill>
+              </a:rPr>
+              <a:t>|</a:t>
+            </a:r>
+            <a:r>
+              <a:rPr lang="en-US" smtClean="0"/>
+              <a:t> library.rice.edu/dss</a:t>
+            </a:r>
             <a:endParaRPr lang="en-US" dirty="0"/>
           </a:p>
         </p:txBody>
@@ -5202,20 +9665,13 @@
     </p:spTree>
     <p:extLst>
       <p:ext uri="{BB962C8B-B14F-4D97-AF65-F5344CB8AC3E}">
-        <p14:creationId xmlns:p14="http://schemas.microsoft.com/office/powerpoint/2010/main" val="3847530790"/>
+        <p14:creationId xmlns:p14="http://schemas.microsoft.com/office/powerpoint/2010/main" val="2406414258"/>
       </p:ext>
     </p:extLst>
   </p:cSld>
   <p:clrMapOvr>
     <a:masterClrMapping/>
   </p:clrMapOvr>
-  <p:timing>
-    <p:tnLst>
-      <p:par>
-        <p:cTn id="1" dur="indefinite" restart="never" nodeType="tmRoot"/>
-      </p:par>
-    </p:tnLst>
-  </p:timing>
 </p:sld>
 </file>
 
@@ -5255,7 +9711,7 @@
               <a:rPr lang="en-US" dirty="0" smtClean="0">
                 <a:latin typeface="+mn-lt"/>
               </a:rPr>
-              <a:t>STATES OF FILES IN A REPOSITORY</a:t>
+              <a:t>LOCALITY</a:t>
             </a:r>
             <a:endParaRPr lang="en-US" dirty="0">
               <a:latin typeface="+mn-lt"/>
@@ -5273,127 +9729,57 @@
             <p:ph idx="1"/>
           </p:nvPr>
         </p:nvSpPr>
-        <p:spPr/>
-        <p:txBody>
-          <a:bodyPr/>
-          <a:lstStyle/>
-          <a:p>
-            <a:r>
-              <a:rPr lang="en-US" b="1" dirty="0"/>
-              <a:t>untracked</a:t>
-            </a:r>
-            <a:r>
-              <a:rPr lang="en-US" dirty="0"/>
-              <a:t>: </a:t>
-            </a:r>
-            <a:r>
-              <a:rPr lang="en-US" dirty="0" err="1"/>
+        <p:spPr>
+          <a:xfrm>
+            <a:off x="838200" y="1825625"/>
+            <a:ext cx="5113421" cy="4351338"/>
+          </a:xfrm>
+        </p:spPr>
+        <p:txBody>
+          <a:bodyPr/>
+          <a:lstStyle/>
+          <a:p>
+            <a:r>
+              <a:rPr lang="en-US" dirty="0" smtClean="0"/>
+              <a:t>Snapshots stored on your computer, not </a:t>
+            </a:r>
+            <a:r>
+              <a:rPr lang="en-US" dirty="0" smtClean="0"/>
+              <a:t>only on a </a:t>
+            </a:r>
+            <a:r>
+              <a:rPr lang="en-US" dirty="0" smtClean="0"/>
+              <a:t>server!</a:t>
+            </a:r>
+          </a:p>
+          <a:p>
+            <a:pPr lvl="1"/>
+            <a:r>
+              <a:rPr lang="en-US" dirty="0" smtClean="0"/>
+              <a:t>Hidden .</a:t>
+            </a:r>
+            <a:r>
+              <a:rPr lang="en-US" dirty="0" err="1" smtClean="0"/>
               <a:t>git</a:t>
             </a:r>
             <a:r>
-              <a:rPr lang="en-US" dirty="0"/>
-              <a:t> has not been told about this file.</a:t>
-            </a:r>
-          </a:p>
-          <a:p>
-            <a:r>
-              <a:rPr lang="en-US" b="1" dirty="0"/>
-              <a:t>modified</a:t>
-            </a:r>
-            <a:r>
-              <a:rPr lang="en-US" dirty="0"/>
-              <a:t>: we told </a:t>
-            </a:r>
-            <a:r>
-              <a:rPr lang="en-US" dirty="0" err="1"/>
-              <a:t>git</a:t>
-            </a:r>
-            <a:r>
-              <a:rPr lang="en-US" dirty="0"/>
-              <a:t> about this file, but we've changed it without telling </a:t>
-            </a:r>
-            <a:r>
-              <a:rPr lang="en-US" dirty="0" err="1"/>
-              <a:t>git</a:t>
-            </a:r>
-            <a:r>
-              <a:rPr lang="en-US" dirty="0"/>
-              <a:t> to remember our change.</a:t>
-            </a:r>
-          </a:p>
-          <a:p>
-            <a:r>
-              <a:rPr lang="en-US" b="1" dirty="0"/>
-              <a:t>staged</a:t>
-            </a:r>
-            <a:r>
-              <a:rPr lang="en-US" dirty="0"/>
-              <a:t>: we have told </a:t>
-            </a:r>
-            <a:r>
-              <a:rPr lang="en-US" dirty="0" err="1"/>
-              <a:t>git</a:t>
-            </a:r>
-            <a:r>
-              <a:rPr lang="en-US" dirty="0"/>
-              <a:t> about this file and told </a:t>
-            </a:r>
-            <a:r>
-              <a:rPr lang="en-US" dirty="0" err="1"/>
-              <a:t>git</a:t>
-            </a:r>
-            <a:r>
-              <a:rPr lang="en-US" dirty="0"/>
-              <a:t> we will want it to remember our change.</a:t>
-            </a:r>
-          </a:p>
-          <a:p>
-            <a:r>
-              <a:rPr lang="en-US" b="1" dirty="0"/>
-              <a:t>committed</a:t>
-            </a:r>
-            <a:r>
-              <a:rPr lang="en-US" dirty="0"/>
-              <a:t>: we have made </a:t>
-            </a:r>
-            <a:r>
-              <a:rPr lang="en-US" dirty="0" err="1"/>
-              <a:t>git</a:t>
-            </a:r>
-            <a:r>
-              <a:rPr lang="en-US" dirty="0"/>
-              <a:t> take a snapshot of our file</a:t>
-            </a:r>
-            <a:r>
               <a:rPr lang="en-US" dirty="0" smtClean="0"/>
-              <a:t>.</a:t>
-            </a:r>
-            <a:endParaRPr lang="en-US" dirty="0"/>
-          </a:p>
-        </p:txBody>
-      </p:sp>
-      <p:sp>
-        <p:nvSpPr>
-          <p:cNvPr id="4" name="Footer Placeholder 3"/>
-          <p:cNvSpPr>
-            <a:spLocks noGrp="1"/>
-          </p:cNvSpPr>
-          <p:nvPr>
-            <p:ph type="ftr" sz="quarter" idx="11"/>
-          </p:nvPr>
-        </p:nvSpPr>
-        <p:spPr/>
-        <p:txBody>
-          <a:bodyPr/>
-          <a:lstStyle/>
-          <a:p>
+              <a:t> </a:t>
+            </a:r>
             <a:r>
               <a:rPr lang="en-US" dirty="0" smtClean="0"/>
-              <a:t>Digital Scholarship Services | Email cf24@rice.edu | library.rice.edu/</a:t>
-            </a:r>
-            <a:r>
-              <a:rPr lang="en-US" dirty="0" err="1" smtClean="0"/>
-              <a:t>dss</a:t>
+              <a:t>directory</a:t>
+            </a:r>
+          </a:p>
+          <a:p>
+            <a:pPr lvl="1"/>
+            <a:r>
+              <a:rPr lang="en-US" dirty="0" smtClean="0"/>
+              <a:t>Stores entire history of </a:t>
+            </a:r>
+            <a:r>
+              <a:rPr lang="en-US" dirty="0" smtClean="0"/>
+              <a:t>project (compressed!)</a:t>
             </a:r>
             <a:endParaRPr lang="en-US" dirty="0"/>
           </a:p>
@@ -5414,7 +9800,7 @@
           <a:bodyPr/>
           <a:lstStyle/>
           <a:p>
-            <a:fld id="{14BABC4B-D076-4699-85CC-31FBBA2EC130}" type="datetime4">
+            <a:fld id="{4815664E-A18A-488C-8881-DD662D5EA9B7}" type="datetime4">
               <a:rPr lang="en-US" smtClean="0"/>
               <a:t>June 3, 2019</a:t>
             </a:fld>
@@ -5441,6 +9827,81 @@
               <a:rPr lang="en-US" smtClean="0"/>
               <a:t>9</a:t>
             </a:fld>
+            <a:endParaRPr lang="en-US" dirty="0"/>
+          </a:p>
+        </p:txBody>
+      </p:sp>
+      <p:pic>
+        <p:nvPicPr>
+          <p:cNvPr id="7" name="Picture 6"/>
+          <p:cNvPicPr>
+            <a:picLocks noChangeAspect="1"/>
+          </p:cNvPicPr>
+          <p:nvPr/>
+        </p:nvPicPr>
+        <p:blipFill>
+          <a:blip r:embed="rId2"/>
+          <a:stretch>
+            <a:fillRect/>
+          </a:stretch>
+        </p:blipFill>
+        <p:spPr>
+          <a:xfrm>
+            <a:off x="6238373" y="680507"/>
+            <a:ext cx="4744453" cy="5496456"/>
+          </a:xfrm>
+          <a:prstGeom prst="rect">
+            <a:avLst/>
+          </a:prstGeom>
+        </p:spPr>
+      </p:pic>
+      <p:sp>
+        <p:nvSpPr>
+          <p:cNvPr id="8" name="Footer Placeholder 7"/>
+          <p:cNvSpPr>
+            <a:spLocks noGrp="1"/>
+          </p:cNvSpPr>
+          <p:nvPr>
+            <p:ph type="ftr" sz="quarter" idx="11"/>
+          </p:nvPr>
+        </p:nvSpPr>
+        <p:spPr/>
+        <p:txBody>
+          <a:bodyPr/>
+          <a:lstStyle/>
+          <a:p>
+            <a:r>
+              <a:rPr lang="en-US" smtClean="0"/>
+              <a:t>Digital Scholarship Services </a:t>
+            </a:r>
+            <a:r>
+              <a:rPr lang="en-US" smtClean="0">
+                <a:solidFill>
+                  <a:schemeClr val="accent1">
+                    <a:lumMod val="50000"/>
+                  </a:schemeClr>
+                </a:solidFill>
+              </a:rPr>
+              <a:t>| Email</a:t>
+            </a:r>
+            <a:r>
+              <a:rPr lang="en-US" smtClean="0"/>
+              <a:t> cf24@rice.edu </a:t>
+            </a:r>
+            <a:r>
+              <a:rPr lang="en-US" smtClean="0">
+                <a:solidFill>
+                  <a:schemeClr val="accent1">
+                    <a:lumMod val="50000"/>
+                  </a:schemeClr>
+                </a:solidFill>
+              </a:rPr>
+              <a:t>|</a:t>
+            </a:r>
+            <a:r>
+              <a:rPr lang="en-US" smtClean="0"/>
+              <a:t> library.rice.edu/dss</a:t>
+            </a:r>
             <a:endParaRPr lang="en-US" dirty="0"/>
           </a:p>
         </p:txBody>
@@ -5448,7 +9909,7 @@
     </p:spTree>
     <p:extLst>
       <p:ext uri="{BB962C8B-B14F-4D97-AF65-F5344CB8AC3E}">
-        <p14:creationId xmlns:p14="http://schemas.microsoft.com/office/powerpoint/2010/main" val="2194927679"/>
+        <p14:creationId xmlns:p14="http://schemas.microsoft.com/office/powerpoint/2010/main" val="3847530790"/>
       </p:ext>
     </p:extLst>
   </p:cSld>

--- a/github/Introduction to Git & Github.pptx
+++ b/github/Introduction to Git & Github.pptx
@@ -5,7 +5,7 @@
     <p:sldMasterId id="2147483707" r:id="rId1"/>
   </p:sldMasterIdLst>
   <p:notesMasterIdLst>
-    <p:notesMasterId r:id="rId31"/>
+    <p:notesMasterId r:id="rId43"/>
   </p:notesMasterIdLst>
   <p:sldIdLst>
     <p:sldId id="266" r:id="rId2"/>
@@ -21,22 +21,34 @@
     <p:sldId id="264" r:id="rId12"/>
     <p:sldId id="268" r:id="rId13"/>
     <p:sldId id="275" r:id="rId14"/>
-    <p:sldId id="276" r:id="rId15"/>
-    <p:sldId id="277" r:id="rId16"/>
-    <p:sldId id="278" r:id="rId17"/>
-    <p:sldId id="273" r:id="rId18"/>
-    <p:sldId id="279" r:id="rId19"/>
-    <p:sldId id="280" r:id="rId20"/>
-    <p:sldId id="285" r:id="rId21"/>
-    <p:sldId id="281" r:id="rId22"/>
-    <p:sldId id="286" r:id="rId23"/>
-    <p:sldId id="282" r:id="rId24"/>
-    <p:sldId id="287" r:id="rId25"/>
-    <p:sldId id="283" r:id="rId26"/>
-    <p:sldId id="284" r:id="rId27"/>
-    <p:sldId id="288" r:id="rId28"/>
-    <p:sldId id="270" r:id="rId29"/>
-    <p:sldId id="271" r:id="rId30"/>
+    <p:sldId id="291" r:id="rId15"/>
+    <p:sldId id="276" r:id="rId16"/>
+    <p:sldId id="277" r:id="rId17"/>
+    <p:sldId id="289" r:id="rId18"/>
+    <p:sldId id="278" r:id="rId19"/>
+    <p:sldId id="273" r:id="rId20"/>
+    <p:sldId id="279" r:id="rId21"/>
+    <p:sldId id="280" r:id="rId22"/>
+    <p:sldId id="285" r:id="rId23"/>
+    <p:sldId id="281" r:id="rId24"/>
+    <p:sldId id="286" r:id="rId25"/>
+    <p:sldId id="282" r:id="rId26"/>
+    <p:sldId id="287" r:id="rId27"/>
+    <p:sldId id="283" r:id="rId28"/>
+    <p:sldId id="284" r:id="rId29"/>
+    <p:sldId id="297" r:id="rId30"/>
+    <p:sldId id="288" r:id="rId31"/>
+    <p:sldId id="270" r:id="rId32"/>
+    <p:sldId id="292" r:id="rId33"/>
+    <p:sldId id="293" r:id="rId34"/>
+    <p:sldId id="295" r:id="rId35"/>
+    <p:sldId id="294" r:id="rId36"/>
+    <p:sldId id="299" r:id="rId37"/>
+    <p:sldId id="296" r:id="rId38"/>
+    <p:sldId id="300" r:id="rId39"/>
+    <p:sldId id="301" r:id="rId40"/>
+    <p:sldId id="298" r:id="rId41"/>
+    <p:sldId id="271" r:id="rId42"/>
   </p:sldIdLst>
   <p:sldSz cx="12192000" cy="6858000"/>
   <p:notesSz cx="6858000" cy="9144000"/>
@@ -225,7 +237,7 @@
           <a:p>
             <a:fld id="{D46E3B93-8523-4DBC-8FC5-65A9B9CDE5EE}" type="datetimeFigureOut">
               <a:rPr lang="en-US" smtClean="0"/>
-              <a:t>6/3/2019</a:t>
+              <a:t>6/5/2019</a:t>
             </a:fld>
             <a:endParaRPr lang="en-US"/>
           </a:p>
@@ -624,7 +636,7 @@
           <a:p>
             <a:fld id="{64A2D28A-44D6-4F71-B77F-AC810983F0F9}" type="datetime4">
               <a:rPr lang="en-US" smtClean="0"/>
-              <a:t>June 3, 2019</a:t>
+              <a:t>June 5, 2019</a:t>
             </a:fld>
             <a:endParaRPr lang="en-US" dirty="0"/>
           </a:p>
@@ -805,7 +817,7 @@
           <a:p>
             <a:fld id="{F74480E6-35C7-40E9-B6C1-E57DFD4DF83C}" type="datetime4">
               <a:rPr lang="en-US" smtClean="0"/>
-              <a:t>June 3, 2019</a:t>
+              <a:t>June 5, 2019</a:t>
             </a:fld>
             <a:endParaRPr lang="en-US" dirty="0"/>
           </a:p>
@@ -989,7 +1001,7 @@
           <a:p>
             <a:fld id="{1A5552F4-4FE4-4E0E-936F-9158426B99E2}" type="datetime4">
               <a:rPr lang="en-US" smtClean="0"/>
-              <a:t>June 3, 2019</a:t>
+              <a:t>June 5, 2019</a:t>
             </a:fld>
             <a:endParaRPr lang="en-US" dirty="0"/>
           </a:p>
@@ -1174,7 +1186,7 @@
           <a:p>
             <a:fld id="{74F93749-3CD2-4A95-98ED-FE9E109683BE}" type="datetime4">
               <a:rPr lang="en-US" smtClean="0"/>
-              <a:t>June 3, 2019</a:t>
+              <a:t>June 5, 2019</a:t>
             </a:fld>
             <a:endParaRPr lang="en-US" dirty="0"/>
           </a:p>
@@ -1498,7 +1510,7 @@
           <a:p>
             <a:fld id="{930E186A-0FBF-4DA6-A71A-C325C944F843}" type="datetime4">
               <a:rPr lang="en-US" smtClean="0"/>
-              <a:t>June 3, 2019</a:t>
+              <a:t>June 5, 2019</a:t>
             </a:fld>
             <a:endParaRPr lang="en-US" dirty="0"/>
           </a:p>
@@ -1803,7 +1815,7 @@
           <a:p>
             <a:fld id="{3289D242-BAA3-4044-BDEF-2597A5A654EF}" type="datetime4">
               <a:rPr lang="en-US" smtClean="0"/>
-              <a:t>June 3, 2019</a:t>
+              <a:t>June 5, 2019</a:t>
             </a:fld>
             <a:endParaRPr lang="en-US" dirty="0"/>
           </a:p>
@@ -2181,7 +2193,7 @@
           <a:p>
             <a:fld id="{F2F0CD59-A5AD-4382-8C3D-D984415916E6}" type="datetime4">
               <a:rPr lang="en-US" smtClean="0"/>
-              <a:t>June 3, 2019</a:t>
+              <a:t>June 5, 2019</a:t>
             </a:fld>
             <a:endParaRPr lang="en-US" dirty="0"/>
           </a:p>
@@ -2310,7 +2322,7 @@
           <a:p>
             <a:fld id="{7CF69FE5-613D-4C74-96D7-27911459A362}" type="datetime4">
               <a:rPr lang="en-US" smtClean="0"/>
-              <a:t>June 3, 2019</a:t>
+              <a:t>June 5, 2019</a:t>
             </a:fld>
             <a:endParaRPr lang="en-US" dirty="0"/>
           </a:p>
@@ -2416,7 +2428,7 @@
           <a:p>
             <a:fld id="{A7A4566C-9F1F-4845-8842-8A0339049AF6}" type="datetime4">
               <a:rPr lang="en-US" smtClean="0"/>
-              <a:t>June 3, 2019</a:t>
+              <a:t>June 5, 2019</a:t>
             </a:fld>
             <a:endParaRPr lang="en-US" dirty="0"/>
           </a:p>
@@ -2697,7 +2709,7 @@
           <a:p>
             <a:fld id="{2E0CFB47-241B-48D4-BB7E-CF21A52B27C6}" type="datetime4">
               <a:rPr lang="en-US" smtClean="0"/>
-              <a:t>June 3, 2019</a:t>
+              <a:t>June 5, 2019</a:t>
             </a:fld>
             <a:endParaRPr lang="en-US" dirty="0"/>
           </a:p>
@@ -2958,7 +2970,7 @@
           <a:p>
             <a:fld id="{10045882-F850-4580-92A6-05497B2E8977}" type="datetime4">
               <a:rPr lang="en-US" smtClean="0"/>
-              <a:t>June 3, 2019</a:t>
+              <a:t>June 5, 2019</a:t>
             </a:fld>
             <a:endParaRPr lang="en-US" dirty="0"/>
           </a:p>
@@ -3178,7 +3190,7 @@
           <a:p>
             <a:fld id="{9EABF51D-0C08-4C4F-8D1C-BAC468AC6D9B}" type="datetime4">
               <a:rPr lang="en-US" smtClean="0"/>
-              <a:t>June 3, 2019</a:t>
+              <a:t>June 5, 2019</a:t>
             </a:fld>
             <a:endParaRPr lang="en-US" dirty="0"/>
           </a:p>
@@ -4111,7 +4123,7 @@
           <a:p>
             <a:fld id="{EBB345CB-8700-4516-A08B-C5962626710A}" type="datetime4">
               <a:rPr lang="en-US" smtClean="0"/>
-              <a:t>June 3, 2019</a:t>
+              <a:t>June 5, 2019</a:t>
             </a:fld>
             <a:endParaRPr lang="en-US" dirty="0"/>
           </a:p>
@@ -4272,7 +4284,7 @@
           <a:p>
             <a:fld id="{429314C5-54C3-45D4-BD43-1E6786BE277B}" type="datetime4">
               <a:rPr lang="en-US" smtClean="0"/>
-              <a:t>June 3, 2019</a:t>
+              <a:t>June 5, 2019</a:t>
             </a:fld>
             <a:endParaRPr lang="en-US" dirty="0"/>
           </a:p>
@@ -4491,7 +4503,7 @@
           <a:p>
             <a:fld id="{697056D7-45FA-4127-A77C-F084484F25E2}" type="datetime4">
               <a:rPr lang="en-US" smtClean="0"/>
-              <a:t>June 3, 2019</a:t>
+              <a:t>June 5, 2019</a:t>
             </a:fld>
             <a:endParaRPr lang="en-US" dirty="0"/>
           </a:p>
@@ -4641,7 +4653,12 @@
             <p:ph idx="1"/>
           </p:nvPr>
         </p:nvSpPr>
-        <p:spPr/>
+        <p:spPr>
+          <a:xfrm>
+            <a:off x="838200" y="1825625"/>
+            <a:ext cx="5215759" cy="4351338"/>
+          </a:xfrm>
+        </p:spPr>
         <p:txBody>
           <a:bodyPr/>
           <a:lstStyle/>
@@ -4744,7 +4761,7 @@
           <a:p>
             <a:fld id="{930E186A-0FBF-4DA6-A71A-C325C944F843}" type="datetime4">
               <a:rPr lang="en-US" smtClean="0"/>
-              <a:t>June 3, 2019</a:t>
+              <a:t>June 5, 2019</a:t>
             </a:fld>
             <a:endParaRPr lang="en-US" dirty="0"/>
           </a:p>
@@ -4824,6 +4841,47 @@
           </a:p>
         </p:txBody>
       </p:sp>
+      <p:pic>
+        <p:nvPicPr>
+          <p:cNvPr id="1026" name="Picture 2" descr="init.PNG"/>
+          <p:cNvPicPr>
+            <a:picLocks noChangeAspect="1" noChangeArrowheads="1"/>
+          </p:cNvPicPr>
+          <p:nvPr/>
+        </p:nvPicPr>
+        <p:blipFill>
+          <a:blip r:embed="rId2">
+            <a:extLst>
+              <a:ext uri="{28A0092B-C50C-407E-A947-70E740481C1C}">
+                <a14:useLocalDpi xmlns:a14="http://schemas.microsoft.com/office/drawing/2010/main" val="0"/>
+              </a:ext>
+            </a:extLst>
+          </a:blip>
+          <a:srcRect/>
+          <a:stretch>
+            <a:fillRect/>
+          </a:stretch>
+        </p:blipFill>
+        <p:spPr bwMode="auto">
+          <a:xfrm>
+            <a:off x="6842233" y="1870075"/>
+            <a:ext cx="4169341" cy="3607183"/>
+          </a:xfrm>
+          <a:prstGeom prst="rect">
+            <a:avLst/>
+          </a:prstGeom>
+          <a:noFill/>
+          <a:extLst>
+            <a:ext uri="{909E8E84-426E-40DD-AFC4-6F175D3DCCD1}">
+              <a14:hiddenFill xmlns:a14="http://schemas.microsoft.com/office/drawing/2010/main">
+                <a:solidFill>
+                  <a:srgbClr val="FFFFFF"/>
+                </a:solidFill>
+              </a14:hiddenFill>
+            </a:ext>
+          </a:extLst>
+        </p:spPr>
+      </p:pic>
     </p:spTree>
     <p:extLst>
       <p:ext uri="{BB962C8B-B14F-4D97-AF65-F5344CB8AC3E}">
@@ -4856,7 +4914,7 @@
       </p:grpSpPr>
       <p:sp>
         <p:nvSpPr>
-          <p:cNvPr id="2" name="Title 1"/>
+          <p:cNvPr id="7" name="Title 6"/>
           <p:cNvSpPr>
             <a:spLocks noGrp="1"/>
           </p:cNvSpPr>
@@ -4871,15 +4929,15 @@
           <a:p>
             <a:r>
               <a:rPr lang="en-US" dirty="0" smtClean="0"/>
-              <a:t>CLONING</a:t>
-            </a:r>
-            <a:endParaRPr lang="en-US" dirty="0"/>
-          </a:p>
-        </p:txBody>
-      </p:sp>
-      <p:sp>
-        <p:nvSpPr>
-          <p:cNvPr id="3" name="Content Placeholder 2"/>
+              <a:t>INITIALIZATION</a:t>
+            </a:r>
+            <a:endParaRPr lang="en-US" dirty="0"/>
+          </a:p>
+        </p:txBody>
+      </p:sp>
+      <p:sp>
+        <p:nvSpPr>
+          <p:cNvPr id="8" name="Content Placeholder 7"/>
           <p:cNvSpPr>
             <a:spLocks noGrp="1"/>
           </p:cNvSpPr>
@@ -4887,32 +4945,92 @@
             <p:ph idx="1"/>
           </p:nvPr>
         </p:nvSpPr>
-        <p:spPr/>
-        <p:txBody>
-          <a:bodyPr/>
-          <a:lstStyle/>
-          <a:p>
-            <a:r>
-              <a:rPr lang="en-US" dirty="0" smtClean="0"/>
-              <a:t>Downloads entire history of a repository hosted on GitHub</a:t>
-            </a:r>
-          </a:p>
-          <a:p>
+        <p:spPr>
+          <a:xfrm>
+            <a:off x="838200" y="1825625"/>
+            <a:ext cx="5215759" cy="4351338"/>
+          </a:xfrm>
+        </p:spPr>
+        <p:txBody>
+          <a:bodyPr/>
+          <a:lstStyle/>
+          <a:p>
+            <a:r>
+              <a:rPr lang="en-US" dirty="0" err="1">
+                <a:latin typeface="Courier New" panose="02070309020205020404" pitchFamily="49" charset="0"/>
+                <a:cs typeface="Courier New" panose="02070309020205020404" pitchFamily="49" charset="0"/>
+              </a:rPr>
+              <a:t>g</a:t>
+            </a:r>
+            <a:r>
+              <a:rPr lang="en-US" dirty="0" err="1" smtClean="0">
+                <a:latin typeface="Courier New" panose="02070309020205020404" pitchFamily="49" charset="0"/>
+                <a:cs typeface="Courier New" panose="02070309020205020404" pitchFamily="49" charset="0"/>
+              </a:rPr>
+              <a:t>it</a:t>
+            </a:r>
+            <a:r>
+              <a:rPr lang="en-US" dirty="0" smtClean="0">
+                <a:latin typeface="Courier New" panose="02070309020205020404" pitchFamily="49" charset="0"/>
+                <a:cs typeface="Courier New" panose="02070309020205020404" pitchFamily="49" charset="0"/>
+              </a:rPr>
+              <a:t> </a:t>
+            </a:r>
+            <a:r>
+              <a:rPr lang="en-US" dirty="0" err="1" smtClean="0">
+                <a:latin typeface="Courier New" panose="02070309020205020404" pitchFamily="49" charset="0"/>
+                <a:cs typeface="Courier New" panose="02070309020205020404" pitchFamily="49" charset="0"/>
+              </a:rPr>
+              <a:t>init</a:t>
+            </a:r>
+            <a:r>
+              <a:rPr lang="en-US" dirty="0" smtClean="0">
+                <a:latin typeface="Courier New" panose="02070309020205020404" pitchFamily="49" charset="0"/>
+                <a:cs typeface="Courier New" panose="02070309020205020404" pitchFamily="49" charset="0"/>
+              </a:rPr>
+              <a:t>: </a:t>
+            </a:r>
             <a:r>
               <a:rPr lang="en-US" dirty="0" smtClean="0">
                 <a:cs typeface="Courier New" panose="02070309020205020404" pitchFamily="49" charset="0"/>
               </a:rPr>
-              <a:t>Two ways to get the URL:</a:t>
-            </a:r>
-          </a:p>
-          <a:p>
+              <a:t>Create a repository, with a file index and database</a:t>
+            </a:r>
+          </a:p>
+          <a:p>
+            <a:r>
+              <a:rPr lang="en-US" dirty="0" smtClean="0">
+                <a:cs typeface="Courier New" panose="02070309020205020404" pitchFamily="49" charset="0"/>
+              </a:rPr>
+              <a:t>Stored in the hidden directory .</a:t>
+            </a:r>
+            <a:r>
+              <a:rPr lang="en-US" dirty="0" err="1" smtClean="0">
+                <a:cs typeface="Courier New" panose="02070309020205020404" pitchFamily="49" charset="0"/>
+              </a:rPr>
+              <a:t>git</a:t>
+            </a:r>
             <a:endParaRPr lang="en-US" dirty="0" smtClean="0">
               <a:cs typeface="Courier New" panose="02070309020205020404" pitchFamily="49" charset="0"/>
             </a:endParaRPr>
           </a:p>
           <a:p>
+            <a:r>
+              <a:rPr lang="en-US" dirty="0" smtClean="0">
+                <a:cs typeface="Courier New" panose="02070309020205020404" pitchFamily="49" charset="0"/>
+              </a:rPr>
+              <a:t>Note: No files are added to the repository by default!</a:t>
+            </a:r>
+          </a:p>
+          <a:p>
+            <a:pPr lvl="1"/>
+            <a:r>
+              <a:rPr lang="en-US" dirty="0" smtClean="0">
+                <a:cs typeface="Courier New" panose="02070309020205020404" pitchFamily="49" charset="0"/>
+              </a:rPr>
+              <a:t>We’ll get to adding files a bit later</a:t>
+            </a:r>
             <a:endParaRPr lang="en-US" dirty="0">
-              <a:latin typeface="Courier New" panose="02070309020205020404" pitchFamily="49" charset="0"/>
               <a:cs typeface="Courier New" panose="02070309020205020404" pitchFamily="49" charset="0"/>
             </a:endParaRPr>
           </a:p>
@@ -4933,9 +5051,9 @@
           <a:bodyPr/>
           <a:lstStyle/>
           <a:p>
-            <a:fld id="{74F93749-3CD2-4A95-98ED-FE9E109683BE}" type="datetime4">
-              <a:rPr lang="en-US" smtClean="0"/>
-              <a:t>June 3, 2019</a:t>
+            <a:fld id="{930E186A-0FBF-4DA6-A71A-C325C944F843}" type="datetime4">
+              <a:rPr lang="en-US" smtClean="0"/>
+              <a:t>June 5, 2019</a:t>
             </a:fld>
             <a:endParaRPr lang="en-US" dirty="0"/>
           </a:p>
@@ -5010,6 +5128,236 @@
             <a:fld id="{D57F1E4F-1CFF-5643-939E-02111984F565}" type="slidenum">
               <a:rPr lang="en-US" smtClean="0"/>
               <a:t>14</a:t>
+            </a:fld>
+            <a:endParaRPr lang="en-US" dirty="0"/>
+          </a:p>
+        </p:txBody>
+      </p:sp>
+      <p:pic>
+        <p:nvPicPr>
+          <p:cNvPr id="6146" name="Picture 2" descr="emptyrepo.PNG"/>
+          <p:cNvPicPr>
+            <a:picLocks noChangeAspect="1" noChangeArrowheads="1"/>
+          </p:cNvPicPr>
+          <p:nvPr/>
+        </p:nvPicPr>
+        <p:blipFill rotWithShape="1">
+          <a:blip r:embed="rId2">
+            <a:extLst>
+              <a:ext uri="{28A0092B-C50C-407E-A947-70E740481C1C}">
+                <a14:useLocalDpi xmlns:a14="http://schemas.microsoft.com/office/drawing/2010/main" val="0"/>
+              </a:ext>
+            </a:extLst>
+          </a:blip>
+          <a:srcRect r="14810"/>
+          <a:stretch/>
+        </p:blipFill>
+        <p:spPr bwMode="auto">
+          <a:xfrm>
+            <a:off x="5580995" y="2933672"/>
+            <a:ext cx="6306206" cy="1067622"/>
+          </a:xfrm>
+          <a:prstGeom prst="rect">
+            <a:avLst/>
+          </a:prstGeom>
+          <a:noFill/>
+          <a:extLst>
+            <a:ext uri="{909E8E84-426E-40DD-AFC4-6F175D3DCCD1}">
+              <a14:hiddenFill xmlns:a14="http://schemas.microsoft.com/office/drawing/2010/main">
+                <a:solidFill>
+                  <a:srgbClr val="FFFFFF"/>
+                </a:solidFill>
+              </a14:hiddenFill>
+            </a:ext>
+          </a:extLst>
+        </p:spPr>
+      </p:pic>
+    </p:spTree>
+    <p:extLst>
+      <p:ext uri="{BB962C8B-B14F-4D97-AF65-F5344CB8AC3E}">
+        <p14:creationId xmlns:p14="http://schemas.microsoft.com/office/powerpoint/2010/main" val="311251310"/>
+      </p:ext>
+    </p:extLst>
+  </p:cSld>
+  <p:clrMapOvr>
+    <a:masterClrMapping/>
+  </p:clrMapOvr>
+</p:sld>
+</file>
+
+<file path=ppt/slides/slide15.xml><?xml version="1.0" encoding="utf-8"?>
+<p:sld xmlns:a="http://schemas.openxmlformats.org/drawingml/2006/main" xmlns:r="http://schemas.openxmlformats.org/officeDocument/2006/relationships" xmlns:p="http://schemas.openxmlformats.org/presentationml/2006/main">
+  <p:cSld>
+    <p:spTree>
+      <p:nvGrpSpPr>
+        <p:cNvPr id="1" name=""/>
+        <p:cNvGrpSpPr/>
+        <p:nvPr/>
+      </p:nvGrpSpPr>
+      <p:grpSpPr>
+        <a:xfrm>
+          <a:off x="0" y="0"/>
+          <a:ext cx="0" cy="0"/>
+          <a:chOff x="0" y="0"/>
+          <a:chExt cx="0" cy="0"/>
+        </a:xfrm>
+      </p:grpSpPr>
+      <p:sp>
+        <p:nvSpPr>
+          <p:cNvPr id="2" name="Title 1"/>
+          <p:cNvSpPr>
+            <a:spLocks noGrp="1"/>
+          </p:cNvSpPr>
+          <p:nvPr>
+            <p:ph type="title"/>
+          </p:nvPr>
+        </p:nvSpPr>
+        <p:spPr/>
+        <p:txBody>
+          <a:bodyPr/>
+          <a:lstStyle/>
+          <a:p>
+            <a:r>
+              <a:rPr lang="en-US" dirty="0" smtClean="0"/>
+              <a:t>CLONING</a:t>
+            </a:r>
+            <a:endParaRPr lang="en-US" dirty="0"/>
+          </a:p>
+        </p:txBody>
+      </p:sp>
+      <p:sp>
+        <p:nvSpPr>
+          <p:cNvPr id="3" name="Content Placeholder 2"/>
+          <p:cNvSpPr>
+            <a:spLocks noGrp="1"/>
+          </p:cNvSpPr>
+          <p:nvPr>
+            <p:ph idx="1"/>
+          </p:nvPr>
+        </p:nvSpPr>
+        <p:spPr/>
+        <p:txBody>
+          <a:bodyPr/>
+          <a:lstStyle/>
+          <a:p>
+            <a:r>
+              <a:rPr lang="en-US" dirty="0" smtClean="0"/>
+              <a:t>Downloads entire history of a repository hosted on GitHub</a:t>
+            </a:r>
+          </a:p>
+          <a:p>
+            <a:r>
+              <a:rPr lang="en-US" dirty="0" smtClean="0">
+                <a:cs typeface="Courier New" panose="02070309020205020404" pitchFamily="49" charset="0"/>
+              </a:rPr>
+              <a:t>Two ways to get the URL:</a:t>
+            </a:r>
+          </a:p>
+          <a:p>
+            <a:endParaRPr lang="en-US" dirty="0" smtClean="0">
+              <a:cs typeface="Courier New" panose="02070309020205020404" pitchFamily="49" charset="0"/>
+            </a:endParaRPr>
+          </a:p>
+          <a:p>
+            <a:endParaRPr lang="en-US" dirty="0">
+              <a:latin typeface="Courier New" panose="02070309020205020404" pitchFamily="49" charset="0"/>
+              <a:cs typeface="Courier New" panose="02070309020205020404" pitchFamily="49" charset="0"/>
+            </a:endParaRPr>
+          </a:p>
+        </p:txBody>
+      </p:sp>
+      <p:sp>
+        <p:nvSpPr>
+          <p:cNvPr id="4" name="Date Placeholder 3"/>
+          <p:cNvSpPr>
+            <a:spLocks noGrp="1"/>
+          </p:cNvSpPr>
+          <p:nvPr>
+            <p:ph type="dt" sz="half" idx="10"/>
+          </p:nvPr>
+        </p:nvSpPr>
+        <p:spPr/>
+        <p:txBody>
+          <a:bodyPr/>
+          <a:lstStyle/>
+          <a:p>
+            <a:fld id="{74F93749-3CD2-4A95-98ED-FE9E109683BE}" type="datetime4">
+              <a:rPr lang="en-US" smtClean="0"/>
+              <a:t>June 5, 2019</a:t>
+            </a:fld>
+            <a:endParaRPr lang="en-US" dirty="0"/>
+          </a:p>
+        </p:txBody>
+      </p:sp>
+      <p:sp>
+        <p:nvSpPr>
+          <p:cNvPr id="5" name="Footer Placeholder 4"/>
+          <p:cNvSpPr>
+            <a:spLocks noGrp="1"/>
+          </p:cNvSpPr>
+          <p:nvPr>
+            <p:ph type="ftr" sz="quarter" idx="11"/>
+          </p:nvPr>
+        </p:nvSpPr>
+        <p:spPr/>
+        <p:txBody>
+          <a:bodyPr/>
+          <a:lstStyle/>
+          <a:p>
+            <a:r>
+              <a:rPr lang="en-US" smtClean="0"/>
+              <a:t>Digital Scholarship Services </a:t>
+            </a:r>
+            <a:r>
+              <a:rPr lang="en-US" smtClean="0">
+                <a:solidFill>
+                  <a:schemeClr val="accent1">
+                    <a:lumMod val="50000"/>
+                  </a:schemeClr>
+                </a:solidFill>
+              </a:rPr>
+              <a:t>| Email</a:t>
+            </a:r>
+            <a:r>
+              <a:rPr lang="en-US" smtClean="0"/>
+              <a:t> cf24@rice.edu </a:t>
+            </a:r>
+            <a:r>
+              <a:rPr lang="en-US" smtClean="0">
+                <a:solidFill>
+                  <a:schemeClr val="accent1">
+                    <a:lumMod val="50000"/>
+                  </a:schemeClr>
+                </a:solidFill>
+              </a:rPr>
+              <a:t>|</a:t>
+            </a:r>
+            <a:r>
+              <a:rPr lang="en-US" smtClean="0"/>
+              <a:t> library.rice.edu/dss</a:t>
+            </a:r>
+            <a:endParaRPr lang="en-US" dirty="0"/>
+          </a:p>
+        </p:txBody>
+      </p:sp>
+      <p:sp>
+        <p:nvSpPr>
+          <p:cNvPr id="6" name="Slide Number Placeholder 5"/>
+          <p:cNvSpPr>
+            <a:spLocks noGrp="1"/>
+          </p:cNvSpPr>
+          <p:nvPr>
+            <p:ph type="sldNum" sz="quarter" idx="12"/>
+          </p:nvPr>
+        </p:nvSpPr>
+        <p:spPr/>
+        <p:txBody>
+          <a:bodyPr/>
+          <a:lstStyle/>
+          <a:p>
+            <a:fld id="{D57F1E4F-1CFF-5643-939E-02111984F565}" type="slidenum">
+              <a:rPr lang="en-US" smtClean="0"/>
+              <a:t>15</a:t>
             </a:fld>
             <a:endParaRPr lang="en-US" dirty="0"/>
           </a:p>
@@ -5148,185 +5496,6 @@
 </p:sld>
 </file>
 
-<file path=ppt/slides/slide15.xml><?xml version="1.0" encoding="utf-8"?>
-<p:sld xmlns:a="http://schemas.openxmlformats.org/drawingml/2006/main" xmlns:r="http://schemas.openxmlformats.org/officeDocument/2006/relationships" xmlns:p="http://schemas.openxmlformats.org/presentationml/2006/main">
-  <p:cSld>
-    <p:spTree>
-      <p:nvGrpSpPr>
-        <p:cNvPr id="1" name=""/>
-        <p:cNvGrpSpPr/>
-        <p:nvPr/>
-      </p:nvGrpSpPr>
-      <p:grpSpPr>
-        <a:xfrm>
-          <a:off x="0" y="0"/>
-          <a:ext cx="0" cy="0"/>
-          <a:chOff x="0" y="0"/>
-          <a:chExt cx="0" cy="0"/>
-        </a:xfrm>
-      </p:grpSpPr>
-      <p:sp>
-        <p:nvSpPr>
-          <p:cNvPr id="2" name="Title 1"/>
-          <p:cNvSpPr>
-            <a:spLocks noGrp="1"/>
-          </p:cNvSpPr>
-          <p:nvPr>
-            <p:ph type="title"/>
-          </p:nvPr>
-        </p:nvSpPr>
-        <p:spPr/>
-        <p:txBody>
-          <a:bodyPr/>
-          <a:lstStyle/>
-          <a:p>
-            <a:r>
-              <a:rPr lang="en-US" dirty="0" smtClean="0"/>
-              <a:t>CLONING</a:t>
-            </a:r>
-            <a:endParaRPr lang="en-US" dirty="0"/>
-          </a:p>
-        </p:txBody>
-      </p:sp>
-      <p:sp>
-        <p:nvSpPr>
-          <p:cNvPr id="3" name="Content Placeholder 2"/>
-          <p:cNvSpPr>
-            <a:spLocks noGrp="1"/>
-          </p:cNvSpPr>
-          <p:nvPr>
-            <p:ph idx="1"/>
-          </p:nvPr>
-        </p:nvSpPr>
-        <p:spPr/>
-        <p:txBody>
-          <a:bodyPr/>
-          <a:lstStyle/>
-          <a:p>
-            <a:r>
-              <a:rPr lang="en-US" dirty="0" smtClean="0"/>
-              <a:t>Most recent snapshot immediately available</a:t>
-            </a:r>
-          </a:p>
-          <a:p>
-            <a:r>
-              <a:rPr lang="en-US" dirty="0" smtClean="0"/>
-              <a:t>Full history needs to be downloaded as well. Takes time &amp; space!</a:t>
-            </a:r>
-            <a:endParaRPr lang="en-US" dirty="0"/>
-          </a:p>
-        </p:txBody>
-      </p:sp>
-      <p:sp>
-        <p:nvSpPr>
-          <p:cNvPr id="4" name="Date Placeholder 3"/>
-          <p:cNvSpPr>
-            <a:spLocks noGrp="1"/>
-          </p:cNvSpPr>
-          <p:nvPr>
-            <p:ph type="dt" sz="half" idx="10"/>
-          </p:nvPr>
-        </p:nvSpPr>
-        <p:spPr/>
-        <p:txBody>
-          <a:bodyPr/>
-          <a:lstStyle/>
-          <a:p>
-            <a:fld id="{74F93749-3CD2-4A95-98ED-FE9E109683BE}" type="datetime4">
-              <a:rPr lang="en-US" smtClean="0"/>
-              <a:t>June 3, 2019</a:t>
-            </a:fld>
-            <a:endParaRPr lang="en-US" dirty="0"/>
-          </a:p>
-        </p:txBody>
-      </p:sp>
-      <p:sp>
-        <p:nvSpPr>
-          <p:cNvPr id="5" name="Footer Placeholder 4"/>
-          <p:cNvSpPr>
-            <a:spLocks noGrp="1"/>
-          </p:cNvSpPr>
-          <p:nvPr>
-            <p:ph type="ftr" sz="quarter" idx="11"/>
-          </p:nvPr>
-        </p:nvSpPr>
-        <p:spPr/>
-        <p:txBody>
-          <a:bodyPr/>
-          <a:lstStyle/>
-          <a:p>
-            <a:r>
-              <a:rPr lang="en-US" smtClean="0"/>
-              <a:t>Digital Scholarship Services </a:t>
-            </a:r>
-            <a:r>
-              <a:rPr lang="en-US" smtClean="0">
-                <a:solidFill>
-                  <a:schemeClr val="accent1">
-                    <a:lumMod val="50000"/>
-                  </a:schemeClr>
-                </a:solidFill>
-              </a:rPr>
-              <a:t>| Email</a:t>
-            </a:r>
-            <a:r>
-              <a:rPr lang="en-US" smtClean="0"/>
-              <a:t> cf24@rice.edu </a:t>
-            </a:r>
-            <a:r>
-              <a:rPr lang="en-US" smtClean="0">
-                <a:solidFill>
-                  <a:schemeClr val="accent1">
-                    <a:lumMod val="50000"/>
-                  </a:schemeClr>
-                </a:solidFill>
-              </a:rPr>
-              <a:t>|</a:t>
-            </a:r>
-            <a:r>
-              <a:rPr lang="en-US" smtClean="0"/>
-              <a:t> library.rice.edu/dss</a:t>
-            </a:r>
-            <a:endParaRPr lang="en-US" dirty="0"/>
-          </a:p>
-        </p:txBody>
-      </p:sp>
-      <p:sp>
-        <p:nvSpPr>
-          <p:cNvPr id="6" name="Slide Number Placeholder 5"/>
-          <p:cNvSpPr>
-            <a:spLocks noGrp="1"/>
-          </p:cNvSpPr>
-          <p:nvPr>
-            <p:ph type="sldNum" sz="quarter" idx="12"/>
-          </p:nvPr>
-        </p:nvSpPr>
-        <p:spPr/>
-        <p:txBody>
-          <a:bodyPr/>
-          <a:lstStyle/>
-          <a:p>
-            <a:fld id="{D57F1E4F-1CFF-5643-939E-02111984F565}" type="slidenum">
-              <a:rPr lang="en-US" smtClean="0"/>
-              <a:t>15</a:t>
-            </a:fld>
-            <a:endParaRPr lang="en-US" dirty="0"/>
-          </a:p>
-        </p:txBody>
-      </p:sp>
-    </p:spTree>
-    <p:extLst>
-      <p:ext uri="{BB962C8B-B14F-4D97-AF65-F5344CB8AC3E}">
-        <p14:creationId xmlns:p14="http://schemas.microsoft.com/office/powerpoint/2010/main" val="3316237551"/>
-      </p:ext>
-    </p:extLst>
-  </p:cSld>
-  <p:clrMapOvr>
-    <a:masterClrMapping/>
-  </p:clrMapOvr>
-</p:sld>
-</file>
-
 <file path=ppt/slides/slide16.xml><?xml version="1.0" encoding="utf-8"?>
 <p:sld xmlns:a="http://schemas.openxmlformats.org/drawingml/2006/main" xmlns:r="http://schemas.openxmlformats.org/officeDocument/2006/relationships" xmlns:p="http://schemas.openxmlformats.org/presentationml/2006/main">
   <p:cSld>
@@ -5377,31 +5546,25 @@
             <p:ph idx="1"/>
           </p:nvPr>
         </p:nvSpPr>
-        <p:spPr/>
-        <p:txBody>
-          <a:bodyPr/>
-          <a:lstStyle/>
-          <a:p>
-            <a:pPr marL="0" indent="0">
-              <a:buNone/>
-            </a:pPr>
+        <p:spPr>
+          <a:xfrm>
+            <a:off x="838200" y="1825625"/>
+            <a:ext cx="5199993" cy="4351338"/>
+          </a:xfrm>
+        </p:spPr>
+        <p:txBody>
+          <a:bodyPr/>
+          <a:lstStyle/>
+          <a:p>
             <a:r>
               <a:rPr lang="en-US" dirty="0" smtClean="0"/>
-              <a:t>Clone this repository from GitHub now!</a:t>
-            </a:r>
-          </a:p>
-          <a:p>
-            <a:endParaRPr lang="en-US" dirty="0"/>
-          </a:p>
-          <a:p>
-            <a:pPr marL="0" indent="0">
-              <a:buNone/>
-            </a:pPr>
-            <a:r>
-              <a:rPr lang="en-US" dirty="0">
-                <a:hlinkClick r:id="rId2"/>
-              </a:rPr>
-              <a:t>https://github.com/bakitybacon/rice-data-and-donuts-github</a:t>
+              <a:t>Most recent snapshot immediately available</a:t>
+            </a:r>
+          </a:p>
+          <a:p>
+            <a:r>
+              <a:rPr lang="en-US" dirty="0" smtClean="0"/>
+              <a:t>Full history needs to be downloaded as well. Takes time &amp; space!</a:t>
             </a:r>
             <a:endParaRPr lang="en-US" dirty="0"/>
           </a:p>
@@ -5424,7 +5587,7 @@
           <a:p>
             <a:fld id="{74F93749-3CD2-4A95-98ED-FE9E109683BE}" type="datetime4">
               <a:rPr lang="en-US" smtClean="0"/>
-              <a:t>June 3, 2019</a:t>
+              <a:t>June 5, 2019</a:t>
             </a:fld>
             <a:endParaRPr lang="en-US" dirty="0"/>
           </a:p>
@@ -5504,10 +5667,51 @@
           </a:p>
         </p:txBody>
       </p:sp>
+      <p:pic>
+        <p:nvPicPr>
+          <p:cNvPr id="2050" name="Picture 2" descr="clone.PNG"/>
+          <p:cNvPicPr>
+            <a:picLocks noChangeAspect="1" noChangeArrowheads="1"/>
+          </p:cNvPicPr>
+          <p:nvPr/>
+        </p:nvPicPr>
+        <p:blipFill>
+          <a:blip r:embed="rId2">
+            <a:extLst>
+              <a:ext uri="{28A0092B-C50C-407E-A947-70E740481C1C}">
+                <a14:useLocalDpi xmlns:a14="http://schemas.microsoft.com/office/drawing/2010/main" val="0"/>
+              </a:ext>
+            </a:extLst>
+          </a:blip>
+          <a:srcRect/>
+          <a:stretch>
+            <a:fillRect/>
+          </a:stretch>
+        </p:blipFill>
+        <p:spPr bwMode="auto">
+          <a:xfrm>
+            <a:off x="6258667" y="1152682"/>
+            <a:ext cx="5142232" cy="3216166"/>
+          </a:xfrm>
+          <a:prstGeom prst="rect">
+            <a:avLst/>
+          </a:prstGeom>
+          <a:noFill/>
+          <a:extLst>
+            <a:ext uri="{909E8E84-426E-40DD-AFC4-6F175D3DCCD1}">
+              <a14:hiddenFill xmlns:a14="http://schemas.microsoft.com/office/drawing/2010/main">
+                <a:solidFill>
+                  <a:srgbClr val="FFFFFF"/>
+                </a:solidFill>
+              </a14:hiddenFill>
+            </a:ext>
+          </a:extLst>
+        </p:spPr>
+      </p:pic>
     </p:spTree>
     <p:extLst>
       <p:ext uri="{BB962C8B-B14F-4D97-AF65-F5344CB8AC3E}">
-        <p14:creationId xmlns:p14="http://schemas.microsoft.com/office/powerpoint/2010/main" val="2097334092"/>
+        <p14:creationId xmlns:p14="http://schemas.microsoft.com/office/powerpoint/2010/main" val="3316237551"/>
       </p:ext>
     </p:extLst>
   </p:cSld>
@@ -5536,6 +5740,428 @@
       </p:grpSpPr>
       <p:sp>
         <p:nvSpPr>
+          <p:cNvPr id="2" name="Title 1"/>
+          <p:cNvSpPr>
+            <a:spLocks noGrp="1"/>
+          </p:cNvSpPr>
+          <p:nvPr>
+            <p:ph type="title"/>
+          </p:nvPr>
+        </p:nvSpPr>
+        <p:spPr/>
+        <p:txBody>
+          <a:bodyPr/>
+          <a:lstStyle/>
+          <a:p>
+            <a:r>
+              <a:rPr lang="en-US" dirty="0" smtClean="0"/>
+              <a:t>CLONING</a:t>
+            </a:r>
+            <a:endParaRPr lang="en-US" dirty="0"/>
+          </a:p>
+        </p:txBody>
+      </p:sp>
+      <p:sp>
+        <p:nvSpPr>
+          <p:cNvPr id="4" name="Date Placeholder 3"/>
+          <p:cNvSpPr>
+            <a:spLocks noGrp="1"/>
+          </p:cNvSpPr>
+          <p:nvPr>
+            <p:ph type="dt" sz="half" idx="10"/>
+          </p:nvPr>
+        </p:nvSpPr>
+        <p:spPr/>
+        <p:txBody>
+          <a:bodyPr/>
+          <a:lstStyle/>
+          <a:p>
+            <a:fld id="{74F93749-3CD2-4A95-98ED-FE9E109683BE}" type="datetime4">
+              <a:rPr lang="en-US" smtClean="0"/>
+              <a:t>June 5, 2019</a:t>
+            </a:fld>
+            <a:endParaRPr lang="en-US" dirty="0"/>
+          </a:p>
+        </p:txBody>
+      </p:sp>
+      <p:sp>
+        <p:nvSpPr>
+          <p:cNvPr id="5" name="Footer Placeholder 4"/>
+          <p:cNvSpPr>
+            <a:spLocks noGrp="1"/>
+          </p:cNvSpPr>
+          <p:nvPr>
+            <p:ph type="ftr" sz="quarter" idx="11"/>
+          </p:nvPr>
+        </p:nvSpPr>
+        <p:spPr/>
+        <p:txBody>
+          <a:bodyPr/>
+          <a:lstStyle/>
+          <a:p>
+            <a:r>
+              <a:rPr lang="en-US" smtClean="0"/>
+              <a:t>Digital Scholarship Services </a:t>
+            </a:r>
+            <a:r>
+              <a:rPr lang="en-US" smtClean="0">
+                <a:solidFill>
+                  <a:schemeClr val="accent1">
+                    <a:lumMod val="50000"/>
+                  </a:schemeClr>
+                </a:solidFill>
+              </a:rPr>
+              <a:t>| Email</a:t>
+            </a:r>
+            <a:r>
+              <a:rPr lang="en-US" smtClean="0"/>
+              <a:t> cf24@rice.edu </a:t>
+            </a:r>
+            <a:r>
+              <a:rPr lang="en-US" smtClean="0">
+                <a:solidFill>
+                  <a:schemeClr val="accent1">
+                    <a:lumMod val="50000"/>
+                  </a:schemeClr>
+                </a:solidFill>
+              </a:rPr>
+              <a:t>|</a:t>
+            </a:r>
+            <a:r>
+              <a:rPr lang="en-US" smtClean="0"/>
+              <a:t> library.rice.edu/dss</a:t>
+            </a:r>
+            <a:endParaRPr lang="en-US" dirty="0"/>
+          </a:p>
+        </p:txBody>
+      </p:sp>
+      <p:sp>
+        <p:nvSpPr>
+          <p:cNvPr id="6" name="Slide Number Placeholder 5"/>
+          <p:cNvSpPr>
+            <a:spLocks noGrp="1"/>
+          </p:cNvSpPr>
+          <p:nvPr>
+            <p:ph type="sldNum" sz="quarter" idx="12"/>
+          </p:nvPr>
+        </p:nvSpPr>
+        <p:spPr/>
+        <p:txBody>
+          <a:bodyPr/>
+          <a:lstStyle/>
+          <a:p>
+            <a:fld id="{D57F1E4F-1CFF-5643-939E-02111984F565}" type="slidenum">
+              <a:rPr lang="en-US" smtClean="0"/>
+              <a:t>17</a:t>
+            </a:fld>
+            <a:endParaRPr lang="en-US" dirty="0"/>
+          </a:p>
+        </p:txBody>
+      </p:sp>
+      <p:pic>
+        <p:nvPicPr>
+          <p:cNvPr id="3074" name="Picture 2" descr="cloneurl.PNG"/>
+          <p:cNvPicPr>
+            <a:picLocks noChangeAspect="1" noChangeArrowheads="1"/>
+          </p:cNvPicPr>
+          <p:nvPr/>
+        </p:nvPicPr>
+        <p:blipFill>
+          <a:blip r:embed="rId2">
+            <a:extLst>
+              <a:ext uri="{28A0092B-C50C-407E-A947-70E740481C1C}">
+                <a14:useLocalDpi xmlns:a14="http://schemas.microsoft.com/office/drawing/2010/main" val="0"/>
+              </a:ext>
+            </a:extLst>
+          </a:blip>
+          <a:srcRect/>
+          <a:stretch>
+            <a:fillRect/>
+          </a:stretch>
+        </p:blipFill>
+        <p:spPr bwMode="auto">
+          <a:xfrm>
+            <a:off x="838200" y="1870075"/>
+            <a:ext cx="5441621" cy="3755009"/>
+          </a:xfrm>
+          <a:prstGeom prst="rect">
+            <a:avLst/>
+          </a:prstGeom>
+          <a:noFill/>
+          <a:extLst>
+            <a:ext uri="{909E8E84-426E-40DD-AFC4-6F175D3DCCD1}">
+              <a14:hiddenFill xmlns:a14="http://schemas.microsoft.com/office/drawing/2010/main">
+                <a:solidFill>
+                  <a:srgbClr val="FFFFFF"/>
+                </a:solidFill>
+              </a14:hiddenFill>
+            </a:ext>
+          </a:extLst>
+        </p:spPr>
+      </p:pic>
+      <p:pic>
+        <p:nvPicPr>
+          <p:cNvPr id="3076" name="Picture 4" descr="cloned.PNG"/>
+          <p:cNvPicPr>
+            <a:picLocks noChangeAspect="1" noChangeArrowheads="1"/>
+          </p:cNvPicPr>
+          <p:nvPr/>
+        </p:nvPicPr>
+        <p:blipFill>
+          <a:blip r:embed="rId3">
+            <a:extLst>
+              <a:ext uri="{28A0092B-C50C-407E-A947-70E740481C1C}">
+                <a14:useLocalDpi xmlns:a14="http://schemas.microsoft.com/office/drawing/2010/main" val="0"/>
+              </a:ext>
+            </a:extLst>
+          </a:blip>
+          <a:srcRect/>
+          <a:stretch>
+            <a:fillRect/>
+          </a:stretch>
+        </p:blipFill>
+        <p:spPr bwMode="auto">
+          <a:xfrm>
+            <a:off x="6436606" y="2592297"/>
+            <a:ext cx="5258013" cy="2310564"/>
+          </a:xfrm>
+          <a:prstGeom prst="rect">
+            <a:avLst/>
+          </a:prstGeom>
+          <a:noFill/>
+          <a:extLst>
+            <a:ext uri="{909E8E84-426E-40DD-AFC4-6F175D3DCCD1}">
+              <a14:hiddenFill xmlns:a14="http://schemas.microsoft.com/office/drawing/2010/main">
+                <a:solidFill>
+                  <a:srgbClr val="FFFFFF"/>
+                </a:solidFill>
+              </a14:hiddenFill>
+            </a:ext>
+          </a:extLst>
+        </p:spPr>
+      </p:pic>
+    </p:spTree>
+    <p:extLst>
+      <p:ext uri="{BB962C8B-B14F-4D97-AF65-F5344CB8AC3E}">
+        <p14:creationId xmlns:p14="http://schemas.microsoft.com/office/powerpoint/2010/main" val="2876617940"/>
+      </p:ext>
+    </p:extLst>
+  </p:cSld>
+  <p:clrMapOvr>
+    <a:masterClrMapping/>
+  </p:clrMapOvr>
+</p:sld>
+</file>
+
+<file path=ppt/slides/slide18.xml><?xml version="1.0" encoding="utf-8"?>
+<p:sld xmlns:a="http://schemas.openxmlformats.org/drawingml/2006/main" xmlns:r="http://schemas.openxmlformats.org/officeDocument/2006/relationships" xmlns:p="http://schemas.openxmlformats.org/presentationml/2006/main">
+  <p:cSld>
+    <p:spTree>
+      <p:nvGrpSpPr>
+        <p:cNvPr id="1" name=""/>
+        <p:cNvGrpSpPr/>
+        <p:nvPr/>
+      </p:nvGrpSpPr>
+      <p:grpSpPr>
+        <a:xfrm>
+          <a:off x="0" y="0"/>
+          <a:ext cx="0" cy="0"/>
+          <a:chOff x="0" y="0"/>
+          <a:chExt cx="0" cy="0"/>
+        </a:xfrm>
+      </p:grpSpPr>
+      <p:sp>
+        <p:nvSpPr>
+          <p:cNvPr id="2" name="Title 1"/>
+          <p:cNvSpPr>
+            <a:spLocks noGrp="1"/>
+          </p:cNvSpPr>
+          <p:nvPr>
+            <p:ph type="title"/>
+          </p:nvPr>
+        </p:nvSpPr>
+        <p:spPr/>
+        <p:txBody>
+          <a:bodyPr/>
+          <a:lstStyle/>
+          <a:p>
+            <a:r>
+              <a:rPr lang="en-US" dirty="0" smtClean="0"/>
+              <a:t>CLONING</a:t>
+            </a:r>
+            <a:endParaRPr lang="en-US" dirty="0"/>
+          </a:p>
+        </p:txBody>
+      </p:sp>
+      <p:sp>
+        <p:nvSpPr>
+          <p:cNvPr id="3" name="Content Placeholder 2"/>
+          <p:cNvSpPr>
+            <a:spLocks noGrp="1"/>
+          </p:cNvSpPr>
+          <p:nvPr>
+            <p:ph idx="1"/>
+          </p:nvPr>
+        </p:nvSpPr>
+        <p:spPr/>
+        <p:txBody>
+          <a:bodyPr/>
+          <a:lstStyle/>
+          <a:p>
+            <a:pPr marL="0" indent="0">
+              <a:buNone/>
+            </a:pPr>
+            <a:r>
+              <a:rPr lang="en-US" dirty="0" smtClean="0"/>
+              <a:t>Clone this repository from GitHub now!</a:t>
+            </a:r>
+          </a:p>
+          <a:p>
+            <a:endParaRPr lang="en-US" dirty="0"/>
+          </a:p>
+          <a:p>
+            <a:pPr marL="0" indent="0">
+              <a:buNone/>
+            </a:pPr>
+            <a:r>
+              <a:rPr lang="en-US" dirty="0">
+                <a:hlinkClick r:id="rId2"/>
+              </a:rPr>
+              <a:t>https://github.com/bakitybacon/rice-data-and-donuts-github</a:t>
+            </a:r>
+            <a:endParaRPr lang="en-US" dirty="0"/>
+          </a:p>
+        </p:txBody>
+      </p:sp>
+      <p:sp>
+        <p:nvSpPr>
+          <p:cNvPr id="4" name="Date Placeholder 3"/>
+          <p:cNvSpPr>
+            <a:spLocks noGrp="1"/>
+          </p:cNvSpPr>
+          <p:nvPr>
+            <p:ph type="dt" sz="half" idx="10"/>
+          </p:nvPr>
+        </p:nvSpPr>
+        <p:spPr/>
+        <p:txBody>
+          <a:bodyPr/>
+          <a:lstStyle/>
+          <a:p>
+            <a:fld id="{74F93749-3CD2-4A95-98ED-FE9E109683BE}" type="datetime4">
+              <a:rPr lang="en-US" smtClean="0"/>
+              <a:t>June 5, 2019</a:t>
+            </a:fld>
+            <a:endParaRPr lang="en-US" dirty="0"/>
+          </a:p>
+        </p:txBody>
+      </p:sp>
+      <p:sp>
+        <p:nvSpPr>
+          <p:cNvPr id="5" name="Footer Placeholder 4"/>
+          <p:cNvSpPr>
+            <a:spLocks noGrp="1"/>
+          </p:cNvSpPr>
+          <p:nvPr>
+            <p:ph type="ftr" sz="quarter" idx="11"/>
+          </p:nvPr>
+        </p:nvSpPr>
+        <p:spPr/>
+        <p:txBody>
+          <a:bodyPr/>
+          <a:lstStyle/>
+          <a:p>
+            <a:r>
+              <a:rPr lang="en-US" smtClean="0"/>
+              <a:t>Digital Scholarship Services </a:t>
+            </a:r>
+            <a:r>
+              <a:rPr lang="en-US" smtClean="0">
+                <a:solidFill>
+                  <a:schemeClr val="accent1">
+                    <a:lumMod val="50000"/>
+                  </a:schemeClr>
+                </a:solidFill>
+              </a:rPr>
+              <a:t>| Email</a:t>
+            </a:r>
+            <a:r>
+              <a:rPr lang="en-US" smtClean="0"/>
+              <a:t> cf24@rice.edu </a:t>
+            </a:r>
+            <a:r>
+              <a:rPr lang="en-US" smtClean="0">
+                <a:solidFill>
+                  <a:schemeClr val="accent1">
+                    <a:lumMod val="50000"/>
+                  </a:schemeClr>
+                </a:solidFill>
+              </a:rPr>
+              <a:t>|</a:t>
+            </a:r>
+            <a:r>
+              <a:rPr lang="en-US" smtClean="0"/>
+              <a:t> library.rice.edu/dss</a:t>
+            </a:r>
+            <a:endParaRPr lang="en-US" dirty="0"/>
+          </a:p>
+        </p:txBody>
+      </p:sp>
+      <p:sp>
+        <p:nvSpPr>
+          <p:cNvPr id="6" name="Slide Number Placeholder 5"/>
+          <p:cNvSpPr>
+            <a:spLocks noGrp="1"/>
+          </p:cNvSpPr>
+          <p:nvPr>
+            <p:ph type="sldNum" sz="quarter" idx="12"/>
+          </p:nvPr>
+        </p:nvSpPr>
+        <p:spPr/>
+        <p:txBody>
+          <a:bodyPr/>
+          <a:lstStyle/>
+          <a:p>
+            <a:fld id="{D57F1E4F-1CFF-5643-939E-02111984F565}" type="slidenum">
+              <a:rPr lang="en-US" smtClean="0"/>
+              <a:t>18</a:t>
+            </a:fld>
+            <a:endParaRPr lang="en-US" dirty="0"/>
+          </a:p>
+        </p:txBody>
+      </p:sp>
+    </p:spTree>
+    <p:extLst>
+      <p:ext uri="{BB962C8B-B14F-4D97-AF65-F5344CB8AC3E}">
+        <p14:creationId xmlns:p14="http://schemas.microsoft.com/office/powerpoint/2010/main" val="2097334092"/>
+      </p:ext>
+    </p:extLst>
+  </p:cSld>
+  <p:clrMapOvr>
+    <a:masterClrMapping/>
+  </p:clrMapOvr>
+</p:sld>
+</file>
+
+<file path=ppt/slides/slide19.xml><?xml version="1.0" encoding="utf-8"?>
+<p:sld xmlns:a="http://schemas.openxmlformats.org/drawingml/2006/main" xmlns:r="http://schemas.openxmlformats.org/officeDocument/2006/relationships" xmlns:p="http://schemas.openxmlformats.org/presentationml/2006/main">
+  <p:cSld>
+    <p:spTree>
+      <p:nvGrpSpPr>
+        <p:cNvPr id="1" name=""/>
+        <p:cNvGrpSpPr/>
+        <p:nvPr/>
+      </p:nvGrpSpPr>
+      <p:grpSpPr>
+        <a:xfrm>
+          <a:off x="0" y="0"/>
+          <a:ext cx="0" cy="0"/>
+          <a:chOff x="0" y="0"/>
+          <a:chExt cx="0" cy="0"/>
+        </a:xfrm>
+      </p:grpSpPr>
+      <p:sp>
+        <p:nvSpPr>
           <p:cNvPr id="4" name="Title 3"/>
           <p:cNvSpPr>
             <a:spLocks noGrp="1"/>
@@ -5601,7 +6227,7 @@
           <a:p>
             <a:fld id="{BC12CDDA-E02E-4D2B-B8BD-6E893F38A342}" type="datetime4">
               <a:rPr lang="en-US" smtClean="0"/>
-              <a:t>June 3, 2019</a:t>
+              <a:t>June 5, 2019</a:t>
             </a:fld>
             <a:endParaRPr lang="en-US" dirty="0"/>
           </a:p>
@@ -5624,7 +6250,7 @@
           <a:p>
             <a:fld id="{D57F1E4F-1CFF-5643-939E-02111984F565}" type="slidenum">
               <a:rPr lang="en-US" smtClean="0"/>
-              <a:t>17</a:t>
+              <a:t>19</a:t>
             </a:fld>
             <a:endParaRPr lang="en-US" dirty="0"/>
           </a:p>
@@ -5701,7 +6327,7 @@
 </p:sld>
 </file>
 
-<file path=ppt/slides/slide18.xml><?xml version="1.0" encoding="utf-8"?>
+<file path=ppt/slides/slide2.xml><?xml version="1.0" encoding="utf-8"?>
 <p:sld xmlns:a="http://schemas.openxmlformats.org/drawingml/2006/main" xmlns:r="http://schemas.openxmlformats.org/officeDocument/2006/relationships" xmlns:p="http://schemas.openxmlformats.org/presentationml/2006/main">
   <p:cSld>
     <p:spTree>
@@ -5720,7 +6346,7 @@
       </p:grpSpPr>
       <p:sp>
         <p:nvSpPr>
-          <p:cNvPr id="7" name="Title 6"/>
+          <p:cNvPr id="2" name="Title 1"/>
           <p:cNvSpPr>
             <a:spLocks noGrp="1"/>
           </p:cNvSpPr>
@@ -5734,16 +6360,39 @@
           <a:lstStyle/>
           <a:p>
             <a:r>
-              <a:rPr lang="en-US" dirty="0" smtClean="0"/>
-              <a:t>REVIEW OF FILE STATES</a:t>
-            </a:r>
-            <a:endParaRPr lang="en-US" dirty="0"/>
-          </a:p>
-        </p:txBody>
-      </p:sp>
-      <p:sp>
-        <p:nvSpPr>
-          <p:cNvPr id="4" name="Date Placeholder 3"/>
+              <a:rPr lang="en-US" dirty="0" smtClean="0">
+                <a:latin typeface="+mn-lt"/>
+              </a:rPr>
+              <a:t>WHAT IS GIT?</a:t>
+            </a:r>
+            <a:endParaRPr lang="en-US" dirty="0">
+              <a:latin typeface="+mn-lt"/>
+            </a:endParaRPr>
+          </a:p>
+        </p:txBody>
+      </p:sp>
+      <p:sp>
+        <p:nvSpPr>
+          <p:cNvPr id="3" name="Content Placeholder 2"/>
+          <p:cNvSpPr>
+            <a:spLocks noGrp="1"/>
+          </p:cNvSpPr>
+          <p:nvPr>
+            <p:ph idx="1"/>
+          </p:nvPr>
+        </p:nvSpPr>
+        <p:spPr/>
+        <p:txBody>
+          <a:bodyPr/>
+          <a:lstStyle/>
+          <a:p>
+            <a:endParaRPr lang="en-US" dirty="0"/>
+          </a:p>
+        </p:txBody>
+      </p:sp>
+      <p:sp>
+        <p:nvSpPr>
+          <p:cNvPr id="5" name="Date Placeholder 4"/>
           <p:cNvSpPr>
             <a:spLocks noGrp="1"/>
           </p:cNvSpPr>
@@ -5756,9 +6405,9 @@
           <a:bodyPr/>
           <a:lstStyle/>
           <a:p>
-            <a:fld id="{930E186A-0FBF-4DA6-A71A-C325C944F843}" type="datetime4">
-              <a:rPr lang="en-US" smtClean="0"/>
-              <a:t>June 3, 2019</a:t>
+            <a:fld id="{339FAF52-DB73-42B1-86E0-91EB4E09C484}" type="datetime4">
+              <a:rPr lang="en-US" smtClean="0"/>
+              <a:t>June 5, 2019</a:t>
             </a:fld>
             <a:endParaRPr lang="en-US" dirty="0"/>
           </a:p>
@@ -5766,7 +6415,30 @@
       </p:sp>
       <p:sp>
         <p:nvSpPr>
-          <p:cNvPr id="5" name="Footer Placeholder 4"/>
+          <p:cNvPr id="6" name="Slide Number Placeholder 5"/>
+          <p:cNvSpPr>
+            <a:spLocks noGrp="1"/>
+          </p:cNvSpPr>
+          <p:nvPr>
+            <p:ph type="sldNum" sz="quarter" idx="12"/>
+          </p:nvPr>
+        </p:nvSpPr>
+        <p:spPr/>
+        <p:txBody>
+          <a:bodyPr/>
+          <a:lstStyle/>
+          <a:p>
+            <a:fld id="{D57F1E4F-1CFF-5643-939E-02111984F565}" type="slidenum">
+              <a:rPr lang="en-US" smtClean="0"/>
+              <a:t>2</a:t>
+            </a:fld>
+            <a:endParaRPr lang="en-US" dirty="0"/>
+          </a:p>
+        </p:txBody>
+      </p:sp>
+      <p:sp>
+        <p:nvSpPr>
+          <p:cNvPr id="7" name="Footer Placeholder 6"/>
           <p:cNvSpPr>
             <a:spLocks noGrp="1"/>
           </p:cNvSpPr>
@@ -5815,6 +6487,140 @@
           </a:p>
         </p:txBody>
       </p:sp>
+    </p:spTree>
+    <p:extLst>
+      <p:ext uri="{BB962C8B-B14F-4D97-AF65-F5344CB8AC3E}">
+        <p14:creationId xmlns:p14="http://schemas.microsoft.com/office/powerpoint/2010/main" val="446306358"/>
+      </p:ext>
+    </p:extLst>
+  </p:cSld>
+  <p:clrMapOvr>
+    <a:masterClrMapping/>
+  </p:clrMapOvr>
+  <p:timing>
+    <p:tnLst>
+      <p:par>
+        <p:cTn id="1" dur="indefinite" restart="never" nodeType="tmRoot"/>
+      </p:par>
+    </p:tnLst>
+  </p:timing>
+</p:sld>
+</file>
+
+<file path=ppt/slides/slide20.xml><?xml version="1.0" encoding="utf-8"?>
+<p:sld xmlns:a="http://schemas.openxmlformats.org/drawingml/2006/main" xmlns:r="http://schemas.openxmlformats.org/officeDocument/2006/relationships" xmlns:p="http://schemas.openxmlformats.org/presentationml/2006/main">
+  <p:cSld>
+    <p:spTree>
+      <p:nvGrpSpPr>
+        <p:cNvPr id="1" name=""/>
+        <p:cNvGrpSpPr/>
+        <p:nvPr/>
+      </p:nvGrpSpPr>
+      <p:grpSpPr>
+        <a:xfrm>
+          <a:off x="0" y="0"/>
+          <a:ext cx="0" cy="0"/>
+          <a:chOff x="0" y="0"/>
+          <a:chExt cx="0" cy="0"/>
+        </a:xfrm>
+      </p:grpSpPr>
+      <p:sp>
+        <p:nvSpPr>
+          <p:cNvPr id="7" name="Title 6"/>
+          <p:cNvSpPr>
+            <a:spLocks noGrp="1"/>
+          </p:cNvSpPr>
+          <p:nvPr>
+            <p:ph type="title"/>
+          </p:nvPr>
+        </p:nvSpPr>
+        <p:spPr/>
+        <p:txBody>
+          <a:bodyPr/>
+          <a:lstStyle/>
+          <a:p>
+            <a:r>
+              <a:rPr lang="en-US" dirty="0" smtClean="0"/>
+              <a:t>REVIEW OF FILE STATES</a:t>
+            </a:r>
+            <a:endParaRPr lang="en-US" dirty="0"/>
+          </a:p>
+        </p:txBody>
+      </p:sp>
+      <p:sp>
+        <p:nvSpPr>
+          <p:cNvPr id="4" name="Date Placeholder 3"/>
+          <p:cNvSpPr>
+            <a:spLocks noGrp="1"/>
+          </p:cNvSpPr>
+          <p:nvPr>
+            <p:ph type="dt" sz="half" idx="10"/>
+          </p:nvPr>
+        </p:nvSpPr>
+        <p:spPr/>
+        <p:txBody>
+          <a:bodyPr/>
+          <a:lstStyle/>
+          <a:p>
+            <a:fld id="{930E186A-0FBF-4DA6-A71A-C325C944F843}" type="datetime4">
+              <a:rPr lang="en-US" smtClean="0"/>
+              <a:t>June 5, 2019</a:t>
+            </a:fld>
+            <a:endParaRPr lang="en-US" dirty="0"/>
+          </a:p>
+        </p:txBody>
+      </p:sp>
+      <p:sp>
+        <p:nvSpPr>
+          <p:cNvPr id="5" name="Footer Placeholder 4"/>
+          <p:cNvSpPr>
+            <a:spLocks noGrp="1"/>
+          </p:cNvSpPr>
+          <p:nvPr>
+            <p:ph type="ftr" sz="quarter" idx="11"/>
+          </p:nvPr>
+        </p:nvSpPr>
+        <p:spPr/>
+        <p:txBody>
+          <a:bodyPr/>
+          <a:lstStyle/>
+          <a:p>
+            <a:r>
+              <a:rPr lang="en-US" smtClean="0"/>
+              <a:t>Digital Scholarship Services </a:t>
+            </a:r>
+            <a:r>
+              <a:rPr lang="en-US" smtClean="0">
+                <a:solidFill>
+                  <a:schemeClr val="accent1">
+                    <a:lumMod val="50000"/>
+                  </a:schemeClr>
+                </a:solidFill>
+              </a:rPr>
+              <a:t>| Email</a:t>
+            </a:r>
+            <a:r>
+              <a:rPr lang="en-US" smtClean="0"/>
+              <a:t> cf24@rice.edu </a:t>
+            </a:r>
+            <a:r>
+              <a:rPr lang="en-US" smtClean="0">
+                <a:solidFill>
+                  <a:schemeClr val="accent1">
+                    <a:lumMod val="50000"/>
+                  </a:schemeClr>
+                </a:solidFill>
+              </a:rPr>
+              <a:t>|</a:t>
+            </a:r>
+            <a:r>
+              <a:rPr lang="en-US" smtClean="0"/>
+              <a:t> library.rice.edu/dss</a:t>
+            </a:r>
+            <a:endParaRPr lang="en-US" dirty="0"/>
+          </a:p>
+        </p:txBody>
+      </p:sp>
       <p:sp>
         <p:nvSpPr>
           <p:cNvPr id="6" name="Slide Number Placeholder 5"/>
@@ -5832,7 +6638,7 @@
           <a:p>
             <a:fld id="{D57F1E4F-1CFF-5643-939E-02111984F565}" type="slidenum">
               <a:rPr lang="en-US" smtClean="0"/>
-              <a:t>18</a:t>
+              <a:t>20</a:t>
             </a:fld>
             <a:endParaRPr lang="en-US" dirty="0"/>
           </a:p>
@@ -5877,7 +6683,7 @@
 </p:sld>
 </file>
 
-<file path=ppt/slides/slide19.xml><?xml version="1.0" encoding="utf-8"?>
+<file path=ppt/slides/slide21.xml><?xml version="1.0" encoding="utf-8"?>
 <p:sld xmlns:a="http://schemas.openxmlformats.org/drawingml/2006/main" xmlns:r="http://schemas.openxmlformats.org/officeDocument/2006/relationships" xmlns:p="http://schemas.openxmlformats.org/presentationml/2006/main">
   <p:cSld>
     <p:spTree>
@@ -6007,7 +6813,7 @@
           <a:p>
             <a:fld id="{74F93749-3CD2-4A95-98ED-FE9E109683BE}" type="datetime4">
               <a:rPr lang="en-US" smtClean="0"/>
-              <a:t>June 3, 2019</a:t>
+              <a:t>June 5, 2019</a:t>
             </a:fld>
             <a:endParaRPr lang="en-US" dirty="0"/>
           </a:p>
@@ -6081,7 +6887,7 @@
           <a:p>
             <a:fld id="{D57F1E4F-1CFF-5643-939E-02111984F565}" type="slidenum">
               <a:rPr lang="en-US" smtClean="0"/>
-              <a:t>19</a:t>
+              <a:t>21</a:t>
             </a:fld>
             <a:endParaRPr lang="en-US" dirty="0"/>
           </a:p>
@@ -6124,7 +6930,7 @@
 </p:sld>
 </file>
 
-<file path=ppt/slides/slide2.xml><?xml version="1.0" encoding="utf-8"?>
+<file path=ppt/slides/slide22.xml><?xml version="1.0" encoding="utf-8"?>
 <p:sld xmlns:a="http://schemas.openxmlformats.org/drawingml/2006/main" xmlns:r="http://schemas.openxmlformats.org/officeDocument/2006/relationships" xmlns:p="http://schemas.openxmlformats.org/presentationml/2006/main">
   <p:cSld>
     <p:spTree>
@@ -6157,14 +6963,10 @@
           <a:lstStyle/>
           <a:p>
             <a:r>
-              <a:rPr lang="en-US" dirty="0" smtClean="0">
-                <a:latin typeface="+mn-lt"/>
-              </a:rPr>
-              <a:t>WHAT IS GIT?</a:t>
-            </a:r>
-            <a:endParaRPr lang="en-US" dirty="0">
-              <a:latin typeface="+mn-lt"/>
-            </a:endParaRPr>
+              <a:rPr lang="en-US" dirty="0" smtClean="0"/>
+              <a:t>EDITING A FILE LOCALLY</a:t>
+            </a:r>
+            <a:endParaRPr lang="en-US" dirty="0"/>
           </a:p>
         </p:txBody>
       </p:sp>
@@ -6178,18 +6980,32 @@
             <p:ph idx="1"/>
           </p:nvPr>
         </p:nvSpPr>
-        <p:spPr/>
-        <p:txBody>
-          <a:bodyPr/>
-          <a:lstStyle/>
-          <a:p>
-            <a:endParaRPr lang="en-US" dirty="0"/>
-          </a:p>
-        </p:txBody>
-      </p:sp>
-      <p:sp>
-        <p:nvSpPr>
-          <p:cNvPr id="5" name="Date Placeholder 4"/>
+        <p:spPr>
+          <a:xfrm>
+            <a:off x="838200" y="1825625"/>
+            <a:ext cx="5070822" cy="4351338"/>
+          </a:xfrm>
+        </p:spPr>
+        <p:txBody>
+          <a:bodyPr/>
+          <a:lstStyle/>
+          <a:p>
+            <a:r>
+              <a:rPr lang="en-US" dirty="0" smtClean="0"/>
+              <a:t>Open and edit any file using any program</a:t>
+            </a:r>
+          </a:p>
+          <a:p>
+            <a:r>
+              <a:rPr lang="en-US" dirty="0" smtClean="0"/>
+              <a:t>Use “Show in Explorer” to easily find the most recent files</a:t>
+            </a:r>
+          </a:p>
+        </p:txBody>
+      </p:sp>
+      <p:sp>
+        <p:nvSpPr>
+          <p:cNvPr id="4" name="Date Placeholder 3"/>
           <p:cNvSpPr>
             <a:spLocks noGrp="1"/>
           </p:cNvSpPr>
@@ -6202,9 +7018,9 @@
           <a:bodyPr/>
           <a:lstStyle/>
           <a:p>
-            <a:fld id="{339FAF52-DB73-42B1-86E0-91EB4E09C484}" type="datetime4">
-              <a:rPr lang="en-US" smtClean="0"/>
-              <a:t>June 3, 2019</a:t>
+            <a:fld id="{74F93749-3CD2-4A95-98ED-FE9E109683BE}" type="datetime4">
+              <a:rPr lang="en-US" smtClean="0"/>
+              <a:t>June 5, 2019</a:t>
             </a:fld>
             <a:endParaRPr lang="en-US" dirty="0"/>
           </a:p>
@@ -6212,30 +7028,7 @@
       </p:sp>
       <p:sp>
         <p:nvSpPr>
-          <p:cNvPr id="6" name="Slide Number Placeholder 5"/>
-          <p:cNvSpPr>
-            <a:spLocks noGrp="1"/>
-          </p:cNvSpPr>
-          <p:nvPr>
-            <p:ph type="sldNum" sz="quarter" idx="12"/>
-          </p:nvPr>
-        </p:nvSpPr>
-        <p:spPr/>
-        <p:txBody>
-          <a:bodyPr/>
-          <a:lstStyle/>
-          <a:p>
-            <a:fld id="{D57F1E4F-1CFF-5643-939E-02111984F565}" type="slidenum">
-              <a:rPr lang="en-US" smtClean="0"/>
-              <a:t>2</a:t>
-            </a:fld>
-            <a:endParaRPr lang="en-US" dirty="0"/>
-          </a:p>
-        </p:txBody>
-      </p:sp>
-      <p:sp>
-        <p:nvSpPr>
-          <p:cNvPr id="7" name="Footer Placeholder 6"/>
+          <p:cNvPr id="5" name="Footer Placeholder 4"/>
           <p:cNvSpPr>
             <a:spLocks noGrp="1"/>
           </p:cNvSpPr>
@@ -6284,27 +7077,84 @@
           </a:p>
         </p:txBody>
       </p:sp>
+      <p:sp>
+        <p:nvSpPr>
+          <p:cNvPr id="6" name="Slide Number Placeholder 5"/>
+          <p:cNvSpPr>
+            <a:spLocks noGrp="1"/>
+          </p:cNvSpPr>
+          <p:nvPr>
+            <p:ph type="sldNum" sz="quarter" idx="12"/>
+          </p:nvPr>
+        </p:nvSpPr>
+        <p:spPr/>
+        <p:txBody>
+          <a:bodyPr/>
+          <a:lstStyle/>
+          <a:p>
+            <a:fld id="{D57F1E4F-1CFF-5643-939E-02111984F565}" type="slidenum">
+              <a:rPr lang="en-US" smtClean="0"/>
+              <a:t>22</a:t>
+            </a:fld>
+            <a:endParaRPr lang="en-US" dirty="0"/>
+          </a:p>
+        </p:txBody>
+      </p:sp>
+      <p:pic>
+        <p:nvPicPr>
+          <p:cNvPr id="4098" name="Picture 2" descr="editing.PNG"/>
+          <p:cNvPicPr>
+            <a:picLocks noChangeAspect="1" noChangeArrowheads="1"/>
+          </p:cNvPicPr>
+          <p:nvPr/>
+        </p:nvPicPr>
+        <p:blipFill>
+          <a:blip r:embed="rId2">
+            <a:extLst>
+              <a:ext uri="{28A0092B-C50C-407E-A947-70E740481C1C}">
+                <a14:useLocalDpi xmlns:a14="http://schemas.microsoft.com/office/drawing/2010/main" val="0"/>
+              </a:ext>
+            </a:extLst>
+          </a:blip>
+          <a:srcRect/>
+          <a:stretch>
+            <a:fillRect/>
+          </a:stretch>
+        </p:blipFill>
+        <p:spPr bwMode="auto">
+          <a:xfrm>
+            <a:off x="6180447" y="1690688"/>
+            <a:ext cx="5535540" cy="4066026"/>
+          </a:xfrm>
+          <a:prstGeom prst="rect">
+            <a:avLst/>
+          </a:prstGeom>
+          <a:noFill/>
+          <a:extLst>
+            <a:ext uri="{909E8E84-426E-40DD-AFC4-6F175D3DCCD1}">
+              <a14:hiddenFill xmlns:a14="http://schemas.microsoft.com/office/drawing/2010/main">
+                <a:solidFill>
+                  <a:srgbClr val="FFFFFF"/>
+                </a:solidFill>
+              </a14:hiddenFill>
+            </a:ext>
+          </a:extLst>
+        </p:spPr>
+      </p:pic>
     </p:spTree>
     <p:extLst>
       <p:ext uri="{BB962C8B-B14F-4D97-AF65-F5344CB8AC3E}">
-        <p14:creationId xmlns:p14="http://schemas.microsoft.com/office/powerpoint/2010/main" val="446306358"/>
+        <p14:creationId xmlns:p14="http://schemas.microsoft.com/office/powerpoint/2010/main" val="1252426942"/>
       </p:ext>
     </p:extLst>
   </p:cSld>
   <p:clrMapOvr>
     <a:masterClrMapping/>
   </p:clrMapOvr>
-  <p:timing>
-    <p:tnLst>
-      <p:par>
-        <p:cTn id="1" dur="indefinite" restart="never" nodeType="tmRoot"/>
-      </p:par>
-    </p:tnLst>
-  </p:timing>
 </p:sld>
 </file>
 
-<file path=ppt/slides/slide20.xml><?xml version="1.0" encoding="utf-8"?>
+<file path=ppt/slides/slide23.xml><?xml version="1.0" encoding="utf-8"?>
 <p:sld xmlns:a="http://schemas.openxmlformats.org/drawingml/2006/main" xmlns:r="http://schemas.openxmlformats.org/officeDocument/2006/relationships" xmlns:p="http://schemas.openxmlformats.org/presentationml/2006/main">
   <p:cSld>
     <p:spTree>
@@ -6357,7 +7207,7 @@
         <p:spPr>
           <a:xfrm>
             <a:off x="838200" y="1825625"/>
-            <a:ext cx="5070822" cy="4351338"/>
+            <a:ext cx="4955561" cy="4351338"/>
           </a:xfrm>
         </p:spPr>
         <p:txBody>
@@ -6366,14 +7216,62 @@
           <a:p>
             <a:r>
               <a:rPr lang="en-US" dirty="0" smtClean="0"/>
-              <a:t>Open and edit any file using any program</a:t>
-            </a:r>
-          </a:p>
-          <a:p>
+              <a:t>Starting from an empty repository</a:t>
+            </a:r>
+          </a:p>
+          <a:p>
+            <a:pPr lvl="1"/>
             <a:r>
               <a:rPr lang="en-US" dirty="0" smtClean="0"/>
-              <a:t>Use “Show in Explorer” to easily find the most recent files</a:t>
-            </a:r>
+              <a:t>How do we know? </a:t>
+            </a:r>
+          </a:p>
+          <a:p>
+            <a:pPr lvl="1"/>
+            <a:r>
+              <a:rPr lang="en-US" b="1" dirty="0" smtClean="0"/>
+              <a:t>HEAD </a:t>
+            </a:r>
+            <a:r>
+              <a:rPr lang="en-US" dirty="0" smtClean="0"/>
+              <a:t>doesn’t point to anything (no snapshots!)</a:t>
+            </a:r>
+            <a:endParaRPr lang="en-US" b="1" dirty="0" smtClean="0"/>
+          </a:p>
+          <a:p>
+            <a:r>
+              <a:rPr lang="en-US" dirty="0"/>
+              <a:t>W</a:t>
+            </a:r>
+            <a:r>
+              <a:rPr lang="en-US" dirty="0" smtClean="0"/>
+              <a:t>e have edited a file in the </a:t>
+            </a:r>
+            <a:r>
+              <a:rPr lang="en-US" b="1" dirty="0" smtClean="0"/>
+              <a:t>Working </a:t>
+            </a:r>
+            <a:r>
+              <a:rPr lang="en-US" b="1" dirty="0"/>
+              <a:t>D</a:t>
+            </a:r>
+            <a:r>
+              <a:rPr lang="en-US" b="1" dirty="0" smtClean="0"/>
+              <a:t>irectory</a:t>
+            </a:r>
+            <a:r>
+              <a:rPr lang="en-US" dirty="0" smtClean="0"/>
+              <a:t>, but not yet told </a:t>
+            </a:r>
+            <a:r>
+              <a:rPr lang="en-US" dirty="0" err="1" smtClean="0"/>
+              <a:t>git</a:t>
+            </a:r>
+            <a:r>
+              <a:rPr lang="en-US" dirty="0" smtClean="0"/>
+              <a:t> to pay attention to it.</a:t>
+            </a:r>
+            <a:endParaRPr lang="en-US" dirty="0"/>
           </a:p>
         </p:txBody>
       </p:sp>
@@ -6394,7 +7292,7 @@
           <a:p>
             <a:fld id="{74F93749-3CD2-4A95-98ED-FE9E109683BE}" type="datetime4">
               <a:rPr lang="en-US" smtClean="0"/>
-              <a:t>June 3, 2019</a:t>
+              <a:t>June 5, 2019</a:t>
             </a:fld>
             <a:endParaRPr lang="en-US" dirty="0"/>
           </a:p>
@@ -6468,238 +7366,7 @@
           <a:p>
             <a:fld id="{D57F1E4F-1CFF-5643-939E-02111984F565}" type="slidenum">
               <a:rPr lang="en-US" smtClean="0"/>
-              <a:t>20</a:t>
-            </a:fld>
-            <a:endParaRPr lang="en-US" dirty="0"/>
-          </a:p>
-        </p:txBody>
-      </p:sp>
-    </p:spTree>
-    <p:extLst>
-      <p:ext uri="{BB962C8B-B14F-4D97-AF65-F5344CB8AC3E}">
-        <p14:creationId xmlns:p14="http://schemas.microsoft.com/office/powerpoint/2010/main" val="1252426942"/>
-      </p:ext>
-    </p:extLst>
-  </p:cSld>
-  <p:clrMapOvr>
-    <a:masterClrMapping/>
-  </p:clrMapOvr>
-</p:sld>
-</file>
-
-<file path=ppt/slides/slide21.xml><?xml version="1.0" encoding="utf-8"?>
-<p:sld xmlns:a="http://schemas.openxmlformats.org/drawingml/2006/main" xmlns:r="http://schemas.openxmlformats.org/officeDocument/2006/relationships" xmlns:p="http://schemas.openxmlformats.org/presentationml/2006/main">
-  <p:cSld>
-    <p:spTree>
-      <p:nvGrpSpPr>
-        <p:cNvPr id="1" name=""/>
-        <p:cNvGrpSpPr/>
-        <p:nvPr/>
-      </p:nvGrpSpPr>
-      <p:grpSpPr>
-        <a:xfrm>
-          <a:off x="0" y="0"/>
-          <a:ext cx="0" cy="0"/>
-          <a:chOff x="0" y="0"/>
-          <a:chExt cx="0" cy="0"/>
-        </a:xfrm>
-      </p:grpSpPr>
-      <p:sp>
-        <p:nvSpPr>
-          <p:cNvPr id="2" name="Title 1"/>
-          <p:cNvSpPr>
-            <a:spLocks noGrp="1"/>
-          </p:cNvSpPr>
-          <p:nvPr>
-            <p:ph type="title"/>
-          </p:nvPr>
-        </p:nvSpPr>
-        <p:spPr/>
-        <p:txBody>
-          <a:bodyPr/>
-          <a:lstStyle/>
-          <a:p>
-            <a:r>
-              <a:rPr lang="en-US" dirty="0" smtClean="0"/>
-              <a:t>EDITING A FILE LOCALLY</a:t>
-            </a:r>
-            <a:endParaRPr lang="en-US" dirty="0"/>
-          </a:p>
-        </p:txBody>
-      </p:sp>
-      <p:sp>
-        <p:nvSpPr>
-          <p:cNvPr id="3" name="Content Placeholder 2"/>
-          <p:cNvSpPr>
-            <a:spLocks noGrp="1"/>
-          </p:cNvSpPr>
-          <p:nvPr>
-            <p:ph idx="1"/>
-          </p:nvPr>
-        </p:nvSpPr>
-        <p:spPr>
-          <a:xfrm>
-            <a:off x="838200" y="1825625"/>
-            <a:ext cx="4955561" cy="4351338"/>
-          </a:xfrm>
-        </p:spPr>
-        <p:txBody>
-          <a:bodyPr/>
-          <a:lstStyle/>
-          <a:p>
-            <a:r>
-              <a:rPr lang="en-US" dirty="0" smtClean="0"/>
-              <a:t>Starting from an empty repository</a:t>
-            </a:r>
-          </a:p>
-          <a:p>
-            <a:pPr lvl="1"/>
-            <a:r>
-              <a:rPr lang="en-US" dirty="0" smtClean="0"/>
-              <a:t>How do we know? </a:t>
-            </a:r>
-          </a:p>
-          <a:p>
-            <a:pPr lvl="1"/>
-            <a:r>
-              <a:rPr lang="en-US" b="1" dirty="0" smtClean="0"/>
-              <a:t>HEAD </a:t>
-            </a:r>
-            <a:r>
-              <a:rPr lang="en-US" dirty="0" smtClean="0"/>
-              <a:t>doesn’t point to anything (no snapshots!)</a:t>
-            </a:r>
-            <a:endParaRPr lang="en-US" b="1" dirty="0" smtClean="0"/>
-          </a:p>
-          <a:p>
-            <a:r>
-              <a:rPr lang="en-US" dirty="0"/>
-              <a:t>W</a:t>
-            </a:r>
-            <a:r>
-              <a:rPr lang="en-US" dirty="0" smtClean="0"/>
-              <a:t>e have added a file to the </a:t>
-            </a:r>
-            <a:r>
-              <a:rPr lang="en-US" b="1" dirty="0" smtClean="0"/>
-              <a:t>Working </a:t>
-            </a:r>
-            <a:r>
-              <a:rPr lang="en-US" b="1" dirty="0"/>
-              <a:t>D</a:t>
-            </a:r>
-            <a:r>
-              <a:rPr lang="en-US" b="1" dirty="0" smtClean="0"/>
-              <a:t>irectory</a:t>
-            </a:r>
-            <a:r>
-              <a:rPr lang="en-US" dirty="0" smtClean="0"/>
-              <a:t>, but not yet told </a:t>
-            </a:r>
-            <a:r>
-              <a:rPr lang="en-US" dirty="0" err="1" smtClean="0"/>
-              <a:t>git</a:t>
-            </a:r>
-            <a:r>
-              <a:rPr lang="en-US" dirty="0" smtClean="0"/>
-              <a:t> to pay attention to it.</a:t>
-            </a:r>
-            <a:endParaRPr lang="en-US" dirty="0"/>
-          </a:p>
-        </p:txBody>
-      </p:sp>
-      <p:sp>
-        <p:nvSpPr>
-          <p:cNvPr id="4" name="Date Placeholder 3"/>
-          <p:cNvSpPr>
-            <a:spLocks noGrp="1"/>
-          </p:cNvSpPr>
-          <p:nvPr>
-            <p:ph type="dt" sz="half" idx="10"/>
-          </p:nvPr>
-        </p:nvSpPr>
-        <p:spPr/>
-        <p:txBody>
-          <a:bodyPr/>
-          <a:lstStyle/>
-          <a:p>
-            <a:fld id="{74F93749-3CD2-4A95-98ED-FE9E109683BE}" type="datetime4">
-              <a:rPr lang="en-US" smtClean="0"/>
-              <a:t>June 3, 2019</a:t>
-            </a:fld>
-            <a:endParaRPr lang="en-US" dirty="0"/>
-          </a:p>
-        </p:txBody>
-      </p:sp>
-      <p:sp>
-        <p:nvSpPr>
-          <p:cNvPr id="5" name="Footer Placeholder 4"/>
-          <p:cNvSpPr>
-            <a:spLocks noGrp="1"/>
-          </p:cNvSpPr>
-          <p:nvPr>
-            <p:ph type="ftr" sz="quarter" idx="11"/>
-          </p:nvPr>
-        </p:nvSpPr>
-        <p:spPr/>
-        <p:txBody>
-          <a:bodyPr/>
-          <a:lstStyle/>
-          <a:p>
-            <a:r>
-              <a:rPr lang="en-US" smtClean="0"/>
-              <a:t>Digital Scholarship Services </a:t>
-            </a:r>
-            <a:r>
-              <a:rPr lang="en-US" smtClean="0">
-                <a:solidFill>
-                  <a:schemeClr val="accent1">
-                    <a:lumMod val="50000"/>
-                  </a:schemeClr>
-                </a:solidFill>
-              </a:rPr>
-              <a:t>| Email</a:t>
-            </a:r>
-            <a:r>
-              <a:rPr lang="en-US" smtClean="0"/>
-              <a:t> cf24@rice.edu </a:t>
-            </a:r>
-            <a:r>
-              <a:rPr lang="en-US" smtClean="0">
-                <a:solidFill>
-                  <a:schemeClr val="accent1">
-                    <a:lumMod val="50000"/>
-                  </a:schemeClr>
-                </a:solidFill>
-              </a:rPr>
-              <a:t>|</a:t>
-            </a:r>
-            <a:r>
-              <a:rPr lang="en-US" smtClean="0"/>
-              <a:t> library.rice.edu/dss</a:t>
-            </a:r>
-            <a:endParaRPr lang="en-US" dirty="0"/>
-          </a:p>
-        </p:txBody>
-      </p:sp>
-      <p:sp>
-        <p:nvSpPr>
-          <p:cNvPr id="6" name="Slide Number Placeholder 5"/>
-          <p:cNvSpPr>
-            <a:spLocks noGrp="1"/>
-          </p:cNvSpPr>
-          <p:nvPr>
-            <p:ph type="sldNum" sz="quarter" idx="12"/>
-          </p:nvPr>
-        </p:nvSpPr>
-        <p:spPr/>
-        <p:txBody>
-          <a:bodyPr/>
-          <a:lstStyle/>
-          <a:p>
-            <a:fld id="{D57F1E4F-1CFF-5643-939E-02111984F565}" type="slidenum">
-              <a:rPr lang="en-US" smtClean="0"/>
-              <a:t>21</a:t>
+              <a:t>23</a:t>
             </a:fld>
             <a:endParaRPr lang="en-US" dirty="0"/>
           </a:p>
@@ -6742,7 +7409,7 @@
 </p:sld>
 </file>
 
-<file path=ppt/slides/slide22.xml><?xml version="1.0" encoding="utf-8"?>
+<file path=ppt/slides/slide24.xml><?xml version="1.0" encoding="utf-8"?>
 <p:sld xmlns:a="http://schemas.openxmlformats.org/drawingml/2006/main" xmlns:r="http://schemas.openxmlformats.org/officeDocument/2006/relationships" xmlns:p="http://schemas.openxmlformats.org/presentationml/2006/main">
   <p:cSld>
     <p:spTree>
@@ -6863,7 +7530,7 @@
           <a:p>
             <a:fld id="{74F93749-3CD2-4A95-98ED-FE9E109683BE}" type="datetime4">
               <a:rPr lang="en-US" smtClean="0"/>
-              <a:t>June 3, 2019</a:t>
+              <a:t>June 5, 2019</a:t>
             </a:fld>
             <a:endParaRPr lang="en-US" dirty="0"/>
           </a:p>
@@ -6937,12 +7604,92 @@
           <a:p>
             <a:fld id="{D57F1E4F-1CFF-5643-939E-02111984F565}" type="slidenum">
               <a:rPr lang="en-US" smtClean="0"/>
-              <a:t>22</a:t>
+              <a:t>24</a:t>
             </a:fld>
             <a:endParaRPr lang="en-US" dirty="0"/>
           </a:p>
         </p:txBody>
       </p:sp>
+      <p:pic>
+        <p:nvPicPr>
+          <p:cNvPr id="5122" name="Picture 2" descr="editingtext.PNG"/>
+          <p:cNvPicPr>
+            <a:picLocks noChangeAspect="1" noChangeArrowheads="1"/>
+          </p:cNvPicPr>
+          <p:nvPr/>
+        </p:nvPicPr>
+        <p:blipFill rotWithShape="1">
+          <a:blip r:embed="rId2">
+            <a:extLst>
+              <a:ext uri="{28A0092B-C50C-407E-A947-70E740481C1C}">
+                <a14:useLocalDpi xmlns:a14="http://schemas.microsoft.com/office/drawing/2010/main" val="0"/>
+              </a:ext>
+            </a:extLst>
+          </a:blip>
+          <a:srcRect r="64286"/>
+          <a:stretch/>
+        </p:blipFill>
+        <p:spPr bwMode="auto">
+          <a:xfrm>
+            <a:off x="7112712" y="1467486"/>
+            <a:ext cx="3733963" cy="2853055"/>
+          </a:xfrm>
+          <a:prstGeom prst="rect">
+            <a:avLst/>
+          </a:prstGeom>
+          <a:noFill/>
+          <a:extLst>
+            <a:ext uri="{909E8E84-426E-40DD-AFC4-6F175D3DCCD1}">
+              <a14:hiddenFill xmlns:a14="http://schemas.microsoft.com/office/drawing/2010/main">
+                <a:solidFill>
+                  <a:srgbClr val="FFFFFF"/>
+                </a:solidFill>
+              </a14:hiddenFill>
+            </a:ext>
+          </a:extLst>
+        </p:spPr>
+      </p:pic>
+      <p:pic>
+        <p:nvPicPr>
+          <p:cNvPr id="5124" name="Picture 4" descr="changes.PNG"/>
+          <p:cNvPicPr>
+            <a:picLocks noChangeAspect="1" noChangeArrowheads="1"/>
+          </p:cNvPicPr>
+          <p:nvPr/>
+        </p:nvPicPr>
+        <p:blipFill>
+          <a:blip r:embed="rId3">
+            <a:extLst>
+              <a:ext uri="{28A0092B-C50C-407E-A947-70E740481C1C}">
+                <a14:useLocalDpi xmlns:a14="http://schemas.microsoft.com/office/drawing/2010/main" val="0"/>
+              </a:ext>
+            </a:extLst>
+          </a:blip>
+          <a:srcRect/>
+          <a:stretch>
+            <a:fillRect/>
+          </a:stretch>
+        </p:blipFill>
+        <p:spPr bwMode="auto">
+          <a:xfrm>
+            <a:off x="7083752" y="4383353"/>
+            <a:ext cx="3762923" cy="1746429"/>
+          </a:xfrm>
+          <a:prstGeom prst="rect">
+            <a:avLst/>
+          </a:prstGeom>
+          <a:noFill/>
+          <a:extLst>
+            <a:ext uri="{909E8E84-426E-40DD-AFC4-6F175D3DCCD1}">
+              <a14:hiddenFill xmlns:a14="http://schemas.microsoft.com/office/drawing/2010/main">
+                <a:solidFill>
+                  <a:srgbClr val="FFFFFF"/>
+                </a:solidFill>
+              </a14:hiddenFill>
+            </a:ext>
+          </a:extLst>
+        </p:spPr>
+      </p:pic>
     </p:spTree>
     <p:extLst>
       <p:ext uri="{BB962C8B-B14F-4D97-AF65-F5344CB8AC3E}">
@@ -6956,7 +7703,7 @@
 </p:sld>
 </file>
 
-<file path=ppt/slides/slide23.xml><?xml version="1.0" encoding="utf-8"?>
+<file path=ppt/slides/slide25.xml><?xml version="1.0" encoding="utf-8"?>
 <p:sld xmlns:a="http://schemas.openxmlformats.org/drawingml/2006/main" xmlns:r="http://schemas.openxmlformats.org/officeDocument/2006/relationships" xmlns:p="http://schemas.openxmlformats.org/presentationml/2006/main">
   <p:cSld>
     <p:spTree>
@@ -7087,7 +7834,7 @@
           <a:p>
             <a:fld id="{74F93749-3CD2-4A95-98ED-FE9E109683BE}" type="datetime4">
               <a:rPr lang="en-US" smtClean="0"/>
-              <a:t>June 3, 2019</a:t>
+              <a:t>June 5, 2019</a:t>
             </a:fld>
             <a:endParaRPr lang="en-US" dirty="0"/>
           </a:p>
@@ -7161,7 +7908,7 @@
           <a:p>
             <a:fld id="{D57F1E4F-1CFF-5643-939E-02111984F565}" type="slidenum">
               <a:rPr lang="en-US" smtClean="0"/>
-              <a:t>23</a:t>
+              <a:t>25</a:t>
             </a:fld>
             <a:endParaRPr lang="en-US" dirty="0"/>
           </a:p>
@@ -7204,7 +7951,7 @@
 </p:sld>
 </file>
 
-<file path=ppt/slides/slide24.xml><?xml version="1.0" encoding="utf-8"?>
+<file path=ppt/slides/slide26.xml><?xml version="1.0" encoding="utf-8"?>
 <p:sld xmlns:a="http://schemas.openxmlformats.org/drawingml/2006/main" xmlns:r="http://schemas.openxmlformats.org/officeDocument/2006/relationships" xmlns:p="http://schemas.openxmlformats.org/presentationml/2006/main">
   <p:cSld>
     <p:spTree>
@@ -7329,7 +8076,7 @@
           <a:p>
             <a:fld id="{74F93749-3CD2-4A95-98ED-FE9E109683BE}" type="datetime4">
               <a:rPr lang="en-US" smtClean="0"/>
-              <a:t>June 3, 2019</a:t>
+              <a:t>June 5, 2019</a:t>
             </a:fld>
             <a:endParaRPr lang="en-US" dirty="0"/>
           </a:p>
@@ -7403,12 +8150,53 @@
           <a:p>
             <a:fld id="{D57F1E4F-1CFF-5643-939E-02111984F565}" type="slidenum">
               <a:rPr lang="en-US" smtClean="0"/>
-              <a:t>24</a:t>
+              <a:t>26</a:t>
             </a:fld>
             <a:endParaRPr lang="en-US" dirty="0"/>
           </a:p>
         </p:txBody>
       </p:sp>
+      <p:pic>
+        <p:nvPicPr>
+          <p:cNvPr id="7170" name="Picture 2" descr="examplecommit.PNG"/>
+          <p:cNvPicPr>
+            <a:picLocks noChangeAspect="1" noChangeArrowheads="1"/>
+          </p:cNvPicPr>
+          <p:nvPr/>
+        </p:nvPicPr>
+        <p:blipFill>
+          <a:blip r:embed="rId2">
+            <a:extLst>
+              <a:ext uri="{28A0092B-C50C-407E-A947-70E740481C1C}">
+                <a14:useLocalDpi xmlns:a14="http://schemas.microsoft.com/office/drawing/2010/main" val="0"/>
+              </a:ext>
+            </a:extLst>
+          </a:blip>
+          <a:srcRect/>
+          <a:stretch>
+            <a:fillRect/>
+          </a:stretch>
+        </p:blipFill>
+        <p:spPr bwMode="auto">
+          <a:xfrm>
+            <a:off x="6654573" y="1870075"/>
+            <a:ext cx="4699227" cy="3775897"/>
+          </a:xfrm>
+          <a:prstGeom prst="rect">
+            <a:avLst/>
+          </a:prstGeom>
+          <a:noFill/>
+          <a:extLst>
+            <a:ext uri="{909E8E84-426E-40DD-AFC4-6F175D3DCCD1}">
+              <a14:hiddenFill xmlns:a14="http://schemas.microsoft.com/office/drawing/2010/main">
+                <a:solidFill>
+                  <a:srgbClr val="FFFFFF"/>
+                </a:solidFill>
+              </a14:hiddenFill>
+            </a:ext>
+          </a:extLst>
+        </p:spPr>
+      </p:pic>
     </p:spTree>
     <p:extLst>
       <p:ext uri="{BB962C8B-B14F-4D97-AF65-F5344CB8AC3E}">
@@ -7422,7 +8210,7 @@
 </p:sld>
 </file>
 
-<file path=ppt/slides/slide25.xml><?xml version="1.0" encoding="utf-8"?>
+<file path=ppt/slides/slide27.xml><?xml version="1.0" encoding="utf-8"?>
 <p:sld xmlns:a="http://schemas.openxmlformats.org/drawingml/2006/main" xmlns:r="http://schemas.openxmlformats.org/officeDocument/2006/relationships" xmlns:p="http://schemas.openxmlformats.org/presentationml/2006/main">
   <p:cSld>
     <p:spTree>
@@ -7570,7 +8358,7 @@
           <a:p>
             <a:fld id="{74F93749-3CD2-4A95-98ED-FE9E109683BE}" type="datetime4">
               <a:rPr lang="en-US" smtClean="0"/>
-              <a:t>June 3, 2019</a:t>
+              <a:t>June 5, 2019</a:t>
             </a:fld>
             <a:endParaRPr lang="en-US" dirty="0"/>
           </a:p>
@@ -7644,7 +8432,7 @@
           <a:p>
             <a:fld id="{D57F1E4F-1CFF-5643-939E-02111984F565}" type="slidenum">
               <a:rPr lang="en-US" smtClean="0"/>
-              <a:t>25</a:t>
+              <a:t>27</a:t>
             </a:fld>
             <a:endParaRPr lang="en-US" dirty="0"/>
           </a:p>
@@ -7687,374 +8475,6 @@
 </p:sld>
 </file>
 
-<file path=ppt/slides/slide26.xml><?xml version="1.0" encoding="utf-8"?>
-<p:sld xmlns:a="http://schemas.openxmlformats.org/drawingml/2006/main" xmlns:r="http://schemas.openxmlformats.org/officeDocument/2006/relationships" xmlns:p="http://schemas.openxmlformats.org/presentationml/2006/main">
-  <p:cSld>
-    <p:spTree>
-      <p:nvGrpSpPr>
-        <p:cNvPr id="1" name=""/>
-        <p:cNvGrpSpPr/>
-        <p:nvPr/>
-      </p:nvGrpSpPr>
-      <p:grpSpPr>
-        <a:xfrm>
-          <a:off x="0" y="0"/>
-          <a:ext cx="0" cy="0"/>
-          <a:chOff x="0" y="0"/>
-          <a:chExt cx="0" cy="0"/>
-        </a:xfrm>
-      </p:grpSpPr>
-      <p:sp>
-        <p:nvSpPr>
-          <p:cNvPr id="2" name="Title 1"/>
-          <p:cNvSpPr>
-            <a:spLocks noGrp="1"/>
-          </p:cNvSpPr>
-          <p:nvPr>
-            <p:ph type="title"/>
-          </p:nvPr>
-        </p:nvSpPr>
-        <p:spPr/>
-        <p:txBody>
-          <a:bodyPr/>
-          <a:lstStyle/>
-          <a:p>
-            <a:r>
-              <a:rPr lang="en-US" dirty="0" smtClean="0"/>
-              <a:t>UPLOADING OUR CHANGES</a:t>
-            </a:r>
-            <a:endParaRPr lang="en-US" dirty="0"/>
-          </a:p>
-        </p:txBody>
-      </p:sp>
-      <p:sp>
-        <p:nvSpPr>
-          <p:cNvPr id="3" name="Content Placeholder 2"/>
-          <p:cNvSpPr>
-            <a:spLocks noGrp="1"/>
-          </p:cNvSpPr>
-          <p:nvPr>
-            <p:ph idx="1"/>
-          </p:nvPr>
-        </p:nvSpPr>
-        <p:spPr>
-          <a:xfrm>
-            <a:off x="838200" y="1825625"/>
-            <a:ext cx="5063138" cy="4351338"/>
-          </a:xfrm>
-        </p:spPr>
-        <p:txBody>
-          <a:bodyPr/>
-          <a:lstStyle/>
-          <a:p>
-            <a:r>
-              <a:rPr lang="en-US" dirty="0" smtClean="0"/>
-              <a:t>Once we have a commit, we can send it to GitHub</a:t>
-            </a:r>
-          </a:p>
-          <a:p>
-            <a:r>
-              <a:rPr lang="en-US" dirty="0" smtClean="0"/>
-              <a:t>This is called a push.</a:t>
-            </a:r>
-            <a:endParaRPr lang="en-US" dirty="0"/>
-          </a:p>
-        </p:txBody>
-      </p:sp>
-      <p:sp>
-        <p:nvSpPr>
-          <p:cNvPr id="4" name="Date Placeholder 3"/>
-          <p:cNvSpPr>
-            <a:spLocks noGrp="1"/>
-          </p:cNvSpPr>
-          <p:nvPr>
-            <p:ph type="dt" sz="half" idx="10"/>
-          </p:nvPr>
-        </p:nvSpPr>
-        <p:spPr/>
-        <p:txBody>
-          <a:bodyPr/>
-          <a:lstStyle/>
-          <a:p>
-            <a:fld id="{74F93749-3CD2-4A95-98ED-FE9E109683BE}" type="datetime4">
-              <a:rPr lang="en-US" smtClean="0"/>
-              <a:t>June 3, 2019</a:t>
-            </a:fld>
-            <a:endParaRPr lang="en-US" dirty="0"/>
-          </a:p>
-        </p:txBody>
-      </p:sp>
-      <p:sp>
-        <p:nvSpPr>
-          <p:cNvPr id="5" name="Footer Placeholder 4"/>
-          <p:cNvSpPr>
-            <a:spLocks noGrp="1"/>
-          </p:cNvSpPr>
-          <p:nvPr>
-            <p:ph type="ftr" sz="quarter" idx="11"/>
-          </p:nvPr>
-        </p:nvSpPr>
-        <p:spPr/>
-        <p:txBody>
-          <a:bodyPr/>
-          <a:lstStyle/>
-          <a:p>
-            <a:r>
-              <a:rPr lang="en-US" smtClean="0"/>
-              <a:t>Digital Scholarship Services </a:t>
-            </a:r>
-            <a:r>
-              <a:rPr lang="en-US" smtClean="0">
-                <a:solidFill>
-                  <a:schemeClr val="accent1">
-                    <a:lumMod val="50000"/>
-                  </a:schemeClr>
-                </a:solidFill>
-              </a:rPr>
-              <a:t>| Email</a:t>
-            </a:r>
-            <a:r>
-              <a:rPr lang="en-US" smtClean="0"/>
-              <a:t> cf24@rice.edu </a:t>
-            </a:r>
-            <a:r>
-              <a:rPr lang="en-US" smtClean="0">
-                <a:solidFill>
-                  <a:schemeClr val="accent1">
-                    <a:lumMod val="50000"/>
-                  </a:schemeClr>
-                </a:solidFill>
-              </a:rPr>
-              <a:t>|</a:t>
-            </a:r>
-            <a:r>
-              <a:rPr lang="en-US" smtClean="0"/>
-              <a:t> library.rice.edu/dss</a:t>
-            </a:r>
-            <a:endParaRPr lang="en-US" dirty="0"/>
-          </a:p>
-        </p:txBody>
-      </p:sp>
-      <p:sp>
-        <p:nvSpPr>
-          <p:cNvPr id="6" name="Slide Number Placeholder 5"/>
-          <p:cNvSpPr>
-            <a:spLocks noGrp="1"/>
-          </p:cNvSpPr>
-          <p:nvPr>
-            <p:ph type="sldNum" sz="quarter" idx="12"/>
-          </p:nvPr>
-        </p:nvSpPr>
-        <p:spPr/>
-        <p:txBody>
-          <a:bodyPr/>
-          <a:lstStyle/>
-          <a:p>
-            <a:fld id="{D57F1E4F-1CFF-5643-939E-02111984F565}" type="slidenum">
-              <a:rPr lang="en-US" smtClean="0"/>
-              <a:t>26</a:t>
-            </a:fld>
-            <a:endParaRPr lang="en-US" dirty="0"/>
-          </a:p>
-        </p:txBody>
-      </p:sp>
-    </p:spTree>
-    <p:extLst>
-      <p:ext uri="{BB962C8B-B14F-4D97-AF65-F5344CB8AC3E}">
-        <p14:creationId xmlns:p14="http://schemas.microsoft.com/office/powerpoint/2010/main" val="366690583"/>
-      </p:ext>
-    </p:extLst>
-  </p:cSld>
-  <p:clrMapOvr>
-    <a:masterClrMapping/>
-  </p:clrMapOvr>
-</p:sld>
-</file>
-
-<file path=ppt/slides/slide27.xml><?xml version="1.0" encoding="utf-8"?>
-<p:sld xmlns:a="http://schemas.openxmlformats.org/drawingml/2006/main" xmlns:r="http://schemas.openxmlformats.org/officeDocument/2006/relationships" xmlns:p="http://schemas.openxmlformats.org/presentationml/2006/main">
-  <p:cSld>
-    <p:spTree>
-      <p:nvGrpSpPr>
-        <p:cNvPr id="1" name=""/>
-        <p:cNvGrpSpPr/>
-        <p:nvPr/>
-      </p:nvGrpSpPr>
-      <p:grpSpPr>
-        <a:xfrm>
-          <a:off x="0" y="0"/>
-          <a:ext cx="0" cy="0"/>
-          <a:chOff x="0" y="0"/>
-          <a:chExt cx="0" cy="0"/>
-        </a:xfrm>
-      </p:grpSpPr>
-      <p:sp>
-        <p:nvSpPr>
-          <p:cNvPr id="2" name="Title 1"/>
-          <p:cNvSpPr>
-            <a:spLocks noGrp="1"/>
-          </p:cNvSpPr>
-          <p:nvPr>
-            <p:ph type="title"/>
-          </p:nvPr>
-        </p:nvSpPr>
-        <p:spPr/>
-        <p:txBody>
-          <a:bodyPr/>
-          <a:lstStyle/>
-          <a:p>
-            <a:r>
-              <a:rPr lang="en-US" dirty="0" smtClean="0"/>
-              <a:t>GOING BACK IN TIME</a:t>
-            </a:r>
-            <a:endParaRPr lang="en-US" dirty="0"/>
-          </a:p>
-        </p:txBody>
-      </p:sp>
-      <p:sp>
-        <p:nvSpPr>
-          <p:cNvPr id="3" name="Content Placeholder 2"/>
-          <p:cNvSpPr>
-            <a:spLocks noGrp="1"/>
-          </p:cNvSpPr>
-          <p:nvPr>
-            <p:ph idx="1"/>
-          </p:nvPr>
-        </p:nvSpPr>
-        <p:spPr>
-          <a:xfrm>
-            <a:off x="838200" y="1825625"/>
-            <a:ext cx="5262923" cy="4351338"/>
-          </a:xfrm>
-        </p:spPr>
-        <p:txBody>
-          <a:bodyPr/>
-          <a:lstStyle/>
-          <a:p>
-            <a:r>
-              <a:rPr lang="en-US" dirty="0" smtClean="0"/>
-              <a:t>What if we made a change we realized deleted something we really needed?</a:t>
-            </a:r>
-          </a:p>
-          <a:p>
-            <a:r>
-              <a:rPr lang="en-US" dirty="0" smtClean="0"/>
-              <a:t>Solution: Reverting to a previous commit!</a:t>
-            </a:r>
-            <a:endParaRPr lang="en-US" dirty="0"/>
-          </a:p>
-        </p:txBody>
-      </p:sp>
-      <p:sp>
-        <p:nvSpPr>
-          <p:cNvPr id="4" name="Date Placeholder 3"/>
-          <p:cNvSpPr>
-            <a:spLocks noGrp="1"/>
-          </p:cNvSpPr>
-          <p:nvPr>
-            <p:ph type="dt" sz="half" idx="10"/>
-          </p:nvPr>
-        </p:nvSpPr>
-        <p:spPr/>
-        <p:txBody>
-          <a:bodyPr/>
-          <a:lstStyle/>
-          <a:p>
-            <a:fld id="{74F93749-3CD2-4A95-98ED-FE9E109683BE}" type="datetime4">
-              <a:rPr lang="en-US" smtClean="0"/>
-              <a:t>June 3, 2019</a:t>
-            </a:fld>
-            <a:endParaRPr lang="en-US" dirty="0"/>
-          </a:p>
-        </p:txBody>
-      </p:sp>
-      <p:sp>
-        <p:nvSpPr>
-          <p:cNvPr id="5" name="Footer Placeholder 4"/>
-          <p:cNvSpPr>
-            <a:spLocks noGrp="1"/>
-          </p:cNvSpPr>
-          <p:nvPr>
-            <p:ph type="ftr" sz="quarter" idx="11"/>
-          </p:nvPr>
-        </p:nvSpPr>
-        <p:spPr/>
-        <p:txBody>
-          <a:bodyPr/>
-          <a:lstStyle/>
-          <a:p>
-            <a:r>
-              <a:rPr lang="en-US" smtClean="0"/>
-              <a:t>Digital Scholarship Services </a:t>
-            </a:r>
-            <a:r>
-              <a:rPr lang="en-US" smtClean="0">
-                <a:solidFill>
-                  <a:schemeClr val="accent1">
-                    <a:lumMod val="50000"/>
-                  </a:schemeClr>
-                </a:solidFill>
-              </a:rPr>
-              <a:t>| Email</a:t>
-            </a:r>
-            <a:r>
-              <a:rPr lang="en-US" smtClean="0"/>
-              <a:t> cf24@rice.edu </a:t>
-            </a:r>
-            <a:r>
-              <a:rPr lang="en-US" smtClean="0">
-                <a:solidFill>
-                  <a:schemeClr val="accent1">
-                    <a:lumMod val="50000"/>
-                  </a:schemeClr>
-                </a:solidFill>
-              </a:rPr>
-              <a:t>|</a:t>
-            </a:r>
-            <a:r>
-              <a:rPr lang="en-US" smtClean="0"/>
-              <a:t> library.rice.edu/dss</a:t>
-            </a:r>
-            <a:endParaRPr lang="en-US" dirty="0"/>
-          </a:p>
-        </p:txBody>
-      </p:sp>
-      <p:sp>
-        <p:nvSpPr>
-          <p:cNvPr id="6" name="Slide Number Placeholder 5"/>
-          <p:cNvSpPr>
-            <a:spLocks noGrp="1"/>
-          </p:cNvSpPr>
-          <p:nvPr>
-            <p:ph type="sldNum" sz="quarter" idx="12"/>
-          </p:nvPr>
-        </p:nvSpPr>
-        <p:spPr/>
-        <p:txBody>
-          <a:bodyPr/>
-          <a:lstStyle/>
-          <a:p>
-            <a:fld id="{D57F1E4F-1CFF-5643-939E-02111984F565}" type="slidenum">
-              <a:rPr lang="en-US" smtClean="0"/>
-              <a:t>27</a:t>
-            </a:fld>
-            <a:endParaRPr lang="en-US" dirty="0"/>
-          </a:p>
-        </p:txBody>
-      </p:sp>
-    </p:spTree>
-    <p:extLst>
-      <p:ext uri="{BB962C8B-B14F-4D97-AF65-F5344CB8AC3E}">
-        <p14:creationId xmlns:p14="http://schemas.microsoft.com/office/powerpoint/2010/main" val="866188761"/>
-      </p:ext>
-    </p:extLst>
-  </p:cSld>
-  <p:clrMapOvr>
-    <a:masterClrMapping/>
-  </p:clrMapOvr>
-</p:sld>
-</file>
-
 <file path=ppt/slides/slide28.xml><?xml version="1.0" encoding="utf-8"?>
 <p:sld xmlns:a="http://schemas.openxmlformats.org/drawingml/2006/main" xmlns:r="http://schemas.openxmlformats.org/officeDocument/2006/relationships" xmlns:p="http://schemas.openxmlformats.org/presentationml/2006/main">
   <p:cSld>
@@ -8074,6 +8494,818 @@
       </p:grpSpPr>
       <p:sp>
         <p:nvSpPr>
+          <p:cNvPr id="2" name="Title 1"/>
+          <p:cNvSpPr>
+            <a:spLocks noGrp="1"/>
+          </p:cNvSpPr>
+          <p:nvPr>
+            <p:ph type="title"/>
+          </p:nvPr>
+        </p:nvSpPr>
+        <p:spPr/>
+        <p:txBody>
+          <a:bodyPr/>
+          <a:lstStyle/>
+          <a:p>
+            <a:r>
+              <a:rPr lang="en-US" dirty="0" smtClean="0"/>
+              <a:t>UPLOADING OUR CHANGES</a:t>
+            </a:r>
+            <a:endParaRPr lang="en-US" dirty="0"/>
+          </a:p>
+        </p:txBody>
+      </p:sp>
+      <p:sp>
+        <p:nvSpPr>
+          <p:cNvPr id="3" name="Content Placeholder 2"/>
+          <p:cNvSpPr>
+            <a:spLocks noGrp="1"/>
+          </p:cNvSpPr>
+          <p:nvPr>
+            <p:ph idx="1"/>
+          </p:nvPr>
+        </p:nvSpPr>
+        <p:spPr>
+          <a:xfrm>
+            <a:off x="838200" y="1825625"/>
+            <a:ext cx="5063138" cy="4351338"/>
+          </a:xfrm>
+        </p:spPr>
+        <p:txBody>
+          <a:bodyPr/>
+          <a:lstStyle/>
+          <a:p>
+            <a:r>
+              <a:rPr lang="en-US" dirty="0" smtClean="0"/>
+              <a:t>Once we have a commit, we can send it to GitHub</a:t>
+            </a:r>
+          </a:p>
+          <a:p>
+            <a:r>
+              <a:rPr lang="en-US" dirty="0" smtClean="0"/>
+              <a:t>This is called a </a:t>
+            </a:r>
+            <a:r>
+              <a:rPr lang="en-US" b="1" dirty="0" smtClean="0"/>
+              <a:t>push</a:t>
+            </a:r>
+          </a:p>
+          <a:p>
+            <a:r>
+              <a:rPr lang="en-US" dirty="0" smtClean="0"/>
+              <a:t>Note: Changes are not sent to the server by default!</a:t>
+            </a:r>
+            <a:endParaRPr lang="en-US" dirty="0"/>
+          </a:p>
+        </p:txBody>
+      </p:sp>
+      <p:sp>
+        <p:nvSpPr>
+          <p:cNvPr id="4" name="Date Placeholder 3"/>
+          <p:cNvSpPr>
+            <a:spLocks noGrp="1"/>
+          </p:cNvSpPr>
+          <p:nvPr>
+            <p:ph type="dt" sz="half" idx="10"/>
+          </p:nvPr>
+        </p:nvSpPr>
+        <p:spPr/>
+        <p:txBody>
+          <a:bodyPr/>
+          <a:lstStyle/>
+          <a:p>
+            <a:fld id="{74F93749-3CD2-4A95-98ED-FE9E109683BE}" type="datetime4">
+              <a:rPr lang="en-US" smtClean="0"/>
+              <a:t>June 5, 2019</a:t>
+            </a:fld>
+            <a:endParaRPr lang="en-US" dirty="0"/>
+          </a:p>
+        </p:txBody>
+      </p:sp>
+      <p:sp>
+        <p:nvSpPr>
+          <p:cNvPr id="5" name="Footer Placeholder 4"/>
+          <p:cNvSpPr>
+            <a:spLocks noGrp="1"/>
+          </p:cNvSpPr>
+          <p:nvPr>
+            <p:ph type="ftr" sz="quarter" idx="11"/>
+          </p:nvPr>
+        </p:nvSpPr>
+        <p:spPr/>
+        <p:txBody>
+          <a:bodyPr/>
+          <a:lstStyle/>
+          <a:p>
+            <a:r>
+              <a:rPr lang="en-US" smtClean="0"/>
+              <a:t>Digital Scholarship Services </a:t>
+            </a:r>
+            <a:r>
+              <a:rPr lang="en-US" smtClean="0">
+                <a:solidFill>
+                  <a:schemeClr val="accent1">
+                    <a:lumMod val="50000"/>
+                  </a:schemeClr>
+                </a:solidFill>
+              </a:rPr>
+              <a:t>| Email</a:t>
+            </a:r>
+            <a:r>
+              <a:rPr lang="en-US" smtClean="0"/>
+              <a:t> cf24@rice.edu </a:t>
+            </a:r>
+            <a:r>
+              <a:rPr lang="en-US" smtClean="0">
+                <a:solidFill>
+                  <a:schemeClr val="accent1">
+                    <a:lumMod val="50000"/>
+                  </a:schemeClr>
+                </a:solidFill>
+              </a:rPr>
+              <a:t>|</a:t>
+            </a:r>
+            <a:r>
+              <a:rPr lang="en-US" smtClean="0"/>
+              <a:t> library.rice.edu/dss</a:t>
+            </a:r>
+            <a:endParaRPr lang="en-US" dirty="0"/>
+          </a:p>
+        </p:txBody>
+      </p:sp>
+      <p:sp>
+        <p:nvSpPr>
+          <p:cNvPr id="6" name="Slide Number Placeholder 5"/>
+          <p:cNvSpPr>
+            <a:spLocks noGrp="1"/>
+          </p:cNvSpPr>
+          <p:nvPr>
+            <p:ph type="sldNum" sz="quarter" idx="12"/>
+          </p:nvPr>
+        </p:nvSpPr>
+        <p:spPr/>
+        <p:txBody>
+          <a:bodyPr/>
+          <a:lstStyle/>
+          <a:p>
+            <a:fld id="{D57F1E4F-1CFF-5643-939E-02111984F565}" type="slidenum">
+              <a:rPr lang="en-US" smtClean="0"/>
+              <a:t>28</a:t>
+            </a:fld>
+            <a:endParaRPr lang="en-US" dirty="0"/>
+          </a:p>
+        </p:txBody>
+      </p:sp>
+      <p:pic>
+        <p:nvPicPr>
+          <p:cNvPr id="8194" name="Picture 2" descr="push.PNG"/>
+          <p:cNvPicPr>
+            <a:picLocks noChangeAspect="1" noChangeArrowheads="1"/>
+          </p:cNvPicPr>
+          <p:nvPr/>
+        </p:nvPicPr>
+        <p:blipFill>
+          <a:blip r:embed="rId2">
+            <a:extLst>
+              <a:ext uri="{28A0092B-C50C-407E-A947-70E740481C1C}">
+                <a14:useLocalDpi xmlns:a14="http://schemas.microsoft.com/office/drawing/2010/main" val="0"/>
+              </a:ext>
+            </a:extLst>
+          </a:blip>
+          <a:srcRect/>
+          <a:stretch>
+            <a:fillRect/>
+          </a:stretch>
+        </p:blipFill>
+        <p:spPr bwMode="auto">
+          <a:xfrm>
+            <a:off x="6096000" y="1825625"/>
+            <a:ext cx="5618209" cy="4111022"/>
+          </a:xfrm>
+          <a:prstGeom prst="rect">
+            <a:avLst/>
+          </a:prstGeom>
+          <a:noFill/>
+          <a:extLst>
+            <a:ext uri="{909E8E84-426E-40DD-AFC4-6F175D3DCCD1}">
+              <a14:hiddenFill xmlns:a14="http://schemas.microsoft.com/office/drawing/2010/main">
+                <a:solidFill>
+                  <a:srgbClr val="FFFFFF"/>
+                </a:solidFill>
+              </a14:hiddenFill>
+            </a:ext>
+          </a:extLst>
+        </p:spPr>
+      </p:pic>
+    </p:spTree>
+    <p:extLst>
+      <p:ext uri="{BB962C8B-B14F-4D97-AF65-F5344CB8AC3E}">
+        <p14:creationId xmlns:p14="http://schemas.microsoft.com/office/powerpoint/2010/main" val="366690583"/>
+      </p:ext>
+    </p:extLst>
+  </p:cSld>
+  <p:clrMapOvr>
+    <a:masterClrMapping/>
+  </p:clrMapOvr>
+</p:sld>
+</file>
+
+<file path=ppt/slides/slide29.xml><?xml version="1.0" encoding="utf-8"?>
+<p:sld xmlns:a="http://schemas.openxmlformats.org/drawingml/2006/main" xmlns:r="http://schemas.openxmlformats.org/officeDocument/2006/relationships" xmlns:p="http://schemas.openxmlformats.org/presentationml/2006/main">
+  <p:cSld>
+    <p:spTree>
+      <p:nvGrpSpPr>
+        <p:cNvPr id="1" name=""/>
+        <p:cNvGrpSpPr/>
+        <p:nvPr/>
+      </p:nvGrpSpPr>
+      <p:grpSpPr>
+        <a:xfrm>
+          <a:off x="0" y="0"/>
+          <a:ext cx="0" cy="0"/>
+          <a:chOff x="0" y="0"/>
+          <a:chExt cx="0" cy="0"/>
+        </a:xfrm>
+      </p:grpSpPr>
+      <p:sp>
+        <p:nvSpPr>
+          <p:cNvPr id="2" name="Title 1"/>
+          <p:cNvSpPr>
+            <a:spLocks noGrp="1"/>
+          </p:cNvSpPr>
+          <p:nvPr>
+            <p:ph type="title"/>
+          </p:nvPr>
+        </p:nvSpPr>
+        <p:spPr/>
+        <p:txBody>
+          <a:bodyPr/>
+          <a:lstStyle/>
+          <a:p>
+            <a:r>
+              <a:rPr lang="en-US" dirty="0"/>
+              <a:t>UPLOADING OUR CHANGES</a:t>
+            </a:r>
+          </a:p>
+        </p:txBody>
+      </p:sp>
+      <p:sp>
+        <p:nvSpPr>
+          <p:cNvPr id="3" name="Content Placeholder 2"/>
+          <p:cNvSpPr>
+            <a:spLocks noGrp="1"/>
+          </p:cNvSpPr>
+          <p:nvPr>
+            <p:ph idx="1"/>
+          </p:nvPr>
+        </p:nvSpPr>
+        <p:spPr/>
+        <p:txBody>
+          <a:bodyPr/>
+          <a:lstStyle/>
+          <a:p>
+            <a:r>
+              <a:rPr lang="en-US" dirty="0" smtClean="0"/>
+              <a:t>From the repository cloned earlier, upload a file with any message you like!</a:t>
+            </a:r>
+            <a:endParaRPr lang="en-US" dirty="0"/>
+          </a:p>
+        </p:txBody>
+      </p:sp>
+      <p:sp>
+        <p:nvSpPr>
+          <p:cNvPr id="4" name="Date Placeholder 3"/>
+          <p:cNvSpPr>
+            <a:spLocks noGrp="1"/>
+          </p:cNvSpPr>
+          <p:nvPr>
+            <p:ph type="dt" sz="half" idx="10"/>
+          </p:nvPr>
+        </p:nvSpPr>
+        <p:spPr/>
+        <p:txBody>
+          <a:bodyPr/>
+          <a:lstStyle/>
+          <a:p>
+            <a:fld id="{74F93749-3CD2-4A95-98ED-FE9E109683BE}" type="datetime4">
+              <a:rPr lang="en-US" smtClean="0"/>
+              <a:t>June 5, 2019</a:t>
+            </a:fld>
+            <a:endParaRPr lang="en-US" dirty="0"/>
+          </a:p>
+        </p:txBody>
+      </p:sp>
+      <p:sp>
+        <p:nvSpPr>
+          <p:cNvPr id="5" name="Footer Placeholder 4"/>
+          <p:cNvSpPr>
+            <a:spLocks noGrp="1"/>
+          </p:cNvSpPr>
+          <p:nvPr>
+            <p:ph type="ftr" sz="quarter" idx="11"/>
+          </p:nvPr>
+        </p:nvSpPr>
+        <p:spPr/>
+        <p:txBody>
+          <a:bodyPr/>
+          <a:lstStyle/>
+          <a:p>
+            <a:r>
+              <a:rPr lang="en-US" smtClean="0"/>
+              <a:t>Digital Scholarship Services </a:t>
+            </a:r>
+            <a:r>
+              <a:rPr lang="en-US" smtClean="0">
+                <a:solidFill>
+                  <a:schemeClr val="accent1">
+                    <a:lumMod val="50000"/>
+                  </a:schemeClr>
+                </a:solidFill>
+              </a:rPr>
+              <a:t>| Email</a:t>
+            </a:r>
+            <a:r>
+              <a:rPr lang="en-US" smtClean="0"/>
+              <a:t> cf24@rice.edu </a:t>
+            </a:r>
+            <a:r>
+              <a:rPr lang="en-US" smtClean="0">
+                <a:solidFill>
+                  <a:schemeClr val="accent1">
+                    <a:lumMod val="50000"/>
+                  </a:schemeClr>
+                </a:solidFill>
+              </a:rPr>
+              <a:t>|</a:t>
+            </a:r>
+            <a:r>
+              <a:rPr lang="en-US" smtClean="0"/>
+              <a:t> library.rice.edu/dss</a:t>
+            </a:r>
+            <a:endParaRPr lang="en-US" dirty="0"/>
+          </a:p>
+        </p:txBody>
+      </p:sp>
+      <p:sp>
+        <p:nvSpPr>
+          <p:cNvPr id="6" name="Slide Number Placeholder 5"/>
+          <p:cNvSpPr>
+            <a:spLocks noGrp="1"/>
+          </p:cNvSpPr>
+          <p:nvPr>
+            <p:ph type="sldNum" sz="quarter" idx="12"/>
+          </p:nvPr>
+        </p:nvSpPr>
+        <p:spPr/>
+        <p:txBody>
+          <a:bodyPr/>
+          <a:lstStyle/>
+          <a:p>
+            <a:fld id="{D57F1E4F-1CFF-5643-939E-02111984F565}" type="slidenum">
+              <a:rPr lang="en-US" smtClean="0"/>
+              <a:t>29</a:t>
+            </a:fld>
+            <a:endParaRPr lang="en-US" dirty="0"/>
+          </a:p>
+        </p:txBody>
+      </p:sp>
+    </p:spTree>
+    <p:extLst>
+      <p:ext uri="{BB962C8B-B14F-4D97-AF65-F5344CB8AC3E}">
+        <p14:creationId xmlns:p14="http://schemas.microsoft.com/office/powerpoint/2010/main" val="1458772907"/>
+      </p:ext>
+    </p:extLst>
+  </p:cSld>
+  <p:clrMapOvr>
+    <a:masterClrMapping/>
+  </p:clrMapOvr>
+</p:sld>
+</file>
+
+<file path=ppt/slides/slide3.xml><?xml version="1.0" encoding="utf-8"?>
+<p:sld xmlns:a="http://schemas.openxmlformats.org/drawingml/2006/main" xmlns:r="http://schemas.openxmlformats.org/officeDocument/2006/relationships" xmlns:p="http://schemas.openxmlformats.org/presentationml/2006/main">
+  <p:cSld>
+    <p:spTree>
+      <p:nvGrpSpPr>
+        <p:cNvPr id="1" name=""/>
+        <p:cNvGrpSpPr/>
+        <p:nvPr/>
+      </p:nvGrpSpPr>
+      <p:grpSpPr>
+        <a:xfrm>
+          <a:off x="0" y="0"/>
+          <a:ext cx="0" cy="0"/>
+          <a:chOff x="0" y="0"/>
+          <a:chExt cx="0" cy="0"/>
+        </a:xfrm>
+      </p:grpSpPr>
+      <p:sp>
+        <p:nvSpPr>
+          <p:cNvPr id="2" name="Title 1"/>
+          <p:cNvSpPr>
+            <a:spLocks noGrp="1"/>
+          </p:cNvSpPr>
+          <p:nvPr>
+            <p:ph type="title"/>
+          </p:nvPr>
+        </p:nvSpPr>
+        <p:spPr/>
+        <p:txBody>
+          <a:bodyPr/>
+          <a:lstStyle/>
+          <a:p>
+            <a:r>
+              <a:rPr lang="en-US" dirty="0" smtClean="0">
+                <a:latin typeface="+mn-lt"/>
+              </a:rPr>
+              <a:t>WHAT IS GIT NOT?</a:t>
+            </a:r>
+            <a:endParaRPr lang="en-US" dirty="0">
+              <a:latin typeface="+mn-lt"/>
+            </a:endParaRPr>
+          </a:p>
+        </p:txBody>
+      </p:sp>
+      <p:sp>
+        <p:nvSpPr>
+          <p:cNvPr id="3" name="Content Placeholder 2"/>
+          <p:cNvSpPr>
+            <a:spLocks noGrp="1"/>
+          </p:cNvSpPr>
+          <p:nvPr>
+            <p:ph idx="1"/>
+          </p:nvPr>
+        </p:nvSpPr>
+        <p:spPr/>
+        <p:txBody>
+          <a:bodyPr/>
+          <a:lstStyle/>
+          <a:p>
+            <a:endParaRPr lang="en-US"/>
+          </a:p>
+        </p:txBody>
+      </p:sp>
+      <p:sp>
+        <p:nvSpPr>
+          <p:cNvPr id="5" name="Date Placeholder 4"/>
+          <p:cNvSpPr>
+            <a:spLocks noGrp="1"/>
+          </p:cNvSpPr>
+          <p:nvPr>
+            <p:ph type="dt" sz="half" idx="10"/>
+          </p:nvPr>
+        </p:nvSpPr>
+        <p:spPr/>
+        <p:txBody>
+          <a:bodyPr/>
+          <a:lstStyle/>
+          <a:p>
+            <a:fld id="{49C53E21-08B0-4FDE-BC40-11E60AED3BA0}" type="datetime4">
+              <a:rPr lang="en-US" smtClean="0"/>
+              <a:t>June 5, 2019</a:t>
+            </a:fld>
+            <a:endParaRPr lang="en-US" dirty="0"/>
+          </a:p>
+        </p:txBody>
+      </p:sp>
+      <p:sp>
+        <p:nvSpPr>
+          <p:cNvPr id="6" name="Slide Number Placeholder 5"/>
+          <p:cNvSpPr>
+            <a:spLocks noGrp="1"/>
+          </p:cNvSpPr>
+          <p:nvPr>
+            <p:ph type="sldNum" sz="quarter" idx="12"/>
+          </p:nvPr>
+        </p:nvSpPr>
+        <p:spPr/>
+        <p:txBody>
+          <a:bodyPr/>
+          <a:lstStyle/>
+          <a:p>
+            <a:fld id="{D57F1E4F-1CFF-5643-939E-02111984F565}" type="slidenum">
+              <a:rPr lang="en-US" smtClean="0"/>
+              <a:t>3</a:t>
+            </a:fld>
+            <a:endParaRPr lang="en-US" dirty="0"/>
+          </a:p>
+        </p:txBody>
+      </p:sp>
+      <p:sp>
+        <p:nvSpPr>
+          <p:cNvPr id="7" name="Footer Placeholder 6"/>
+          <p:cNvSpPr>
+            <a:spLocks noGrp="1"/>
+          </p:cNvSpPr>
+          <p:nvPr>
+            <p:ph type="ftr" sz="quarter" idx="11"/>
+          </p:nvPr>
+        </p:nvSpPr>
+        <p:spPr/>
+        <p:txBody>
+          <a:bodyPr/>
+          <a:lstStyle/>
+          <a:p>
+            <a:r>
+              <a:rPr lang="en-US" smtClean="0"/>
+              <a:t>Digital Scholarship Services </a:t>
+            </a:r>
+            <a:r>
+              <a:rPr lang="en-US" smtClean="0">
+                <a:solidFill>
+                  <a:schemeClr val="accent1">
+                    <a:lumMod val="50000"/>
+                  </a:schemeClr>
+                </a:solidFill>
+              </a:rPr>
+              <a:t>| Email</a:t>
+            </a:r>
+            <a:r>
+              <a:rPr lang="en-US" smtClean="0"/>
+              <a:t> cf24@rice.edu </a:t>
+            </a:r>
+            <a:r>
+              <a:rPr lang="en-US" smtClean="0">
+                <a:solidFill>
+                  <a:schemeClr val="accent1">
+                    <a:lumMod val="50000"/>
+                  </a:schemeClr>
+                </a:solidFill>
+              </a:rPr>
+              <a:t>|</a:t>
+            </a:r>
+            <a:r>
+              <a:rPr lang="en-US" smtClean="0"/>
+              <a:t> library.rice.edu/dss</a:t>
+            </a:r>
+            <a:endParaRPr lang="en-US" dirty="0"/>
+          </a:p>
+        </p:txBody>
+      </p:sp>
+    </p:spTree>
+    <p:extLst>
+      <p:ext uri="{BB962C8B-B14F-4D97-AF65-F5344CB8AC3E}">
+        <p14:creationId xmlns:p14="http://schemas.microsoft.com/office/powerpoint/2010/main" val="1427668500"/>
+      </p:ext>
+    </p:extLst>
+  </p:cSld>
+  <p:clrMapOvr>
+    <a:masterClrMapping/>
+  </p:clrMapOvr>
+  <p:timing>
+    <p:tnLst>
+      <p:par>
+        <p:cTn id="1" dur="indefinite" restart="never" nodeType="tmRoot"/>
+      </p:par>
+    </p:tnLst>
+  </p:timing>
+</p:sld>
+</file>
+
+<file path=ppt/slides/slide30.xml><?xml version="1.0" encoding="utf-8"?>
+<p:sld xmlns:a="http://schemas.openxmlformats.org/drawingml/2006/main" xmlns:r="http://schemas.openxmlformats.org/officeDocument/2006/relationships" xmlns:p="http://schemas.openxmlformats.org/presentationml/2006/main">
+  <p:cSld>
+    <p:spTree>
+      <p:nvGrpSpPr>
+        <p:cNvPr id="1" name=""/>
+        <p:cNvGrpSpPr/>
+        <p:nvPr/>
+      </p:nvGrpSpPr>
+      <p:grpSpPr>
+        <a:xfrm>
+          <a:off x="0" y="0"/>
+          <a:ext cx="0" cy="0"/>
+          <a:chOff x="0" y="0"/>
+          <a:chExt cx="0" cy="0"/>
+        </a:xfrm>
+      </p:grpSpPr>
+      <p:sp>
+        <p:nvSpPr>
+          <p:cNvPr id="2" name="Title 1"/>
+          <p:cNvSpPr>
+            <a:spLocks noGrp="1"/>
+          </p:cNvSpPr>
+          <p:nvPr>
+            <p:ph type="title"/>
+          </p:nvPr>
+        </p:nvSpPr>
+        <p:spPr/>
+        <p:txBody>
+          <a:bodyPr/>
+          <a:lstStyle/>
+          <a:p>
+            <a:r>
+              <a:rPr lang="en-US" dirty="0" smtClean="0"/>
+              <a:t>GOING BACK IN TIME</a:t>
+            </a:r>
+            <a:endParaRPr lang="en-US" dirty="0"/>
+          </a:p>
+        </p:txBody>
+      </p:sp>
+      <p:sp>
+        <p:nvSpPr>
+          <p:cNvPr id="3" name="Content Placeholder 2"/>
+          <p:cNvSpPr>
+            <a:spLocks noGrp="1"/>
+          </p:cNvSpPr>
+          <p:nvPr>
+            <p:ph idx="1"/>
+          </p:nvPr>
+        </p:nvSpPr>
+        <p:spPr>
+          <a:xfrm>
+            <a:off x="838200" y="1825625"/>
+            <a:ext cx="5262923" cy="4351338"/>
+          </a:xfrm>
+        </p:spPr>
+        <p:txBody>
+          <a:bodyPr/>
+          <a:lstStyle/>
+          <a:p>
+            <a:r>
+              <a:rPr lang="en-US" dirty="0" smtClean="0"/>
+              <a:t>What if we made a change we realized deleted something we really needed?</a:t>
+            </a:r>
+          </a:p>
+          <a:p>
+            <a:r>
+              <a:rPr lang="en-US" dirty="0" smtClean="0"/>
+              <a:t>Solution: Reverting to a previous commit!</a:t>
+            </a:r>
+            <a:endParaRPr lang="en-US" dirty="0"/>
+          </a:p>
+        </p:txBody>
+      </p:sp>
+      <p:sp>
+        <p:nvSpPr>
+          <p:cNvPr id="4" name="Date Placeholder 3"/>
+          <p:cNvSpPr>
+            <a:spLocks noGrp="1"/>
+          </p:cNvSpPr>
+          <p:nvPr>
+            <p:ph type="dt" sz="half" idx="10"/>
+          </p:nvPr>
+        </p:nvSpPr>
+        <p:spPr/>
+        <p:txBody>
+          <a:bodyPr/>
+          <a:lstStyle/>
+          <a:p>
+            <a:fld id="{74F93749-3CD2-4A95-98ED-FE9E109683BE}" type="datetime4">
+              <a:rPr lang="en-US" smtClean="0"/>
+              <a:t>June 5, 2019</a:t>
+            </a:fld>
+            <a:endParaRPr lang="en-US" dirty="0"/>
+          </a:p>
+        </p:txBody>
+      </p:sp>
+      <p:sp>
+        <p:nvSpPr>
+          <p:cNvPr id="5" name="Footer Placeholder 4"/>
+          <p:cNvSpPr>
+            <a:spLocks noGrp="1"/>
+          </p:cNvSpPr>
+          <p:nvPr>
+            <p:ph type="ftr" sz="quarter" idx="11"/>
+          </p:nvPr>
+        </p:nvSpPr>
+        <p:spPr/>
+        <p:txBody>
+          <a:bodyPr/>
+          <a:lstStyle/>
+          <a:p>
+            <a:r>
+              <a:rPr lang="en-US" smtClean="0"/>
+              <a:t>Digital Scholarship Services </a:t>
+            </a:r>
+            <a:r>
+              <a:rPr lang="en-US" smtClean="0">
+                <a:solidFill>
+                  <a:schemeClr val="accent1">
+                    <a:lumMod val="50000"/>
+                  </a:schemeClr>
+                </a:solidFill>
+              </a:rPr>
+              <a:t>| Email</a:t>
+            </a:r>
+            <a:r>
+              <a:rPr lang="en-US" smtClean="0"/>
+              <a:t> cf24@rice.edu </a:t>
+            </a:r>
+            <a:r>
+              <a:rPr lang="en-US" smtClean="0">
+                <a:solidFill>
+                  <a:schemeClr val="accent1">
+                    <a:lumMod val="50000"/>
+                  </a:schemeClr>
+                </a:solidFill>
+              </a:rPr>
+              <a:t>|</a:t>
+            </a:r>
+            <a:r>
+              <a:rPr lang="en-US" smtClean="0"/>
+              <a:t> library.rice.edu/dss</a:t>
+            </a:r>
+            <a:endParaRPr lang="en-US" dirty="0"/>
+          </a:p>
+        </p:txBody>
+      </p:sp>
+      <p:sp>
+        <p:nvSpPr>
+          <p:cNvPr id="6" name="Slide Number Placeholder 5"/>
+          <p:cNvSpPr>
+            <a:spLocks noGrp="1"/>
+          </p:cNvSpPr>
+          <p:nvPr>
+            <p:ph type="sldNum" sz="quarter" idx="12"/>
+          </p:nvPr>
+        </p:nvSpPr>
+        <p:spPr/>
+        <p:txBody>
+          <a:bodyPr/>
+          <a:lstStyle/>
+          <a:p>
+            <a:fld id="{D57F1E4F-1CFF-5643-939E-02111984F565}" type="slidenum">
+              <a:rPr lang="en-US" smtClean="0"/>
+              <a:t>30</a:t>
+            </a:fld>
+            <a:endParaRPr lang="en-US" dirty="0"/>
+          </a:p>
+        </p:txBody>
+      </p:sp>
+      <p:pic>
+        <p:nvPicPr>
+          <p:cNvPr id="9218" name="Picture 2" descr="reverting.PNG"/>
+          <p:cNvPicPr>
+            <a:picLocks noChangeAspect="1" noChangeArrowheads="1"/>
+          </p:cNvPicPr>
+          <p:nvPr/>
+        </p:nvPicPr>
+        <p:blipFill>
+          <a:blip r:embed="rId2">
+            <a:extLst>
+              <a:ext uri="{28A0092B-C50C-407E-A947-70E740481C1C}">
+                <a14:useLocalDpi xmlns:a14="http://schemas.microsoft.com/office/drawing/2010/main" val="0"/>
+              </a:ext>
+            </a:extLst>
+          </a:blip>
+          <a:srcRect/>
+          <a:stretch>
+            <a:fillRect/>
+          </a:stretch>
+        </p:blipFill>
+        <p:spPr bwMode="auto">
+          <a:xfrm>
+            <a:off x="7898524" y="1027906"/>
+            <a:ext cx="2972260" cy="5046721"/>
+          </a:xfrm>
+          <a:prstGeom prst="rect">
+            <a:avLst/>
+          </a:prstGeom>
+          <a:noFill/>
+          <a:extLst>
+            <a:ext uri="{909E8E84-426E-40DD-AFC4-6F175D3DCCD1}">
+              <a14:hiddenFill xmlns:a14="http://schemas.microsoft.com/office/drawing/2010/main">
+                <a:solidFill>
+                  <a:srgbClr val="FFFFFF"/>
+                </a:solidFill>
+              </a14:hiddenFill>
+            </a:ext>
+          </a:extLst>
+        </p:spPr>
+      </p:pic>
+    </p:spTree>
+    <p:extLst>
+      <p:ext uri="{BB962C8B-B14F-4D97-AF65-F5344CB8AC3E}">
+        <p14:creationId xmlns:p14="http://schemas.microsoft.com/office/powerpoint/2010/main" val="866188761"/>
+      </p:ext>
+    </p:extLst>
+  </p:cSld>
+  <p:clrMapOvr>
+    <a:masterClrMapping/>
+  </p:clrMapOvr>
+</p:sld>
+</file>
+
+<file path=ppt/slides/slide31.xml><?xml version="1.0" encoding="utf-8"?>
+<p:sld xmlns:a="http://schemas.openxmlformats.org/drawingml/2006/main" xmlns:r="http://schemas.openxmlformats.org/officeDocument/2006/relationships" xmlns:p="http://schemas.openxmlformats.org/presentationml/2006/main">
+  <p:cSld>
+    <p:spTree>
+      <p:nvGrpSpPr>
+        <p:cNvPr id="1" name=""/>
+        <p:cNvGrpSpPr/>
+        <p:nvPr/>
+      </p:nvGrpSpPr>
+      <p:grpSpPr>
+        <a:xfrm>
+          <a:off x="0" y="0"/>
+          <a:ext cx="0" cy="0"/>
+          <a:chOff x="0" y="0"/>
+          <a:chExt cx="0" cy="0"/>
+        </a:xfrm>
+      </p:grpSpPr>
+      <p:sp>
+        <p:nvSpPr>
           <p:cNvPr id="4" name="Title 3"/>
           <p:cNvSpPr>
             <a:spLocks noGrp="1"/>
@@ -8116,7 +9348,7 @@
           <a:p>
             <a:r>
               <a:rPr lang="en-US" dirty="0" smtClean="0"/>
-              <a:t>Creating, working on, and switching branches. Combining changes across branches</a:t>
+              <a:t>Creating, working on, combining, and switching branches</a:t>
             </a:r>
             <a:endParaRPr lang="en-US" dirty="0"/>
           </a:p>
@@ -8139,7 +9371,7 @@
           <a:p>
             <a:fld id="{058BBB48-E612-431F-A2D1-FE84E0649533}" type="datetime4">
               <a:rPr lang="en-US" smtClean="0"/>
-              <a:t>June 3, 2019</a:t>
+              <a:t>June 5, 2019</a:t>
             </a:fld>
             <a:endParaRPr lang="en-US" dirty="0"/>
           </a:p>
@@ -8162,7 +9394,7 @@
           <a:p>
             <a:fld id="{D57F1E4F-1CFF-5643-939E-02111984F565}" type="slidenum">
               <a:rPr lang="en-US" smtClean="0"/>
-              <a:t>28</a:t>
+              <a:t>31</a:t>
             </a:fld>
             <a:endParaRPr lang="en-US" dirty="0"/>
           </a:p>
@@ -8239,7 +9471,7 @@
 </p:sld>
 </file>
 
-<file path=ppt/slides/slide29.xml><?xml version="1.0" encoding="utf-8"?>
+<file path=ppt/slides/slide32.xml><?xml version="1.0" encoding="utf-8"?>
 <p:sld xmlns:a="http://schemas.openxmlformats.org/drawingml/2006/main" xmlns:r="http://schemas.openxmlformats.org/officeDocument/2006/relationships" xmlns:p="http://schemas.openxmlformats.org/presentationml/2006/main">
   <p:cSld>
     <p:spTree>
@@ -8258,7 +9490,7 @@
       </p:grpSpPr>
       <p:sp>
         <p:nvSpPr>
-          <p:cNvPr id="2" name="Title 1"/>
+          <p:cNvPr id="7" name="Title 6"/>
           <p:cNvSpPr>
             <a:spLocks noGrp="1"/>
           </p:cNvSpPr>
@@ -8272,20 +9504,16 @@
           <a:lstStyle/>
           <a:p>
             <a:r>
-              <a:rPr lang="en-US" dirty="0" smtClean="0">
-                <a:latin typeface="+mn-lt"/>
-              </a:rPr>
-              <a:t>ACKNOWLEDGMENTS</a:t>
-            </a:r>
-            <a:endParaRPr lang="en-US" dirty="0">
-              <a:latin typeface="+mn-lt"/>
-            </a:endParaRPr>
-          </a:p>
-        </p:txBody>
-      </p:sp>
-      <p:sp>
-        <p:nvSpPr>
-          <p:cNvPr id="3" name="Content Placeholder 2"/>
+              <a:rPr lang="en-US" dirty="0" smtClean="0"/>
+              <a:t>BRANCHES</a:t>
+            </a:r>
+            <a:endParaRPr lang="en-US" dirty="0"/>
+          </a:p>
+        </p:txBody>
+      </p:sp>
+      <p:sp>
+        <p:nvSpPr>
+          <p:cNvPr id="8" name="Content Placeholder 7"/>
           <p:cNvSpPr>
             <a:spLocks noGrp="1"/>
           </p:cNvSpPr>
@@ -8293,98 +9521,56 @@
             <p:ph idx="1"/>
           </p:nvPr>
         </p:nvSpPr>
-        <p:spPr/>
-        <p:txBody>
-          <a:bodyPr/>
-          <a:lstStyle/>
+        <p:spPr>
+          <a:xfrm>
+            <a:off x="838200" y="1825625"/>
+            <a:ext cx="4947745" cy="4351338"/>
+          </a:xfrm>
+        </p:spPr>
+        <p:txBody>
+          <a:bodyPr/>
+          <a:lstStyle/>
+          <a:p>
+            <a:r>
+              <a:rPr lang="en-US" dirty="0" smtClean="0"/>
+              <a:t>If you’re working on different features or as part of a larger team</a:t>
+            </a:r>
+          </a:p>
+          <a:p>
+            <a:r>
+              <a:rPr lang="en-US" dirty="0" smtClean="0"/>
+              <a:t>Divergent history</a:t>
+            </a:r>
+          </a:p>
+          <a:p>
+            <a:r>
+              <a:rPr lang="en-US" dirty="0" smtClean="0"/>
+              <a:t>Independent files</a:t>
+            </a:r>
+          </a:p>
+          <a:p>
+            <a:pPr lvl="1"/>
+            <a:r>
+              <a:rPr lang="en-US" dirty="0" smtClean="0"/>
+              <a:t>Avoids unintended consequences!</a:t>
+            </a:r>
+          </a:p>
           <a:p>
             <a:r>
               <a:rPr lang="en-US" dirty="0"/>
-              <a:t>The </a:t>
+              <a:t>E</a:t>
             </a:r>
             <a:r>
               <a:rPr lang="en-US" dirty="0" smtClean="0"/>
-              <a:t>figures are </a:t>
-            </a:r>
-            <a:r>
-              <a:rPr lang="en-US" dirty="0"/>
-              <a:t>taken from Pro </a:t>
-            </a:r>
-            <a:r>
-              <a:rPr lang="en-US" dirty="0" err="1"/>
-              <a:t>Git</a:t>
-            </a:r>
-            <a:r>
-              <a:rPr lang="en-US" dirty="0"/>
-              <a:t> book, written by Scott Chacon and Ben Straub and published by </a:t>
-            </a:r>
-            <a:r>
-              <a:rPr lang="en-US" dirty="0" err="1"/>
-              <a:t>Apress</a:t>
-            </a:r>
-            <a:r>
-              <a:rPr lang="en-US" dirty="0"/>
-              <a:t>, </a:t>
-            </a:r>
-            <a:r>
-              <a:rPr lang="en-US" dirty="0" smtClean="0"/>
-              <a:t>used under </a:t>
-            </a:r>
-            <a:r>
-              <a:rPr lang="en-US" dirty="0"/>
-              <a:t>the terms of the Creative Commons Attribution-</a:t>
-            </a:r>
-            <a:r>
-              <a:rPr lang="en-US" dirty="0" err="1"/>
-              <a:t>NonCommercial</a:t>
-            </a:r>
-            <a:r>
-              <a:rPr lang="en-US" dirty="0"/>
-              <a:t>-</a:t>
-            </a:r>
-            <a:r>
-              <a:rPr lang="en-US" dirty="0" err="1"/>
-              <a:t>ShareAlike</a:t>
-            </a:r>
-            <a:r>
-              <a:rPr lang="en-US" dirty="0"/>
-              <a:t> 3.0 </a:t>
-            </a:r>
-            <a:r>
-              <a:rPr lang="en-US" dirty="0" err="1"/>
-              <a:t>Unported</a:t>
-            </a:r>
-            <a:r>
-              <a:rPr lang="en-US" dirty="0"/>
-              <a:t> License</a:t>
-            </a:r>
-            <a:r>
-              <a:rPr lang="en-US" dirty="0" smtClean="0"/>
-              <a:t>.</a:t>
-            </a:r>
-          </a:p>
-          <a:p>
-            <a:r>
-              <a:rPr lang="en-US" dirty="0" smtClean="0"/>
-              <a:t>The GitHub mark is used under their official license (</a:t>
-            </a:r>
-            <a:r>
-              <a:rPr lang="en-US" dirty="0">
-                <a:hlinkClick r:id="rId2"/>
-              </a:rPr>
-              <a:t>https://github.com/logos</a:t>
-            </a:r>
-            <a:r>
-              <a:rPr lang="en-US" dirty="0" smtClean="0"/>
-              <a:t>)</a:t>
-            </a:r>
-            <a:endParaRPr lang="en-US" dirty="0"/>
-          </a:p>
-        </p:txBody>
-      </p:sp>
-      <p:sp>
-        <p:nvSpPr>
-          <p:cNvPr id="5" name="Date Placeholder 4"/>
+              <a:t>asy integration</a:t>
+            </a:r>
+            <a:endParaRPr lang="en-US" dirty="0"/>
+          </a:p>
+        </p:txBody>
+      </p:sp>
+      <p:sp>
+        <p:nvSpPr>
+          <p:cNvPr id="4" name="Date Placeholder 3"/>
           <p:cNvSpPr>
             <a:spLocks noGrp="1"/>
           </p:cNvSpPr>
@@ -8397,9 +9583,9 @@
           <a:bodyPr/>
           <a:lstStyle/>
           <a:p>
-            <a:fld id="{9985793D-3B5D-46A1-A058-9C498F103400}" type="datetime4">
-              <a:rPr lang="en-US" smtClean="0"/>
-              <a:t>June 3, 2019</a:t>
+            <a:fld id="{930E186A-0FBF-4DA6-A71A-C325C944F843}" type="datetime4">
+              <a:rPr lang="en-US" smtClean="0"/>
+              <a:t>June 5, 2019</a:t>
             </a:fld>
             <a:endParaRPr lang="en-US" dirty="0"/>
           </a:p>
@@ -8407,30 +9593,7 @@
       </p:sp>
       <p:sp>
         <p:nvSpPr>
-          <p:cNvPr id="6" name="Slide Number Placeholder 5"/>
-          <p:cNvSpPr>
-            <a:spLocks noGrp="1"/>
-          </p:cNvSpPr>
-          <p:nvPr>
-            <p:ph type="sldNum" sz="quarter" idx="12"/>
-          </p:nvPr>
-        </p:nvSpPr>
-        <p:spPr/>
-        <p:txBody>
-          <a:bodyPr/>
-          <a:lstStyle/>
-          <a:p>
-            <a:fld id="{D57F1E4F-1CFF-5643-939E-02111984F565}" type="slidenum">
-              <a:rPr lang="en-US" smtClean="0"/>
-              <a:t>29</a:t>
-            </a:fld>
-            <a:endParaRPr lang="en-US" dirty="0"/>
-          </a:p>
-        </p:txBody>
-      </p:sp>
-      <p:sp>
-        <p:nvSpPr>
-          <p:cNvPr id="7" name="Footer Placeholder 6"/>
+          <p:cNvPr id="5" name="Footer Placeholder 4"/>
           <p:cNvSpPr>
             <a:spLocks noGrp="1"/>
           </p:cNvSpPr>
@@ -8479,27 +9642,67 @@
           </a:p>
         </p:txBody>
       </p:sp>
+      <p:sp>
+        <p:nvSpPr>
+          <p:cNvPr id="6" name="Slide Number Placeholder 5"/>
+          <p:cNvSpPr>
+            <a:spLocks noGrp="1"/>
+          </p:cNvSpPr>
+          <p:nvPr>
+            <p:ph type="sldNum" sz="quarter" idx="12"/>
+          </p:nvPr>
+        </p:nvSpPr>
+        <p:spPr/>
+        <p:txBody>
+          <a:bodyPr/>
+          <a:lstStyle/>
+          <a:p>
+            <a:fld id="{D57F1E4F-1CFF-5643-939E-02111984F565}" type="slidenum">
+              <a:rPr lang="en-US" smtClean="0"/>
+              <a:t>32</a:t>
+            </a:fld>
+            <a:endParaRPr lang="en-US" dirty="0"/>
+          </a:p>
+        </p:txBody>
+      </p:sp>
+      <p:pic>
+        <p:nvPicPr>
+          <p:cNvPr id="10" name="Picture 9"/>
+          <p:cNvPicPr>
+            <a:picLocks noChangeAspect="1"/>
+          </p:cNvPicPr>
+          <p:nvPr/>
+        </p:nvPicPr>
+        <p:blipFill>
+          <a:blip r:embed="rId2"/>
+          <a:stretch>
+            <a:fillRect/>
+          </a:stretch>
+        </p:blipFill>
+        <p:spPr>
+          <a:xfrm>
+            <a:off x="5534025" y="2362501"/>
+            <a:ext cx="6153150" cy="2962275"/>
+          </a:xfrm>
+          <a:prstGeom prst="rect">
+            <a:avLst/>
+          </a:prstGeom>
+        </p:spPr>
+      </p:pic>
     </p:spTree>
     <p:extLst>
       <p:ext uri="{BB962C8B-B14F-4D97-AF65-F5344CB8AC3E}">
-        <p14:creationId xmlns:p14="http://schemas.microsoft.com/office/powerpoint/2010/main" val="3144273736"/>
+        <p14:creationId xmlns:p14="http://schemas.microsoft.com/office/powerpoint/2010/main" val="89780887"/>
       </p:ext>
     </p:extLst>
   </p:cSld>
   <p:clrMapOvr>
     <a:masterClrMapping/>
   </p:clrMapOvr>
-  <p:timing>
-    <p:tnLst>
-      <p:par>
-        <p:cTn id="1" dur="indefinite" restart="never" nodeType="tmRoot"/>
-      </p:par>
-    </p:tnLst>
-  </p:timing>
 </p:sld>
 </file>
 
-<file path=ppt/slides/slide3.xml><?xml version="1.0" encoding="utf-8"?>
+<file path=ppt/slides/slide33.xml><?xml version="1.0" encoding="utf-8"?>
 <p:sld xmlns:a="http://schemas.openxmlformats.org/drawingml/2006/main" xmlns:r="http://schemas.openxmlformats.org/officeDocument/2006/relationships" xmlns:p="http://schemas.openxmlformats.org/presentationml/2006/main">
   <p:cSld>
     <p:spTree>
@@ -8532,14 +9735,10 @@
           <a:lstStyle/>
           <a:p>
             <a:r>
-              <a:rPr lang="en-US" dirty="0" smtClean="0">
-                <a:latin typeface="+mn-lt"/>
-              </a:rPr>
-              <a:t>WHAT IS GIT NOT?</a:t>
-            </a:r>
-            <a:endParaRPr lang="en-US" dirty="0">
-              <a:latin typeface="+mn-lt"/>
-            </a:endParaRPr>
+              <a:rPr lang="en-US" dirty="0" smtClean="0"/>
+              <a:t>CREATING &amp; SWITCHING BRANCHES</a:t>
+            </a:r>
+            <a:endParaRPr lang="en-US" dirty="0"/>
           </a:p>
         </p:txBody>
       </p:sp>
@@ -8553,18 +9752,39 @@
             <p:ph idx="1"/>
           </p:nvPr>
         </p:nvSpPr>
-        <p:spPr/>
-        <p:txBody>
-          <a:bodyPr/>
-          <a:lstStyle/>
-          <a:p>
-            <a:endParaRPr lang="en-US"/>
-          </a:p>
-        </p:txBody>
-      </p:sp>
-      <p:sp>
-        <p:nvSpPr>
-          <p:cNvPr id="5" name="Date Placeholder 4"/>
+        <p:spPr>
+          <a:xfrm>
+            <a:off x="838200" y="1825625"/>
+            <a:ext cx="5247290" cy="4351338"/>
+          </a:xfrm>
+        </p:spPr>
+        <p:txBody>
+          <a:bodyPr/>
+          <a:lstStyle/>
+          <a:p>
+            <a:r>
+              <a:rPr lang="en-US" dirty="0" smtClean="0"/>
+              <a:t>Click on the “Current branch” tab</a:t>
+            </a:r>
+          </a:p>
+          <a:p>
+            <a:r>
+              <a:rPr lang="en-US" dirty="0" smtClean="0"/>
+              <a:t>If a branch isn’t listed, you may have to search for it</a:t>
+            </a:r>
+          </a:p>
+          <a:p>
+            <a:r>
+              <a:rPr lang="en-US" dirty="0" smtClean="0"/>
+              <a:t>Make sure to publish the branch to GitHub!</a:t>
+            </a:r>
+            <a:endParaRPr lang="en-US" dirty="0"/>
+          </a:p>
+        </p:txBody>
+      </p:sp>
+      <p:sp>
+        <p:nvSpPr>
+          <p:cNvPr id="4" name="Date Placeholder 3"/>
           <p:cNvSpPr>
             <a:spLocks noGrp="1"/>
           </p:cNvSpPr>
@@ -8577,9 +9797,9 @@
           <a:bodyPr/>
           <a:lstStyle/>
           <a:p>
-            <a:fld id="{49C53E21-08B0-4FDE-BC40-11E60AED3BA0}" type="datetime4">
-              <a:rPr lang="en-US" smtClean="0"/>
-              <a:t>June 3, 2019</a:t>
+            <a:fld id="{74F93749-3CD2-4A95-98ED-FE9E109683BE}" type="datetime4">
+              <a:rPr lang="en-US" smtClean="0"/>
+              <a:t>June 5, 2019</a:t>
             </a:fld>
             <a:endParaRPr lang="en-US" dirty="0"/>
           </a:p>
@@ -8587,30 +9807,7 @@
       </p:sp>
       <p:sp>
         <p:nvSpPr>
-          <p:cNvPr id="6" name="Slide Number Placeholder 5"/>
-          <p:cNvSpPr>
-            <a:spLocks noGrp="1"/>
-          </p:cNvSpPr>
-          <p:nvPr>
-            <p:ph type="sldNum" sz="quarter" idx="12"/>
-          </p:nvPr>
-        </p:nvSpPr>
-        <p:spPr/>
-        <p:txBody>
-          <a:bodyPr/>
-          <a:lstStyle/>
-          <a:p>
-            <a:fld id="{D57F1E4F-1CFF-5643-939E-02111984F565}" type="slidenum">
-              <a:rPr lang="en-US" smtClean="0"/>
-              <a:t>3</a:t>
-            </a:fld>
-            <a:endParaRPr lang="en-US" dirty="0"/>
-          </a:p>
-        </p:txBody>
-      </p:sp>
-      <p:sp>
-        <p:nvSpPr>
-          <p:cNvPr id="7" name="Footer Placeholder 6"/>
+          <p:cNvPr id="5" name="Footer Placeholder 4"/>
           <p:cNvSpPr>
             <a:spLocks noGrp="1"/>
           </p:cNvSpPr>
@@ -8659,23 +9856,2306 @@
           </a:p>
         </p:txBody>
       </p:sp>
+      <p:sp>
+        <p:nvSpPr>
+          <p:cNvPr id="6" name="Slide Number Placeholder 5"/>
+          <p:cNvSpPr>
+            <a:spLocks noGrp="1"/>
+          </p:cNvSpPr>
+          <p:nvPr>
+            <p:ph type="sldNum" sz="quarter" idx="12"/>
+          </p:nvPr>
+        </p:nvSpPr>
+        <p:spPr/>
+        <p:txBody>
+          <a:bodyPr/>
+          <a:lstStyle/>
+          <a:p>
+            <a:fld id="{D57F1E4F-1CFF-5643-939E-02111984F565}" type="slidenum">
+              <a:rPr lang="en-US" smtClean="0"/>
+              <a:t>33</a:t>
+            </a:fld>
+            <a:endParaRPr lang="en-US" dirty="0"/>
+          </a:p>
+        </p:txBody>
+      </p:sp>
+      <p:pic>
+        <p:nvPicPr>
+          <p:cNvPr id="1026" name="Picture 2" descr="creatingswitching.PNG"/>
+          <p:cNvPicPr>
+            <a:picLocks noChangeAspect="1" noChangeArrowheads="1"/>
+          </p:cNvPicPr>
+          <p:nvPr/>
+        </p:nvPicPr>
+        <p:blipFill>
+          <a:blip r:embed="rId2">
+            <a:extLst>
+              <a:ext uri="{28A0092B-C50C-407E-A947-70E740481C1C}">
+                <a14:useLocalDpi xmlns:a14="http://schemas.microsoft.com/office/drawing/2010/main" val="0"/>
+              </a:ext>
+            </a:extLst>
+          </a:blip>
+          <a:srcRect/>
+          <a:stretch>
+            <a:fillRect/>
+          </a:stretch>
+        </p:blipFill>
+        <p:spPr bwMode="auto">
+          <a:xfrm>
+            <a:off x="6842234" y="2111612"/>
+            <a:ext cx="4306942" cy="3513558"/>
+          </a:xfrm>
+          <a:prstGeom prst="rect">
+            <a:avLst/>
+          </a:prstGeom>
+          <a:noFill/>
+          <a:extLst>
+            <a:ext uri="{909E8E84-426E-40DD-AFC4-6F175D3DCCD1}">
+              <a14:hiddenFill xmlns:a14="http://schemas.microsoft.com/office/drawing/2010/main">
+                <a:solidFill>
+                  <a:srgbClr val="FFFFFF"/>
+                </a:solidFill>
+              </a14:hiddenFill>
+            </a:ext>
+          </a:extLst>
+        </p:spPr>
+      </p:pic>
+      <p:pic>
+        <p:nvPicPr>
+          <p:cNvPr id="1028" name="Picture 4" descr="publishbranch.PNG"/>
+          <p:cNvPicPr>
+            <a:picLocks noChangeAspect="1" noChangeArrowheads="1"/>
+          </p:cNvPicPr>
+          <p:nvPr/>
+        </p:nvPicPr>
+        <p:blipFill>
+          <a:blip r:embed="rId3">
+            <a:extLst>
+              <a:ext uri="{28A0092B-C50C-407E-A947-70E740481C1C}">
+                <a14:useLocalDpi xmlns:a14="http://schemas.microsoft.com/office/drawing/2010/main" val="0"/>
+              </a:ext>
+            </a:extLst>
+          </a:blip>
+          <a:srcRect/>
+          <a:stretch>
+            <a:fillRect/>
+          </a:stretch>
+        </p:blipFill>
+        <p:spPr bwMode="auto">
+          <a:xfrm>
+            <a:off x="647207" y="4405203"/>
+            <a:ext cx="5629275" cy="1333501"/>
+          </a:xfrm>
+          <a:prstGeom prst="rect">
+            <a:avLst/>
+          </a:prstGeom>
+          <a:noFill/>
+          <a:extLst>
+            <a:ext uri="{909E8E84-426E-40DD-AFC4-6F175D3DCCD1}">
+              <a14:hiddenFill xmlns:a14="http://schemas.microsoft.com/office/drawing/2010/main">
+                <a:solidFill>
+                  <a:srgbClr val="FFFFFF"/>
+                </a:solidFill>
+              </a14:hiddenFill>
+            </a:ext>
+          </a:extLst>
+        </p:spPr>
+      </p:pic>
     </p:spTree>
     <p:extLst>
       <p:ext uri="{BB962C8B-B14F-4D97-AF65-F5344CB8AC3E}">
-        <p14:creationId xmlns:p14="http://schemas.microsoft.com/office/powerpoint/2010/main" val="1427668500"/>
+        <p14:creationId xmlns:p14="http://schemas.microsoft.com/office/powerpoint/2010/main" val="201862870"/>
       </p:ext>
     </p:extLst>
   </p:cSld>
   <p:clrMapOvr>
     <a:masterClrMapping/>
   </p:clrMapOvr>
-  <p:timing>
-    <p:tnLst>
-      <p:par>
-        <p:cTn id="1" dur="indefinite" restart="never" nodeType="tmRoot"/>
-      </p:par>
-    </p:tnLst>
-  </p:timing>
+</p:sld>
+</file>
+
+<file path=ppt/slides/slide34.xml><?xml version="1.0" encoding="utf-8"?>
+<p:sld xmlns:a="http://schemas.openxmlformats.org/drawingml/2006/main" xmlns:r="http://schemas.openxmlformats.org/officeDocument/2006/relationships" xmlns:p="http://schemas.openxmlformats.org/presentationml/2006/main">
+  <p:cSld>
+    <p:spTree>
+      <p:nvGrpSpPr>
+        <p:cNvPr id="1" name=""/>
+        <p:cNvGrpSpPr/>
+        <p:nvPr/>
+      </p:nvGrpSpPr>
+      <p:grpSpPr>
+        <a:xfrm>
+          <a:off x="0" y="0"/>
+          <a:ext cx="0" cy="0"/>
+          <a:chOff x="0" y="0"/>
+          <a:chExt cx="0" cy="0"/>
+        </a:xfrm>
+      </p:grpSpPr>
+      <p:sp>
+        <p:nvSpPr>
+          <p:cNvPr id="2" name="Title 1"/>
+          <p:cNvSpPr>
+            <a:spLocks noGrp="1"/>
+          </p:cNvSpPr>
+          <p:nvPr>
+            <p:ph type="title"/>
+          </p:nvPr>
+        </p:nvSpPr>
+        <p:spPr/>
+        <p:txBody>
+          <a:bodyPr/>
+          <a:lstStyle/>
+          <a:p>
+            <a:r>
+              <a:rPr lang="en-US" dirty="0" smtClean="0"/>
+              <a:t>MERGING</a:t>
+            </a:r>
+            <a:endParaRPr lang="en-US" dirty="0"/>
+          </a:p>
+        </p:txBody>
+      </p:sp>
+      <p:sp>
+        <p:nvSpPr>
+          <p:cNvPr id="3" name="Content Placeholder 2"/>
+          <p:cNvSpPr>
+            <a:spLocks noGrp="1"/>
+          </p:cNvSpPr>
+          <p:nvPr>
+            <p:ph idx="1"/>
+          </p:nvPr>
+        </p:nvSpPr>
+        <p:spPr>
+          <a:xfrm>
+            <a:off x="838201" y="1825625"/>
+            <a:ext cx="2743200" cy="4351338"/>
+          </a:xfrm>
+        </p:spPr>
+        <p:txBody>
+          <a:bodyPr/>
+          <a:lstStyle/>
+          <a:p>
+            <a:r>
+              <a:rPr lang="en-US" dirty="0" smtClean="0"/>
+              <a:t>Integrates changes that take place in a different branch</a:t>
+            </a:r>
+          </a:p>
+          <a:p>
+            <a:r>
+              <a:rPr lang="en-US" dirty="0" smtClean="0"/>
+              <a:t>Usually goes smoothly if branches don’t overlap</a:t>
+            </a:r>
+            <a:endParaRPr lang="en-US" dirty="0"/>
+          </a:p>
+        </p:txBody>
+      </p:sp>
+      <p:sp>
+        <p:nvSpPr>
+          <p:cNvPr id="4" name="Date Placeholder 3"/>
+          <p:cNvSpPr>
+            <a:spLocks noGrp="1"/>
+          </p:cNvSpPr>
+          <p:nvPr>
+            <p:ph type="dt" sz="half" idx="10"/>
+          </p:nvPr>
+        </p:nvSpPr>
+        <p:spPr/>
+        <p:txBody>
+          <a:bodyPr/>
+          <a:lstStyle/>
+          <a:p>
+            <a:fld id="{74F93749-3CD2-4A95-98ED-FE9E109683BE}" type="datetime4">
+              <a:rPr lang="en-US" smtClean="0"/>
+              <a:t>June 5, 2019</a:t>
+            </a:fld>
+            <a:endParaRPr lang="en-US" dirty="0"/>
+          </a:p>
+        </p:txBody>
+      </p:sp>
+      <p:sp>
+        <p:nvSpPr>
+          <p:cNvPr id="5" name="Footer Placeholder 4"/>
+          <p:cNvSpPr>
+            <a:spLocks noGrp="1"/>
+          </p:cNvSpPr>
+          <p:nvPr>
+            <p:ph type="ftr" sz="quarter" idx="11"/>
+          </p:nvPr>
+        </p:nvSpPr>
+        <p:spPr/>
+        <p:txBody>
+          <a:bodyPr/>
+          <a:lstStyle/>
+          <a:p>
+            <a:r>
+              <a:rPr lang="en-US" smtClean="0"/>
+              <a:t>Digital Scholarship Services </a:t>
+            </a:r>
+            <a:r>
+              <a:rPr lang="en-US" smtClean="0">
+                <a:solidFill>
+                  <a:schemeClr val="accent1">
+                    <a:lumMod val="50000"/>
+                  </a:schemeClr>
+                </a:solidFill>
+              </a:rPr>
+              <a:t>| Email</a:t>
+            </a:r>
+            <a:r>
+              <a:rPr lang="en-US" smtClean="0"/>
+              <a:t> cf24@rice.edu </a:t>
+            </a:r>
+            <a:r>
+              <a:rPr lang="en-US" smtClean="0">
+                <a:solidFill>
+                  <a:schemeClr val="accent1">
+                    <a:lumMod val="50000"/>
+                  </a:schemeClr>
+                </a:solidFill>
+              </a:rPr>
+              <a:t>|</a:t>
+            </a:r>
+            <a:r>
+              <a:rPr lang="en-US" smtClean="0"/>
+              <a:t> library.rice.edu/dss</a:t>
+            </a:r>
+            <a:endParaRPr lang="en-US" dirty="0"/>
+          </a:p>
+        </p:txBody>
+      </p:sp>
+      <p:sp>
+        <p:nvSpPr>
+          <p:cNvPr id="6" name="Slide Number Placeholder 5"/>
+          <p:cNvSpPr>
+            <a:spLocks noGrp="1"/>
+          </p:cNvSpPr>
+          <p:nvPr>
+            <p:ph type="sldNum" sz="quarter" idx="12"/>
+          </p:nvPr>
+        </p:nvSpPr>
+        <p:spPr/>
+        <p:txBody>
+          <a:bodyPr/>
+          <a:lstStyle/>
+          <a:p>
+            <a:fld id="{D57F1E4F-1CFF-5643-939E-02111984F565}" type="slidenum">
+              <a:rPr lang="en-US" smtClean="0"/>
+              <a:t>34</a:t>
+            </a:fld>
+            <a:endParaRPr lang="en-US" dirty="0"/>
+          </a:p>
+        </p:txBody>
+      </p:sp>
+      <p:pic>
+        <p:nvPicPr>
+          <p:cNvPr id="2050" name="Picture 2" descr="merg.PNG"/>
+          <p:cNvPicPr>
+            <a:picLocks noChangeAspect="1" noChangeArrowheads="1"/>
+          </p:cNvPicPr>
+          <p:nvPr/>
+        </p:nvPicPr>
+        <p:blipFill rotWithShape="1">
+          <a:blip r:embed="rId2">
+            <a:extLst>
+              <a:ext uri="{28A0092B-C50C-407E-A947-70E740481C1C}">
+                <a14:useLocalDpi xmlns:a14="http://schemas.microsoft.com/office/drawing/2010/main" val="0"/>
+              </a:ext>
+            </a:extLst>
+          </a:blip>
+          <a:srcRect l="21975"/>
+          <a:stretch/>
+        </p:blipFill>
+        <p:spPr bwMode="auto">
+          <a:xfrm>
+            <a:off x="3581400" y="1488704"/>
+            <a:ext cx="3471040" cy="4688260"/>
+          </a:xfrm>
+          <a:prstGeom prst="rect">
+            <a:avLst/>
+          </a:prstGeom>
+          <a:noFill/>
+          <a:extLst>
+            <a:ext uri="{909E8E84-426E-40DD-AFC4-6F175D3DCCD1}">
+              <a14:hiddenFill xmlns:a14="http://schemas.microsoft.com/office/drawing/2010/main">
+                <a:solidFill>
+                  <a:srgbClr val="FFFFFF"/>
+                </a:solidFill>
+              </a14:hiddenFill>
+            </a:ext>
+          </a:extLst>
+        </p:spPr>
+      </p:pic>
+      <p:pic>
+        <p:nvPicPr>
+          <p:cNvPr id="2052" name="Picture 4" descr="goodmerg.PNG"/>
+          <p:cNvPicPr>
+            <a:picLocks noChangeAspect="1" noChangeArrowheads="1"/>
+          </p:cNvPicPr>
+          <p:nvPr/>
+        </p:nvPicPr>
+        <p:blipFill>
+          <a:blip r:embed="rId3">
+            <a:extLst>
+              <a:ext uri="{28A0092B-C50C-407E-A947-70E740481C1C}">
+                <a14:useLocalDpi xmlns:a14="http://schemas.microsoft.com/office/drawing/2010/main" val="0"/>
+              </a:ext>
+            </a:extLst>
+          </a:blip>
+          <a:srcRect/>
+          <a:stretch>
+            <a:fillRect/>
+          </a:stretch>
+        </p:blipFill>
+        <p:spPr bwMode="auto">
+          <a:xfrm>
+            <a:off x="7284933" y="1488703"/>
+            <a:ext cx="4552019" cy="4688260"/>
+          </a:xfrm>
+          <a:prstGeom prst="rect">
+            <a:avLst/>
+          </a:prstGeom>
+          <a:noFill/>
+          <a:extLst>
+            <a:ext uri="{909E8E84-426E-40DD-AFC4-6F175D3DCCD1}">
+              <a14:hiddenFill xmlns:a14="http://schemas.microsoft.com/office/drawing/2010/main">
+                <a:solidFill>
+                  <a:srgbClr val="FFFFFF"/>
+                </a:solidFill>
+              </a14:hiddenFill>
+            </a:ext>
+          </a:extLst>
+        </p:spPr>
+      </p:pic>
+    </p:spTree>
+    <p:extLst>
+      <p:ext uri="{BB962C8B-B14F-4D97-AF65-F5344CB8AC3E}">
+        <p14:creationId xmlns:p14="http://schemas.microsoft.com/office/powerpoint/2010/main" val="1015754311"/>
+      </p:ext>
+    </p:extLst>
+  </p:cSld>
+  <p:clrMapOvr>
+    <a:masterClrMapping/>
+  </p:clrMapOvr>
+</p:sld>
+</file>
+
+<file path=ppt/slides/slide35.xml><?xml version="1.0" encoding="utf-8"?>
+<p:sld xmlns:a="http://schemas.openxmlformats.org/drawingml/2006/main" xmlns:r="http://schemas.openxmlformats.org/officeDocument/2006/relationships" xmlns:p="http://schemas.openxmlformats.org/presentationml/2006/main">
+  <p:cSld>
+    <p:spTree>
+      <p:nvGrpSpPr>
+        <p:cNvPr id="1" name=""/>
+        <p:cNvGrpSpPr/>
+        <p:nvPr/>
+      </p:nvGrpSpPr>
+      <p:grpSpPr>
+        <a:xfrm>
+          <a:off x="0" y="0"/>
+          <a:ext cx="0" cy="0"/>
+          <a:chOff x="0" y="0"/>
+          <a:chExt cx="0" cy="0"/>
+        </a:xfrm>
+      </p:grpSpPr>
+      <p:sp>
+        <p:nvSpPr>
+          <p:cNvPr id="2" name="Title 1"/>
+          <p:cNvSpPr>
+            <a:spLocks noGrp="1"/>
+          </p:cNvSpPr>
+          <p:nvPr>
+            <p:ph type="title"/>
+          </p:nvPr>
+        </p:nvSpPr>
+        <p:spPr/>
+        <p:txBody>
+          <a:bodyPr/>
+          <a:lstStyle/>
+          <a:p>
+            <a:r>
+              <a:rPr lang="en-US" dirty="0" smtClean="0"/>
+              <a:t>MERGING</a:t>
+            </a:r>
+            <a:endParaRPr lang="en-US" dirty="0"/>
+          </a:p>
+        </p:txBody>
+      </p:sp>
+      <p:sp>
+        <p:nvSpPr>
+          <p:cNvPr id="4" name="Date Placeholder 3"/>
+          <p:cNvSpPr>
+            <a:spLocks noGrp="1"/>
+          </p:cNvSpPr>
+          <p:nvPr>
+            <p:ph type="dt" sz="half" idx="10"/>
+          </p:nvPr>
+        </p:nvSpPr>
+        <p:spPr/>
+        <p:txBody>
+          <a:bodyPr/>
+          <a:lstStyle/>
+          <a:p>
+            <a:fld id="{74F93749-3CD2-4A95-98ED-FE9E109683BE}" type="datetime4">
+              <a:rPr lang="en-US" smtClean="0"/>
+              <a:t>June 5, 2019</a:t>
+            </a:fld>
+            <a:endParaRPr lang="en-US" dirty="0"/>
+          </a:p>
+        </p:txBody>
+      </p:sp>
+      <p:sp>
+        <p:nvSpPr>
+          <p:cNvPr id="5" name="Footer Placeholder 4"/>
+          <p:cNvSpPr>
+            <a:spLocks noGrp="1"/>
+          </p:cNvSpPr>
+          <p:nvPr>
+            <p:ph type="ftr" sz="quarter" idx="11"/>
+          </p:nvPr>
+        </p:nvSpPr>
+        <p:spPr/>
+        <p:txBody>
+          <a:bodyPr/>
+          <a:lstStyle/>
+          <a:p>
+            <a:r>
+              <a:rPr lang="en-US" smtClean="0"/>
+              <a:t>Digital Scholarship Services </a:t>
+            </a:r>
+            <a:r>
+              <a:rPr lang="en-US" smtClean="0">
+                <a:solidFill>
+                  <a:schemeClr val="accent1">
+                    <a:lumMod val="50000"/>
+                  </a:schemeClr>
+                </a:solidFill>
+              </a:rPr>
+              <a:t>| Email</a:t>
+            </a:r>
+            <a:r>
+              <a:rPr lang="en-US" smtClean="0"/>
+              <a:t> cf24@rice.edu </a:t>
+            </a:r>
+            <a:r>
+              <a:rPr lang="en-US" smtClean="0">
+                <a:solidFill>
+                  <a:schemeClr val="accent1">
+                    <a:lumMod val="50000"/>
+                  </a:schemeClr>
+                </a:solidFill>
+              </a:rPr>
+              <a:t>|</a:t>
+            </a:r>
+            <a:r>
+              <a:rPr lang="en-US" smtClean="0"/>
+              <a:t> library.rice.edu/dss</a:t>
+            </a:r>
+            <a:endParaRPr lang="en-US" dirty="0"/>
+          </a:p>
+        </p:txBody>
+      </p:sp>
+      <p:sp>
+        <p:nvSpPr>
+          <p:cNvPr id="6" name="Slide Number Placeholder 5"/>
+          <p:cNvSpPr>
+            <a:spLocks noGrp="1"/>
+          </p:cNvSpPr>
+          <p:nvPr>
+            <p:ph type="sldNum" sz="quarter" idx="12"/>
+          </p:nvPr>
+        </p:nvSpPr>
+        <p:spPr/>
+        <p:txBody>
+          <a:bodyPr/>
+          <a:lstStyle/>
+          <a:p>
+            <a:fld id="{D57F1E4F-1CFF-5643-939E-02111984F565}" type="slidenum">
+              <a:rPr lang="en-US" smtClean="0"/>
+              <a:t>35</a:t>
+            </a:fld>
+            <a:endParaRPr lang="en-US" dirty="0"/>
+          </a:p>
+        </p:txBody>
+      </p:sp>
+      <p:pic>
+        <p:nvPicPr>
+          <p:cNvPr id="7" name="Picture 6"/>
+          <p:cNvPicPr>
+            <a:picLocks noChangeAspect="1"/>
+          </p:cNvPicPr>
+          <p:nvPr/>
+        </p:nvPicPr>
+        <p:blipFill rotWithShape="1">
+          <a:blip r:embed="rId2"/>
+          <a:srcRect t="10239"/>
+          <a:stretch/>
+        </p:blipFill>
+        <p:spPr>
+          <a:xfrm>
+            <a:off x="3220435" y="1418897"/>
+            <a:ext cx="6572250" cy="2308430"/>
+          </a:xfrm>
+          <a:prstGeom prst="rect">
+            <a:avLst/>
+          </a:prstGeom>
+        </p:spPr>
+      </p:pic>
+      <p:pic>
+        <p:nvPicPr>
+          <p:cNvPr id="8" name="Picture 7"/>
+          <p:cNvPicPr>
+            <a:picLocks noChangeAspect="1"/>
+          </p:cNvPicPr>
+          <p:nvPr/>
+        </p:nvPicPr>
+        <p:blipFill rotWithShape="1">
+          <a:blip r:embed="rId3"/>
+          <a:srcRect t="21550" b="5598"/>
+          <a:stretch/>
+        </p:blipFill>
+        <p:spPr>
+          <a:xfrm>
+            <a:off x="3220435" y="4143204"/>
+            <a:ext cx="6572250" cy="1797269"/>
+          </a:xfrm>
+          <a:prstGeom prst="rect">
+            <a:avLst/>
+          </a:prstGeom>
+        </p:spPr>
+      </p:pic>
+    </p:spTree>
+    <p:extLst>
+      <p:ext uri="{BB962C8B-B14F-4D97-AF65-F5344CB8AC3E}">
+        <p14:creationId xmlns:p14="http://schemas.microsoft.com/office/powerpoint/2010/main" val="1425326637"/>
+      </p:ext>
+    </p:extLst>
+  </p:cSld>
+  <p:clrMapOvr>
+    <a:masterClrMapping/>
+  </p:clrMapOvr>
+</p:sld>
+</file>
+
+<file path=ppt/slides/slide36.xml><?xml version="1.0" encoding="utf-8"?>
+<p:sld xmlns:a="http://schemas.openxmlformats.org/drawingml/2006/main" xmlns:r="http://schemas.openxmlformats.org/officeDocument/2006/relationships" xmlns:p="http://schemas.openxmlformats.org/presentationml/2006/main">
+  <p:cSld>
+    <p:spTree>
+      <p:nvGrpSpPr>
+        <p:cNvPr id="1" name=""/>
+        <p:cNvGrpSpPr/>
+        <p:nvPr/>
+      </p:nvGrpSpPr>
+      <p:grpSpPr>
+        <a:xfrm>
+          <a:off x="0" y="0"/>
+          <a:ext cx="0" cy="0"/>
+          <a:chOff x="0" y="0"/>
+          <a:chExt cx="0" cy="0"/>
+        </a:xfrm>
+      </p:grpSpPr>
+      <p:sp>
+        <p:nvSpPr>
+          <p:cNvPr id="2" name="Title 1"/>
+          <p:cNvSpPr>
+            <a:spLocks noGrp="1"/>
+          </p:cNvSpPr>
+          <p:nvPr>
+            <p:ph type="title"/>
+          </p:nvPr>
+        </p:nvSpPr>
+        <p:spPr/>
+        <p:txBody>
+          <a:bodyPr/>
+          <a:lstStyle/>
+          <a:p>
+            <a:r>
+              <a:rPr lang="en-US" dirty="0" smtClean="0"/>
+              <a:t>MERGING IN ACTION</a:t>
+            </a:r>
+            <a:endParaRPr lang="en-US" dirty="0"/>
+          </a:p>
+        </p:txBody>
+      </p:sp>
+      <p:sp>
+        <p:nvSpPr>
+          <p:cNvPr id="4" name="Date Placeholder 3"/>
+          <p:cNvSpPr>
+            <a:spLocks noGrp="1"/>
+          </p:cNvSpPr>
+          <p:nvPr>
+            <p:ph type="dt" sz="half" idx="10"/>
+          </p:nvPr>
+        </p:nvSpPr>
+        <p:spPr/>
+        <p:txBody>
+          <a:bodyPr/>
+          <a:lstStyle/>
+          <a:p>
+            <a:fld id="{74F93749-3CD2-4A95-98ED-FE9E109683BE}" type="datetime4">
+              <a:rPr lang="en-US" smtClean="0"/>
+              <a:t>June 5, 2019</a:t>
+            </a:fld>
+            <a:endParaRPr lang="en-US" dirty="0"/>
+          </a:p>
+        </p:txBody>
+      </p:sp>
+      <p:sp>
+        <p:nvSpPr>
+          <p:cNvPr id="5" name="Footer Placeholder 4"/>
+          <p:cNvSpPr>
+            <a:spLocks noGrp="1"/>
+          </p:cNvSpPr>
+          <p:nvPr>
+            <p:ph type="ftr" sz="quarter" idx="11"/>
+          </p:nvPr>
+        </p:nvSpPr>
+        <p:spPr/>
+        <p:txBody>
+          <a:bodyPr/>
+          <a:lstStyle/>
+          <a:p>
+            <a:r>
+              <a:rPr lang="en-US" smtClean="0"/>
+              <a:t>Digital Scholarship Services </a:t>
+            </a:r>
+            <a:r>
+              <a:rPr lang="en-US" smtClean="0">
+                <a:solidFill>
+                  <a:schemeClr val="accent1">
+                    <a:lumMod val="50000"/>
+                  </a:schemeClr>
+                </a:solidFill>
+              </a:rPr>
+              <a:t>| Email</a:t>
+            </a:r>
+            <a:r>
+              <a:rPr lang="en-US" smtClean="0"/>
+              <a:t> cf24@rice.edu </a:t>
+            </a:r>
+            <a:r>
+              <a:rPr lang="en-US" smtClean="0">
+                <a:solidFill>
+                  <a:schemeClr val="accent1">
+                    <a:lumMod val="50000"/>
+                  </a:schemeClr>
+                </a:solidFill>
+              </a:rPr>
+              <a:t>|</a:t>
+            </a:r>
+            <a:r>
+              <a:rPr lang="en-US" smtClean="0"/>
+              <a:t> library.rice.edu/dss</a:t>
+            </a:r>
+            <a:endParaRPr lang="en-US" dirty="0"/>
+          </a:p>
+        </p:txBody>
+      </p:sp>
+      <p:sp>
+        <p:nvSpPr>
+          <p:cNvPr id="6" name="Slide Number Placeholder 5"/>
+          <p:cNvSpPr>
+            <a:spLocks noGrp="1"/>
+          </p:cNvSpPr>
+          <p:nvPr>
+            <p:ph type="sldNum" sz="quarter" idx="12"/>
+          </p:nvPr>
+        </p:nvSpPr>
+        <p:spPr/>
+        <p:txBody>
+          <a:bodyPr/>
+          <a:lstStyle/>
+          <a:p>
+            <a:fld id="{D57F1E4F-1CFF-5643-939E-02111984F565}" type="slidenum">
+              <a:rPr lang="en-US" smtClean="0"/>
+              <a:t>36</a:t>
+            </a:fld>
+            <a:endParaRPr lang="en-US" dirty="0"/>
+          </a:p>
+        </p:txBody>
+      </p:sp>
+      <p:pic>
+        <p:nvPicPr>
+          <p:cNvPr id="3074" name="Picture 2" descr="initmerg.PNG"/>
+          <p:cNvPicPr>
+            <a:picLocks noChangeAspect="1" noChangeArrowheads="1"/>
+          </p:cNvPicPr>
+          <p:nvPr/>
+        </p:nvPicPr>
+        <p:blipFill rotWithShape="1">
+          <a:blip r:embed="rId2">
+            <a:extLst>
+              <a:ext uri="{28A0092B-C50C-407E-A947-70E740481C1C}">
+                <a14:useLocalDpi xmlns:a14="http://schemas.microsoft.com/office/drawing/2010/main" val="0"/>
+              </a:ext>
+            </a:extLst>
+          </a:blip>
+          <a:srcRect r="4429"/>
+          <a:stretch/>
+        </p:blipFill>
+        <p:spPr bwMode="auto">
+          <a:xfrm>
+            <a:off x="156178" y="3121433"/>
+            <a:ext cx="4141075" cy="1267616"/>
+          </a:xfrm>
+          <a:prstGeom prst="rect">
+            <a:avLst/>
+          </a:prstGeom>
+          <a:noFill/>
+          <a:extLst>
+            <a:ext uri="{909E8E84-426E-40DD-AFC4-6F175D3DCCD1}">
+              <a14:hiddenFill xmlns:a14="http://schemas.microsoft.com/office/drawing/2010/main">
+                <a:solidFill>
+                  <a:srgbClr val="FFFFFF"/>
+                </a:solidFill>
+              </a14:hiddenFill>
+            </a:ext>
+          </a:extLst>
+        </p:spPr>
+      </p:pic>
+      <p:pic>
+        <p:nvPicPr>
+          <p:cNvPr id="3076" name="Picture 4" descr="rightmerg.PNG"/>
+          <p:cNvPicPr>
+            <a:picLocks noChangeAspect="1" noChangeArrowheads="1"/>
+          </p:cNvPicPr>
+          <p:nvPr/>
+        </p:nvPicPr>
+        <p:blipFill>
+          <a:blip r:embed="rId3">
+            <a:extLst>
+              <a:ext uri="{28A0092B-C50C-407E-A947-70E740481C1C}">
+                <a14:useLocalDpi xmlns:a14="http://schemas.microsoft.com/office/drawing/2010/main" val="0"/>
+              </a:ext>
+            </a:extLst>
+          </a:blip>
+          <a:srcRect/>
+          <a:stretch>
+            <a:fillRect/>
+          </a:stretch>
+        </p:blipFill>
+        <p:spPr bwMode="auto">
+          <a:xfrm>
+            <a:off x="4298731" y="4573027"/>
+            <a:ext cx="3594538" cy="1538019"/>
+          </a:xfrm>
+          <a:prstGeom prst="rect">
+            <a:avLst/>
+          </a:prstGeom>
+          <a:noFill/>
+          <a:extLst>
+            <a:ext uri="{909E8E84-426E-40DD-AFC4-6F175D3DCCD1}">
+              <a14:hiddenFill xmlns:a14="http://schemas.microsoft.com/office/drawing/2010/main">
+                <a:solidFill>
+                  <a:srgbClr val="FFFFFF"/>
+                </a:solidFill>
+              </a14:hiddenFill>
+            </a:ext>
+          </a:extLst>
+        </p:spPr>
+      </p:pic>
+      <p:pic>
+        <p:nvPicPr>
+          <p:cNvPr id="3078" name="Picture 6" descr="leftmerg.PNG"/>
+          <p:cNvPicPr>
+            <a:picLocks noChangeAspect="1" noChangeArrowheads="1"/>
+          </p:cNvPicPr>
+          <p:nvPr/>
+        </p:nvPicPr>
+        <p:blipFill rotWithShape="1">
+          <a:blip r:embed="rId4">
+            <a:extLst>
+              <a:ext uri="{28A0092B-C50C-407E-A947-70E740481C1C}">
+                <a14:useLocalDpi xmlns:a14="http://schemas.microsoft.com/office/drawing/2010/main" val="0"/>
+              </a:ext>
+            </a:extLst>
+          </a:blip>
+          <a:srcRect t="6386"/>
+          <a:stretch/>
+        </p:blipFill>
+        <p:spPr bwMode="auto">
+          <a:xfrm>
+            <a:off x="4297253" y="1318447"/>
+            <a:ext cx="3597494" cy="1619008"/>
+          </a:xfrm>
+          <a:prstGeom prst="rect">
+            <a:avLst/>
+          </a:prstGeom>
+          <a:noFill/>
+          <a:extLst>
+            <a:ext uri="{909E8E84-426E-40DD-AFC4-6F175D3DCCD1}">
+              <a14:hiddenFill xmlns:a14="http://schemas.microsoft.com/office/drawing/2010/main">
+                <a:solidFill>
+                  <a:srgbClr val="FFFFFF"/>
+                </a:solidFill>
+              </a14:hiddenFill>
+            </a:ext>
+          </a:extLst>
+        </p:spPr>
+      </p:pic>
+      <p:pic>
+        <p:nvPicPr>
+          <p:cNvPr id="3080" name="Picture 8" descr="totalmerg.PNG"/>
+          <p:cNvPicPr>
+            <a:picLocks noChangeAspect="1" noChangeArrowheads="1"/>
+          </p:cNvPicPr>
+          <p:nvPr/>
+        </p:nvPicPr>
+        <p:blipFill>
+          <a:blip r:embed="rId5">
+            <a:extLst>
+              <a:ext uri="{28A0092B-C50C-407E-A947-70E740481C1C}">
+                <a14:useLocalDpi xmlns:a14="http://schemas.microsoft.com/office/drawing/2010/main" val="0"/>
+              </a:ext>
+            </a:extLst>
+          </a:blip>
+          <a:srcRect/>
+          <a:stretch>
+            <a:fillRect/>
+          </a:stretch>
+        </p:blipFill>
+        <p:spPr bwMode="auto">
+          <a:xfrm>
+            <a:off x="8147024" y="2758830"/>
+            <a:ext cx="3206776" cy="1992821"/>
+          </a:xfrm>
+          <a:prstGeom prst="rect">
+            <a:avLst/>
+          </a:prstGeom>
+          <a:noFill/>
+          <a:extLst>
+            <a:ext uri="{909E8E84-426E-40DD-AFC4-6F175D3DCCD1}">
+              <a14:hiddenFill xmlns:a14="http://schemas.microsoft.com/office/drawing/2010/main">
+                <a:solidFill>
+                  <a:srgbClr val="FFFFFF"/>
+                </a:solidFill>
+              </a14:hiddenFill>
+            </a:ext>
+          </a:extLst>
+        </p:spPr>
+      </p:pic>
+      <p:cxnSp>
+        <p:nvCxnSpPr>
+          <p:cNvPr id="8" name="Elbow Connector 7"/>
+          <p:cNvCxnSpPr>
+            <a:stCxn id="3074" idx="0"/>
+          </p:cNvCxnSpPr>
+          <p:nvPr/>
+        </p:nvCxnSpPr>
+        <p:spPr>
+          <a:xfrm rot="5400000" flipH="1" flipV="1">
+            <a:off x="2631433" y="1455614"/>
+            <a:ext cx="1261102" cy="2070537"/>
+          </a:xfrm>
+          <a:prstGeom prst="bentConnector2">
+            <a:avLst/>
+          </a:prstGeom>
+          <a:ln>
+            <a:tailEnd type="triangle"/>
+          </a:ln>
+        </p:spPr>
+        <p:style>
+          <a:lnRef idx="1">
+            <a:schemeClr val="accent1"/>
+          </a:lnRef>
+          <a:fillRef idx="0">
+            <a:schemeClr val="accent1"/>
+          </a:fillRef>
+          <a:effectRef idx="0">
+            <a:schemeClr val="accent1"/>
+          </a:effectRef>
+          <a:fontRef idx="minor">
+            <a:schemeClr val="tx1"/>
+          </a:fontRef>
+        </p:style>
+      </p:cxnSp>
+      <p:cxnSp>
+        <p:nvCxnSpPr>
+          <p:cNvPr id="14" name="Elbow Connector 13"/>
+          <p:cNvCxnSpPr>
+            <a:stCxn id="3074" idx="2"/>
+            <a:endCxn id="3076" idx="1"/>
+          </p:cNvCxnSpPr>
+          <p:nvPr/>
+        </p:nvCxnSpPr>
+        <p:spPr>
+          <a:xfrm rot="16200000" flipH="1">
+            <a:off x="2786229" y="3829535"/>
+            <a:ext cx="952988" cy="2072015"/>
+          </a:xfrm>
+          <a:prstGeom prst="bentConnector2">
+            <a:avLst/>
+          </a:prstGeom>
+          <a:ln>
+            <a:tailEnd type="triangle"/>
+          </a:ln>
+        </p:spPr>
+        <p:style>
+          <a:lnRef idx="1">
+            <a:schemeClr val="accent1"/>
+          </a:lnRef>
+          <a:fillRef idx="0">
+            <a:schemeClr val="accent1"/>
+          </a:fillRef>
+          <a:effectRef idx="0">
+            <a:schemeClr val="accent1"/>
+          </a:effectRef>
+          <a:fontRef idx="minor">
+            <a:schemeClr val="tx1"/>
+          </a:fontRef>
+        </p:style>
+      </p:cxnSp>
+      <p:cxnSp>
+        <p:nvCxnSpPr>
+          <p:cNvPr id="17" name="Elbow Connector 16"/>
+          <p:cNvCxnSpPr>
+            <a:endCxn id="3080" idx="0"/>
+          </p:cNvCxnSpPr>
+          <p:nvPr/>
+        </p:nvCxnSpPr>
+        <p:spPr>
+          <a:xfrm>
+            <a:off x="7893271" y="1860331"/>
+            <a:ext cx="1857141" cy="898499"/>
+          </a:xfrm>
+          <a:prstGeom prst="bentConnector2">
+            <a:avLst/>
+          </a:prstGeom>
+          <a:ln>
+            <a:tailEnd type="triangle"/>
+          </a:ln>
+        </p:spPr>
+        <p:style>
+          <a:lnRef idx="1">
+            <a:schemeClr val="accent1"/>
+          </a:lnRef>
+          <a:fillRef idx="0">
+            <a:schemeClr val="accent1"/>
+          </a:fillRef>
+          <a:effectRef idx="0">
+            <a:schemeClr val="accent1"/>
+          </a:effectRef>
+          <a:fontRef idx="minor">
+            <a:schemeClr val="tx1"/>
+          </a:fontRef>
+        </p:style>
+      </p:cxnSp>
+      <p:cxnSp>
+        <p:nvCxnSpPr>
+          <p:cNvPr id="20" name="Elbow Connector 19"/>
+          <p:cNvCxnSpPr>
+            <a:stCxn id="3076" idx="3"/>
+            <a:endCxn id="3080" idx="2"/>
+          </p:cNvCxnSpPr>
+          <p:nvPr/>
+        </p:nvCxnSpPr>
+        <p:spPr>
+          <a:xfrm flipV="1">
+            <a:off x="7893269" y="4751651"/>
+            <a:ext cx="1857143" cy="590386"/>
+          </a:xfrm>
+          <a:prstGeom prst="bentConnector2">
+            <a:avLst/>
+          </a:prstGeom>
+          <a:ln>
+            <a:tailEnd type="triangle"/>
+          </a:ln>
+        </p:spPr>
+        <p:style>
+          <a:lnRef idx="1">
+            <a:schemeClr val="accent1"/>
+          </a:lnRef>
+          <a:fillRef idx="0">
+            <a:schemeClr val="accent1"/>
+          </a:fillRef>
+          <a:effectRef idx="0">
+            <a:schemeClr val="accent1"/>
+          </a:effectRef>
+          <a:fontRef idx="minor">
+            <a:schemeClr val="tx1"/>
+          </a:fontRef>
+        </p:style>
+      </p:cxnSp>
+      <p:sp>
+        <p:nvSpPr>
+          <p:cNvPr id="18" name="TextBox 17"/>
+          <p:cNvSpPr txBox="1"/>
+          <p:nvPr/>
+        </p:nvSpPr>
+        <p:spPr>
+          <a:xfrm>
+            <a:off x="2693865" y="1552188"/>
+            <a:ext cx="1026797" cy="646331"/>
+          </a:xfrm>
+          <a:prstGeom prst="rect">
+            <a:avLst/>
+          </a:prstGeom>
+          <a:noFill/>
+        </p:spPr>
+        <p:txBody>
+          <a:bodyPr wrap="square" rtlCol="0">
+            <a:spAutoFit/>
+          </a:bodyPr>
+          <a:lstStyle/>
+          <a:p>
+            <a:pPr algn="ctr"/>
+            <a:r>
+              <a:rPr lang="en-US" dirty="0"/>
+              <a:t>Branch 1</a:t>
+            </a:r>
+          </a:p>
+          <a:p>
+            <a:pPr algn="ctr"/>
+            <a:r>
+              <a:rPr lang="en-US" dirty="0"/>
+              <a:t>(INTO)</a:t>
+            </a:r>
+            <a:endParaRPr lang="en-US" dirty="0"/>
+          </a:p>
+        </p:txBody>
+      </p:sp>
+      <p:sp>
+        <p:nvSpPr>
+          <p:cNvPr id="25" name="TextBox 24"/>
+          <p:cNvSpPr txBox="1"/>
+          <p:nvPr/>
+        </p:nvSpPr>
+        <p:spPr>
+          <a:xfrm>
+            <a:off x="2693864" y="5010332"/>
+            <a:ext cx="1026797" cy="646331"/>
+          </a:xfrm>
+          <a:prstGeom prst="rect">
+            <a:avLst/>
+          </a:prstGeom>
+          <a:noFill/>
+        </p:spPr>
+        <p:txBody>
+          <a:bodyPr wrap="square" rtlCol="0">
+            <a:spAutoFit/>
+          </a:bodyPr>
+          <a:lstStyle/>
+          <a:p>
+            <a:pPr algn="ctr"/>
+            <a:r>
+              <a:rPr lang="en-US" dirty="0" smtClean="0"/>
+              <a:t>Branch 2</a:t>
+            </a:r>
+          </a:p>
+          <a:p>
+            <a:pPr algn="ctr"/>
+            <a:r>
+              <a:rPr lang="en-US" dirty="0" smtClean="0"/>
+              <a:t>(IN)</a:t>
+            </a:r>
+            <a:endParaRPr lang="en-US" dirty="0"/>
+          </a:p>
+        </p:txBody>
+      </p:sp>
+      <p:sp>
+        <p:nvSpPr>
+          <p:cNvPr id="26" name="TextBox 25"/>
+          <p:cNvSpPr txBox="1"/>
+          <p:nvPr/>
+        </p:nvSpPr>
+        <p:spPr>
+          <a:xfrm>
+            <a:off x="9750412" y="2003298"/>
+            <a:ext cx="1424745" cy="646331"/>
+          </a:xfrm>
+          <a:prstGeom prst="rect">
+            <a:avLst/>
+          </a:prstGeom>
+          <a:noFill/>
+        </p:spPr>
+        <p:txBody>
+          <a:bodyPr wrap="square" rtlCol="0">
+            <a:spAutoFit/>
+          </a:bodyPr>
+          <a:lstStyle/>
+          <a:p>
+            <a:pPr algn="ctr"/>
+            <a:r>
+              <a:rPr lang="en-US" dirty="0"/>
+              <a:t>Branch 1</a:t>
+            </a:r>
+          </a:p>
+          <a:p>
+            <a:pPr algn="ctr"/>
+            <a:r>
+              <a:rPr lang="en-US" dirty="0" smtClean="0"/>
+              <a:t>(MERGED)</a:t>
+            </a:r>
+            <a:endParaRPr lang="en-US" dirty="0"/>
+          </a:p>
+        </p:txBody>
+      </p:sp>
+    </p:spTree>
+    <p:extLst>
+      <p:ext uri="{BB962C8B-B14F-4D97-AF65-F5344CB8AC3E}">
+        <p14:creationId xmlns:p14="http://schemas.microsoft.com/office/powerpoint/2010/main" val="358252445"/>
+      </p:ext>
+    </p:extLst>
+  </p:cSld>
+  <p:clrMapOvr>
+    <a:masterClrMapping/>
+  </p:clrMapOvr>
+</p:sld>
+</file>
+
+<file path=ppt/slides/slide37.xml><?xml version="1.0" encoding="utf-8"?>
+<p:sld xmlns:a="http://schemas.openxmlformats.org/drawingml/2006/main" xmlns:r="http://schemas.openxmlformats.org/officeDocument/2006/relationships" xmlns:p="http://schemas.openxmlformats.org/presentationml/2006/main">
+  <p:cSld>
+    <p:spTree>
+      <p:nvGrpSpPr>
+        <p:cNvPr id="1" name=""/>
+        <p:cNvGrpSpPr/>
+        <p:nvPr/>
+      </p:nvGrpSpPr>
+      <p:grpSpPr>
+        <a:xfrm>
+          <a:off x="0" y="0"/>
+          <a:ext cx="0" cy="0"/>
+          <a:chOff x="0" y="0"/>
+          <a:chExt cx="0" cy="0"/>
+        </a:xfrm>
+      </p:grpSpPr>
+      <p:sp>
+        <p:nvSpPr>
+          <p:cNvPr id="2" name="Title 1"/>
+          <p:cNvSpPr>
+            <a:spLocks noGrp="1"/>
+          </p:cNvSpPr>
+          <p:nvPr>
+            <p:ph type="title"/>
+          </p:nvPr>
+        </p:nvSpPr>
+        <p:spPr/>
+        <p:txBody>
+          <a:bodyPr/>
+          <a:lstStyle/>
+          <a:p>
+            <a:r>
+              <a:rPr lang="en-US" dirty="0" smtClean="0"/>
+              <a:t>CONFLICTS</a:t>
+            </a:r>
+            <a:endParaRPr lang="en-US" dirty="0"/>
+          </a:p>
+        </p:txBody>
+      </p:sp>
+      <p:sp>
+        <p:nvSpPr>
+          <p:cNvPr id="3" name="Content Placeholder 2"/>
+          <p:cNvSpPr>
+            <a:spLocks noGrp="1"/>
+          </p:cNvSpPr>
+          <p:nvPr>
+            <p:ph idx="1"/>
+          </p:nvPr>
+        </p:nvSpPr>
+        <p:spPr>
+          <a:xfrm>
+            <a:off x="838200" y="1825625"/>
+            <a:ext cx="5404945" cy="4351338"/>
+          </a:xfrm>
+        </p:spPr>
+        <p:txBody>
+          <a:bodyPr/>
+          <a:lstStyle/>
+          <a:p>
+            <a:r>
+              <a:rPr lang="en-US" dirty="0" smtClean="0"/>
+              <a:t>Occasionally, two people may have edited the same file on different branches</a:t>
+            </a:r>
+          </a:p>
+          <a:p>
+            <a:r>
+              <a:rPr lang="en-US" dirty="0" smtClean="0"/>
+              <a:t>Which version do we take?</a:t>
+            </a:r>
+            <a:endParaRPr lang="en-US" dirty="0" smtClean="0"/>
+          </a:p>
+          <a:p>
+            <a:r>
+              <a:rPr lang="en-US" dirty="0" smtClean="0"/>
+              <a:t>Must manually resolve conflicts</a:t>
+            </a:r>
+            <a:endParaRPr lang="en-US" dirty="0"/>
+          </a:p>
+        </p:txBody>
+      </p:sp>
+      <p:sp>
+        <p:nvSpPr>
+          <p:cNvPr id="4" name="Date Placeholder 3"/>
+          <p:cNvSpPr>
+            <a:spLocks noGrp="1"/>
+          </p:cNvSpPr>
+          <p:nvPr>
+            <p:ph type="dt" sz="half" idx="10"/>
+          </p:nvPr>
+        </p:nvSpPr>
+        <p:spPr/>
+        <p:txBody>
+          <a:bodyPr/>
+          <a:lstStyle/>
+          <a:p>
+            <a:fld id="{74F93749-3CD2-4A95-98ED-FE9E109683BE}" type="datetime4">
+              <a:rPr lang="en-US" smtClean="0"/>
+              <a:t>June 5, 2019</a:t>
+            </a:fld>
+            <a:endParaRPr lang="en-US" dirty="0"/>
+          </a:p>
+        </p:txBody>
+      </p:sp>
+      <p:sp>
+        <p:nvSpPr>
+          <p:cNvPr id="5" name="Footer Placeholder 4"/>
+          <p:cNvSpPr>
+            <a:spLocks noGrp="1"/>
+          </p:cNvSpPr>
+          <p:nvPr>
+            <p:ph type="ftr" sz="quarter" idx="11"/>
+          </p:nvPr>
+        </p:nvSpPr>
+        <p:spPr/>
+        <p:txBody>
+          <a:bodyPr/>
+          <a:lstStyle/>
+          <a:p>
+            <a:r>
+              <a:rPr lang="en-US" smtClean="0"/>
+              <a:t>Digital Scholarship Services </a:t>
+            </a:r>
+            <a:r>
+              <a:rPr lang="en-US" smtClean="0">
+                <a:solidFill>
+                  <a:schemeClr val="accent1">
+                    <a:lumMod val="50000"/>
+                  </a:schemeClr>
+                </a:solidFill>
+              </a:rPr>
+              <a:t>| Email</a:t>
+            </a:r>
+            <a:r>
+              <a:rPr lang="en-US" smtClean="0"/>
+              <a:t> cf24@rice.edu </a:t>
+            </a:r>
+            <a:r>
+              <a:rPr lang="en-US" smtClean="0">
+                <a:solidFill>
+                  <a:schemeClr val="accent1">
+                    <a:lumMod val="50000"/>
+                  </a:schemeClr>
+                </a:solidFill>
+              </a:rPr>
+              <a:t>|</a:t>
+            </a:r>
+            <a:r>
+              <a:rPr lang="en-US" smtClean="0"/>
+              <a:t> library.rice.edu/dss</a:t>
+            </a:r>
+            <a:endParaRPr lang="en-US" dirty="0"/>
+          </a:p>
+        </p:txBody>
+      </p:sp>
+      <p:sp>
+        <p:nvSpPr>
+          <p:cNvPr id="6" name="Slide Number Placeholder 5"/>
+          <p:cNvSpPr>
+            <a:spLocks noGrp="1"/>
+          </p:cNvSpPr>
+          <p:nvPr>
+            <p:ph type="sldNum" sz="quarter" idx="12"/>
+          </p:nvPr>
+        </p:nvSpPr>
+        <p:spPr/>
+        <p:txBody>
+          <a:bodyPr/>
+          <a:lstStyle/>
+          <a:p>
+            <a:fld id="{D57F1E4F-1CFF-5643-939E-02111984F565}" type="slidenum">
+              <a:rPr lang="en-US" smtClean="0"/>
+              <a:t>37</a:t>
+            </a:fld>
+            <a:endParaRPr lang="en-US" dirty="0"/>
+          </a:p>
+        </p:txBody>
+      </p:sp>
+      <p:pic>
+        <p:nvPicPr>
+          <p:cNvPr id="4098" name="Picture 2" descr="badmerg.PNG"/>
+          <p:cNvPicPr>
+            <a:picLocks noChangeAspect="1" noChangeArrowheads="1"/>
+          </p:cNvPicPr>
+          <p:nvPr/>
+        </p:nvPicPr>
+        <p:blipFill>
+          <a:blip r:embed="rId2">
+            <a:extLst>
+              <a:ext uri="{28A0092B-C50C-407E-A947-70E740481C1C}">
+                <a14:useLocalDpi xmlns:a14="http://schemas.microsoft.com/office/drawing/2010/main" val="0"/>
+              </a:ext>
+            </a:extLst>
+          </a:blip>
+          <a:srcRect/>
+          <a:stretch>
+            <a:fillRect/>
+          </a:stretch>
+        </p:blipFill>
+        <p:spPr bwMode="auto">
+          <a:xfrm>
+            <a:off x="7218541" y="1150883"/>
+            <a:ext cx="4135259" cy="4241198"/>
+          </a:xfrm>
+          <a:prstGeom prst="rect">
+            <a:avLst/>
+          </a:prstGeom>
+          <a:noFill/>
+          <a:extLst>
+            <a:ext uri="{909E8E84-426E-40DD-AFC4-6F175D3DCCD1}">
+              <a14:hiddenFill xmlns:a14="http://schemas.microsoft.com/office/drawing/2010/main">
+                <a:solidFill>
+                  <a:srgbClr val="FFFFFF"/>
+                </a:solidFill>
+              </a14:hiddenFill>
+            </a:ext>
+          </a:extLst>
+        </p:spPr>
+      </p:pic>
+      <p:pic>
+        <p:nvPicPr>
+          <p:cNvPr id="4100" name="Picture 4" descr="conflicted.PNG"/>
+          <p:cNvPicPr>
+            <a:picLocks noChangeAspect="1" noChangeArrowheads="1"/>
+          </p:cNvPicPr>
+          <p:nvPr/>
+        </p:nvPicPr>
+        <p:blipFill>
+          <a:blip r:embed="rId3">
+            <a:extLst>
+              <a:ext uri="{28A0092B-C50C-407E-A947-70E740481C1C}">
+                <a14:useLocalDpi xmlns:a14="http://schemas.microsoft.com/office/drawing/2010/main" val="0"/>
+              </a:ext>
+            </a:extLst>
+          </a:blip>
+          <a:srcRect/>
+          <a:stretch>
+            <a:fillRect/>
+          </a:stretch>
+        </p:blipFill>
+        <p:spPr bwMode="auto">
+          <a:xfrm>
+            <a:off x="1524656" y="4048987"/>
+            <a:ext cx="4113488" cy="2262913"/>
+          </a:xfrm>
+          <a:prstGeom prst="rect">
+            <a:avLst/>
+          </a:prstGeom>
+          <a:noFill/>
+          <a:extLst>
+            <a:ext uri="{909E8E84-426E-40DD-AFC4-6F175D3DCCD1}">
+              <a14:hiddenFill xmlns:a14="http://schemas.microsoft.com/office/drawing/2010/main">
+                <a:solidFill>
+                  <a:srgbClr val="FFFFFF"/>
+                </a:solidFill>
+              </a14:hiddenFill>
+            </a:ext>
+          </a:extLst>
+        </p:spPr>
+      </p:pic>
+    </p:spTree>
+    <p:extLst>
+      <p:ext uri="{BB962C8B-B14F-4D97-AF65-F5344CB8AC3E}">
+        <p14:creationId xmlns:p14="http://schemas.microsoft.com/office/powerpoint/2010/main" val="449719577"/>
+      </p:ext>
+    </p:extLst>
+  </p:cSld>
+  <p:clrMapOvr>
+    <a:masterClrMapping/>
+  </p:clrMapOvr>
+</p:sld>
+</file>
+
+<file path=ppt/slides/slide38.xml><?xml version="1.0" encoding="utf-8"?>
+<p:sld xmlns:a="http://schemas.openxmlformats.org/drawingml/2006/main" xmlns:r="http://schemas.openxmlformats.org/officeDocument/2006/relationships" xmlns:p="http://schemas.openxmlformats.org/presentationml/2006/main">
+  <p:cSld>
+    <p:spTree>
+      <p:nvGrpSpPr>
+        <p:cNvPr id="1" name=""/>
+        <p:cNvGrpSpPr/>
+        <p:nvPr/>
+      </p:nvGrpSpPr>
+      <p:grpSpPr>
+        <a:xfrm>
+          <a:off x="0" y="0"/>
+          <a:ext cx="0" cy="0"/>
+          <a:chOff x="0" y="0"/>
+          <a:chExt cx="0" cy="0"/>
+        </a:xfrm>
+      </p:grpSpPr>
+      <p:sp>
+        <p:nvSpPr>
+          <p:cNvPr id="2" name="Title 1"/>
+          <p:cNvSpPr>
+            <a:spLocks noGrp="1"/>
+          </p:cNvSpPr>
+          <p:nvPr>
+            <p:ph type="title"/>
+          </p:nvPr>
+        </p:nvSpPr>
+        <p:spPr/>
+        <p:txBody>
+          <a:bodyPr/>
+          <a:lstStyle/>
+          <a:p>
+            <a:r>
+              <a:rPr lang="en-US" dirty="0" smtClean="0"/>
+              <a:t>CONFLICTS IN ACTION</a:t>
+            </a:r>
+            <a:endParaRPr lang="en-US" dirty="0"/>
+          </a:p>
+        </p:txBody>
+      </p:sp>
+      <p:sp>
+        <p:nvSpPr>
+          <p:cNvPr id="4" name="Date Placeholder 3"/>
+          <p:cNvSpPr>
+            <a:spLocks noGrp="1"/>
+          </p:cNvSpPr>
+          <p:nvPr>
+            <p:ph type="dt" sz="half" idx="10"/>
+          </p:nvPr>
+        </p:nvSpPr>
+        <p:spPr/>
+        <p:txBody>
+          <a:bodyPr/>
+          <a:lstStyle/>
+          <a:p>
+            <a:fld id="{74F93749-3CD2-4A95-98ED-FE9E109683BE}" type="datetime4">
+              <a:rPr lang="en-US" smtClean="0"/>
+              <a:t>June 5, 2019</a:t>
+            </a:fld>
+            <a:endParaRPr lang="en-US" dirty="0"/>
+          </a:p>
+        </p:txBody>
+      </p:sp>
+      <p:sp>
+        <p:nvSpPr>
+          <p:cNvPr id="5" name="Footer Placeholder 4"/>
+          <p:cNvSpPr>
+            <a:spLocks noGrp="1"/>
+          </p:cNvSpPr>
+          <p:nvPr>
+            <p:ph type="ftr" sz="quarter" idx="11"/>
+          </p:nvPr>
+        </p:nvSpPr>
+        <p:spPr/>
+        <p:txBody>
+          <a:bodyPr/>
+          <a:lstStyle/>
+          <a:p>
+            <a:r>
+              <a:rPr lang="en-US" smtClean="0"/>
+              <a:t>Digital Scholarship Services </a:t>
+            </a:r>
+            <a:r>
+              <a:rPr lang="en-US" smtClean="0">
+                <a:solidFill>
+                  <a:schemeClr val="accent1">
+                    <a:lumMod val="50000"/>
+                  </a:schemeClr>
+                </a:solidFill>
+              </a:rPr>
+              <a:t>| Email</a:t>
+            </a:r>
+            <a:r>
+              <a:rPr lang="en-US" smtClean="0"/>
+              <a:t> cf24@rice.edu </a:t>
+            </a:r>
+            <a:r>
+              <a:rPr lang="en-US" smtClean="0">
+                <a:solidFill>
+                  <a:schemeClr val="accent1">
+                    <a:lumMod val="50000"/>
+                  </a:schemeClr>
+                </a:solidFill>
+              </a:rPr>
+              <a:t>|</a:t>
+            </a:r>
+            <a:r>
+              <a:rPr lang="en-US" smtClean="0"/>
+              <a:t> library.rice.edu/dss</a:t>
+            </a:r>
+            <a:endParaRPr lang="en-US" dirty="0"/>
+          </a:p>
+        </p:txBody>
+      </p:sp>
+      <p:sp>
+        <p:nvSpPr>
+          <p:cNvPr id="6" name="Slide Number Placeholder 5"/>
+          <p:cNvSpPr>
+            <a:spLocks noGrp="1"/>
+          </p:cNvSpPr>
+          <p:nvPr>
+            <p:ph type="sldNum" sz="quarter" idx="12"/>
+          </p:nvPr>
+        </p:nvSpPr>
+        <p:spPr/>
+        <p:txBody>
+          <a:bodyPr/>
+          <a:lstStyle/>
+          <a:p>
+            <a:fld id="{D57F1E4F-1CFF-5643-939E-02111984F565}" type="slidenum">
+              <a:rPr lang="en-US" smtClean="0"/>
+              <a:t>38</a:t>
+            </a:fld>
+            <a:endParaRPr lang="en-US" dirty="0"/>
+          </a:p>
+        </p:txBody>
+      </p:sp>
+      <p:pic>
+        <p:nvPicPr>
+          <p:cNvPr id="5122" name="Picture 2" descr="initmerg.PNG"/>
+          <p:cNvPicPr>
+            <a:picLocks noChangeAspect="1" noChangeArrowheads="1"/>
+          </p:cNvPicPr>
+          <p:nvPr/>
+        </p:nvPicPr>
+        <p:blipFill rotWithShape="1">
+          <a:blip r:embed="rId2">
+            <a:extLst>
+              <a:ext uri="{28A0092B-C50C-407E-A947-70E740481C1C}">
+                <a14:useLocalDpi xmlns:a14="http://schemas.microsoft.com/office/drawing/2010/main" val="0"/>
+              </a:ext>
+            </a:extLst>
+          </a:blip>
+          <a:srcRect l="5201" r="4146"/>
+          <a:stretch/>
+        </p:blipFill>
+        <p:spPr bwMode="auto">
+          <a:xfrm>
+            <a:off x="110359" y="3334106"/>
+            <a:ext cx="3846786" cy="1135272"/>
+          </a:xfrm>
+          <a:prstGeom prst="rect">
+            <a:avLst/>
+          </a:prstGeom>
+          <a:noFill/>
+          <a:extLst>
+            <a:ext uri="{909E8E84-426E-40DD-AFC4-6F175D3DCCD1}">
+              <a14:hiddenFill xmlns:a14="http://schemas.microsoft.com/office/drawing/2010/main">
+                <a:solidFill>
+                  <a:srgbClr val="FFFFFF"/>
+                </a:solidFill>
+              </a14:hiddenFill>
+            </a:ext>
+          </a:extLst>
+        </p:spPr>
+      </p:pic>
+      <p:pic>
+        <p:nvPicPr>
+          <p:cNvPr id="5124" name="Picture 4" descr="leftmerg.PNG"/>
+          <p:cNvPicPr>
+            <a:picLocks noChangeAspect="1" noChangeArrowheads="1"/>
+          </p:cNvPicPr>
+          <p:nvPr/>
+        </p:nvPicPr>
+        <p:blipFill rotWithShape="1">
+          <a:blip r:embed="rId3">
+            <a:extLst>
+              <a:ext uri="{28A0092B-C50C-407E-A947-70E740481C1C}">
+                <a14:useLocalDpi xmlns:a14="http://schemas.microsoft.com/office/drawing/2010/main" val="0"/>
+              </a:ext>
+            </a:extLst>
+          </a:blip>
+          <a:srcRect l="5723" t="6847" r="2357" b="7217"/>
+          <a:stretch/>
+        </p:blipFill>
+        <p:spPr bwMode="auto">
+          <a:xfrm>
+            <a:off x="3957145" y="1457840"/>
+            <a:ext cx="3589022" cy="1613054"/>
+          </a:xfrm>
+          <a:prstGeom prst="rect">
+            <a:avLst/>
+          </a:prstGeom>
+          <a:noFill/>
+          <a:extLst>
+            <a:ext uri="{909E8E84-426E-40DD-AFC4-6F175D3DCCD1}">
+              <a14:hiddenFill xmlns:a14="http://schemas.microsoft.com/office/drawing/2010/main">
+                <a:solidFill>
+                  <a:srgbClr val="FFFFFF"/>
+                </a:solidFill>
+              </a14:hiddenFill>
+            </a:ext>
+          </a:extLst>
+        </p:spPr>
+      </p:pic>
+      <p:cxnSp>
+        <p:nvCxnSpPr>
+          <p:cNvPr id="9" name="Elbow Connector 8"/>
+          <p:cNvCxnSpPr/>
+          <p:nvPr/>
+        </p:nvCxnSpPr>
+        <p:spPr>
+          <a:xfrm rot="5400000" flipH="1" flipV="1">
+            <a:off x="2291325" y="1727148"/>
+            <a:ext cx="1261102" cy="2070537"/>
+          </a:xfrm>
+          <a:prstGeom prst="bentConnector2">
+            <a:avLst/>
+          </a:prstGeom>
+          <a:ln>
+            <a:tailEnd type="triangle"/>
+          </a:ln>
+        </p:spPr>
+        <p:style>
+          <a:lnRef idx="1">
+            <a:schemeClr val="accent1"/>
+          </a:lnRef>
+          <a:fillRef idx="0">
+            <a:schemeClr val="accent1"/>
+          </a:fillRef>
+          <a:effectRef idx="0">
+            <a:schemeClr val="accent1"/>
+          </a:effectRef>
+          <a:fontRef idx="minor">
+            <a:schemeClr val="tx1"/>
+          </a:fontRef>
+        </p:style>
+      </p:cxnSp>
+      <p:pic>
+        <p:nvPicPr>
+          <p:cNvPr id="5126" name="Picture 6" descr="confmerge.PNG"/>
+          <p:cNvPicPr>
+            <a:picLocks noChangeAspect="1" noChangeArrowheads="1"/>
+          </p:cNvPicPr>
+          <p:nvPr/>
+        </p:nvPicPr>
+        <p:blipFill>
+          <a:blip r:embed="rId4">
+            <a:extLst>
+              <a:ext uri="{28A0092B-C50C-407E-A947-70E740481C1C}">
+                <a14:useLocalDpi xmlns:a14="http://schemas.microsoft.com/office/drawing/2010/main" val="0"/>
+              </a:ext>
+            </a:extLst>
+          </a:blip>
+          <a:srcRect/>
+          <a:stretch>
+            <a:fillRect/>
+          </a:stretch>
+        </p:blipFill>
+        <p:spPr bwMode="auto">
+          <a:xfrm>
+            <a:off x="3957145" y="4732591"/>
+            <a:ext cx="3589022" cy="1623759"/>
+          </a:xfrm>
+          <a:prstGeom prst="rect">
+            <a:avLst/>
+          </a:prstGeom>
+          <a:noFill/>
+          <a:extLst>
+            <a:ext uri="{909E8E84-426E-40DD-AFC4-6F175D3DCCD1}">
+              <a14:hiddenFill xmlns:a14="http://schemas.microsoft.com/office/drawing/2010/main">
+                <a:solidFill>
+                  <a:srgbClr val="FFFFFF"/>
+                </a:solidFill>
+              </a14:hiddenFill>
+            </a:ext>
+          </a:extLst>
+        </p:spPr>
+      </p:pic>
+      <p:cxnSp>
+        <p:nvCxnSpPr>
+          <p:cNvPr id="11" name="Elbow Connector 10"/>
+          <p:cNvCxnSpPr>
+            <a:stCxn id="5122" idx="2"/>
+            <a:endCxn id="5126" idx="1"/>
+          </p:cNvCxnSpPr>
+          <p:nvPr/>
+        </p:nvCxnSpPr>
+        <p:spPr>
+          <a:xfrm rot="16200000" flipH="1">
+            <a:off x="2457902" y="4045227"/>
+            <a:ext cx="1075093" cy="1923393"/>
+          </a:xfrm>
+          <a:prstGeom prst="bentConnector2">
+            <a:avLst/>
+          </a:prstGeom>
+          <a:ln>
+            <a:tailEnd type="triangle"/>
+          </a:ln>
+        </p:spPr>
+        <p:style>
+          <a:lnRef idx="1">
+            <a:schemeClr val="accent1"/>
+          </a:lnRef>
+          <a:fillRef idx="0">
+            <a:schemeClr val="accent1"/>
+          </a:fillRef>
+          <a:effectRef idx="0">
+            <a:schemeClr val="accent1"/>
+          </a:effectRef>
+          <a:fontRef idx="minor">
+            <a:schemeClr val="tx1"/>
+          </a:fontRef>
+        </p:style>
+      </p:cxnSp>
+      <p:cxnSp>
+        <p:nvCxnSpPr>
+          <p:cNvPr id="14" name="Elbow Connector 13"/>
+          <p:cNvCxnSpPr>
+            <a:stCxn id="5124" idx="3"/>
+            <a:endCxn id="15" idx="0"/>
+          </p:cNvCxnSpPr>
+          <p:nvPr/>
+        </p:nvCxnSpPr>
+        <p:spPr>
+          <a:xfrm>
+            <a:off x="7546167" y="2264367"/>
+            <a:ext cx="2685654" cy="1069739"/>
+          </a:xfrm>
+          <a:prstGeom prst="bentConnector2">
+            <a:avLst/>
+          </a:prstGeom>
+          <a:ln>
+            <a:tailEnd type="triangle"/>
+          </a:ln>
+        </p:spPr>
+        <p:style>
+          <a:lnRef idx="1">
+            <a:schemeClr val="accent1"/>
+          </a:lnRef>
+          <a:fillRef idx="0">
+            <a:schemeClr val="accent1"/>
+          </a:fillRef>
+          <a:effectRef idx="0">
+            <a:schemeClr val="accent1"/>
+          </a:effectRef>
+          <a:fontRef idx="minor">
+            <a:schemeClr val="tx1"/>
+          </a:fontRef>
+        </p:style>
+      </p:cxnSp>
+      <p:sp>
+        <p:nvSpPr>
+          <p:cNvPr id="15" name="Rectangle 14"/>
+          <p:cNvSpPr/>
+          <p:nvPr/>
+        </p:nvSpPr>
+        <p:spPr>
+          <a:xfrm>
+            <a:off x="9979187" y="3334106"/>
+            <a:ext cx="505267" cy="923330"/>
+          </a:xfrm>
+          <a:prstGeom prst="rect">
+            <a:avLst/>
+          </a:prstGeom>
+          <a:noFill/>
+        </p:spPr>
+        <p:txBody>
+          <a:bodyPr wrap="none" lIns="91440" tIns="45720" rIns="91440" bIns="45720">
+            <a:spAutoFit/>
+          </a:bodyPr>
+          <a:lstStyle/>
+          <a:p>
+            <a:pPr algn="ctr"/>
+            <a:r>
+              <a:rPr lang="en-US" sz="5400" b="0" cap="none" spc="0" dirty="0" smtClean="0">
+                <a:ln w="0"/>
+                <a:solidFill>
+                  <a:schemeClr val="tx1"/>
+                </a:solidFill>
+                <a:effectLst>
+                  <a:outerShdw blurRad="38100" dist="19050" dir="2700000" algn="tl" rotWithShape="0">
+                    <a:schemeClr val="dk1">
+                      <a:alpha val="40000"/>
+                    </a:schemeClr>
+                  </a:outerShdw>
+                </a:effectLst>
+              </a:rPr>
+              <a:t>?</a:t>
+            </a:r>
+            <a:endParaRPr lang="en-US" sz="5400" b="0" cap="none" spc="0" dirty="0">
+              <a:ln w="0"/>
+              <a:solidFill>
+                <a:schemeClr val="tx1"/>
+              </a:solidFill>
+              <a:effectLst>
+                <a:outerShdw blurRad="38100" dist="19050" dir="2700000" algn="tl" rotWithShape="0">
+                  <a:schemeClr val="dk1">
+                    <a:alpha val="40000"/>
+                  </a:schemeClr>
+                </a:outerShdw>
+              </a:effectLst>
+            </a:endParaRPr>
+          </a:p>
+        </p:txBody>
+      </p:sp>
+      <p:cxnSp>
+        <p:nvCxnSpPr>
+          <p:cNvPr id="20" name="Elbow Connector 19"/>
+          <p:cNvCxnSpPr>
+            <a:endCxn id="15" idx="2"/>
+          </p:cNvCxnSpPr>
+          <p:nvPr/>
+        </p:nvCxnSpPr>
+        <p:spPr>
+          <a:xfrm flipV="1">
+            <a:off x="7546167" y="4257436"/>
+            <a:ext cx="2685654" cy="1300832"/>
+          </a:xfrm>
+          <a:prstGeom prst="bentConnector2">
+            <a:avLst/>
+          </a:prstGeom>
+          <a:ln>
+            <a:tailEnd type="triangle"/>
+          </a:ln>
+        </p:spPr>
+        <p:style>
+          <a:lnRef idx="1">
+            <a:schemeClr val="accent1"/>
+          </a:lnRef>
+          <a:fillRef idx="0">
+            <a:schemeClr val="accent1"/>
+          </a:fillRef>
+          <a:effectRef idx="0">
+            <a:schemeClr val="accent1"/>
+          </a:effectRef>
+          <a:fontRef idx="minor">
+            <a:schemeClr val="tx1"/>
+          </a:fontRef>
+        </p:style>
+      </p:cxnSp>
+    </p:spTree>
+    <p:extLst>
+      <p:ext uri="{BB962C8B-B14F-4D97-AF65-F5344CB8AC3E}">
+        <p14:creationId xmlns:p14="http://schemas.microsoft.com/office/powerpoint/2010/main" val="4265224083"/>
+      </p:ext>
+    </p:extLst>
+  </p:cSld>
+  <p:clrMapOvr>
+    <a:masterClrMapping/>
+  </p:clrMapOvr>
+</p:sld>
+</file>
+
+<file path=ppt/slides/slide39.xml><?xml version="1.0" encoding="utf-8"?>
+<p:sld xmlns:a="http://schemas.openxmlformats.org/drawingml/2006/main" xmlns:r="http://schemas.openxmlformats.org/officeDocument/2006/relationships" xmlns:p="http://schemas.openxmlformats.org/presentationml/2006/main">
+  <p:cSld>
+    <p:spTree>
+      <p:nvGrpSpPr>
+        <p:cNvPr id="1" name=""/>
+        <p:cNvGrpSpPr/>
+        <p:nvPr/>
+      </p:nvGrpSpPr>
+      <p:grpSpPr>
+        <a:xfrm>
+          <a:off x="0" y="0"/>
+          <a:ext cx="0" cy="0"/>
+          <a:chOff x="0" y="0"/>
+          <a:chExt cx="0" cy="0"/>
+        </a:xfrm>
+      </p:grpSpPr>
+      <p:sp>
+        <p:nvSpPr>
+          <p:cNvPr id="2" name="Title 1"/>
+          <p:cNvSpPr>
+            <a:spLocks noGrp="1"/>
+          </p:cNvSpPr>
+          <p:nvPr>
+            <p:ph type="title"/>
+          </p:nvPr>
+        </p:nvSpPr>
+        <p:spPr/>
+        <p:txBody>
+          <a:bodyPr/>
+          <a:lstStyle/>
+          <a:p>
+            <a:r>
+              <a:rPr lang="en-US" dirty="0" smtClean="0"/>
+              <a:t>CONFLICTS IN ACTION</a:t>
+            </a:r>
+            <a:endParaRPr lang="en-US" dirty="0"/>
+          </a:p>
+        </p:txBody>
+      </p:sp>
+      <p:sp>
+        <p:nvSpPr>
+          <p:cNvPr id="4" name="Date Placeholder 3"/>
+          <p:cNvSpPr>
+            <a:spLocks noGrp="1"/>
+          </p:cNvSpPr>
+          <p:nvPr>
+            <p:ph type="dt" sz="half" idx="10"/>
+          </p:nvPr>
+        </p:nvSpPr>
+        <p:spPr/>
+        <p:txBody>
+          <a:bodyPr/>
+          <a:lstStyle/>
+          <a:p>
+            <a:fld id="{74F93749-3CD2-4A95-98ED-FE9E109683BE}" type="datetime4">
+              <a:rPr lang="en-US" smtClean="0"/>
+              <a:t>June 5, 2019</a:t>
+            </a:fld>
+            <a:endParaRPr lang="en-US" dirty="0"/>
+          </a:p>
+        </p:txBody>
+      </p:sp>
+      <p:sp>
+        <p:nvSpPr>
+          <p:cNvPr id="5" name="Footer Placeholder 4"/>
+          <p:cNvSpPr>
+            <a:spLocks noGrp="1"/>
+          </p:cNvSpPr>
+          <p:nvPr>
+            <p:ph type="ftr" sz="quarter" idx="11"/>
+          </p:nvPr>
+        </p:nvSpPr>
+        <p:spPr/>
+        <p:txBody>
+          <a:bodyPr/>
+          <a:lstStyle/>
+          <a:p>
+            <a:r>
+              <a:rPr lang="en-US" smtClean="0"/>
+              <a:t>Digital Scholarship Services </a:t>
+            </a:r>
+            <a:r>
+              <a:rPr lang="en-US" smtClean="0">
+                <a:solidFill>
+                  <a:schemeClr val="accent1">
+                    <a:lumMod val="50000"/>
+                  </a:schemeClr>
+                </a:solidFill>
+              </a:rPr>
+              <a:t>| Email</a:t>
+            </a:r>
+            <a:r>
+              <a:rPr lang="en-US" smtClean="0"/>
+              <a:t> cf24@rice.edu </a:t>
+            </a:r>
+            <a:r>
+              <a:rPr lang="en-US" smtClean="0">
+                <a:solidFill>
+                  <a:schemeClr val="accent1">
+                    <a:lumMod val="50000"/>
+                  </a:schemeClr>
+                </a:solidFill>
+              </a:rPr>
+              <a:t>|</a:t>
+            </a:r>
+            <a:r>
+              <a:rPr lang="en-US" smtClean="0"/>
+              <a:t> library.rice.edu/dss</a:t>
+            </a:r>
+            <a:endParaRPr lang="en-US" dirty="0"/>
+          </a:p>
+        </p:txBody>
+      </p:sp>
+      <p:sp>
+        <p:nvSpPr>
+          <p:cNvPr id="6" name="Slide Number Placeholder 5"/>
+          <p:cNvSpPr>
+            <a:spLocks noGrp="1"/>
+          </p:cNvSpPr>
+          <p:nvPr>
+            <p:ph type="sldNum" sz="quarter" idx="12"/>
+          </p:nvPr>
+        </p:nvSpPr>
+        <p:spPr/>
+        <p:txBody>
+          <a:bodyPr/>
+          <a:lstStyle/>
+          <a:p>
+            <a:fld id="{D57F1E4F-1CFF-5643-939E-02111984F565}" type="slidenum">
+              <a:rPr lang="en-US" smtClean="0"/>
+              <a:t>39</a:t>
+            </a:fld>
+            <a:endParaRPr lang="en-US" dirty="0"/>
+          </a:p>
+        </p:txBody>
+      </p:sp>
+      <p:pic>
+        <p:nvPicPr>
+          <p:cNvPr id="5124" name="Picture 4" descr="leftmerg.PNG"/>
+          <p:cNvPicPr>
+            <a:picLocks noChangeAspect="1" noChangeArrowheads="1"/>
+          </p:cNvPicPr>
+          <p:nvPr/>
+        </p:nvPicPr>
+        <p:blipFill rotWithShape="1">
+          <a:blip r:embed="rId2">
+            <a:extLst>
+              <a:ext uri="{28A0092B-C50C-407E-A947-70E740481C1C}">
+                <a14:useLocalDpi xmlns:a14="http://schemas.microsoft.com/office/drawing/2010/main" val="0"/>
+              </a:ext>
+            </a:extLst>
+          </a:blip>
+          <a:srcRect l="5723" t="6847" r="2357" b="7217"/>
+          <a:stretch/>
+        </p:blipFill>
+        <p:spPr bwMode="auto">
+          <a:xfrm>
+            <a:off x="835442" y="1897798"/>
+            <a:ext cx="3589022" cy="1613054"/>
+          </a:xfrm>
+          <a:prstGeom prst="rect">
+            <a:avLst/>
+          </a:prstGeom>
+          <a:noFill/>
+          <a:extLst>
+            <a:ext uri="{909E8E84-426E-40DD-AFC4-6F175D3DCCD1}">
+              <a14:hiddenFill xmlns:a14="http://schemas.microsoft.com/office/drawing/2010/main">
+                <a:solidFill>
+                  <a:srgbClr val="FFFFFF"/>
+                </a:solidFill>
+              </a14:hiddenFill>
+            </a:ext>
+          </a:extLst>
+        </p:spPr>
+      </p:pic>
+      <p:pic>
+        <p:nvPicPr>
+          <p:cNvPr id="5126" name="Picture 6" descr="confmerge.PNG"/>
+          <p:cNvPicPr>
+            <a:picLocks noChangeAspect="1" noChangeArrowheads="1"/>
+          </p:cNvPicPr>
+          <p:nvPr/>
+        </p:nvPicPr>
+        <p:blipFill>
+          <a:blip r:embed="rId3">
+            <a:extLst>
+              <a:ext uri="{28A0092B-C50C-407E-A947-70E740481C1C}">
+                <a14:useLocalDpi xmlns:a14="http://schemas.microsoft.com/office/drawing/2010/main" val="0"/>
+              </a:ext>
+            </a:extLst>
+          </a:blip>
+          <a:srcRect/>
+          <a:stretch>
+            <a:fillRect/>
+          </a:stretch>
+        </p:blipFill>
+        <p:spPr bwMode="auto">
+          <a:xfrm>
+            <a:off x="835442" y="4525481"/>
+            <a:ext cx="3586263" cy="1623759"/>
+          </a:xfrm>
+          <a:prstGeom prst="rect">
+            <a:avLst/>
+          </a:prstGeom>
+          <a:noFill/>
+          <a:extLst>
+            <a:ext uri="{909E8E84-426E-40DD-AFC4-6F175D3DCCD1}">
+              <a14:hiddenFill xmlns:a14="http://schemas.microsoft.com/office/drawing/2010/main">
+                <a:solidFill>
+                  <a:srgbClr val="FFFFFF"/>
+                </a:solidFill>
+              </a14:hiddenFill>
+            </a:ext>
+          </a:extLst>
+        </p:spPr>
+      </p:pic>
+      <p:cxnSp>
+        <p:nvCxnSpPr>
+          <p:cNvPr id="14" name="Elbow Connector 13"/>
+          <p:cNvCxnSpPr>
+            <a:stCxn id="5124" idx="2"/>
+            <a:endCxn id="6148" idx="1"/>
+          </p:cNvCxnSpPr>
+          <p:nvPr/>
+        </p:nvCxnSpPr>
+        <p:spPr>
+          <a:xfrm rot="16200000" flipH="1">
+            <a:off x="3440520" y="2700284"/>
+            <a:ext cx="512667" cy="2133801"/>
+          </a:xfrm>
+          <a:prstGeom prst="bentConnector2">
+            <a:avLst/>
+          </a:prstGeom>
+          <a:ln>
+            <a:tailEnd type="triangle"/>
+          </a:ln>
+        </p:spPr>
+        <p:style>
+          <a:lnRef idx="1">
+            <a:schemeClr val="accent1"/>
+          </a:lnRef>
+          <a:fillRef idx="0">
+            <a:schemeClr val="accent1"/>
+          </a:fillRef>
+          <a:effectRef idx="0">
+            <a:schemeClr val="accent1"/>
+          </a:effectRef>
+          <a:fontRef idx="minor">
+            <a:schemeClr val="tx1"/>
+          </a:fontRef>
+        </p:style>
+      </p:cxnSp>
+      <p:pic>
+        <p:nvPicPr>
+          <p:cNvPr id="6146" name="Picture 2" descr="finalconfmerge.PNG"/>
+          <p:cNvPicPr>
+            <a:picLocks noChangeAspect="1" noChangeArrowheads="1"/>
+          </p:cNvPicPr>
+          <p:nvPr/>
+        </p:nvPicPr>
+        <p:blipFill>
+          <a:blip r:embed="rId4">
+            <a:extLst>
+              <a:ext uri="{28A0092B-C50C-407E-A947-70E740481C1C}">
+                <a14:useLocalDpi xmlns:a14="http://schemas.microsoft.com/office/drawing/2010/main" val="0"/>
+              </a:ext>
+            </a:extLst>
+          </a:blip>
+          <a:srcRect/>
+          <a:stretch>
+            <a:fillRect/>
+          </a:stretch>
+        </p:blipFill>
+        <p:spPr bwMode="auto">
+          <a:xfrm>
+            <a:off x="8046072" y="3157507"/>
+            <a:ext cx="3872255" cy="1737211"/>
+          </a:xfrm>
+          <a:prstGeom prst="rect">
+            <a:avLst/>
+          </a:prstGeom>
+          <a:noFill/>
+          <a:extLst>
+            <a:ext uri="{909E8E84-426E-40DD-AFC4-6F175D3DCCD1}">
+              <a14:hiddenFill xmlns:a14="http://schemas.microsoft.com/office/drawing/2010/main">
+                <a:solidFill>
+                  <a:srgbClr val="FFFFFF"/>
+                </a:solidFill>
+              </a14:hiddenFill>
+            </a:ext>
+          </a:extLst>
+        </p:spPr>
+      </p:pic>
+      <p:pic>
+        <p:nvPicPr>
+          <p:cNvPr id="6148" name="Picture 4" descr="split.PNG"/>
+          <p:cNvPicPr>
+            <a:picLocks noChangeAspect="1" noChangeArrowheads="1"/>
+          </p:cNvPicPr>
+          <p:nvPr/>
+        </p:nvPicPr>
+        <p:blipFill>
+          <a:blip r:embed="rId5">
+            <a:extLst>
+              <a:ext uri="{28A0092B-C50C-407E-A947-70E740481C1C}">
+                <a14:useLocalDpi xmlns:a14="http://schemas.microsoft.com/office/drawing/2010/main" val="0"/>
+              </a:ext>
+            </a:extLst>
+          </a:blip>
+          <a:srcRect/>
+          <a:stretch>
+            <a:fillRect/>
+          </a:stretch>
+        </p:blipFill>
+        <p:spPr bwMode="auto">
+          <a:xfrm>
+            <a:off x="4763754" y="2222604"/>
+            <a:ext cx="2940269" cy="3601830"/>
+          </a:xfrm>
+          <a:prstGeom prst="rect">
+            <a:avLst/>
+          </a:prstGeom>
+          <a:noFill/>
+          <a:extLst>
+            <a:ext uri="{909E8E84-426E-40DD-AFC4-6F175D3DCCD1}">
+              <a14:hiddenFill xmlns:a14="http://schemas.microsoft.com/office/drawing/2010/main">
+                <a:solidFill>
+                  <a:srgbClr val="FFFFFF"/>
+                </a:solidFill>
+              </a14:hiddenFill>
+            </a:ext>
+          </a:extLst>
+        </p:spPr>
+      </p:pic>
+      <p:cxnSp>
+        <p:nvCxnSpPr>
+          <p:cNvPr id="22" name="Elbow Connector 21"/>
+          <p:cNvCxnSpPr>
+            <a:stCxn id="5126" idx="0"/>
+            <a:endCxn id="6148" idx="1"/>
+          </p:cNvCxnSpPr>
+          <p:nvPr/>
+        </p:nvCxnSpPr>
+        <p:spPr>
+          <a:xfrm rot="5400000" flipH="1" flipV="1">
+            <a:off x="3445183" y="3206910"/>
+            <a:ext cx="501962" cy="2135180"/>
+          </a:xfrm>
+          <a:prstGeom prst="bentConnector2">
+            <a:avLst/>
+          </a:prstGeom>
+          <a:ln>
+            <a:tailEnd type="triangle"/>
+          </a:ln>
+        </p:spPr>
+        <p:style>
+          <a:lnRef idx="1">
+            <a:schemeClr val="accent1"/>
+          </a:lnRef>
+          <a:fillRef idx="0">
+            <a:schemeClr val="accent1"/>
+          </a:fillRef>
+          <a:effectRef idx="0">
+            <a:schemeClr val="accent1"/>
+          </a:effectRef>
+          <a:fontRef idx="minor">
+            <a:schemeClr val="tx1"/>
+          </a:fontRef>
+        </p:style>
+      </p:cxnSp>
+      <p:cxnSp>
+        <p:nvCxnSpPr>
+          <p:cNvPr id="25" name="Elbow Connector 24"/>
+          <p:cNvCxnSpPr>
+            <a:stCxn id="6148" idx="3"/>
+            <a:endCxn id="6146" idx="1"/>
+          </p:cNvCxnSpPr>
+          <p:nvPr/>
+        </p:nvCxnSpPr>
+        <p:spPr>
+          <a:xfrm>
+            <a:off x="7704023" y="4023519"/>
+            <a:ext cx="342049" cy="2594"/>
+          </a:xfrm>
+          <a:prstGeom prst="bentConnector3">
+            <a:avLst>
+              <a:gd name="adj1" fmla="val 50000"/>
+            </a:avLst>
+          </a:prstGeom>
+          <a:ln>
+            <a:tailEnd type="triangle"/>
+          </a:ln>
+        </p:spPr>
+        <p:style>
+          <a:lnRef idx="1">
+            <a:schemeClr val="accent1"/>
+          </a:lnRef>
+          <a:fillRef idx="0">
+            <a:schemeClr val="accent1"/>
+          </a:fillRef>
+          <a:effectRef idx="0">
+            <a:schemeClr val="accent1"/>
+          </a:effectRef>
+          <a:fontRef idx="minor">
+            <a:schemeClr val="tx1"/>
+          </a:fontRef>
+        </p:style>
+      </p:cxnSp>
+    </p:spTree>
+    <p:extLst>
+      <p:ext uri="{BB962C8B-B14F-4D97-AF65-F5344CB8AC3E}">
+        <p14:creationId xmlns:p14="http://schemas.microsoft.com/office/powerpoint/2010/main" val="3248164842"/>
+      </p:ext>
+    </p:extLst>
+  </p:cSld>
+  <p:clrMapOvr>
+    <a:masterClrMapping/>
+  </p:clrMapOvr>
 </p:sld>
 </file>
 
@@ -8759,7 +12239,7 @@
           <a:p>
             <a:fld id="{ABCDBDCF-BD7C-42D5-AA45-BDAC8FAB55A4}" type="datetime4">
               <a:rPr lang="en-US" smtClean="0"/>
-              <a:t>June 3, 2019</a:t>
+              <a:t>June 5, 2019</a:t>
             </a:fld>
             <a:endParaRPr lang="en-US" dirty="0"/>
           </a:p>
@@ -8843,6 +12323,461 @@
     <p:extLst>
       <p:ext uri="{BB962C8B-B14F-4D97-AF65-F5344CB8AC3E}">
         <p14:creationId xmlns:p14="http://schemas.microsoft.com/office/powerpoint/2010/main" val="2155920567"/>
+      </p:ext>
+    </p:extLst>
+  </p:cSld>
+  <p:clrMapOvr>
+    <a:masterClrMapping/>
+  </p:clrMapOvr>
+  <p:timing>
+    <p:tnLst>
+      <p:par>
+        <p:cTn id="1" dur="indefinite" restart="never" nodeType="tmRoot"/>
+      </p:par>
+    </p:tnLst>
+  </p:timing>
+</p:sld>
+</file>
+
+<file path=ppt/slides/slide40.xml><?xml version="1.0" encoding="utf-8"?>
+<p:sld xmlns:a="http://schemas.openxmlformats.org/drawingml/2006/main" xmlns:r="http://schemas.openxmlformats.org/officeDocument/2006/relationships" xmlns:p="http://schemas.openxmlformats.org/presentationml/2006/main">
+  <p:cSld>
+    <p:spTree>
+      <p:nvGrpSpPr>
+        <p:cNvPr id="1" name=""/>
+        <p:cNvGrpSpPr/>
+        <p:nvPr/>
+      </p:nvGrpSpPr>
+      <p:grpSpPr>
+        <a:xfrm>
+          <a:off x="0" y="0"/>
+          <a:ext cx="0" cy="0"/>
+          <a:chOff x="0" y="0"/>
+          <a:chExt cx="0" cy="0"/>
+        </a:xfrm>
+      </p:grpSpPr>
+      <p:sp>
+        <p:nvSpPr>
+          <p:cNvPr id="2" name="Title 1"/>
+          <p:cNvSpPr>
+            <a:spLocks noGrp="1"/>
+          </p:cNvSpPr>
+          <p:nvPr>
+            <p:ph type="title"/>
+          </p:nvPr>
+        </p:nvSpPr>
+        <p:spPr/>
+        <p:txBody>
+          <a:bodyPr/>
+          <a:lstStyle/>
+          <a:p>
+            <a:r>
+              <a:rPr lang="en-US" dirty="0" smtClean="0"/>
+              <a:t>CONFLICTS AND MERGING</a:t>
+            </a:r>
+            <a:endParaRPr lang="en-US" dirty="0"/>
+          </a:p>
+        </p:txBody>
+      </p:sp>
+      <p:sp>
+        <p:nvSpPr>
+          <p:cNvPr id="3" name="Content Placeholder 2"/>
+          <p:cNvSpPr>
+            <a:spLocks noGrp="1"/>
+          </p:cNvSpPr>
+          <p:nvPr>
+            <p:ph idx="1"/>
+          </p:nvPr>
+        </p:nvSpPr>
+        <p:spPr/>
+        <p:txBody>
+          <a:bodyPr/>
+          <a:lstStyle/>
+          <a:p>
+            <a:r>
+              <a:rPr lang="en-US" dirty="0" smtClean="0"/>
+              <a:t>Create a new branch.</a:t>
+            </a:r>
+          </a:p>
+          <a:p>
+            <a:r>
+              <a:rPr lang="en-US" dirty="0"/>
+              <a:t>E</a:t>
+            </a:r>
+            <a:r>
+              <a:rPr lang="en-US" dirty="0" smtClean="0"/>
+              <a:t>dit community.txt to include only a one-line message.</a:t>
+            </a:r>
+          </a:p>
+          <a:p>
+            <a:r>
+              <a:rPr lang="en-US" dirty="0" smtClean="0"/>
+              <a:t>Try to merge it.</a:t>
+            </a:r>
+          </a:p>
+          <a:p>
+            <a:r>
+              <a:rPr lang="en-US" dirty="0" smtClean="0"/>
+              <a:t>If it fails, merge by combining the two messages. Don’t delete anyone else’s work!</a:t>
+            </a:r>
+            <a:endParaRPr lang="en-US" dirty="0"/>
+          </a:p>
+        </p:txBody>
+      </p:sp>
+      <p:sp>
+        <p:nvSpPr>
+          <p:cNvPr id="4" name="Date Placeholder 3"/>
+          <p:cNvSpPr>
+            <a:spLocks noGrp="1"/>
+          </p:cNvSpPr>
+          <p:nvPr>
+            <p:ph type="dt" sz="half" idx="10"/>
+          </p:nvPr>
+        </p:nvSpPr>
+        <p:spPr/>
+        <p:txBody>
+          <a:bodyPr/>
+          <a:lstStyle/>
+          <a:p>
+            <a:fld id="{74F93749-3CD2-4A95-98ED-FE9E109683BE}" type="datetime4">
+              <a:rPr lang="en-US" smtClean="0"/>
+              <a:t>June 5, 2019</a:t>
+            </a:fld>
+            <a:endParaRPr lang="en-US" dirty="0"/>
+          </a:p>
+        </p:txBody>
+      </p:sp>
+      <p:sp>
+        <p:nvSpPr>
+          <p:cNvPr id="5" name="Footer Placeholder 4"/>
+          <p:cNvSpPr>
+            <a:spLocks noGrp="1"/>
+          </p:cNvSpPr>
+          <p:nvPr>
+            <p:ph type="ftr" sz="quarter" idx="11"/>
+          </p:nvPr>
+        </p:nvSpPr>
+        <p:spPr/>
+        <p:txBody>
+          <a:bodyPr/>
+          <a:lstStyle/>
+          <a:p>
+            <a:r>
+              <a:rPr lang="en-US" smtClean="0"/>
+              <a:t>Digital Scholarship Services </a:t>
+            </a:r>
+            <a:r>
+              <a:rPr lang="en-US" smtClean="0">
+                <a:solidFill>
+                  <a:schemeClr val="accent1">
+                    <a:lumMod val="50000"/>
+                  </a:schemeClr>
+                </a:solidFill>
+              </a:rPr>
+              <a:t>| Email</a:t>
+            </a:r>
+            <a:r>
+              <a:rPr lang="en-US" smtClean="0"/>
+              <a:t> cf24@rice.edu </a:t>
+            </a:r>
+            <a:r>
+              <a:rPr lang="en-US" smtClean="0">
+                <a:solidFill>
+                  <a:schemeClr val="accent1">
+                    <a:lumMod val="50000"/>
+                  </a:schemeClr>
+                </a:solidFill>
+              </a:rPr>
+              <a:t>|</a:t>
+            </a:r>
+            <a:r>
+              <a:rPr lang="en-US" smtClean="0"/>
+              <a:t> library.rice.edu/dss</a:t>
+            </a:r>
+            <a:endParaRPr lang="en-US" dirty="0"/>
+          </a:p>
+        </p:txBody>
+      </p:sp>
+      <p:sp>
+        <p:nvSpPr>
+          <p:cNvPr id="6" name="Slide Number Placeholder 5"/>
+          <p:cNvSpPr>
+            <a:spLocks noGrp="1"/>
+          </p:cNvSpPr>
+          <p:nvPr>
+            <p:ph type="sldNum" sz="quarter" idx="12"/>
+          </p:nvPr>
+        </p:nvSpPr>
+        <p:spPr/>
+        <p:txBody>
+          <a:bodyPr/>
+          <a:lstStyle/>
+          <a:p>
+            <a:fld id="{D57F1E4F-1CFF-5643-939E-02111984F565}" type="slidenum">
+              <a:rPr lang="en-US" smtClean="0"/>
+              <a:t>40</a:t>
+            </a:fld>
+            <a:endParaRPr lang="en-US" dirty="0"/>
+          </a:p>
+        </p:txBody>
+      </p:sp>
+    </p:spTree>
+    <p:extLst>
+      <p:ext uri="{BB962C8B-B14F-4D97-AF65-F5344CB8AC3E}">
+        <p14:creationId xmlns:p14="http://schemas.microsoft.com/office/powerpoint/2010/main" val="1032289041"/>
+      </p:ext>
+    </p:extLst>
+  </p:cSld>
+  <p:clrMapOvr>
+    <a:masterClrMapping/>
+  </p:clrMapOvr>
+</p:sld>
+</file>
+
+<file path=ppt/slides/slide41.xml><?xml version="1.0" encoding="utf-8"?>
+<p:sld xmlns:a="http://schemas.openxmlformats.org/drawingml/2006/main" xmlns:r="http://schemas.openxmlformats.org/officeDocument/2006/relationships" xmlns:p="http://schemas.openxmlformats.org/presentationml/2006/main">
+  <p:cSld>
+    <p:spTree>
+      <p:nvGrpSpPr>
+        <p:cNvPr id="1" name=""/>
+        <p:cNvGrpSpPr/>
+        <p:nvPr/>
+      </p:nvGrpSpPr>
+      <p:grpSpPr>
+        <a:xfrm>
+          <a:off x="0" y="0"/>
+          <a:ext cx="0" cy="0"/>
+          <a:chOff x="0" y="0"/>
+          <a:chExt cx="0" cy="0"/>
+        </a:xfrm>
+      </p:grpSpPr>
+      <p:sp>
+        <p:nvSpPr>
+          <p:cNvPr id="2" name="Title 1"/>
+          <p:cNvSpPr>
+            <a:spLocks noGrp="1"/>
+          </p:cNvSpPr>
+          <p:nvPr>
+            <p:ph type="title"/>
+          </p:nvPr>
+        </p:nvSpPr>
+        <p:spPr/>
+        <p:txBody>
+          <a:bodyPr/>
+          <a:lstStyle/>
+          <a:p>
+            <a:r>
+              <a:rPr lang="en-US" dirty="0" smtClean="0">
+                <a:latin typeface="+mn-lt"/>
+              </a:rPr>
+              <a:t>ACKNOWLEDGMENTS</a:t>
+            </a:r>
+            <a:endParaRPr lang="en-US" dirty="0">
+              <a:latin typeface="+mn-lt"/>
+            </a:endParaRPr>
+          </a:p>
+        </p:txBody>
+      </p:sp>
+      <p:sp>
+        <p:nvSpPr>
+          <p:cNvPr id="3" name="Content Placeholder 2"/>
+          <p:cNvSpPr>
+            <a:spLocks noGrp="1"/>
+          </p:cNvSpPr>
+          <p:nvPr>
+            <p:ph idx="1"/>
+          </p:nvPr>
+        </p:nvSpPr>
+        <p:spPr/>
+        <p:txBody>
+          <a:bodyPr/>
+          <a:lstStyle/>
+          <a:p>
+            <a:r>
+              <a:rPr lang="en-US" dirty="0"/>
+              <a:t>The </a:t>
+            </a:r>
+            <a:r>
+              <a:rPr lang="en-US" dirty="0" smtClean="0"/>
+              <a:t>figures are </a:t>
+            </a:r>
+            <a:r>
+              <a:rPr lang="en-US" dirty="0"/>
+              <a:t>taken from Pro </a:t>
+            </a:r>
+            <a:r>
+              <a:rPr lang="en-US" dirty="0" err="1"/>
+              <a:t>Git</a:t>
+            </a:r>
+            <a:r>
+              <a:rPr lang="en-US" dirty="0"/>
+              <a:t> book, written by Scott Chacon and Ben Straub and published by </a:t>
+            </a:r>
+            <a:r>
+              <a:rPr lang="en-US" dirty="0" err="1"/>
+              <a:t>Apress</a:t>
+            </a:r>
+            <a:r>
+              <a:rPr lang="en-US" dirty="0"/>
+              <a:t>, </a:t>
+            </a:r>
+            <a:r>
+              <a:rPr lang="en-US" dirty="0" smtClean="0"/>
+              <a:t>used under </a:t>
+            </a:r>
+            <a:r>
+              <a:rPr lang="en-US" dirty="0"/>
+              <a:t>the terms of the Creative Commons Attribution-</a:t>
+            </a:r>
+            <a:r>
+              <a:rPr lang="en-US" dirty="0" err="1"/>
+              <a:t>NonCommercial</a:t>
+            </a:r>
+            <a:r>
+              <a:rPr lang="en-US" dirty="0"/>
+              <a:t>-</a:t>
+            </a:r>
+            <a:r>
+              <a:rPr lang="en-US" dirty="0" err="1"/>
+              <a:t>ShareAlike</a:t>
+            </a:r>
+            <a:r>
+              <a:rPr lang="en-US" dirty="0"/>
+              <a:t> 3.0 </a:t>
+            </a:r>
+            <a:r>
+              <a:rPr lang="en-US" dirty="0" err="1"/>
+              <a:t>Unported</a:t>
+            </a:r>
+            <a:r>
+              <a:rPr lang="en-US" dirty="0"/>
+              <a:t> License</a:t>
+            </a:r>
+            <a:r>
+              <a:rPr lang="en-US" dirty="0" smtClean="0"/>
+              <a:t>.</a:t>
+            </a:r>
+          </a:p>
+          <a:p>
+            <a:r>
+              <a:rPr lang="en-US" dirty="0" smtClean="0"/>
+              <a:t>The GitHub mark is used under their official license (</a:t>
+            </a:r>
+            <a:r>
+              <a:rPr lang="en-US" dirty="0">
+                <a:hlinkClick r:id="rId2"/>
+              </a:rPr>
+              <a:t>https://github.com/logos</a:t>
+            </a:r>
+            <a:r>
+              <a:rPr lang="en-US" dirty="0" smtClean="0"/>
+              <a:t>)</a:t>
+            </a:r>
+            <a:endParaRPr lang="en-US" dirty="0"/>
+          </a:p>
+        </p:txBody>
+      </p:sp>
+      <p:sp>
+        <p:nvSpPr>
+          <p:cNvPr id="5" name="Date Placeholder 4"/>
+          <p:cNvSpPr>
+            <a:spLocks noGrp="1"/>
+          </p:cNvSpPr>
+          <p:nvPr>
+            <p:ph type="dt" sz="half" idx="10"/>
+          </p:nvPr>
+        </p:nvSpPr>
+        <p:spPr/>
+        <p:txBody>
+          <a:bodyPr/>
+          <a:lstStyle/>
+          <a:p>
+            <a:fld id="{9985793D-3B5D-46A1-A058-9C498F103400}" type="datetime4">
+              <a:rPr lang="en-US" smtClean="0"/>
+              <a:t>June 5, 2019</a:t>
+            </a:fld>
+            <a:endParaRPr lang="en-US" dirty="0"/>
+          </a:p>
+        </p:txBody>
+      </p:sp>
+      <p:sp>
+        <p:nvSpPr>
+          <p:cNvPr id="6" name="Slide Number Placeholder 5"/>
+          <p:cNvSpPr>
+            <a:spLocks noGrp="1"/>
+          </p:cNvSpPr>
+          <p:nvPr>
+            <p:ph type="sldNum" sz="quarter" idx="12"/>
+          </p:nvPr>
+        </p:nvSpPr>
+        <p:spPr/>
+        <p:txBody>
+          <a:bodyPr/>
+          <a:lstStyle/>
+          <a:p>
+            <a:fld id="{D57F1E4F-1CFF-5643-939E-02111984F565}" type="slidenum">
+              <a:rPr lang="en-US" smtClean="0"/>
+              <a:t>41</a:t>
+            </a:fld>
+            <a:endParaRPr lang="en-US" dirty="0"/>
+          </a:p>
+        </p:txBody>
+      </p:sp>
+      <p:sp>
+        <p:nvSpPr>
+          <p:cNvPr id="7" name="Footer Placeholder 6"/>
+          <p:cNvSpPr>
+            <a:spLocks noGrp="1"/>
+          </p:cNvSpPr>
+          <p:nvPr>
+            <p:ph type="ftr" sz="quarter" idx="11"/>
+          </p:nvPr>
+        </p:nvSpPr>
+        <p:spPr/>
+        <p:txBody>
+          <a:bodyPr/>
+          <a:lstStyle/>
+          <a:p>
+            <a:r>
+              <a:rPr lang="en-US" smtClean="0"/>
+              <a:t>Digital Scholarship Services </a:t>
+            </a:r>
+            <a:r>
+              <a:rPr lang="en-US" smtClean="0">
+                <a:solidFill>
+                  <a:schemeClr val="accent1">
+                    <a:lumMod val="50000"/>
+                  </a:schemeClr>
+                </a:solidFill>
+              </a:rPr>
+              <a:t>| Email</a:t>
+            </a:r>
+            <a:r>
+              <a:rPr lang="en-US" smtClean="0"/>
+              <a:t> cf24@rice.edu </a:t>
+            </a:r>
+            <a:r>
+              <a:rPr lang="en-US" smtClean="0">
+                <a:solidFill>
+                  <a:schemeClr val="accent1">
+                    <a:lumMod val="50000"/>
+                  </a:schemeClr>
+                </a:solidFill>
+              </a:rPr>
+              <a:t>|</a:t>
+            </a:r>
+            <a:r>
+              <a:rPr lang="en-US" smtClean="0"/>
+              <a:t> library.rice.edu/dss</a:t>
+            </a:r>
+            <a:endParaRPr lang="en-US" dirty="0"/>
+          </a:p>
+        </p:txBody>
+      </p:sp>
+    </p:spTree>
+    <p:extLst>
+      <p:ext uri="{BB962C8B-B14F-4D97-AF65-F5344CB8AC3E}">
+        <p14:creationId xmlns:p14="http://schemas.microsoft.com/office/powerpoint/2010/main" val="3144273736"/>
       </p:ext>
     </p:extLst>
   </p:cSld>
@@ -8939,7 +12874,7 @@
           <a:p>
             <a:fld id="{FB169DAF-4CD7-4B82-BB7C-54F3FCD01B55}" type="datetime4">
               <a:rPr lang="en-US" smtClean="0"/>
-              <a:t>June 3, 2019</a:t>
+              <a:t>June 5, 2019</a:t>
             </a:fld>
             <a:endParaRPr lang="en-US" dirty="0"/>
           </a:p>
@@ -9131,7 +13066,7 @@
           <a:p>
             <a:fld id="{4573C887-AB40-46D8-8F4C-D4BD7F03A5A2}" type="datetime4">
               <a:rPr lang="en-US" smtClean="0"/>
-              <a:t>June 3, 2019</a:t>
+              <a:t>June 5, 2019</a:t>
             </a:fld>
             <a:endParaRPr lang="en-US" dirty="0"/>
           </a:p>
@@ -9349,7 +13284,7 @@
           <a:p>
             <a:fld id="{028403BE-1A09-4C34-8E7D-EE75D3FBE4FE}" type="datetime4">
               <a:rPr lang="en-US" smtClean="0"/>
-              <a:t>June 3, 2019</a:t>
+              <a:t>June 5, 2019</a:t>
             </a:fld>
             <a:endParaRPr lang="en-US" dirty="0"/>
           </a:p>
@@ -9559,7 +13494,7 @@
           <a:p>
             <a:fld id="{0E6AE29B-8C09-43B5-86A8-3F3FC8EBB2F2}" type="datetime4">
               <a:rPr lang="en-US" smtClean="0"/>
-              <a:t>June 3, 2019</a:t>
+              <a:t>June 5, 2019</a:t>
             </a:fld>
             <a:endParaRPr lang="en-US" dirty="0"/>
           </a:p>
@@ -9741,15 +13676,7 @@
           <a:p>
             <a:r>
               <a:rPr lang="en-US" dirty="0" smtClean="0"/>
-              <a:t>Snapshots stored on your computer, not </a:t>
-            </a:r>
-            <a:r>
-              <a:rPr lang="en-US" dirty="0" smtClean="0"/>
-              <a:t>only on a </a:t>
-            </a:r>
-            <a:r>
-              <a:rPr lang="en-US" dirty="0" smtClean="0"/>
-              <a:t>server!</a:t>
+              <a:t>Snapshots stored on your computer, not only on a server!</a:t>
             </a:r>
           </a:p>
           <a:p>
@@ -9764,22 +13691,14 @@
             </a:r>
             <a:r>
               <a:rPr lang="en-US" dirty="0" smtClean="0"/>
-              <a:t> </a:t>
-            </a:r>
+              <a:t> directory</a:t>
+            </a:r>
+          </a:p>
+          <a:p>
+            <a:pPr lvl="1"/>
             <a:r>
               <a:rPr lang="en-US" dirty="0" smtClean="0"/>
-              <a:t>directory</a:t>
-            </a:r>
-          </a:p>
-          <a:p>
-            <a:pPr lvl="1"/>
-            <a:r>
-              <a:rPr lang="en-US" dirty="0" smtClean="0"/>
-              <a:t>Stores entire history of </a:t>
-            </a:r>
-            <a:r>
-              <a:rPr lang="en-US" dirty="0" smtClean="0"/>
-              <a:t>project (compressed!)</a:t>
+              <a:t>Stores entire history of project (compressed!)</a:t>
             </a:r>
             <a:endParaRPr lang="en-US" dirty="0"/>
           </a:p>
@@ -9802,7 +13721,7 @@
           <a:p>
             <a:fld id="{4815664E-A18A-488C-8881-DD662D5EA9B7}" type="datetime4">
               <a:rPr lang="en-US" smtClean="0"/>
-              <a:t>June 3, 2019</a:t>
+              <a:t>June 5, 2019</a:t>
             </a:fld>
             <a:endParaRPr lang="en-US" dirty="0"/>
           </a:p>

--- a/github/Introduction to Git & Github.pptx
+++ b/github/Introduction to Git & Github.pptx
@@ -301,38 +301,37 @@
           <a:p>
             <a:pPr lvl="0"/>
             <a:r>
-              <a:rPr lang="en-US" smtClean="0"/>
+              <a:rPr lang="en-US"/>
               <a:t>Edit Master text styles</a:t>
             </a:r>
           </a:p>
           <a:p>
             <a:pPr lvl="1"/>
             <a:r>
-              <a:rPr lang="en-US" smtClean="0"/>
+              <a:rPr lang="en-US"/>
               <a:t>Second level</a:t>
             </a:r>
           </a:p>
           <a:p>
             <a:pPr lvl="2"/>
             <a:r>
-              <a:rPr lang="en-US" smtClean="0"/>
+              <a:rPr lang="en-US"/>
               <a:t>Third level</a:t>
             </a:r>
           </a:p>
           <a:p>
             <a:pPr lvl="3"/>
             <a:r>
-              <a:rPr lang="en-US" smtClean="0"/>
+              <a:rPr lang="en-US"/>
               <a:t>Fourth level</a:t>
             </a:r>
           </a:p>
           <a:p>
             <a:pPr lvl="4"/>
             <a:r>
-              <a:rPr lang="en-US" smtClean="0"/>
+              <a:rPr lang="en-US"/>
               <a:t>Fifth level</a:t>
             </a:r>
-            <a:endParaRPr lang="en-US"/>
           </a:p>
         </p:txBody>
       </p:sp>
@@ -547,10 +546,9 @@
           </a:lstStyle>
           <a:p>
             <a:r>
-              <a:rPr lang="en-US" smtClean="0"/>
+              <a:rPr lang="en-US"/>
               <a:t>Click to edit Master title style</a:t>
             </a:r>
-            <a:endParaRPr lang="en-US"/>
           </a:p>
         </p:txBody>
       </p:sp>
@@ -612,10 +610,9 @@
           </a:lstStyle>
           <a:p>
             <a:r>
-              <a:rPr lang="en-US" smtClean="0"/>
+              <a:rPr lang="en-US"/>
               <a:t>Click to edit Master subtitle style</a:t>
             </a:r>
-            <a:endParaRPr lang="en-US"/>
           </a:p>
         </p:txBody>
       </p:sp>
@@ -658,7 +655,7 @@
           <a:lstStyle/>
           <a:p>
             <a:r>
-              <a:rPr lang="en-US" smtClean="0"/>
+              <a:rPr lang="en-US"/>
               <a:t>Digital Scholarship Services | Email cf24@rice.edu | library.rice.edu/dss</a:t>
             </a:r>
             <a:endParaRPr lang="en-US" dirty="0"/>
@@ -698,13 +695,6 @@
   <p:clrMapOvr>
     <a:masterClrMapping/>
   </p:clrMapOvr>
-  <p:timing>
-    <p:tnLst>
-      <p:par>
-        <p:cTn id="1" dur="indefinite" restart="never" nodeType="tmRoot"/>
-      </p:par>
-    </p:tnLst>
-  </p:timing>
 </p:sldLayout>
 </file>
 
@@ -741,10 +731,9 @@
           <a:lstStyle/>
           <a:p>
             <a:r>
-              <a:rPr lang="en-US" smtClean="0"/>
+              <a:rPr lang="en-US"/>
               <a:t>Click to edit Master title style</a:t>
             </a:r>
-            <a:endParaRPr lang="en-US"/>
           </a:p>
         </p:txBody>
       </p:sp>
@@ -765,38 +754,37 @@
           <a:p>
             <a:pPr lvl="0"/>
             <a:r>
-              <a:rPr lang="en-US" smtClean="0"/>
+              <a:rPr lang="en-US"/>
               <a:t>Edit Master text styles</a:t>
             </a:r>
           </a:p>
           <a:p>
             <a:pPr lvl="1"/>
             <a:r>
-              <a:rPr lang="en-US" smtClean="0"/>
+              <a:rPr lang="en-US"/>
               <a:t>Second level</a:t>
             </a:r>
           </a:p>
           <a:p>
             <a:pPr lvl="2"/>
             <a:r>
-              <a:rPr lang="en-US" smtClean="0"/>
+              <a:rPr lang="en-US"/>
               <a:t>Third level</a:t>
             </a:r>
           </a:p>
           <a:p>
             <a:pPr lvl="3"/>
             <a:r>
-              <a:rPr lang="en-US" smtClean="0"/>
+              <a:rPr lang="en-US"/>
               <a:t>Fourth level</a:t>
             </a:r>
           </a:p>
           <a:p>
             <a:pPr lvl="4"/>
             <a:r>
-              <a:rPr lang="en-US" smtClean="0"/>
+              <a:rPr lang="en-US"/>
               <a:t>Fifth level</a:t>
             </a:r>
-            <a:endParaRPr lang="en-US"/>
           </a:p>
         </p:txBody>
       </p:sp>
@@ -839,7 +827,7 @@
           <a:lstStyle/>
           <a:p>
             <a:r>
-              <a:rPr lang="en-US" smtClean="0"/>
+              <a:rPr lang="en-US"/>
               <a:t>Digital Scholarship Services | Email cf24@rice.edu | library.rice.edu/dss</a:t>
             </a:r>
             <a:endParaRPr lang="en-US" dirty="0"/>
@@ -920,10 +908,9 @@
           <a:lstStyle/>
           <a:p>
             <a:r>
-              <a:rPr lang="en-US" smtClean="0"/>
+              <a:rPr lang="en-US"/>
               <a:t>Click to edit Master title style</a:t>
             </a:r>
-            <a:endParaRPr lang="en-US"/>
           </a:p>
         </p:txBody>
       </p:sp>
@@ -949,38 +936,37 @@
           <a:p>
             <a:pPr lvl="0"/>
             <a:r>
-              <a:rPr lang="en-US" smtClean="0"/>
+              <a:rPr lang="en-US"/>
               <a:t>Edit Master text styles</a:t>
             </a:r>
           </a:p>
           <a:p>
             <a:pPr lvl="1"/>
             <a:r>
-              <a:rPr lang="en-US" smtClean="0"/>
+              <a:rPr lang="en-US"/>
               <a:t>Second level</a:t>
             </a:r>
           </a:p>
           <a:p>
             <a:pPr lvl="2"/>
             <a:r>
-              <a:rPr lang="en-US" smtClean="0"/>
+              <a:rPr lang="en-US"/>
               <a:t>Third level</a:t>
             </a:r>
           </a:p>
           <a:p>
             <a:pPr lvl="3"/>
             <a:r>
-              <a:rPr lang="en-US" smtClean="0"/>
+              <a:rPr lang="en-US"/>
               <a:t>Fourth level</a:t>
             </a:r>
           </a:p>
           <a:p>
             <a:pPr lvl="4"/>
             <a:r>
-              <a:rPr lang="en-US" smtClean="0"/>
+              <a:rPr lang="en-US"/>
               <a:t>Fifth level</a:t>
             </a:r>
-            <a:endParaRPr lang="en-US"/>
           </a:p>
         </p:txBody>
       </p:sp>
@@ -1023,7 +1009,7 @@
           <a:lstStyle/>
           <a:p>
             <a:r>
-              <a:rPr lang="en-US" smtClean="0"/>
+              <a:rPr lang="en-US"/>
               <a:t>Digital Scholarship Services | Email cf24@rice.edu | library.rice.edu/dss</a:t>
             </a:r>
             <a:endParaRPr lang="en-US" dirty="0"/>
@@ -1110,10 +1096,9 @@
           </a:lstStyle>
           <a:p>
             <a:r>
-              <a:rPr lang="en-US" dirty="0" smtClean="0"/>
+              <a:rPr lang="en-US" dirty="0"/>
               <a:t>Click to edit Master title style</a:t>
             </a:r>
-            <a:endParaRPr lang="en-US" dirty="0"/>
           </a:p>
         </p:txBody>
       </p:sp>
@@ -1134,38 +1119,37 @@
           <a:p>
             <a:pPr lvl="0"/>
             <a:r>
-              <a:rPr lang="en-US" smtClean="0"/>
+              <a:rPr lang="en-US"/>
               <a:t>Edit Master text styles</a:t>
             </a:r>
           </a:p>
           <a:p>
             <a:pPr lvl="1"/>
             <a:r>
-              <a:rPr lang="en-US" smtClean="0"/>
+              <a:rPr lang="en-US"/>
               <a:t>Second level</a:t>
             </a:r>
           </a:p>
           <a:p>
             <a:pPr lvl="2"/>
             <a:r>
-              <a:rPr lang="en-US" smtClean="0"/>
+              <a:rPr lang="en-US"/>
               <a:t>Third level</a:t>
             </a:r>
           </a:p>
           <a:p>
             <a:pPr lvl="3"/>
             <a:r>
-              <a:rPr lang="en-US" smtClean="0"/>
+              <a:rPr lang="en-US"/>
               <a:t>Fourth level</a:t>
             </a:r>
           </a:p>
           <a:p>
             <a:pPr lvl="4"/>
             <a:r>
-              <a:rPr lang="en-US" smtClean="0"/>
+              <a:rPr lang="en-US"/>
               <a:t>Fifth level</a:t>
             </a:r>
-            <a:endParaRPr lang="en-US"/>
           </a:p>
         </p:txBody>
       </p:sp>
@@ -1213,11 +1197,11 @@
           <a:lstStyle/>
           <a:p>
             <a:r>
-              <a:rPr lang="en-US" dirty="0" smtClean="0"/>
+              <a:rPr lang="en-US" dirty="0"/>
               <a:t>Digital Scholarship Services </a:t>
             </a:r>
             <a:r>
-              <a:rPr lang="en-US" dirty="0" smtClean="0">
+              <a:rPr lang="en-US" dirty="0">
                 <a:solidFill>
                   <a:schemeClr val="accent1">
                     <a:lumMod val="50000"/>
@@ -1227,11 +1211,11 @@
               <a:t>| Email</a:t>
             </a:r>
             <a:r>
-              <a:rPr lang="en-US" dirty="0" smtClean="0"/>
+              <a:rPr lang="en-US" dirty="0"/>
               <a:t> cf24@rice.edu </a:t>
             </a:r>
             <a:r>
-              <a:rPr lang="en-US" dirty="0" smtClean="0">
+              <a:rPr lang="en-US" dirty="0">
                 <a:solidFill>
                   <a:schemeClr val="accent1">
                     <a:lumMod val="50000"/>
@@ -1241,11 +1225,11 @@
               <a:t>|</a:t>
             </a:r>
             <a:r>
-              <a:rPr lang="en-US" dirty="0" smtClean="0"/>
+              <a:rPr lang="en-US" dirty="0"/>
               <a:t> library.rice.edu/</a:t>
             </a:r>
             <a:r>
-              <a:rPr lang="en-US" dirty="0" err="1" smtClean="0"/>
+              <a:rPr lang="en-US" dirty="0" err="1"/>
               <a:t>dss</a:t>
             </a:r>
             <a:endParaRPr lang="en-US" dirty="0"/>
@@ -1315,13 +1299,6 @@
   <p:clrMapOvr>
     <a:masterClrMapping/>
   </p:clrMapOvr>
-  <p:timing>
-    <p:tnLst>
-      <p:par>
-        <p:cTn id="1" dur="indefinite" restart="never" nodeType="tmRoot"/>
-      </p:par>
-    </p:tnLst>
-  </p:timing>
 </p:sldLayout>
 </file>
 
@@ -1367,10 +1344,9 @@
           </a:lstStyle>
           <a:p>
             <a:r>
-              <a:rPr lang="en-US" smtClean="0"/>
+              <a:rPr lang="en-US"/>
               <a:t>Click to edit Master title style</a:t>
             </a:r>
-            <a:endParaRPr lang="en-US"/>
           </a:p>
         </p:txBody>
       </p:sp>
@@ -1487,7 +1463,7 @@
           <a:p>
             <a:pPr lvl="0"/>
             <a:r>
-              <a:rPr lang="en-US" smtClean="0"/>
+              <a:rPr lang="en-US"/>
               <a:t>Edit Master text styles</a:t>
             </a:r>
           </a:p>
@@ -1532,11 +1508,11 @@
           <a:lstStyle/>
           <a:p>
             <a:r>
-              <a:rPr lang="en-US" dirty="0" smtClean="0"/>
+              <a:rPr lang="en-US" dirty="0"/>
               <a:t>Digital Scholarship Services </a:t>
             </a:r>
             <a:r>
-              <a:rPr lang="en-US" dirty="0" smtClean="0">
+              <a:rPr lang="en-US" dirty="0">
                 <a:solidFill>
                   <a:schemeClr val="accent1">
                     <a:lumMod val="50000"/>
@@ -1546,11 +1522,11 @@
               <a:t>| Email</a:t>
             </a:r>
             <a:r>
-              <a:rPr lang="en-US" dirty="0" smtClean="0"/>
+              <a:rPr lang="en-US" dirty="0"/>
               <a:t> cf24@rice.edu </a:t>
             </a:r>
             <a:r>
-              <a:rPr lang="en-US" dirty="0" smtClean="0">
+              <a:rPr lang="en-US" dirty="0">
                 <a:solidFill>
                   <a:schemeClr val="accent1">
                     <a:lumMod val="50000"/>
@@ -1560,11 +1536,11 @@
               <a:t>|</a:t>
             </a:r>
             <a:r>
-              <a:rPr lang="en-US" dirty="0" smtClean="0"/>
+              <a:rPr lang="en-US" dirty="0"/>
               <a:t> library.rice.edu/</a:t>
             </a:r>
             <a:r>
-              <a:rPr lang="en-US" dirty="0" err="1" smtClean="0"/>
+              <a:rPr lang="en-US" dirty="0" err="1"/>
               <a:t>dss</a:t>
             </a:r>
             <a:endParaRPr lang="en-US" dirty="0"/>
@@ -1634,13 +1610,6 @@
   <p:clrMapOvr>
     <a:masterClrMapping/>
   </p:clrMapOvr>
-  <p:timing>
-    <p:tnLst>
-      <p:par>
-        <p:cTn id="1" dur="indefinite" restart="never" nodeType="tmRoot"/>
-      </p:par>
-    </p:tnLst>
-  </p:timing>
 </p:sldLayout>
 </file>
 
@@ -1677,10 +1646,9 @@
           <a:lstStyle/>
           <a:p>
             <a:r>
-              <a:rPr lang="en-US" smtClean="0"/>
+              <a:rPr lang="en-US"/>
               <a:t>Click to edit Master title style</a:t>
             </a:r>
-            <a:endParaRPr lang="en-US"/>
           </a:p>
         </p:txBody>
       </p:sp>
@@ -1706,38 +1674,37 @@
           <a:p>
             <a:pPr lvl="0"/>
             <a:r>
-              <a:rPr lang="en-US" smtClean="0"/>
+              <a:rPr lang="en-US"/>
               <a:t>Edit Master text styles</a:t>
             </a:r>
           </a:p>
           <a:p>
             <a:pPr lvl="1"/>
             <a:r>
-              <a:rPr lang="en-US" smtClean="0"/>
+              <a:rPr lang="en-US"/>
               <a:t>Second level</a:t>
             </a:r>
           </a:p>
           <a:p>
             <a:pPr lvl="2"/>
             <a:r>
-              <a:rPr lang="en-US" smtClean="0"/>
+              <a:rPr lang="en-US"/>
               <a:t>Third level</a:t>
             </a:r>
           </a:p>
           <a:p>
             <a:pPr lvl="3"/>
             <a:r>
-              <a:rPr lang="en-US" smtClean="0"/>
+              <a:rPr lang="en-US"/>
               <a:t>Fourth level</a:t>
             </a:r>
           </a:p>
           <a:p>
             <a:pPr lvl="4"/>
             <a:r>
-              <a:rPr lang="en-US" smtClean="0"/>
+              <a:rPr lang="en-US"/>
               <a:t>Fifth level</a:t>
             </a:r>
-            <a:endParaRPr lang="en-US"/>
           </a:p>
         </p:txBody>
       </p:sp>
@@ -1763,38 +1730,37 @@
           <a:p>
             <a:pPr lvl="0"/>
             <a:r>
-              <a:rPr lang="en-US" smtClean="0"/>
+              <a:rPr lang="en-US"/>
               <a:t>Edit Master text styles</a:t>
             </a:r>
           </a:p>
           <a:p>
             <a:pPr lvl="1"/>
             <a:r>
-              <a:rPr lang="en-US" smtClean="0"/>
+              <a:rPr lang="en-US"/>
               <a:t>Second level</a:t>
             </a:r>
           </a:p>
           <a:p>
             <a:pPr lvl="2"/>
             <a:r>
-              <a:rPr lang="en-US" smtClean="0"/>
+              <a:rPr lang="en-US"/>
               <a:t>Third level</a:t>
             </a:r>
           </a:p>
           <a:p>
             <a:pPr lvl="3"/>
             <a:r>
-              <a:rPr lang="en-US" smtClean="0"/>
+              <a:rPr lang="en-US"/>
               <a:t>Fourth level</a:t>
             </a:r>
           </a:p>
           <a:p>
             <a:pPr lvl="4"/>
             <a:r>
-              <a:rPr lang="en-US" smtClean="0"/>
+              <a:rPr lang="en-US"/>
               <a:t>Fifth level</a:t>
             </a:r>
-            <a:endParaRPr lang="en-US"/>
           </a:p>
         </p:txBody>
       </p:sp>
@@ -1837,7 +1803,7 @@
           <a:lstStyle/>
           <a:p>
             <a:r>
-              <a:rPr lang="en-US" smtClean="0"/>
+              <a:rPr lang="en-US"/>
               <a:t>Digital Scholarship Services | Email cf24@rice.edu | library.rice.edu/dss</a:t>
             </a:r>
             <a:endParaRPr lang="en-US" dirty="0"/>
@@ -1877,13 +1843,6 @@
   <p:clrMapOvr>
     <a:masterClrMapping/>
   </p:clrMapOvr>
-  <p:timing>
-    <p:tnLst>
-      <p:par>
-        <p:cTn id="1" dur="indefinite" restart="never" nodeType="tmRoot"/>
-      </p:par>
-    </p:tnLst>
-  </p:timing>
 </p:sldLayout>
 </file>
 
@@ -1925,10 +1884,9 @@
           <a:lstStyle/>
           <a:p>
             <a:r>
-              <a:rPr lang="en-US" smtClean="0"/>
+              <a:rPr lang="en-US"/>
               <a:t>Click to edit Master title style</a:t>
             </a:r>
-            <a:endParaRPr lang="en-US"/>
           </a:p>
         </p:txBody>
       </p:sp>
@@ -1991,7 +1949,7 @@
           <a:p>
             <a:pPr lvl="0"/>
             <a:r>
-              <a:rPr lang="en-US" smtClean="0"/>
+              <a:rPr lang="en-US"/>
               <a:t>Edit Master text styles</a:t>
             </a:r>
           </a:p>
@@ -2019,38 +1977,37 @@
           <a:p>
             <a:pPr lvl="0"/>
             <a:r>
-              <a:rPr lang="en-US" smtClean="0"/>
+              <a:rPr lang="en-US"/>
               <a:t>Edit Master text styles</a:t>
             </a:r>
           </a:p>
           <a:p>
             <a:pPr lvl="1"/>
             <a:r>
-              <a:rPr lang="en-US" smtClean="0"/>
+              <a:rPr lang="en-US"/>
               <a:t>Second level</a:t>
             </a:r>
           </a:p>
           <a:p>
             <a:pPr lvl="2"/>
             <a:r>
-              <a:rPr lang="en-US" smtClean="0"/>
+              <a:rPr lang="en-US"/>
               <a:t>Third level</a:t>
             </a:r>
           </a:p>
           <a:p>
             <a:pPr lvl="3"/>
             <a:r>
-              <a:rPr lang="en-US" smtClean="0"/>
+              <a:rPr lang="en-US"/>
               <a:t>Fourth level</a:t>
             </a:r>
           </a:p>
           <a:p>
             <a:pPr lvl="4"/>
             <a:r>
-              <a:rPr lang="en-US" smtClean="0"/>
+              <a:rPr lang="en-US"/>
               <a:t>Fifth level</a:t>
             </a:r>
-            <a:endParaRPr lang="en-US"/>
           </a:p>
         </p:txBody>
       </p:sp>
@@ -2113,7 +2070,7 @@
           <a:p>
             <a:pPr lvl="0"/>
             <a:r>
-              <a:rPr lang="en-US" smtClean="0"/>
+              <a:rPr lang="en-US"/>
               <a:t>Edit Master text styles</a:t>
             </a:r>
           </a:p>
@@ -2141,38 +2098,37 @@
           <a:p>
             <a:pPr lvl="0"/>
             <a:r>
-              <a:rPr lang="en-US" smtClean="0"/>
+              <a:rPr lang="en-US"/>
               <a:t>Edit Master text styles</a:t>
             </a:r>
           </a:p>
           <a:p>
             <a:pPr lvl="1"/>
             <a:r>
-              <a:rPr lang="en-US" smtClean="0"/>
+              <a:rPr lang="en-US"/>
               <a:t>Second level</a:t>
             </a:r>
           </a:p>
           <a:p>
             <a:pPr lvl="2"/>
             <a:r>
-              <a:rPr lang="en-US" smtClean="0"/>
+              <a:rPr lang="en-US"/>
               <a:t>Third level</a:t>
             </a:r>
           </a:p>
           <a:p>
             <a:pPr lvl="3"/>
             <a:r>
-              <a:rPr lang="en-US" smtClean="0"/>
+              <a:rPr lang="en-US"/>
               <a:t>Fourth level</a:t>
             </a:r>
           </a:p>
           <a:p>
             <a:pPr lvl="4"/>
             <a:r>
-              <a:rPr lang="en-US" smtClean="0"/>
+              <a:rPr lang="en-US"/>
               <a:t>Fifth level</a:t>
             </a:r>
-            <a:endParaRPr lang="en-US"/>
           </a:p>
         </p:txBody>
       </p:sp>
@@ -2215,7 +2171,7 @@
           <a:lstStyle/>
           <a:p>
             <a:r>
-              <a:rPr lang="en-US" smtClean="0"/>
+              <a:rPr lang="en-US"/>
               <a:t>Digital Scholarship Services | Email cf24@rice.edu | library.rice.edu/dss</a:t>
             </a:r>
             <a:endParaRPr lang="en-US" dirty="0"/>
@@ -2255,13 +2211,6 @@
   <p:clrMapOvr>
     <a:masterClrMapping/>
   </p:clrMapOvr>
-  <p:timing>
-    <p:tnLst>
-      <p:par>
-        <p:cTn id="1" dur="indefinite" restart="never" nodeType="tmRoot"/>
-      </p:par>
-    </p:tnLst>
-  </p:timing>
 </p:sldLayout>
 </file>
 
@@ -2298,10 +2247,9 @@
           <a:lstStyle/>
           <a:p>
             <a:r>
-              <a:rPr lang="en-US" smtClean="0"/>
+              <a:rPr lang="en-US"/>
               <a:t>Click to edit Master title style</a:t>
             </a:r>
-            <a:endParaRPr lang="en-US"/>
           </a:p>
         </p:txBody>
       </p:sp>
@@ -2344,7 +2292,7 @@
           <a:lstStyle/>
           <a:p>
             <a:r>
-              <a:rPr lang="en-US" smtClean="0"/>
+              <a:rPr lang="en-US"/>
               <a:t>Digital Scholarship Services | Email cf24@rice.edu | library.rice.edu/dss</a:t>
             </a:r>
             <a:endParaRPr lang="en-US" dirty="0"/>
@@ -2384,13 +2332,6 @@
   <p:clrMapOvr>
     <a:masterClrMapping/>
   </p:clrMapOvr>
-  <p:timing>
-    <p:tnLst>
-      <p:par>
-        <p:cTn id="1" dur="indefinite" restart="never" nodeType="tmRoot"/>
-      </p:par>
-    </p:tnLst>
-  </p:timing>
 </p:sldLayout>
 </file>
 
@@ -2450,7 +2391,7 @@
           <a:lstStyle/>
           <a:p>
             <a:r>
-              <a:rPr lang="en-US" smtClean="0"/>
+              <a:rPr lang="en-US"/>
               <a:t>Digital Scholarship Services | Email cf24@rice.edu | library.rice.edu/dss</a:t>
             </a:r>
             <a:endParaRPr lang="en-US" dirty="0"/>
@@ -2535,10 +2476,9 @@
           </a:lstStyle>
           <a:p>
             <a:r>
-              <a:rPr lang="en-US" smtClean="0"/>
+              <a:rPr lang="en-US"/>
               <a:t>Click to edit Master title style</a:t>
             </a:r>
-            <a:endParaRPr lang="en-US"/>
           </a:p>
         </p:txBody>
       </p:sp>
@@ -2592,38 +2532,37 @@
           <a:p>
             <a:pPr lvl="0"/>
             <a:r>
-              <a:rPr lang="en-US" smtClean="0"/>
+              <a:rPr lang="en-US"/>
               <a:t>Edit Master text styles</a:t>
             </a:r>
           </a:p>
           <a:p>
             <a:pPr lvl="1"/>
             <a:r>
-              <a:rPr lang="en-US" smtClean="0"/>
+              <a:rPr lang="en-US"/>
               <a:t>Second level</a:t>
             </a:r>
           </a:p>
           <a:p>
             <a:pPr lvl="2"/>
             <a:r>
-              <a:rPr lang="en-US" smtClean="0"/>
+              <a:rPr lang="en-US"/>
               <a:t>Third level</a:t>
             </a:r>
           </a:p>
           <a:p>
             <a:pPr lvl="3"/>
             <a:r>
-              <a:rPr lang="en-US" smtClean="0"/>
+              <a:rPr lang="en-US"/>
               <a:t>Fourth level</a:t>
             </a:r>
           </a:p>
           <a:p>
             <a:pPr lvl="4"/>
             <a:r>
-              <a:rPr lang="en-US" smtClean="0"/>
+              <a:rPr lang="en-US"/>
               <a:t>Fifth level</a:t>
             </a:r>
-            <a:endParaRPr lang="en-US"/>
           </a:p>
         </p:txBody>
       </p:sp>
@@ -2686,7 +2625,7 @@
           <a:p>
             <a:pPr lvl="0"/>
             <a:r>
-              <a:rPr lang="en-US" smtClean="0"/>
+              <a:rPr lang="en-US"/>
               <a:t>Edit Master text styles</a:t>
             </a:r>
           </a:p>
@@ -2731,7 +2670,7 @@
           <a:lstStyle/>
           <a:p>
             <a:r>
-              <a:rPr lang="en-US" smtClean="0"/>
+              <a:rPr lang="en-US"/>
               <a:t>Digital Scholarship Services | Email cf24@rice.edu | library.rice.edu/dss</a:t>
             </a:r>
             <a:endParaRPr lang="en-US" dirty="0"/>
@@ -2816,10 +2755,9 @@
           </a:lstStyle>
           <a:p>
             <a:r>
-              <a:rPr lang="en-US" smtClean="0"/>
+              <a:rPr lang="en-US"/>
               <a:t>Click to edit Master title style</a:t>
             </a:r>
-            <a:endParaRPr lang="en-US"/>
           </a:p>
         </p:txBody>
       </p:sp>
@@ -2881,10 +2819,9 @@
           </a:lstStyle>
           <a:p>
             <a:r>
-              <a:rPr lang="en-US" smtClean="0"/>
+              <a:rPr lang="en-US"/>
               <a:t>Click icon to add picture</a:t>
             </a:r>
-            <a:endParaRPr lang="en-US"/>
           </a:p>
         </p:txBody>
       </p:sp>
@@ -2947,7 +2884,7 @@
           <a:p>
             <a:pPr lvl="0"/>
             <a:r>
-              <a:rPr lang="en-US" smtClean="0"/>
+              <a:rPr lang="en-US"/>
               <a:t>Edit Master text styles</a:t>
             </a:r>
           </a:p>
@@ -2992,7 +2929,7 @@
           <a:lstStyle/>
           <a:p>
             <a:r>
-              <a:rPr lang="en-US" smtClean="0"/>
+              <a:rPr lang="en-US"/>
               <a:t>Digital Scholarship Services | Email cf24@rice.edu | library.rice.edu/dss</a:t>
             </a:r>
             <a:endParaRPr lang="en-US" dirty="0"/>
@@ -3086,10 +3023,9 @@
           <a:lstStyle/>
           <a:p>
             <a:r>
-              <a:rPr lang="en-US" dirty="0" smtClean="0"/>
+              <a:rPr lang="en-US" dirty="0"/>
               <a:t>Click to edit Master title style</a:t>
             </a:r>
-            <a:endParaRPr lang="en-US" dirty="0"/>
           </a:p>
         </p:txBody>
       </p:sp>
@@ -3120,38 +3056,37 @@
           <a:p>
             <a:pPr lvl="0"/>
             <a:r>
-              <a:rPr lang="en-US" dirty="0" smtClean="0"/>
+              <a:rPr lang="en-US" dirty="0"/>
               <a:t>Edit Master text styles</a:t>
             </a:r>
           </a:p>
           <a:p>
             <a:pPr lvl="1"/>
             <a:r>
-              <a:rPr lang="en-US" dirty="0" smtClean="0"/>
+              <a:rPr lang="en-US" dirty="0"/>
               <a:t>Second level</a:t>
             </a:r>
           </a:p>
           <a:p>
             <a:pPr lvl="2"/>
             <a:r>
-              <a:rPr lang="en-US" dirty="0" smtClean="0"/>
+              <a:rPr lang="en-US" dirty="0"/>
               <a:t>Third level</a:t>
             </a:r>
           </a:p>
           <a:p>
             <a:pPr lvl="3"/>
             <a:r>
-              <a:rPr lang="en-US" dirty="0" smtClean="0"/>
+              <a:rPr lang="en-US" dirty="0"/>
               <a:t>Fourth level</a:t>
             </a:r>
           </a:p>
           <a:p>
             <a:pPr lvl="4"/>
             <a:r>
-              <a:rPr lang="en-US" dirty="0" smtClean="0"/>
+              <a:rPr lang="en-US" dirty="0"/>
               <a:t>Fifth level</a:t>
             </a:r>
-            <a:endParaRPr lang="en-US" dirty="0"/>
           </a:p>
         </p:txBody>
       </p:sp>
@@ -3230,11 +3165,11 @@
           </a:lstStyle>
           <a:p>
             <a:r>
-              <a:rPr lang="en-US" dirty="0" smtClean="0"/>
+              <a:rPr lang="en-US" dirty="0"/>
               <a:t>Digital Scholarship Services </a:t>
             </a:r>
             <a:r>
-              <a:rPr lang="en-US" dirty="0" smtClean="0">
+              <a:rPr lang="en-US" dirty="0">
                 <a:solidFill>
                   <a:schemeClr val="accent1">
                     <a:lumMod val="50000"/>
@@ -3244,11 +3179,11 @@
               <a:t>| Email</a:t>
             </a:r>
             <a:r>
-              <a:rPr lang="en-US" dirty="0" smtClean="0"/>
+              <a:rPr lang="en-US" dirty="0"/>
               <a:t> cf24@rice.edu </a:t>
             </a:r>
             <a:r>
-              <a:rPr lang="en-US" dirty="0" smtClean="0">
+              <a:rPr lang="en-US" dirty="0">
                 <a:solidFill>
                   <a:schemeClr val="accent1">
                     <a:lumMod val="50000"/>
@@ -3258,11 +3193,11 @@
               <a:t>|</a:t>
             </a:r>
             <a:r>
-              <a:rPr lang="en-US" dirty="0" smtClean="0"/>
+              <a:rPr lang="en-US" dirty="0"/>
               <a:t> library.rice.edu/</a:t>
             </a:r>
             <a:r>
-              <a:rPr lang="en-US" dirty="0" err="1" smtClean="0"/>
+              <a:rPr lang="en-US" dirty="0" err="1"/>
               <a:t>dss</a:t>
             </a:r>
             <a:endParaRPr lang="en-US" dirty="0"/>
@@ -3331,13 +3266,6 @@
     <p:sldLayoutId id="2147483717" r:id="rId10"/>
     <p:sldLayoutId id="2147483718" r:id="rId11"/>
   </p:sldLayoutIdLst>
-  <p:timing>
-    <p:tnLst>
-      <p:par>
-        <p:cTn id="1" dur="indefinite" restart="never" nodeType="tmRoot"/>
-      </p:par>
-    </p:tnLst>
-  </p:timing>
   <p:hf hdr="0"/>
   <p:txStyles>
     <p:titleStyle>
@@ -3662,7 +3590,7 @@
           <a:lstStyle/>
           <a:p>
             <a:r>
-              <a:rPr lang="en-US" sz="4000" b="1" dirty="0" smtClean="0">
+              <a:rPr lang="en-US" sz="4000" b="1" dirty="0">
                 <a:solidFill>
                   <a:schemeClr val="accent1">
                     <a:lumMod val="50000"/>
@@ -3671,15 +3599,11 @@
               </a:rPr>
               <a:t>Introduction to </a:t>
             </a:r>
-            <a:r>
-              <a:rPr lang="en-US" b="1" dirty="0" smtClean="0"/>
-              <a:t/>
-            </a:r>
             <a:br>
-              <a:rPr lang="en-US" b="1" dirty="0" smtClean="0"/>
+              <a:rPr lang="en-US" b="1" dirty="0"/>
             </a:br>
             <a:r>
-              <a:rPr lang="en-US" sz="6600" b="1" dirty="0" err="1" smtClean="0">
+              <a:rPr lang="en-US" sz="6600" b="1" dirty="0" err="1">
                 <a:solidFill>
                   <a:schemeClr val="accent1">
                     <a:lumMod val="50000"/>
@@ -3689,7 +3613,7 @@
               <a:t>Git</a:t>
             </a:r>
             <a:r>
-              <a:rPr lang="en-US" sz="6600" b="1" dirty="0" smtClean="0">
+              <a:rPr lang="en-US" sz="6600" b="1" dirty="0">
                 <a:solidFill>
                   <a:schemeClr val="accent1">
                     <a:lumMod val="50000"/>
@@ -3698,16 +3622,8 @@
               </a:rPr>
               <a:t> and GitHub</a:t>
             </a:r>
-            <a:r>
-              <a:rPr lang="en-US" sz="6600" dirty="0" smtClean="0">
-                <a:solidFill>
-                  <a:srgbClr val="860000"/>
-                </a:solidFill>
-              </a:rPr>
-              <a:t/>
-            </a:r>
             <a:br>
-              <a:rPr lang="en-US" sz="6600" dirty="0" smtClean="0">
+              <a:rPr lang="en-US" sz="6600" dirty="0">
                 <a:solidFill>
                   <a:srgbClr val="860000"/>
                 </a:solidFill>
@@ -3884,7 +3800,7 @@
           <a:lstStyle/>
           <a:p>
             <a:r>
-              <a:rPr lang="en-US" dirty="0" smtClean="0">
+              <a:rPr lang="en-US" dirty="0">
                 <a:solidFill>
                   <a:schemeClr val="accent1">
                     <a:lumMod val="50000"/>
@@ -3893,13 +3809,6 @@
               </a:rPr>
               <a:t>Digital Scholarship Services</a:t>
             </a:r>
-            <a:endParaRPr lang="en-US" dirty="0">
-              <a:solidFill>
-                <a:schemeClr val="accent1">
-                  <a:lumMod val="50000"/>
-                </a:schemeClr>
-              </a:solidFill>
-            </a:endParaRPr>
           </a:p>
         </p:txBody>
       </p:sp>
@@ -3943,13 +3852,6 @@
   <p:clrMapOvr>
     <a:masterClrMapping/>
   </p:clrMapOvr>
-  <p:timing>
-    <p:tnLst>
-      <p:par>
-        <p:cTn id="1" dur="indefinite" restart="never" nodeType="tmRoot"/>
-      </p:par>
-    </p:tnLst>
-  </p:timing>
 </p:sld>
 </file>
 
@@ -3986,14 +3888,11 @@
           <a:lstStyle/>
           <a:p>
             <a:r>
-              <a:rPr lang="en-US" dirty="0" smtClean="0">
+              <a:rPr lang="en-US" dirty="0">
                 <a:latin typeface="+mn-lt"/>
               </a:rPr>
               <a:t>STATES OF FILES IN A REPOSITORY</a:t>
             </a:r>
-            <a:endParaRPr lang="en-US" dirty="0">
-              <a:latin typeface="+mn-lt"/>
-            </a:endParaRPr>
           </a:p>
         </p:txBody>
       </p:sp>
@@ -4096,13 +3995,8 @@
             </a:r>
             <a:r>
               <a:rPr lang="en-US" dirty="0"/>
-              <a:t> take a snapshot of our file</a:t>
-            </a:r>
-            <a:r>
-              <a:rPr lang="en-US" dirty="0" smtClean="0"/>
-              <a:t>.</a:t>
-            </a:r>
-            <a:endParaRPr lang="en-US" dirty="0"/>
+              <a:t> take a snapshot of our file.</a:t>
+            </a:r>
           </a:p>
         </p:txBody>
       </p:sp>
@@ -4168,11 +4062,11 @@
           <a:lstStyle/>
           <a:p>
             <a:r>
-              <a:rPr lang="en-US" smtClean="0"/>
+              <a:rPr lang="en-US"/>
               <a:t>Digital Scholarship Services </a:t>
             </a:r>
             <a:r>
-              <a:rPr lang="en-US" smtClean="0">
+              <a:rPr lang="en-US">
                 <a:solidFill>
                   <a:schemeClr val="accent1">
                     <a:lumMod val="50000"/>
@@ -4182,11 +4076,11 @@
               <a:t>| Email</a:t>
             </a:r>
             <a:r>
-              <a:rPr lang="en-US" smtClean="0"/>
+              <a:rPr lang="en-US"/>
               <a:t> cf24@rice.edu </a:t>
             </a:r>
             <a:r>
-              <a:rPr lang="en-US" smtClean="0">
+              <a:rPr lang="en-US">
                 <a:solidFill>
                   <a:schemeClr val="accent1">
                     <a:lumMod val="50000"/>
@@ -4196,7 +4090,7 @@
               <a:t>|</a:t>
             </a:r>
             <a:r>
-              <a:rPr lang="en-US" smtClean="0"/>
+              <a:rPr lang="en-US"/>
               <a:t> library.rice.edu/dss</a:t>
             </a:r>
             <a:endParaRPr lang="en-US" dirty="0"/>
@@ -4213,13 +4107,6 @@
   <p:clrMapOvr>
     <a:masterClrMapping/>
   </p:clrMapOvr>
-  <p:timing>
-    <p:tnLst>
-      <p:par>
-        <p:cTn id="1" dur="indefinite" restart="never" nodeType="tmRoot"/>
-      </p:par>
-    </p:tnLst>
-  </p:timing>
 </p:sld>
 </file>
 
@@ -4256,14 +4143,11 @@
           <a:lstStyle/>
           <a:p>
             <a:r>
-              <a:rPr lang="en-US" dirty="0" smtClean="0">
+              <a:rPr lang="en-US" dirty="0">
                 <a:latin typeface="+mn-lt"/>
               </a:rPr>
               <a:t>STATES OF FILES IN A REPOSITORY</a:t>
             </a:r>
-            <a:endParaRPr lang="en-US" dirty="0">
-              <a:latin typeface="+mn-lt"/>
-            </a:endParaRPr>
           </a:p>
         </p:txBody>
       </p:sp>
@@ -4353,11 +4237,11 @@
           <a:lstStyle/>
           <a:p>
             <a:r>
-              <a:rPr lang="en-US" smtClean="0"/>
+              <a:rPr lang="en-US"/>
               <a:t>Digital Scholarship Services </a:t>
             </a:r>
             <a:r>
-              <a:rPr lang="en-US" smtClean="0">
+              <a:rPr lang="en-US">
                 <a:solidFill>
                   <a:schemeClr val="accent1">
                     <a:lumMod val="50000"/>
@@ -4367,11 +4251,11 @@
               <a:t>| Email</a:t>
             </a:r>
             <a:r>
-              <a:rPr lang="en-US" smtClean="0"/>
+              <a:rPr lang="en-US"/>
               <a:t> cf24@rice.edu </a:t>
             </a:r>
             <a:r>
-              <a:rPr lang="en-US" smtClean="0">
+              <a:rPr lang="en-US">
                 <a:solidFill>
                   <a:schemeClr val="accent1">
                     <a:lumMod val="50000"/>
@@ -4381,7 +4265,7 @@
               <a:t>|</a:t>
             </a:r>
             <a:r>
-              <a:rPr lang="en-US" smtClean="0"/>
+              <a:rPr lang="en-US"/>
               <a:t> library.rice.edu/dss</a:t>
             </a:r>
             <a:endParaRPr lang="en-US" dirty="0"/>
@@ -4398,13 +4282,6 @@
   <p:clrMapOvr>
     <a:masterClrMapping/>
   </p:clrMapOvr>
-  <p:timing>
-    <p:tnLst>
-      <p:par>
-        <p:cTn id="1" dur="indefinite" restart="never" nodeType="tmRoot"/>
-      </p:par>
-    </p:tnLst>
-  </p:timing>
 </p:sld>
 </file>
 
@@ -4441,25 +4318,22 @@
           <a:lstStyle/>
           <a:p>
             <a:r>
-              <a:rPr lang="en-US" dirty="0" smtClean="0">
+              <a:rPr lang="en-US" dirty="0">
                 <a:latin typeface="+mn-lt"/>
               </a:rPr>
               <a:t>CREATING &amp; CLONING</a:t>
             </a:r>
             <a:br>
-              <a:rPr lang="en-US" dirty="0" smtClean="0">
+              <a:rPr lang="en-US" dirty="0">
                 <a:latin typeface="+mn-lt"/>
               </a:rPr>
             </a:br>
             <a:r>
-              <a:rPr lang="en-US" dirty="0" smtClean="0">
+              <a:rPr lang="en-US" dirty="0">
                 <a:latin typeface="+mn-lt"/>
               </a:rPr>
               <a:t>REPOSITORIES</a:t>
             </a:r>
-            <a:endParaRPr lang="en-US" dirty="0">
-              <a:latin typeface="+mn-lt"/>
-            </a:endParaRPr>
           </a:p>
         </p:txBody>
       </p:sp>
@@ -4479,10 +4353,9 @@
           <a:lstStyle/>
           <a:p>
             <a:r>
-              <a:rPr lang="en-US" dirty="0" smtClean="0"/>
+              <a:rPr lang="en-US" dirty="0"/>
               <a:t>Initialization &amp; Copying from a server</a:t>
             </a:r>
-            <a:endParaRPr lang="en-US" dirty="0"/>
           </a:p>
         </p:txBody>
       </p:sp>
@@ -4548,11 +4421,11 @@
           <a:lstStyle/>
           <a:p>
             <a:r>
-              <a:rPr lang="en-US" smtClean="0"/>
+              <a:rPr lang="en-US"/>
               <a:t>Digital Scholarship Services </a:t>
             </a:r>
             <a:r>
-              <a:rPr lang="en-US" smtClean="0">
+              <a:rPr lang="en-US">
                 <a:solidFill>
                   <a:schemeClr val="accent1">
                     <a:lumMod val="50000"/>
@@ -4562,11 +4435,11 @@
               <a:t>| Email</a:t>
             </a:r>
             <a:r>
-              <a:rPr lang="en-US" smtClean="0"/>
+              <a:rPr lang="en-US"/>
               <a:t> cf24@rice.edu </a:t>
             </a:r>
             <a:r>
-              <a:rPr lang="en-US" smtClean="0">
+              <a:rPr lang="en-US">
                 <a:solidFill>
                   <a:schemeClr val="accent1">
                     <a:lumMod val="50000"/>
@@ -4576,7 +4449,7 @@
               <a:t>|</a:t>
             </a:r>
             <a:r>
-              <a:rPr lang="en-US" smtClean="0"/>
+              <a:rPr lang="en-US"/>
               <a:t> library.rice.edu/dss</a:t>
             </a:r>
             <a:endParaRPr lang="en-US" dirty="0"/>
@@ -4593,13 +4466,6 @@
   <p:clrMapOvr>
     <a:masterClrMapping/>
   </p:clrMapOvr>
-  <p:timing>
-    <p:tnLst>
-      <p:par>
-        <p:cTn id="1" dur="indefinite" restart="never" nodeType="tmRoot"/>
-      </p:par>
-    </p:tnLst>
-  </p:timing>
 </p:sld>
 </file>
 
@@ -4636,10 +4502,9 @@
           <a:lstStyle/>
           <a:p>
             <a:r>
-              <a:rPr lang="en-US" dirty="0" smtClean="0"/>
+              <a:rPr lang="en-US" dirty="0"/>
               <a:t>INITIALIZATION</a:t>
             </a:r>
-            <a:endParaRPr lang="en-US" dirty="0"/>
           </a:p>
         </p:txBody>
       </p:sp>
@@ -4668,38 +4533,31 @@
                 <a:latin typeface="Courier New" panose="02070309020205020404" pitchFamily="49" charset="0"/>
                 <a:cs typeface="Courier New" panose="02070309020205020404" pitchFamily="49" charset="0"/>
               </a:rPr>
-              <a:t>g</a:t>
-            </a:r>
-            <a:r>
-              <a:rPr lang="en-US" dirty="0" err="1" smtClean="0">
-                <a:latin typeface="Courier New" panose="02070309020205020404" pitchFamily="49" charset="0"/>
-                <a:cs typeface="Courier New" panose="02070309020205020404" pitchFamily="49" charset="0"/>
-              </a:rPr>
-              <a:t>it</a:t>
-            </a:r>
-            <a:r>
-              <a:rPr lang="en-US" dirty="0" smtClean="0">
+              <a:t>git</a:t>
+            </a:r>
+            <a:r>
+              <a:rPr lang="en-US" dirty="0">
                 <a:latin typeface="Courier New" panose="02070309020205020404" pitchFamily="49" charset="0"/>
                 <a:cs typeface="Courier New" panose="02070309020205020404" pitchFamily="49" charset="0"/>
               </a:rPr>
               <a:t> </a:t>
             </a:r>
             <a:r>
-              <a:rPr lang="en-US" dirty="0" err="1" smtClean="0">
+              <a:rPr lang="en-US" dirty="0" err="1">
                 <a:latin typeface="Courier New" panose="02070309020205020404" pitchFamily="49" charset="0"/>
                 <a:cs typeface="Courier New" panose="02070309020205020404" pitchFamily="49" charset="0"/>
               </a:rPr>
               <a:t>init</a:t>
             </a:r>
             <a:r>
-              <a:rPr lang="en-US" dirty="0" smtClean="0">
+              <a:rPr lang="en-US" dirty="0">
                 <a:latin typeface="Courier New" panose="02070309020205020404" pitchFamily="49" charset="0"/>
                 <a:cs typeface="Courier New" panose="02070309020205020404" pitchFamily="49" charset="0"/>
               </a:rPr>
               <a:t>: </a:t>
             </a:r>
             <a:r>
-              <a:rPr lang="en-US" dirty="0" smtClean="0">
+              <a:rPr lang="en-US" dirty="0">
                 <a:cs typeface="Courier New" panose="02070309020205020404" pitchFamily="49" charset="0"/>
               </a:rPr>
               <a:t>Create a repository, with a file index and database</a:t>
@@ -4707,24 +4565,24 @@
           </a:p>
           <a:p>
             <a:r>
-              <a:rPr lang="en-US" dirty="0" smtClean="0">
+              <a:rPr lang="en-US" dirty="0">
                 <a:cs typeface="Courier New" panose="02070309020205020404" pitchFamily="49" charset="0"/>
               </a:rPr>
               <a:t>Stored in the hidden directory .</a:t>
             </a:r>
             <a:r>
-              <a:rPr lang="en-US" dirty="0" err="1" smtClean="0">
+              <a:rPr lang="en-US" dirty="0" err="1">
                 <a:cs typeface="Courier New" panose="02070309020205020404" pitchFamily="49" charset="0"/>
               </a:rPr>
               <a:t>git</a:t>
             </a:r>
-            <a:endParaRPr lang="en-US" dirty="0" smtClean="0">
+            <a:endParaRPr lang="en-US" dirty="0">
               <a:cs typeface="Courier New" panose="02070309020205020404" pitchFamily="49" charset="0"/>
             </a:endParaRPr>
           </a:p>
           <a:p>
             <a:r>
-              <a:rPr lang="en-US" dirty="0" smtClean="0">
+              <a:rPr lang="en-US" dirty="0">
                 <a:cs typeface="Courier New" panose="02070309020205020404" pitchFamily="49" charset="0"/>
               </a:rPr>
               <a:t>Note: No files are added to the repository by default!</a:t>
@@ -4733,14 +4591,11 @@
           <a:p>
             <a:pPr lvl="1"/>
             <a:r>
-              <a:rPr lang="en-US" dirty="0" smtClean="0">
+              <a:rPr lang="en-US" dirty="0">
                 <a:cs typeface="Courier New" panose="02070309020205020404" pitchFamily="49" charset="0"/>
               </a:rPr>
               <a:t>We’ll get to adding files a bit later</a:t>
             </a:r>
-            <a:endParaRPr lang="en-US" dirty="0">
-              <a:cs typeface="Courier New" panose="02070309020205020404" pitchFamily="49" charset="0"/>
-            </a:endParaRPr>
           </a:p>
         </p:txBody>
       </p:sp>
@@ -4783,11 +4638,11 @@
           <a:lstStyle/>
           <a:p>
             <a:r>
-              <a:rPr lang="en-US" smtClean="0"/>
+              <a:rPr lang="en-US"/>
               <a:t>Digital Scholarship Services </a:t>
             </a:r>
             <a:r>
-              <a:rPr lang="en-US" smtClean="0">
+              <a:rPr lang="en-US">
                 <a:solidFill>
                   <a:schemeClr val="accent1">
                     <a:lumMod val="50000"/>
@@ -4797,11 +4652,11 @@
               <a:t>| Email</a:t>
             </a:r>
             <a:r>
-              <a:rPr lang="en-US" smtClean="0"/>
+              <a:rPr lang="en-US"/>
               <a:t> cf24@rice.edu </a:t>
             </a:r>
             <a:r>
-              <a:rPr lang="en-US" smtClean="0">
+              <a:rPr lang="en-US">
                 <a:solidFill>
                   <a:schemeClr val="accent1">
                     <a:lumMod val="50000"/>
@@ -4811,7 +4666,7 @@
               <a:t>|</a:t>
             </a:r>
             <a:r>
-              <a:rPr lang="en-US" smtClean="0"/>
+              <a:rPr lang="en-US"/>
               <a:t> library.rice.edu/dss</a:t>
             </a:r>
             <a:endParaRPr lang="en-US" dirty="0"/>
@@ -4928,10 +4783,9 @@
           <a:lstStyle/>
           <a:p>
             <a:r>
-              <a:rPr lang="en-US" dirty="0" smtClean="0"/>
+              <a:rPr lang="en-US" dirty="0"/>
               <a:t>INITIALIZATION</a:t>
             </a:r>
-            <a:endParaRPr lang="en-US" dirty="0"/>
           </a:p>
         </p:txBody>
       </p:sp>
@@ -4960,38 +4814,31 @@
                 <a:latin typeface="Courier New" panose="02070309020205020404" pitchFamily="49" charset="0"/>
                 <a:cs typeface="Courier New" panose="02070309020205020404" pitchFamily="49" charset="0"/>
               </a:rPr>
-              <a:t>g</a:t>
-            </a:r>
-            <a:r>
-              <a:rPr lang="en-US" dirty="0" err="1" smtClean="0">
-                <a:latin typeface="Courier New" panose="02070309020205020404" pitchFamily="49" charset="0"/>
-                <a:cs typeface="Courier New" panose="02070309020205020404" pitchFamily="49" charset="0"/>
-              </a:rPr>
-              <a:t>it</a:t>
-            </a:r>
-            <a:r>
-              <a:rPr lang="en-US" dirty="0" smtClean="0">
+              <a:t>git</a:t>
+            </a:r>
+            <a:r>
+              <a:rPr lang="en-US" dirty="0">
                 <a:latin typeface="Courier New" panose="02070309020205020404" pitchFamily="49" charset="0"/>
                 <a:cs typeface="Courier New" panose="02070309020205020404" pitchFamily="49" charset="0"/>
               </a:rPr>
               <a:t> </a:t>
             </a:r>
             <a:r>
-              <a:rPr lang="en-US" dirty="0" err="1" smtClean="0">
+              <a:rPr lang="en-US" dirty="0" err="1">
                 <a:latin typeface="Courier New" panose="02070309020205020404" pitchFamily="49" charset="0"/>
                 <a:cs typeface="Courier New" panose="02070309020205020404" pitchFamily="49" charset="0"/>
               </a:rPr>
               <a:t>init</a:t>
             </a:r>
             <a:r>
-              <a:rPr lang="en-US" dirty="0" smtClean="0">
+              <a:rPr lang="en-US" dirty="0">
                 <a:latin typeface="Courier New" panose="02070309020205020404" pitchFamily="49" charset="0"/>
                 <a:cs typeface="Courier New" panose="02070309020205020404" pitchFamily="49" charset="0"/>
               </a:rPr>
               <a:t>: </a:t>
             </a:r>
             <a:r>
-              <a:rPr lang="en-US" dirty="0" smtClean="0">
+              <a:rPr lang="en-US" dirty="0">
                 <a:cs typeface="Courier New" panose="02070309020205020404" pitchFamily="49" charset="0"/>
               </a:rPr>
               <a:t>Create a repository, with a file index and database</a:t>
@@ -4999,24 +4846,24 @@
           </a:p>
           <a:p>
             <a:r>
-              <a:rPr lang="en-US" dirty="0" smtClean="0">
+              <a:rPr lang="en-US" dirty="0">
                 <a:cs typeface="Courier New" panose="02070309020205020404" pitchFamily="49" charset="0"/>
               </a:rPr>
               <a:t>Stored in the hidden directory .</a:t>
             </a:r>
             <a:r>
-              <a:rPr lang="en-US" dirty="0" err="1" smtClean="0">
+              <a:rPr lang="en-US" dirty="0" err="1">
                 <a:cs typeface="Courier New" panose="02070309020205020404" pitchFamily="49" charset="0"/>
               </a:rPr>
               <a:t>git</a:t>
             </a:r>
-            <a:endParaRPr lang="en-US" dirty="0" smtClean="0">
+            <a:endParaRPr lang="en-US" dirty="0">
               <a:cs typeface="Courier New" panose="02070309020205020404" pitchFamily="49" charset="0"/>
             </a:endParaRPr>
           </a:p>
           <a:p>
             <a:r>
-              <a:rPr lang="en-US" dirty="0" smtClean="0">
+              <a:rPr lang="en-US" dirty="0">
                 <a:cs typeface="Courier New" panose="02070309020205020404" pitchFamily="49" charset="0"/>
               </a:rPr>
               <a:t>Note: No files are added to the repository by default!</a:t>
@@ -5025,14 +4872,11 @@
           <a:p>
             <a:pPr lvl="1"/>
             <a:r>
-              <a:rPr lang="en-US" dirty="0" smtClean="0">
+              <a:rPr lang="en-US" dirty="0">
                 <a:cs typeface="Courier New" panose="02070309020205020404" pitchFamily="49" charset="0"/>
               </a:rPr>
               <a:t>We’ll get to adding files a bit later</a:t>
             </a:r>
-            <a:endParaRPr lang="en-US" dirty="0">
-              <a:cs typeface="Courier New" panose="02070309020205020404" pitchFamily="49" charset="0"/>
-            </a:endParaRPr>
           </a:p>
         </p:txBody>
       </p:sp>
@@ -5075,11 +4919,11 @@
           <a:lstStyle/>
           <a:p>
             <a:r>
-              <a:rPr lang="en-US" smtClean="0"/>
+              <a:rPr lang="en-US"/>
               <a:t>Digital Scholarship Services </a:t>
             </a:r>
             <a:r>
-              <a:rPr lang="en-US" smtClean="0">
+              <a:rPr lang="en-US">
                 <a:solidFill>
                   <a:schemeClr val="accent1">
                     <a:lumMod val="50000"/>
@@ -5089,11 +4933,11 @@
               <a:t>| Email</a:t>
             </a:r>
             <a:r>
-              <a:rPr lang="en-US" smtClean="0"/>
+              <a:rPr lang="en-US"/>
               <a:t> cf24@rice.edu </a:t>
             </a:r>
             <a:r>
-              <a:rPr lang="en-US" smtClean="0">
+              <a:rPr lang="en-US">
                 <a:solidFill>
                   <a:schemeClr val="accent1">
                     <a:lumMod val="50000"/>
@@ -5103,7 +4947,7 @@
               <a:t>|</a:t>
             </a:r>
             <a:r>
-              <a:rPr lang="en-US" smtClean="0"/>
+              <a:rPr lang="en-US"/>
               <a:t> library.rice.edu/dss</a:t>
             </a:r>
             <a:endParaRPr lang="en-US" dirty="0"/>
@@ -5218,10 +5062,9 @@
           <a:lstStyle/>
           <a:p>
             <a:r>
-              <a:rPr lang="en-US" dirty="0" smtClean="0"/>
+              <a:rPr lang="en-US" dirty="0"/>
               <a:t>CLONING</a:t>
             </a:r>
-            <a:endParaRPr lang="en-US" dirty="0"/>
           </a:p>
         </p:txBody>
       </p:sp>
@@ -5241,20 +5084,20 @@
           <a:lstStyle/>
           <a:p>
             <a:r>
-              <a:rPr lang="en-US" dirty="0" smtClean="0"/>
+              <a:rPr lang="en-US" dirty="0"/>
               <a:t>Downloads entire history of a repository hosted on GitHub</a:t>
             </a:r>
           </a:p>
           <a:p>
             <a:r>
-              <a:rPr lang="en-US" dirty="0" smtClean="0">
+              <a:rPr lang="en-US" dirty="0">
                 <a:cs typeface="Courier New" panose="02070309020205020404" pitchFamily="49" charset="0"/>
               </a:rPr>
               <a:t>Two ways to get the URL:</a:t>
             </a:r>
           </a:p>
           <a:p>
-            <a:endParaRPr lang="en-US" dirty="0" smtClean="0">
+            <a:endParaRPr lang="en-US" dirty="0">
               <a:cs typeface="Courier New" panose="02070309020205020404" pitchFamily="49" charset="0"/>
             </a:endParaRPr>
           </a:p>
@@ -5305,11 +5148,11 @@
           <a:lstStyle/>
           <a:p>
             <a:r>
-              <a:rPr lang="en-US" smtClean="0"/>
+              <a:rPr lang="en-US"/>
               <a:t>Digital Scholarship Services </a:t>
             </a:r>
             <a:r>
-              <a:rPr lang="en-US" smtClean="0">
+              <a:rPr lang="en-US">
                 <a:solidFill>
                   <a:schemeClr val="accent1">
                     <a:lumMod val="50000"/>
@@ -5319,11 +5162,11 @@
               <a:t>| Email</a:t>
             </a:r>
             <a:r>
-              <a:rPr lang="en-US" smtClean="0"/>
+              <a:rPr lang="en-US"/>
               <a:t> cf24@rice.edu </a:t>
             </a:r>
             <a:r>
-              <a:rPr lang="en-US" smtClean="0">
+              <a:rPr lang="en-US">
                 <a:solidFill>
                   <a:schemeClr val="accent1">
                     <a:lumMod val="50000"/>
@@ -5333,7 +5176,7 @@
               <a:t>|</a:t>
             </a:r>
             <a:r>
-              <a:rPr lang="en-US" smtClean="0"/>
+              <a:rPr lang="en-US"/>
               <a:t> library.rice.edu/dss</a:t>
             </a:r>
             <a:endParaRPr lang="en-US" dirty="0"/>
@@ -5529,10 +5372,9 @@
           <a:lstStyle/>
           <a:p>
             <a:r>
-              <a:rPr lang="en-US" dirty="0" smtClean="0"/>
+              <a:rPr lang="en-US" dirty="0"/>
               <a:t>CLONING</a:t>
             </a:r>
-            <a:endParaRPr lang="en-US" dirty="0"/>
           </a:p>
         </p:txBody>
       </p:sp>
@@ -5557,16 +5399,15 @@
           <a:lstStyle/>
           <a:p>
             <a:r>
-              <a:rPr lang="en-US" dirty="0" smtClean="0"/>
+              <a:rPr lang="en-US" dirty="0"/>
               <a:t>Most recent snapshot immediately available</a:t>
             </a:r>
           </a:p>
           <a:p>
             <a:r>
-              <a:rPr lang="en-US" dirty="0" smtClean="0"/>
+              <a:rPr lang="en-US" dirty="0"/>
               <a:t>Full history needs to be downloaded as well. Takes time &amp; space!</a:t>
             </a:r>
-            <a:endParaRPr lang="en-US" dirty="0"/>
           </a:p>
         </p:txBody>
       </p:sp>
@@ -5609,11 +5450,11 @@
           <a:lstStyle/>
           <a:p>
             <a:r>
-              <a:rPr lang="en-US" smtClean="0"/>
+              <a:rPr lang="en-US"/>
               <a:t>Digital Scholarship Services </a:t>
             </a:r>
             <a:r>
-              <a:rPr lang="en-US" smtClean="0">
+              <a:rPr lang="en-US">
                 <a:solidFill>
                   <a:schemeClr val="accent1">
                     <a:lumMod val="50000"/>
@@ -5623,11 +5464,11 @@
               <a:t>| Email</a:t>
             </a:r>
             <a:r>
-              <a:rPr lang="en-US" smtClean="0"/>
+              <a:rPr lang="en-US"/>
               <a:t> cf24@rice.edu </a:t>
             </a:r>
             <a:r>
-              <a:rPr lang="en-US" smtClean="0">
+              <a:rPr lang="en-US">
                 <a:solidFill>
                   <a:schemeClr val="accent1">
                     <a:lumMod val="50000"/>
@@ -5637,7 +5478,7 @@
               <a:t>|</a:t>
             </a:r>
             <a:r>
-              <a:rPr lang="en-US" smtClean="0"/>
+              <a:rPr lang="en-US"/>
               <a:t> library.rice.edu/dss</a:t>
             </a:r>
             <a:endParaRPr lang="en-US" dirty="0"/>
@@ -5754,10 +5595,9 @@
           <a:lstStyle/>
           <a:p>
             <a:r>
-              <a:rPr lang="en-US" dirty="0" smtClean="0"/>
+              <a:rPr lang="en-US" dirty="0"/>
               <a:t>CLONING</a:t>
             </a:r>
-            <a:endParaRPr lang="en-US" dirty="0"/>
           </a:p>
         </p:txBody>
       </p:sp>
@@ -5800,11 +5640,11 @@
           <a:lstStyle/>
           <a:p>
             <a:r>
-              <a:rPr lang="en-US" smtClean="0"/>
+              <a:rPr lang="en-US"/>
               <a:t>Digital Scholarship Services </a:t>
             </a:r>
             <a:r>
-              <a:rPr lang="en-US" smtClean="0">
+              <a:rPr lang="en-US">
                 <a:solidFill>
                   <a:schemeClr val="accent1">
                     <a:lumMod val="50000"/>
@@ -5814,11 +5654,11 @@
               <a:t>| Email</a:t>
             </a:r>
             <a:r>
-              <a:rPr lang="en-US" smtClean="0"/>
+              <a:rPr lang="en-US"/>
               <a:t> cf24@rice.edu </a:t>
             </a:r>
             <a:r>
-              <a:rPr lang="en-US" smtClean="0">
+              <a:rPr lang="en-US">
                 <a:solidFill>
                   <a:schemeClr val="accent1">
                     <a:lumMod val="50000"/>
@@ -5828,7 +5668,7 @@
               <a:t>|</a:t>
             </a:r>
             <a:r>
-              <a:rPr lang="en-US" smtClean="0"/>
+              <a:rPr lang="en-US"/>
               <a:t> library.rice.edu/dss</a:t>
             </a:r>
             <a:endParaRPr lang="en-US" dirty="0"/>
@@ -5986,10 +5826,9 @@
           <a:lstStyle/>
           <a:p>
             <a:r>
-              <a:rPr lang="en-US" dirty="0" smtClean="0"/>
+              <a:rPr lang="en-US" dirty="0"/>
               <a:t>CLONING</a:t>
             </a:r>
-            <a:endParaRPr lang="en-US" dirty="0"/>
           </a:p>
         </p:txBody>
       </p:sp>
@@ -6012,7 +5851,7 @@
               <a:buNone/>
             </a:pPr>
             <a:r>
-              <a:rPr lang="en-US" dirty="0" smtClean="0"/>
+              <a:rPr lang="en-US" dirty="0"/>
               <a:t>Clone this repository from GitHub now!</a:t>
             </a:r>
           </a:p>
@@ -6072,11 +5911,11 @@
           <a:lstStyle/>
           <a:p>
             <a:r>
-              <a:rPr lang="en-US" smtClean="0"/>
+              <a:rPr lang="en-US"/>
               <a:t>Digital Scholarship Services </a:t>
             </a:r>
             <a:r>
-              <a:rPr lang="en-US" smtClean="0">
+              <a:rPr lang="en-US">
                 <a:solidFill>
                   <a:schemeClr val="accent1">
                     <a:lumMod val="50000"/>
@@ -6086,11 +5925,11 @@
               <a:t>| Email</a:t>
             </a:r>
             <a:r>
-              <a:rPr lang="en-US" smtClean="0"/>
+              <a:rPr lang="en-US"/>
               <a:t> cf24@rice.edu </a:t>
             </a:r>
             <a:r>
-              <a:rPr lang="en-US" smtClean="0">
+              <a:rPr lang="en-US">
                 <a:solidFill>
                   <a:schemeClr val="accent1">
                     <a:lumMod val="50000"/>
@@ -6100,7 +5939,7 @@
               <a:t>|</a:t>
             </a:r>
             <a:r>
-              <a:rPr lang="en-US" smtClean="0"/>
+              <a:rPr lang="en-US"/>
               <a:t> library.rice.edu/dss</a:t>
             </a:r>
             <a:endParaRPr lang="en-US" dirty="0"/>
@@ -6176,14 +6015,11 @@
           <a:lstStyle/>
           <a:p>
             <a:r>
-              <a:rPr lang="en-US" dirty="0" smtClean="0">
+              <a:rPr lang="en-US" dirty="0">
                 <a:latin typeface="+mn-lt"/>
               </a:rPr>
               <a:t>EDITING WORKFLOW</a:t>
             </a:r>
-            <a:endParaRPr lang="en-US" dirty="0">
-              <a:latin typeface="+mn-lt"/>
-            </a:endParaRPr>
           </a:p>
         </p:txBody>
       </p:sp>
@@ -6203,10 +6039,9 @@
           <a:lstStyle/>
           <a:p>
             <a:r>
-              <a:rPr lang="en-US" dirty="0" smtClean="0"/>
+              <a:rPr lang="en-US" dirty="0"/>
               <a:t>Editing, adding, staging, and committing</a:t>
             </a:r>
-            <a:endParaRPr lang="en-US" dirty="0"/>
           </a:p>
         </p:txBody>
       </p:sp>
@@ -6272,11 +6107,11 @@
           <a:lstStyle/>
           <a:p>
             <a:r>
-              <a:rPr lang="en-US" smtClean="0"/>
+              <a:rPr lang="en-US"/>
               <a:t>Digital Scholarship Services </a:t>
             </a:r>
             <a:r>
-              <a:rPr lang="en-US" smtClean="0">
+              <a:rPr lang="en-US">
                 <a:solidFill>
                   <a:schemeClr val="accent1">
                     <a:lumMod val="50000"/>
@@ -6286,11 +6121,11 @@
               <a:t>| Email</a:t>
             </a:r>
             <a:r>
-              <a:rPr lang="en-US" smtClean="0"/>
+              <a:rPr lang="en-US"/>
               <a:t> cf24@rice.edu </a:t>
             </a:r>
             <a:r>
-              <a:rPr lang="en-US" smtClean="0">
+              <a:rPr lang="en-US">
                 <a:solidFill>
                   <a:schemeClr val="accent1">
                     <a:lumMod val="50000"/>
@@ -6300,7 +6135,7 @@
               <a:t>|</a:t>
             </a:r>
             <a:r>
-              <a:rPr lang="en-US" smtClean="0"/>
+              <a:rPr lang="en-US"/>
               <a:t> library.rice.edu/dss</a:t>
             </a:r>
             <a:endParaRPr lang="en-US" dirty="0"/>
@@ -6317,13 +6152,6 @@
   <p:clrMapOvr>
     <a:masterClrMapping/>
   </p:clrMapOvr>
-  <p:timing>
-    <p:tnLst>
-      <p:par>
-        <p:cTn id="1" dur="indefinite" restart="never" nodeType="tmRoot"/>
-      </p:par>
-    </p:tnLst>
-  </p:timing>
 </p:sld>
 </file>
 
@@ -6360,14 +6188,11 @@
           <a:lstStyle/>
           <a:p>
             <a:r>
-              <a:rPr lang="en-US" dirty="0" smtClean="0">
+              <a:rPr lang="en-US" dirty="0">
                 <a:latin typeface="+mn-lt"/>
               </a:rPr>
               <a:t>WHAT IS GIT?</a:t>
             </a:r>
-            <a:endParaRPr lang="en-US" dirty="0">
-              <a:latin typeface="+mn-lt"/>
-            </a:endParaRPr>
           </a:p>
         </p:txBody>
       </p:sp>
@@ -6452,11 +6277,11 @@
           <a:lstStyle/>
           <a:p>
             <a:r>
-              <a:rPr lang="en-US" smtClean="0"/>
+              <a:rPr lang="en-US"/>
               <a:t>Digital Scholarship Services </a:t>
             </a:r>
             <a:r>
-              <a:rPr lang="en-US" smtClean="0">
+              <a:rPr lang="en-US">
                 <a:solidFill>
                   <a:schemeClr val="accent1">
                     <a:lumMod val="50000"/>
@@ -6466,11 +6291,11 @@
               <a:t>| Email</a:t>
             </a:r>
             <a:r>
-              <a:rPr lang="en-US" smtClean="0"/>
+              <a:rPr lang="en-US"/>
               <a:t> cf24@rice.edu </a:t>
             </a:r>
             <a:r>
-              <a:rPr lang="en-US" smtClean="0">
+              <a:rPr lang="en-US">
                 <a:solidFill>
                   <a:schemeClr val="accent1">
                     <a:lumMod val="50000"/>
@@ -6480,7 +6305,7 @@
               <a:t>|</a:t>
             </a:r>
             <a:r>
-              <a:rPr lang="en-US" smtClean="0"/>
+              <a:rPr lang="en-US"/>
               <a:t> library.rice.edu/dss</a:t>
             </a:r>
             <a:endParaRPr lang="en-US" dirty="0"/>
@@ -6497,13 +6322,6 @@
   <p:clrMapOvr>
     <a:masterClrMapping/>
   </p:clrMapOvr>
-  <p:timing>
-    <p:tnLst>
-      <p:par>
-        <p:cTn id="1" dur="indefinite" restart="never" nodeType="tmRoot"/>
-      </p:par>
-    </p:tnLst>
-  </p:timing>
 </p:sld>
 </file>
 
@@ -6540,10 +6358,9 @@
           <a:lstStyle/>
           <a:p>
             <a:r>
-              <a:rPr lang="en-US" dirty="0" smtClean="0"/>
+              <a:rPr lang="en-US" dirty="0"/>
               <a:t>REVIEW OF FILE STATES</a:t>
             </a:r>
-            <a:endParaRPr lang="en-US" dirty="0"/>
           </a:p>
         </p:txBody>
       </p:sp>
@@ -6586,11 +6403,11 @@
           <a:lstStyle/>
           <a:p>
             <a:r>
-              <a:rPr lang="en-US" smtClean="0"/>
+              <a:rPr lang="en-US"/>
               <a:t>Digital Scholarship Services </a:t>
             </a:r>
             <a:r>
-              <a:rPr lang="en-US" smtClean="0">
+              <a:rPr lang="en-US">
                 <a:solidFill>
                   <a:schemeClr val="accent1">
                     <a:lumMod val="50000"/>
@@ -6600,11 +6417,11 @@
               <a:t>| Email</a:t>
             </a:r>
             <a:r>
-              <a:rPr lang="en-US" smtClean="0"/>
+              <a:rPr lang="en-US"/>
               <a:t> cf24@rice.edu </a:t>
             </a:r>
             <a:r>
-              <a:rPr lang="en-US" smtClean="0">
+              <a:rPr lang="en-US">
                 <a:solidFill>
                   <a:schemeClr val="accent1">
                     <a:lumMod val="50000"/>
@@ -6614,7 +6431,7 @@
               <a:t>|</a:t>
             </a:r>
             <a:r>
-              <a:rPr lang="en-US" smtClean="0"/>
+              <a:rPr lang="en-US"/>
               <a:t> library.rice.edu/dss</a:t>
             </a:r>
             <a:endParaRPr lang="en-US" dirty="0"/>
@@ -6716,10 +6533,9 @@
           <a:lstStyle/>
           <a:p>
             <a:r>
-              <a:rPr lang="en-US" dirty="0" smtClean="0"/>
+              <a:rPr lang="en-US" dirty="0"/>
               <a:t>WORKFLOW</a:t>
             </a:r>
-            <a:endParaRPr lang="en-US" dirty="0"/>
           </a:p>
         </p:txBody>
       </p:sp>
@@ -6744,49 +6560,49 @@
           <a:lstStyle/>
           <a:p>
             <a:r>
-              <a:rPr lang="en-US" b="1" dirty="0" smtClean="0"/>
+              <a:rPr lang="en-US" b="1" dirty="0"/>
               <a:t>Working Directory</a:t>
             </a:r>
           </a:p>
           <a:p>
             <a:pPr lvl="1"/>
             <a:r>
-              <a:rPr lang="en-US" dirty="0" smtClean="0"/>
+              <a:rPr lang="en-US" dirty="0"/>
               <a:t>Changed files on disk.</a:t>
             </a:r>
           </a:p>
           <a:p>
             <a:r>
-              <a:rPr lang="en-US" b="1" dirty="0" smtClean="0"/>
+              <a:rPr lang="en-US" b="1" dirty="0"/>
               <a:t>Index</a:t>
             </a:r>
           </a:p>
           <a:p>
             <a:pPr lvl="1"/>
             <a:r>
-              <a:rPr lang="en-US" dirty="0" smtClean="0"/>
+              <a:rPr lang="en-US" dirty="0"/>
               <a:t>We’ve told </a:t>
             </a:r>
             <a:r>
-              <a:rPr lang="en-US" dirty="0" err="1" smtClean="0"/>
+              <a:rPr lang="en-US" dirty="0" err="1"/>
               <a:t>git</a:t>
             </a:r>
             <a:r>
-              <a:rPr lang="en-US" dirty="0" smtClean="0"/>
+              <a:rPr lang="en-US" dirty="0"/>
               <a:t> to pay attention to these changes.</a:t>
             </a:r>
           </a:p>
           <a:p>
             <a:r>
-              <a:rPr lang="en-US" b="1" dirty="0" smtClean="0"/>
+              <a:rPr lang="en-US" b="1" dirty="0"/>
               <a:t>HEAD</a:t>
             </a:r>
-            <a:endParaRPr lang="en-US" dirty="0" smtClean="0"/>
+            <a:endParaRPr lang="en-US" dirty="0"/>
           </a:p>
           <a:p>
             <a:pPr lvl="1"/>
             <a:r>
-              <a:rPr lang="en-US" dirty="0" smtClean="0"/>
+              <a:rPr lang="en-US" dirty="0"/>
               <a:t>This is just the most recent commit (snapshot). You can come back here whenever!</a:t>
             </a:r>
           </a:p>
@@ -6835,11 +6651,11 @@
           <a:lstStyle/>
           <a:p>
             <a:r>
-              <a:rPr lang="en-US" smtClean="0"/>
+              <a:rPr lang="en-US"/>
               <a:t>Digital Scholarship Services </a:t>
             </a:r>
             <a:r>
-              <a:rPr lang="en-US" smtClean="0">
+              <a:rPr lang="en-US">
                 <a:solidFill>
                   <a:schemeClr val="accent1">
                     <a:lumMod val="50000"/>
@@ -6849,11 +6665,11 @@
               <a:t>| Email</a:t>
             </a:r>
             <a:r>
-              <a:rPr lang="en-US" smtClean="0"/>
+              <a:rPr lang="en-US"/>
               <a:t> cf24@rice.edu </a:t>
             </a:r>
             <a:r>
-              <a:rPr lang="en-US" smtClean="0">
+              <a:rPr lang="en-US">
                 <a:solidFill>
                   <a:schemeClr val="accent1">
                     <a:lumMod val="50000"/>
@@ -6863,7 +6679,7 @@
               <a:t>|</a:t>
             </a:r>
             <a:r>
-              <a:rPr lang="en-US" smtClean="0"/>
+              <a:rPr lang="en-US"/>
               <a:t> library.rice.edu/dss</a:t>
             </a:r>
             <a:endParaRPr lang="en-US" dirty="0"/>
@@ -6963,10 +6779,9 @@
           <a:lstStyle/>
           <a:p>
             <a:r>
-              <a:rPr lang="en-US" dirty="0" smtClean="0"/>
+              <a:rPr lang="en-US" dirty="0"/>
               <a:t>EDITING A FILE LOCALLY</a:t>
             </a:r>
-            <a:endParaRPr lang="en-US" dirty="0"/>
           </a:p>
         </p:txBody>
       </p:sp>
@@ -6991,13 +6806,13 @@
           <a:lstStyle/>
           <a:p>
             <a:r>
-              <a:rPr lang="en-US" dirty="0" smtClean="0"/>
+              <a:rPr lang="en-US" dirty="0"/>
               <a:t>Open and edit any file using any program</a:t>
             </a:r>
           </a:p>
           <a:p>
             <a:r>
-              <a:rPr lang="en-US" dirty="0" smtClean="0"/>
+              <a:rPr lang="en-US" dirty="0"/>
               <a:t>Use “Show in Explorer” to easily find the most recent files</a:t>
             </a:r>
           </a:p>
@@ -7042,11 +6857,11 @@
           <a:lstStyle/>
           <a:p>
             <a:r>
-              <a:rPr lang="en-US" smtClean="0"/>
+              <a:rPr lang="en-US"/>
               <a:t>Digital Scholarship Services </a:t>
             </a:r>
             <a:r>
-              <a:rPr lang="en-US" smtClean="0">
+              <a:rPr lang="en-US">
                 <a:solidFill>
                   <a:schemeClr val="accent1">
                     <a:lumMod val="50000"/>
@@ -7056,11 +6871,11 @@
               <a:t>| Email</a:t>
             </a:r>
             <a:r>
-              <a:rPr lang="en-US" smtClean="0"/>
+              <a:rPr lang="en-US"/>
               <a:t> cf24@rice.edu </a:t>
             </a:r>
             <a:r>
-              <a:rPr lang="en-US" smtClean="0">
+              <a:rPr lang="en-US">
                 <a:solidFill>
                   <a:schemeClr val="accent1">
                     <a:lumMod val="50000"/>
@@ -7070,7 +6885,7 @@
               <a:t>|</a:t>
             </a:r>
             <a:r>
-              <a:rPr lang="en-US" smtClean="0"/>
+              <a:rPr lang="en-US"/>
               <a:t> library.rice.edu/dss</a:t>
             </a:r>
             <a:endParaRPr lang="en-US" dirty="0"/>
@@ -7187,10 +7002,9 @@
           <a:lstStyle/>
           <a:p>
             <a:r>
-              <a:rPr lang="en-US" dirty="0" smtClean="0"/>
+              <a:rPr lang="en-US" dirty="0"/>
               <a:t>EDITING A FILE LOCALLY</a:t>
             </a:r>
-            <a:endParaRPr lang="en-US" dirty="0"/>
           </a:p>
         </p:txBody>
       </p:sp>
@@ -7215,63 +7029,50 @@
           <a:lstStyle/>
           <a:p>
             <a:r>
-              <a:rPr lang="en-US" dirty="0" smtClean="0"/>
+              <a:rPr lang="en-US" dirty="0"/>
               <a:t>Starting from an empty repository</a:t>
             </a:r>
           </a:p>
           <a:p>
             <a:pPr lvl="1"/>
             <a:r>
-              <a:rPr lang="en-US" dirty="0" smtClean="0"/>
+              <a:rPr lang="en-US" dirty="0"/>
               <a:t>How do we know? </a:t>
             </a:r>
           </a:p>
           <a:p>
             <a:pPr lvl="1"/>
             <a:r>
-              <a:rPr lang="en-US" b="1" dirty="0" smtClean="0"/>
+              <a:rPr lang="en-US" b="1" dirty="0"/>
               <a:t>HEAD </a:t>
             </a:r>
             <a:r>
-              <a:rPr lang="en-US" dirty="0" smtClean="0"/>
+              <a:rPr lang="en-US" dirty="0"/>
               <a:t>doesn’t point to anything (no snapshots!)</a:t>
             </a:r>
-            <a:endParaRPr lang="en-US" b="1" dirty="0" smtClean="0"/>
+            <a:endParaRPr lang="en-US" b="1" dirty="0"/>
           </a:p>
           <a:p>
             <a:r>
               <a:rPr lang="en-US" dirty="0"/>
-              <a:t>W</a:t>
-            </a:r>
-            <a:r>
-              <a:rPr lang="en-US" dirty="0" smtClean="0"/>
-              <a:t>e have edited a file in the </a:t>
-            </a:r>
-            <a:r>
-              <a:rPr lang="en-US" b="1" dirty="0" smtClean="0"/>
-              <a:t>Working </a:t>
+              <a:t>We have edited a file in the </a:t>
             </a:r>
             <a:r>
               <a:rPr lang="en-US" b="1" dirty="0"/>
-              <a:t>D</a:t>
-            </a:r>
-            <a:r>
-              <a:rPr lang="en-US" b="1" dirty="0" smtClean="0"/>
-              <a:t>irectory</a:t>
-            </a:r>
-            <a:r>
-              <a:rPr lang="en-US" dirty="0" smtClean="0"/>
+              <a:t>Working Directory</a:t>
+            </a:r>
+            <a:r>
+              <a:rPr lang="en-US" dirty="0"/>
               <a:t>, but not yet told </a:t>
             </a:r>
             <a:r>
-              <a:rPr lang="en-US" dirty="0" err="1" smtClean="0"/>
+              <a:rPr lang="en-US" dirty="0" err="1"/>
               <a:t>git</a:t>
             </a:r>
             <a:r>
-              <a:rPr lang="en-US" dirty="0" smtClean="0"/>
+              <a:rPr lang="en-US" dirty="0"/>
               <a:t> to pay attention to it.</a:t>
             </a:r>
-            <a:endParaRPr lang="en-US" dirty="0"/>
           </a:p>
         </p:txBody>
       </p:sp>
@@ -7314,11 +7115,11 @@
           <a:lstStyle/>
           <a:p>
             <a:r>
-              <a:rPr lang="en-US" smtClean="0"/>
+              <a:rPr lang="en-US"/>
               <a:t>Digital Scholarship Services </a:t>
             </a:r>
             <a:r>
-              <a:rPr lang="en-US" smtClean="0">
+              <a:rPr lang="en-US">
                 <a:solidFill>
                   <a:schemeClr val="accent1">
                     <a:lumMod val="50000"/>
@@ -7328,11 +7129,11 @@
               <a:t>| Email</a:t>
             </a:r>
             <a:r>
-              <a:rPr lang="en-US" smtClean="0"/>
+              <a:rPr lang="en-US"/>
               <a:t> cf24@rice.edu </a:t>
             </a:r>
             <a:r>
-              <a:rPr lang="en-US" smtClean="0">
+              <a:rPr lang="en-US">
                 <a:solidFill>
                   <a:schemeClr val="accent1">
                     <a:lumMod val="50000"/>
@@ -7342,7 +7143,7 @@
               <a:t>|</a:t>
             </a:r>
             <a:r>
-              <a:rPr lang="en-US" smtClean="0"/>
+              <a:rPr lang="en-US"/>
               <a:t> library.rice.edu/dss</a:t>
             </a:r>
             <a:endParaRPr lang="en-US" dirty="0"/>
@@ -7469,47 +7270,46 @@
           <a:lstStyle/>
           <a:p>
             <a:r>
-              <a:rPr lang="en-US" dirty="0" err="1" smtClean="0"/>
+              <a:rPr lang="en-US" dirty="0" err="1"/>
               <a:t>Git</a:t>
             </a:r>
             <a:r>
-              <a:rPr lang="en-US" dirty="0" smtClean="0"/>
+              <a:rPr lang="en-US" dirty="0"/>
               <a:t> will automatically find what we changed. All we have to do is tell it what we want to save</a:t>
             </a:r>
           </a:p>
           <a:p>
             <a:r>
-              <a:rPr lang="en-US" dirty="0" smtClean="0"/>
+              <a:rPr lang="en-US" dirty="0"/>
               <a:t>Toggle whether we want to add this change using check boxes</a:t>
             </a:r>
           </a:p>
           <a:p>
             <a:r>
-              <a:rPr lang="en-US" dirty="0" smtClean="0"/>
+              <a:rPr lang="en-US" dirty="0"/>
               <a:t>Monitor Changes</a:t>
             </a:r>
           </a:p>
           <a:p>
             <a:pPr lvl="1"/>
             <a:r>
-              <a:rPr lang="en-US" dirty="0" smtClean="0"/>
+              <a:rPr lang="en-US" dirty="0"/>
               <a:t>Green: added in</a:t>
             </a:r>
           </a:p>
           <a:p>
             <a:pPr lvl="1"/>
             <a:r>
-              <a:rPr lang="en-US" dirty="0" smtClean="0"/>
+              <a:rPr lang="en-US" dirty="0"/>
               <a:t>Red: taken out</a:t>
             </a:r>
           </a:p>
           <a:p>
             <a:pPr lvl="1"/>
             <a:r>
-              <a:rPr lang="en-US" dirty="0" smtClean="0"/>
+              <a:rPr lang="en-US" dirty="0"/>
               <a:t>White: not changed</a:t>
             </a:r>
-            <a:endParaRPr lang="en-US" dirty="0"/>
           </a:p>
         </p:txBody>
       </p:sp>
@@ -7552,11 +7352,11 @@
           <a:lstStyle/>
           <a:p>
             <a:r>
-              <a:rPr lang="en-US" smtClean="0"/>
+              <a:rPr lang="en-US"/>
               <a:t>Digital Scholarship Services </a:t>
             </a:r>
             <a:r>
-              <a:rPr lang="en-US" smtClean="0">
+              <a:rPr lang="en-US">
                 <a:solidFill>
                   <a:schemeClr val="accent1">
                     <a:lumMod val="50000"/>
@@ -7566,11 +7366,11 @@
               <a:t>| Email</a:t>
             </a:r>
             <a:r>
-              <a:rPr lang="en-US" smtClean="0"/>
+              <a:rPr lang="en-US"/>
               <a:t> cf24@rice.edu </a:t>
             </a:r>
             <a:r>
-              <a:rPr lang="en-US" smtClean="0">
+              <a:rPr lang="en-US">
                 <a:solidFill>
                   <a:schemeClr val="accent1">
                     <a:lumMod val="50000"/>
@@ -7580,7 +7380,7 @@
               <a:t>|</a:t>
             </a:r>
             <a:r>
-              <a:rPr lang="en-US" smtClean="0"/>
+              <a:rPr lang="en-US"/>
               <a:t> library.rice.edu/dss</a:t>
             </a:r>
             <a:endParaRPr lang="en-US" dirty="0"/>
@@ -7736,10 +7536,9 @@
           <a:lstStyle/>
           <a:p>
             <a:r>
-              <a:rPr lang="en-US" dirty="0" smtClean="0"/>
+              <a:rPr lang="en-US" dirty="0"/>
               <a:t>TELLING GIT ABOUT OUR CHANGES</a:t>
             </a:r>
-            <a:endParaRPr lang="en-US" dirty="0"/>
           </a:p>
         </p:txBody>
       </p:sp>
@@ -7764,40 +7563,40 @@
           <a:lstStyle/>
           <a:p>
             <a:r>
-              <a:rPr lang="en-US" dirty="0" smtClean="0"/>
+              <a:rPr lang="en-US" dirty="0"/>
               <a:t>Now that we have made file.txt, we can tell </a:t>
             </a:r>
             <a:r>
-              <a:rPr lang="en-US" dirty="0" err="1" smtClean="0"/>
+              <a:rPr lang="en-US" dirty="0" err="1"/>
               <a:t>git</a:t>
             </a:r>
             <a:r>
-              <a:rPr lang="en-US" dirty="0" smtClean="0"/>
+              <a:rPr lang="en-US" dirty="0"/>
               <a:t> to pay attention to the file</a:t>
             </a:r>
           </a:p>
           <a:p>
             <a:pPr lvl="1"/>
             <a:r>
-              <a:rPr lang="en-US" dirty="0" smtClean="0"/>
+              <a:rPr lang="en-US" dirty="0"/>
               <a:t>Transition between which two states for file.txt?</a:t>
             </a:r>
           </a:p>
           <a:p>
             <a:pPr lvl="1"/>
             <a:r>
-              <a:rPr lang="en-US" dirty="0" smtClean="0"/>
+              <a:rPr lang="en-US" dirty="0"/>
               <a:t>Command: </a:t>
             </a:r>
             <a:r>
-              <a:rPr lang="en-US" dirty="0" err="1" smtClean="0">
+              <a:rPr lang="en-US" dirty="0" err="1">
                 <a:latin typeface="Courier New" panose="02070309020205020404" pitchFamily="49" charset="0"/>
                 <a:cs typeface="Courier New" panose="02070309020205020404" pitchFamily="49" charset="0"/>
               </a:rPr>
               <a:t>git</a:t>
             </a:r>
             <a:r>
-              <a:rPr lang="en-US" dirty="0" smtClean="0">
+              <a:rPr lang="en-US" dirty="0">
                 <a:latin typeface="Courier New" panose="02070309020205020404" pitchFamily="49" charset="0"/>
                 <a:cs typeface="Courier New" panose="02070309020205020404" pitchFamily="49" charset="0"/>
               </a:rPr>
@@ -7806,14 +7605,11 @@
           </a:p>
           <a:p>
             <a:r>
-              <a:rPr lang="en-US" dirty="0" smtClean="0">
+              <a:rPr lang="en-US" dirty="0">
                 <a:cs typeface="Courier New" panose="02070309020205020404" pitchFamily="49" charset="0"/>
               </a:rPr>
               <a:t>Whatever we have added will be changed in the new snapshot. No add means it won’t change!</a:t>
             </a:r>
-            <a:endParaRPr lang="en-US" dirty="0">
-              <a:cs typeface="Courier New" panose="02070309020205020404" pitchFamily="49" charset="0"/>
-            </a:endParaRPr>
           </a:p>
         </p:txBody>
       </p:sp>
@@ -7856,11 +7652,11 @@
           <a:lstStyle/>
           <a:p>
             <a:r>
-              <a:rPr lang="en-US" smtClean="0"/>
+              <a:rPr lang="en-US"/>
               <a:t>Digital Scholarship Services </a:t>
             </a:r>
             <a:r>
-              <a:rPr lang="en-US" smtClean="0">
+              <a:rPr lang="en-US">
                 <a:solidFill>
                   <a:schemeClr val="accent1">
                     <a:lumMod val="50000"/>
@@ -7870,11 +7666,11 @@
               <a:t>| Email</a:t>
             </a:r>
             <a:r>
-              <a:rPr lang="en-US" smtClean="0"/>
+              <a:rPr lang="en-US"/>
               <a:t> cf24@rice.edu </a:t>
             </a:r>
             <a:r>
-              <a:rPr lang="en-US" smtClean="0">
+              <a:rPr lang="en-US">
                 <a:solidFill>
                   <a:schemeClr val="accent1">
                     <a:lumMod val="50000"/>
@@ -7884,7 +7680,7 @@
               <a:t>|</a:t>
             </a:r>
             <a:r>
-              <a:rPr lang="en-US" smtClean="0"/>
+              <a:rPr lang="en-US"/>
               <a:t> library.rice.edu/dss</a:t>
             </a:r>
             <a:endParaRPr lang="en-US" dirty="0"/>
@@ -8011,49 +7807,49 @@
           <a:lstStyle/>
           <a:p>
             <a:r>
-              <a:rPr lang="en-US" dirty="0" smtClean="0"/>
+              <a:rPr lang="en-US" dirty="0"/>
               <a:t>Once we have reached a milestone, or we just want to quickly and reversibly save our changes</a:t>
             </a:r>
           </a:p>
           <a:p>
             <a:r>
-              <a:rPr lang="en-US" dirty="0" smtClean="0"/>
+              <a:rPr lang="en-US" dirty="0"/>
               <a:t>Annotating our Snapshot </a:t>
             </a:r>
           </a:p>
           <a:p>
             <a:pPr lvl="1"/>
             <a:r>
-              <a:rPr lang="en-US" dirty="0" smtClean="0"/>
+              <a:rPr lang="en-US" dirty="0"/>
               <a:t>Short, simple </a:t>
             </a:r>
             <a:r>
-              <a:rPr lang="en-US" b="1" dirty="0" smtClean="0"/>
+              <a:rPr lang="en-US" b="1" dirty="0"/>
               <a:t>summary</a:t>
             </a:r>
             <a:r>
-              <a:rPr lang="en-US" dirty="0" smtClean="0"/>
+              <a:rPr lang="en-US" dirty="0"/>
               <a:t>. A few words</a:t>
             </a:r>
           </a:p>
           <a:p>
             <a:pPr lvl="1"/>
             <a:r>
-              <a:rPr lang="en-US" dirty="0" smtClean="0"/>
+              <a:rPr lang="en-US" dirty="0"/>
               <a:t>Extended </a:t>
             </a:r>
             <a:r>
-              <a:rPr lang="en-US" b="1" dirty="0" smtClean="0"/>
+              <a:rPr lang="en-US" b="1" dirty="0"/>
               <a:t>description</a:t>
             </a:r>
             <a:r>
-              <a:rPr lang="en-US" dirty="0" smtClean="0"/>
+              <a:rPr lang="en-US" dirty="0"/>
               <a:t> of approach. A few sentences</a:t>
             </a:r>
           </a:p>
           <a:p>
             <a:r>
-              <a:rPr lang="en-US" dirty="0" smtClean="0"/>
+              <a:rPr lang="en-US" dirty="0"/>
               <a:t>Only changes locally!</a:t>
             </a:r>
           </a:p>
@@ -8098,11 +7894,11 @@
           <a:lstStyle/>
           <a:p>
             <a:r>
-              <a:rPr lang="en-US" smtClean="0"/>
+              <a:rPr lang="en-US"/>
               <a:t>Digital Scholarship Services </a:t>
             </a:r>
             <a:r>
-              <a:rPr lang="en-US" smtClean="0">
+              <a:rPr lang="en-US">
                 <a:solidFill>
                   <a:schemeClr val="accent1">
                     <a:lumMod val="50000"/>
@@ -8112,11 +7908,11 @@
               <a:t>| Email</a:t>
             </a:r>
             <a:r>
-              <a:rPr lang="en-US" smtClean="0"/>
+              <a:rPr lang="en-US"/>
               <a:t> cf24@rice.edu </a:t>
             </a:r>
             <a:r>
-              <a:rPr lang="en-US" smtClean="0">
+              <a:rPr lang="en-US">
                 <a:solidFill>
                   <a:schemeClr val="accent1">
                     <a:lumMod val="50000"/>
@@ -8126,7 +7922,7 @@
               <a:t>|</a:t>
             </a:r>
             <a:r>
-              <a:rPr lang="en-US" smtClean="0"/>
+              <a:rPr lang="en-US"/>
               <a:t> library.rice.edu/dss</a:t>
             </a:r>
             <a:endParaRPr lang="en-US" dirty="0"/>
@@ -8243,10 +8039,9 @@
           <a:lstStyle/>
           <a:p>
             <a:r>
-              <a:rPr lang="en-US" dirty="0" smtClean="0"/>
+              <a:rPr lang="en-US" dirty="0"/>
               <a:t>SNAPSHOTS OF OUR CHANGES</a:t>
             </a:r>
-            <a:endParaRPr lang="en-US" dirty="0"/>
           </a:p>
         </p:txBody>
       </p:sp>
@@ -8271,18 +8066,17 @@
           <a:lstStyle/>
           <a:p>
             <a:r>
-              <a:rPr lang="en-US" dirty="0" smtClean="0"/>
+              <a:rPr lang="en-US" dirty="0"/>
               <a:t>Tell </a:t>
             </a:r>
             <a:r>
-              <a:rPr lang="en-US" dirty="0" err="1" smtClean="0"/>
+              <a:rPr lang="en-US" dirty="0" err="1"/>
               <a:t>git</a:t>
             </a:r>
             <a:r>
-              <a:rPr lang="en-US" dirty="0" smtClean="0"/>
+              <a:rPr lang="en-US" dirty="0"/>
               <a:t> to take a snapshot of our files!</a:t>
             </a:r>
-            <a:endParaRPr lang="en-US" dirty="0"/>
           </a:p>
           <a:p>
             <a:pPr lvl="1"/>
@@ -8309,28 +8103,21 @@
                 <a:latin typeface="Courier New" panose="02070309020205020404" pitchFamily="49" charset="0"/>
                 <a:cs typeface="Courier New" panose="02070309020205020404" pitchFamily="49" charset="0"/>
               </a:rPr>
-              <a:t> </a:t>
-            </a:r>
-            <a:r>
-              <a:rPr lang="en-US" dirty="0" smtClean="0">
-                <a:latin typeface="Courier New" panose="02070309020205020404" pitchFamily="49" charset="0"/>
-                <a:cs typeface="Courier New" panose="02070309020205020404" pitchFamily="49" charset="0"/>
-              </a:rPr>
-              <a:t>commit</a:t>
-            </a:r>
-            <a:endParaRPr lang="en-US" dirty="0" smtClean="0">
+              <a:t> commit</a:t>
+            </a:r>
+            <a:endParaRPr lang="en-US" dirty="0">
               <a:cs typeface="Courier New" panose="02070309020205020404" pitchFamily="49" charset="0"/>
             </a:endParaRPr>
           </a:p>
           <a:p>
             <a:r>
-              <a:rPr lang="en-US" b="1" dirty="0" smtClean="0">
+              <a:rPr lang="en-US" b="1" dirty="0">
                 <a:cs typeface="Courier New" panose="02070309020205020404" pitchFamily="49" charset="0"/>
               </a:rPr>
               <a:t>HEAD </a:t>
             </a:r>
             <a:r>
-              <a:rPr lang="en-US" dirty="0" smtClean="0">
+              <a:rPr lang="en-US" dirty="0">
                 <a:cs typeface="Courier New" panose="02070309020205020404" pitchFamily="49" charset="0"/>
               </a:rPr>
               <a:t>now points to our most recent snapshot!</a:t>
@@ -8380,11 +8167,11 @@
           <a:lstStyle/>
           <a:p>
             <a:r>
-              <a:rPr lang="en-US" smtClean="0"/>
+              <a:rPr lang="en-US"/>
               <a:t>Digital Scholarship Services </a:t>
             </a:r>
             <a:r>
-              <a:rPr lang="en-US" smtClean="0">
+              <a:rPr lang="en-US">
                 <a:solidFill>
                   <a:schemeClr val="accent1">
                     <a:lumMod val="50000"/>
@@ -8394,11 +8181,11 @@
               <a:t>| Email</a:t>
             </a:r>
             <a:r>
-              <a:rPr lang="en-US" smtClean="0"/>
+              <a:rPr lang="en-US"/>
               <a:t> cf24@rice.edu </a:t>
             </a:r>
             <a:r>
-              <a:rPr lang="en-US" smtClean="0">
+              <a:rPr lang="en-US">
                 <a:solidFill>
                   <a:schemeClr val="accent1">
                     <a:lumMod val="50000"/>
@@ -8408,7 +8195,7 @@
               <a:t>|</a:t>
             </a:r>
             <a:r>
-              <a:rPr lang="en-US" smtClean="0"/>
+              <a:rPr lang="en-US"/>
               <a:t> library.rice.edu/dss</a:t>
             </a:r>
             <a:endParaRPr lang="en-US" dirty="0"/>
@@ -8508,10 +8295,9 @@
           <a:lstStyle/>
           <a:p>
             <a:r>
-              <a:rPr lang="en-US" dirty="0" smtClean="0"/>
+              <a:rPr lang="en-US" dirty="0"/>
               <a:t>UPLOADING OUR CHANGES</a:t>
             </a:r>
-            <a:endParaRPr lang="en-US" dirty="0"/>
           </a:p>
         </p:txBody>
       </p:sp>
@@ -8536,26 +8322,25 @@
           <a:lstStyle/>
           <a:p>
             <a:r>
-              <a:rPr lang="en-US" dirty="0" smtClean="0"/>
+              <a:rPr lang="en-US" dirty="0"/>
               <a:t>Once we have a commit, we can send it to GitHub</a:t>
             </a:r>
           </a:p>
           <a:p>
             <a:r>
-              <a:rPr lang="en-US" dirty="0" smtClean="0"/>
+              <a:rPr lang="en-US" dirty="0"/>
               <a:t>This is called a </a:t>
             </a:r>
             <a:r>
-              <a:rPr lang="en-US" b="1" dirty="0" smtClean="0"/>
+              <a:rPr lang="en-US" b="1" dirty="0"/>
               <a:t>push</a:t>
             </a:r>
           </a:p>
           <a:p>
             <a:r>
-              <a:rPr lang="en-US" dirty="0" smtClean="0"/>
+              <a:rPr lang="en-US" dirty="0"/>
               <a:t>Note: Changes are not sent to the server by default!</a:t>
             </a:r>
-            <a:endParaRPr lang="en-US" dirty="0"/>
           </a:p>
         </p:txBody>
       </p:sp>
@@ -8598,11 +8383,11 @@
           <a:lstStyle/>
           <a:p>
             <a:r>
-              <a:rPr lang="en-US" smtClean="0"/>
+              <a:rPr lang="en-US"/>
               <a:t>Digital Scholarship Services </a:t>
             </a:r>
             <a:r>
-              <a:rPr lang="en-US" smtClean="0">
+              <a:rPr lang="en-US">
                 <a:solidFill>
                   <a:schemeClr val="accent1">
                     <a:lumMod val="50000"/>
@@ -8612,11 +8397,11 @@
               <a:t>| Email</a:t>
             </a:r>
             <a:r>
-              <a:rPr lang="en-US" smtClean="0"/>
+              <a:rPr lang="en-US"/>
               <a:t> cf24@rice.edu </a:t>
             </a:r>
             <a:r>
-              <a:rPr lang="en-US" smtClean="0">
+              <a:rPr lang="en-US">
                 <a:solidFill>
                   <a:schemeClr val="accent1">
                     <a:lumMod val="50000"/>
@@ -8626,7 +8411,7 @@
               <a:t>|</a:t>
             </a:r>
             <a:r>
-              <a:rPr lang="en-US" smtClean="0"/>
+              <a:rPr lang="en-US"/>
               <a:t> library.rice.edu/dss</a:t>
             </a:r>
             <a:endParaRPr lang="en-US" dirty="0"/>
@@ -8765,10 +8550,9 @@
           <a:lstStyle/>
           <a:p>
             <a:r>
-              <a:rPr lang="en-US" dirty="0" smtClean="0"/>
+              <a:rPr lang="en-US" dirty="0"/>
               <a:t>From the repository cloned earlier, upload a file with any message you like!</a:t>
             </a:r>
-            <a:endParaRPr lang="en-US" dirty="0"/>
           </a:p>
         </p:txBody>
       </p:sp>
@@ -8811,11 +8595,11 @@
           <a:lstStyle/>
           <a:p>
             <a:r>
-              <a:rPr lang="en-US" smtClean="0"/>
+              <a:rPr lang="en-US"/>
               <a:t>Digital Scholarship Services </a:t>
             </a:r>
             <a:r>
-              <a:rPr lang="en-US" smtClean="0">
+              <a:rPr lang="en-US">
                 <a:solidFill>
                   <a:schemeClr val="accent1">
                     <a:lumMod val="50000"/>
@@ -8825,11 +8609,11 @@
               <a:t>| Email</a:t>
             </a:r>
             <a:r>
-              <a:rPr lang="en-US" smtClean="0"/>
+              <a:rPr lang="en-US"/>
               <a:t> cf24@rice.edu </a:t>
             </a:r>
             <a:r>
-              <a:rPr lang="en-US" smtClean="0">
+              <a:rPr lang="en-US">
                 <a:solidFill>
                   <a:schemeClr val="accent1">
                     <a:lumMod val="50000"/>
@@ -8839,7 +8623,7 @@
               <a:t>|</a:t>
             </a:r>
             <a:r>
-              <a:rPr lang="en-US" smtClean="0"/>
+              <a:rPr lang="en-US"/>
               <a:t> library.rice.edu/dss</a:t>
             </a:r>
             <a:endParaRPr lang="en-US" dirty="0"/>
@@ -8915,14 +8699,11 @@
           <a:lstStyle/>
           <a:p>
             <a:r>
-              <a:rPr lang="en-US" dirty="0" smtClean="0">
+              <a:rPr lang="en-US" dirty="0">
                 <a:latin typeface="+mn-lt"/>
               </a:rPr>
               <a:t>WHAT IS GIT NOT?</a:t>
             </a:r>
-            <a:endParaRPr lang="en-US" dirty="0">
-              <a:latin typeface="+mn-lt"/>
-            </a:endParaRPr>
           </a:p>
         </p:txBody>
       </p:sp>
@@ -9007,11 +8788,11 @@
           <a:lstStyle/>
           <a:p>
             <a:r>
-              <a:rPr lang="en-US" smtClean="0"/>
+              <a:rPr lang="en-US"/>
               <a:t>Digital Scholarship Services </a:t>
             </a:r>
             <a:r>
-              <a:rPr lang="en-US" smtClean="0">
+              <a:rPr lang="en-US">
                 <a:solidFill>
                   <a:schemeClr val="accent1">
                     <a:lumMod val="50000"/>
@@ -9021,11 +8802,11 @@
               <a:t>| Email</a:t>
             </a:r>
             <a:r>
-              <a:rPr lang="en-US" smtClean="0"/>
+              <a:rPr lang="en-US"/>
               <a:t> cf24@rice.edu </a:t>
             </a:r>
             <a:r>
-              <a:rPr lang="en-US" smtClean="0">
+              <a:rPr lang="en-US">
                 <a:solidFill>
                   <a:schemeClr val="accent1">
                     <a:lumMod val="50000"/>
@@ -9035,7 +8816,7 @@
               <a:t>|</a:t>
             </a:r>
             <a:r>
-              <a:rPr lang="en-US" smtClean="0"/>
+              <a:rPr lang="en-US"/>
               <a:t> library.rice.edu/dss</a:t>
             </a:r>
             <a:endParaRPr lang="en-US" dirty="0"/>
@@ -9052,13 +8833,6 @@
   <p:clrMapOvr>
     <a:masterClrMapping/>
   </p:clrMapOvr>
-  <p:timing>
-    <p:tnLst>
-      <p:par>
-        <p:cTn id="1" dur="indefinite" restart="never" nodeType="tmRoot"/>
-      </p:par>
-    </p:tnLst>
-  </p:timing>
 </p:sld>
 </file>
 
@@ -9095,10 +8869,9 @@
           <a:lstStyle/>
           <a:p>
             <a:r>
-              <a:rPr lang="en-US" dirty="0" smtClean="0"/>
+              <a:rPr lang="en-US" dirty="0"/>
               <a:t>GOING BACK IN TIME</a:t>
             </a:r>
-            <a:endParaRPr lang="en-US" dirty="0"/>
           </a:p>
         </p:txBody>
       </p:sp>
@@ -9123,16 +8896,15 @@
           <a:lstStyle/>
           <a:p>
             <a:r>
-              <a:rPr lang="en-US" dirty="0" smtClean="0"/>
+              <a:rPr lang="en-US" dirty="0"/>
               <a:t>What if we made a change we realized deleted something we really needed?</a:t>
             </a:r>
           </a:p>
           <a:p>
             <a:r>
-              <a:rPr lang="en-US" dirty="0" smtClean="0"/>
+              <a:rPr lang="en-US" dirty="0"/>
               <a:t>Solution: Reverting to a previous commit!</a:t>
             </a:r>
-            <a:endParaRPr lang="en-US" dirty="0"/>
           </a:p>
         </p:txBody>
       </p:sp>
@@ -9175,11 +8947,11 @@
           <a:lstStyle/>
           <a:p>
             <a:r>
-              <a:rPr lang="en-US" smtClean="0"/>
+              <a:rPr lang="en-US"/>
               <a:t>Digital Scholarship Services </a:t>
             </a:r>
             <a:r>
-              <a:rPr lang="en-US" smtClean="0">
+              <a:rPr lang="en-US">
                 <a:solidFill>
                   <a:schemeClr val="accent1">
                     <a:lumMod val="50000"/>
@@ -9189,11 +8961,11 @@
               <a:t>| Email</a:t>
             </a:r>
             <a:r>
-              <a:rPr lang="en-US" smtClean="0"/>
+              <a:rPr lang="en-US"/>
               <a:t> cf24@rice.edu </a:t>
             </a:r>
             <a:r>
-              <a:rPr lang="en-US" smtClean="0">
+              <a:rPr lang="en-US">
                 <a:solidFill>
                   <a:schemeClr val="accent1">
                     <a:lumMod val="50000"/>
@@ -9203,7 +8975,7 @@
               <a:t>|</a:t>
             </a:r>
             <a:r>
-              <a:rPr lang="en-US" smtClean="0"/>
+              <a:rPr lang="en-US"/>
               <a:t> library.rice.edu/dss</a:t>
             </a:r>
             <a:endParaRPr lang="en-US" dirty="0"/>
@@ -9320,14 +9092,11 @@
           <a:lstStyle/>
           <a:p>
             <a:r>
-              <a:rPr lang="en-US" dirty="0" smtClean="0">
+              <a:rPr lang="en-US" dirty="0">
                 <a:latin typeface="+mn-lt"/>
               </a:rPr>
               <a:t>BRANCHES &amp; MERGING</a:t>
             </a:r>
-            <a:endParaRPr lang="en-US" dirty="0">
-              <a:latin typeface="+mn-lt"/>
-            </a:endParaRPr>
           </a:p>
         </p:txBody>
       </p:sp>
@@ -9347,10 +9116,9 @@
           <a:lstStyle/>
           <a:p>
             <a:r>
-              <a:rPr lang="en-US" dirty="0" smtClean="0"/>
+              <a:rPr lang="en-US" dirty="0"/>
               <a:t>Creating, working on, combining, and switching branches</a:t>
             </a:r>
-            <a:endParaRPr lang="en-US" dirty="0"/>
           </a:p>
         </p:txBody>
       </p:sp>
@@ -9416,11 +9184,11 @@
           <a:lstStyle/>
           <a:p>
             <a:r>
-              <a:rPr lang="en-US" smtClean="0"/>
+              <a:rPr lang="en-US"/>
               <a:t>Digital Scholarship Services </a:t>
             </a:r>
             <a:r>
-              <a:rPr lang="en-US" smtClean="0">
+              <a:rPr lang="en-US">
                 <a:solidFill>
                   <a:schemeClr val="accent1">
                     <a:lumMod val="50000"/>
@@ -9430,11 +9198,11 @@
               <a:t>| Email</a:t>
             </a:r>
             <a:r>
-              <a:rPr lang="en-US" smtClean="0"/>
+              <a:rPr lang="en-US"/>
               <a:t> cf24@rice.edu </a:t>
             </a:r>
             <a:r>
-              <a:rPr lang="en-US" smtClean="0">
+              <a:rPr lang="en-US">
                 <a:solidFill>
                   <a:schemeClr val="accent1">
                     <a:lumMod val="50000"/>
@@ -9444,7 +9212,7 @@
               <a:t>|</a:t>
             </a:r>
             <a:r>
-              <a:rPr lang="en-US" smtClean="0"/>
+              <a:rPr lang="en-US"/>
               <a:t> library.rice.edu/dss</a:t>
             </a:r>
             <a:endParaRPr lang="en-US" dirty="0"/>
@@ -9461,13 +9229,6 @@
   <p:clrMapOvr>
     <a:masterClrMapping/>
   </p:clrMapOvr>
-  <p:timing>
-    <p:tnLst>
-      <p:par>
-        <p:cTn id="1" dur="indefinite" restart="never" nodeType="tmRoot"/>
-      </p:par>
-    </p:tnLst>
-  </p:timing>
 </p:sld>
 </file>
 
@@ -9504,10 +9265,9 @@
           <a:lstStyle/>
           <a:p>
             <a:r>
-              <a:rPr lang="en-US" dirty="0" smtClean="0"/>
+              <a:rPr lang="en-US" dirty="0"/>
               <a:t>BRANCHES</a:t>
             </a:r>
-            <a:endParaRPr lang="en-US" dirty="0"/>
           </a:p>
         </p:txBody>
       </p:sp>
@@ -9532,39 +9292,34 @@
           <a:lstStyle/>
           <a:p>
             <a:r>
-              <a:rPr lang="en-US" dirty="0" smtClean="0"/>
+              <a:rPr lang="en-US" dirty="0"/>
               <a:t>If you’re working on different features or as part of a larger team</a:t>
             </a:r>
           </a:p>
           <a:p>
             <a:r>
-              <a:rPr lang="en-US" dirty="0" smtClean="0"/>
+              <a:rPr lang="en-US" dirty="0"/>
               <a:t>Divergent history</a:t>
             </a:r>
           </a:p>
           <a:p>
             <a:r>
-              <a:rPr lang="en-US" dirty="0" smtClean="0"/>
+              <a:rPr lang="en-US" dirty="0"/>
               <a:t>Independent files</a:t>
             </a:r>
           </a:p>
           <a:p>
             <a:pPr lvl="1"/>
             <a:r>
-              <a:rPr lang="en-US" dirty="0" smtClean="0"/>
+              <a:rPr lang="en-US" dirty="0"/>
               <a:t>Avoids unintended consequences!</a:t>
             </a:r>
           </a:p>
           <a:p>
             <a:r>
               <a:rPr lang="en-US" dirty="0"/>
-              <a:t>E</a:t>
-            </a:r>
-            <a:r>
-              <a:rPr lang="en-US" dirty="0" smtClean="0"/>
-              <a:t>asy integration</a:t>
-            </a:r>
-            <a:endParaRPr lang="en-US" dirty="0"/>
+              <a:t>Easy integration</a:t>
+            </a:r>
           </a:p>
         </p:txBody>
       </p:sp>
@@ -9607,11 +9362,11 @@
           <a:lstStyle/>
           <a:p>
             <a:r>
-              <a:rPr lang="en-US" smtClean="0"/>
+              <a:rPr lang="en-US"/>
               <a:t>Digital Scholarship Services </a:t>
             </a:r>
             <a:r>
-              <a:rPr lang="en-US" smtClean="0">
+              <a:rPr lang="en-US">
                 <a:solidFill>
                   <a:schemeClr val="accent1">
                     <a:lumMod val="50000"/>
@@ -9621,11 +9376,11 @@
               <a:t>| Email</a:t>
             </a:r>
             <a:r>
-              <a:rPr lang="en-US" smtClean="0"/>
+              <a:rPr lang="en-US"/>
               <a:t> cf24@rice.edu </a:t>
             </a:r>
             <a:r>
-              <a:rPr lang="en-US" smtClean="0">
+              <a:rPr lang="en-US">
                 <a:solidFill>
                   <a:schemeClr val="accent1">
                     <a:lumMod val="50000"/>
@@ -9635,7 +9390,7 @@
               <a:t>|</a:t>
             </a:r>
             <a:r>
-              <a:rPr lang="en-US" smtClean="0"/>
+              <a:rPr lang="en-US"/>
               <a:t> library.rice.edu/dss</a:t>
             </a:r>
             <a:endParaRPr lang="en-US" dirty="0"/>
@@ -9735,10 +9490,9 @@
           <a:lstStyle/>
           <a:p>
             <a:r>
-              <a:rPr lang="en-US" dirty="0" smtClean="0"/>
+              <a:rPr lang="en-US" dirty="0"/>
               <a:t>CREATING &amp; SWITCHING BRANCHES</a:t>
             </a:r>
-            <a:endParaRPr lang="en-US" dirty="0"/>
           </a:p>
         </p:txBody>
       </p:sp>
@@ -9763,22 +9517,21 @@
           <a:lstStyle/>
           <a:p>
             <a:r>
-              <a:rPr lang="en-US" dirty="0" smtClean="0"/>
+              <a:rPr lang="en-US" dirty="0"/>
               <a:t>Click on the “Current branch” tab</a:t>
             </a:r>
           </a:p>
           <a:p>
             <a:r>
-              <a:rPr lang="en-US" dirty="0" smtClean="0"/>
+              <a:rPr lang="en-US" dirty="0"/>
               <a:t>If a branch isn’t listed, you may have to search for it</a:t>
             </a:r>
           </a:p>
           <a:p>
             <a:r>
-              <a:rPr lang="en-US" dirty="0" smtClean="0"/>
+              <a:rPr lang="en-US" dirty="0"/>
               <a:t>Make sure to publish the branch to GitHub!</a:t>
             </a:r>
-            <a:endParaRPr lang="en-US" dirty="0"/>
           </a:p>
         </p:txBody>
       </p:sp>
@@ -9821,11 +9574,11 @@
           <a:lstStyle/>
           <a:p>
             <a:r>
-              <a:rPr lang="en-US" smtClean="0"/>
+              <a:rPr lang="en-US"/>
               <a:t>Digital Scholarship Services </a:t>
             </a:r>
             <a:r>
-              <a:rPr lang="en-US" smtClean="0">
+              <a:rPr lang="en-US">
                 <a:solidFill>
                   <a:schemeClr val="accent1">
                     <a:lumMod val="50000"/>
@@ -9835,11 +9588,11 @@
               <a:t>| Email</a:t>
             </a:r>
             <a:r>
-              <a:rPr lang="en-US" smtClean="0"/>
+              <a:rPr lang="en-US"/>
               <a:t> cf24@rice.edu </a:t>
             </a:r>
             <a:r>
-              <a:rPr lang="en-US" smtClean="0">
+              <a:rPr lang="en-US">
                 <a:solidFill>
                   <a:schemeClr val="accent1">
                     <a:lumMod val="50000"/>
@@ -9849,7 +9602,7 @@
               <a:t>|</a:t>
             </a:r>
             <a:r>
-              <a:rPr lang="en-US" smtClean="0"/>
+              <a:rPr lang="en-US"/>
               <a:t> library.rice.edu/dss</a:t>
             </a:r>
             <a:endParaRPr lang="en-US" dirty="0"/>
@@ -10007,10 +9760,9 @@
           <a:lstStyle/>
           <a:p>
             <a:r>
-              <a:rPr lang="en-US" dirty="0" smtClean="0"/>
+              <a:rPr lang="en-US" dirty="0"/>
               <a:t>MERGING</a:t>
             </a:r>
-            <a:endParaRPr lang="en-US" dirty="0"/>
           </a:p>
         </p:txBody>
       </p:sp>
@@ -10035,16 +9787,15 @@
           <a:lstStyle/>
           <a:p>
             <a:r>
-              <a:rPr lang="en-US" dirty="0" smtClean="0"/>
+              <a:rPr lang="en-US" dirty="0"/>
               <a:t>Integrates changes that take place in a different branch</a:t>
             </a:r>
           </a:p>
           <a:p>
             <a:r>
-              <a:rPr lang="en-US" dirty="0" smtClean="0"/>
+              <a:rPr lang="en-US" dirty="0"/>
               <a:t>Usually goes smoothly if branches don’t overlap</a:t>
             </a:r>
-            <a:endParaRPr lang="en-US" dirty="0"/>
           </a:p>
         </p:txBody>
       </p:sp>
@@ -10087,11 +9838,11 @@
           <a:lstStyle/>
           <a:p>
             <a:r>
-              <a:rPr lang="en-US" smtClean="0"/>
+              <a:rPr lang="en-US"/>
               <a:t>Digital Scholarship Services </a:t>
             </a:r>
             <a:r>
-              <a:rPr lang="en-US" smtClean="0">
+              <a:rPr lang="en-US">
                 <a:solidFill>
                   <a:schemeClr val="accent1">
                     <a:lumMod val="50000"/>
@@ -10101,11 +9852,11 @@
               <a:t>| Email</a:t>
             </a:r>
             <a:r>
-              <a:rPr lang="en-US" smtClean="0"/>
+              <a:rPr lang="en-US"/>
               <a:t> cf24@rice.edu </a:t>
             </a:r>
             <a:r>
-              <a:rPr lang="en-US" smtClean="0">
+              <a:rPr lang="en-US">
                 <a:solidFill>
                   <a:schemeClr val="accent1">
                     <a:lumMod val="50000"/>
@@ -10115,7 +9866,7 @@
               <a:t>|</a:t>
             </a:r>
             <a:r>
-              <a:rPr lang="en-US" smtClean="0"/>
+              <a:rPr lang="en-US"/>
               <a:t> library.rice.edu/dss</a:t>
             </a:r>
             <a:endParaRPr lang="en-US" dirty="0"/>
@@ -10271,10 +10022,9 @@
           <a:lstStyle/>
           <a:p>
             <a:r>
-              <a:rPr lang="en-US" dirty="0" smtClean="0"/>
+              <a:rPr lang="en-US" dirty="0"/>
               <a:t>MERGING</a:t>
             </a:r>
-            <a:endParaRPr lang="en-US" dirty="0"/>
           </a:p>
         </p:txBody>
       </p:sp>
@@ -10317,11 +10067,11 @@
           <a:lstStyle/>
           <a:p>
             <a:r>
-              <a:rPr lang="en-US" smtClean="0"/>
+              <a:rPr lang="en-US"/>
               <a:t>Digital Scholarship Services </a:t>
             </a:r>
             <a:r>
-              <a:rPr lang="en-US" smtClean="0">
+              <a:rPr lang="en-US">
                 <a:solidFill>
                   <a:schemeClr val="accent1">
                     <a:lumMod val="50000"/>
@@ -10331,11 +10081,11 @@
               <a:t>| Email</a:t>
             </a:r>
             <a:r>
-              <a:rPr lang="en-US" smtClean="0"/>
+              <a:rPr lang="en-US"/>
               <a:t> cf24@rice.edu </a:t>
             </a:r>
             <a:r>
-              <a:rPr lang="en-US" smtClean="0">
+              <a:rPr lang="en-US">
                 <a:solidFill>
                   <a:schemeClr val="accent1">
                     <a:lumMod val="50000"/>
@@ -10345,7 +10095,7 @@
               <a:t>|</a:t>
             </a:r>
             <a:r>
-              <a:rPr lang="en-US" smtClean="0"/>
+              <a:rPr lang="en-US"/>
               <a:t> library.rice.edu/dss</a:t>
             </a:r>
             <a:endParaRPr lang="en-US" dirty="0"/>
@@ -10467,10 +10217,9 @@
           <a:lstStyle/>
           <a:p>
             <a:r>
-              <a:rPr lang="en-US" dirty="0" smtClean="0"/>
+              <a:rPr lang="en-US" dirty="0"/>
               <a:t>MERGING IN ACTION</a:t>
             </a:r>
-            <a:endParaRPr lang="en-US" dirty="0"/>
           </a:p>
         </p:txBody>
       </p:sp>
@@ -10513,11 +10262,11 @@
           <a:lstStyle/>
           <a:p>
             <a:r>
-              <a:rPr lang="en-US" smtClean="0"/>
+              <a:rPr lang="en-US"/>
               <a:t>Digital Scholarship Services </a:t>
             </a:r>
             <a:r>
-              <a:rPr lang="en-US" smtClean="0">
+              <a:rPr lang="en-US">
                 <a:solidFill>
                   <a:schemeClr val="accent1">
                     <a:lumMod val="50000"/>
@@ -10527,11 +10276,11 @@
               <a:t>| Email</a:t>
             </a:r>
             <a:r>
-              <a:rPr lang="en-US" smtClean="0"/>
+              <a:rPr lang="en-US"/>
               <a:t> cf24@rice.edu </a:t>
             </a:r>
             <a:r>
-              <a:rPr lang="en-US" smtClean="0">
+              <a:rPr lang="en-US">
                 <a:solidFill>
                   <a:schemeClr val="accent1">
                     <a:lumMod val="50000"/>
@@ -10541,7 +10290,7 @@
               <a:t>|</a:t>
             </a:r>
             <a:r>
-              <a:rPr lang="en-US" smtClean="0"/>
+              <a:rPr lang="en-US"/>
               <a:t> library.rice.edu/dss</a:t>
             </a:r>
             <a:endParaRPr lang="en-US" dirty="0"/>
@@ -10907,7 +10656,6 @@
               <a:rPr lang="en-US" dirty="0"/>
               <a:t>(INTO)</a:t>
             </a:r>
-            <a:endParaRPr lang="en-US" dirty="0"/>
           </a:p>
         </p:txBody>
       </p:sp>
@@ -10935,17 +10683,16 @@
           <a:p>
             <a:pPr algn="ctr"/>
             <a:r>
-              <a:rPr lang="en-US" dirty="0" smtClean="0"/>
+              <a:rPr lang="en-US" dirty="0"/>
               <a:t>Branch 2</a:t>
             </a:r>
           </a:p>
           <a:p>
             <a:pPr algn="ctr"/>
             <a:r>
-              <a:rPr lang="en-US" dirty="0" smtClean="0"/>
+              <a:rPr lang="en-US" dirty="0"/>
               <a:t>(IN)</a:t>
             </a:r>
-            <a:endParaRPr lang="en-US" dirty="0"/>
           </a:p>
         </p:txBody>
       </p:sp>
@@ -10980,10 +10727,9 @@
           <a:p>
             <a:pPr algn="ctr"/>
             <a:r>
-              <a:rPr lang="en-US" dirty="0" smtClean="0"/>
+              <a:rPr lang="en-US" dirty="0"/>
               <a:t>(MERGED)</a:t>
             </a:r>
-            <a:endParaRPr lang="en-US" dirty="0"/>
           </a:p>
         </p:txBody>
       </p:sp>
@@ -11033,10 +10779,9 @@
           <a:lstStyle/>
           <a:p>
             <a:r>
-              <a:rPr lang="en-US" dirty="0" smtClean="0"/>
+              <a:rPr lang="en-US" dirty="0"/>
               <a:t>CONFLICTS</a:t>
             </a:r>
-            <a:endParaRPr lang="en-US" dirty="0"/>
           </a:p>
         </p:txBody>
       </p:sp>
@@ -11061,23 +10806,21 @@
           <a:lstStyle/>
           <a:p>
             <a:r>
-              <a:rPr lang="en-US" dirty="0" smtClean="0"/>
+              <a:rPr lang="en-US" dirty="0"/>
               <a:t>Occasionally, two people may have edited the same file on different branches</a:t>
             </a:r>
           </a:p>
           <a:p>
             <a:r>
-              <a:rPr lang="en-US" dirty="0" smtClean="0"/>
+              <a:rPr lang="en-US" dirty="0"/>
               <a:t>Which version do we take?</a:t>
             </a:r>
-            <a:endParaRPr lang="en-US" dirty="0" smtClean="0"/>
-          </a:p>
-          <a:p>
-            <a:r>
-              <a:rPr lang="en-US" dirty="0" smtClean="0"/>
+          </a:p>
+          <a:p>
+            <a:r>
+              <a:rPr lang="en-US" dirty="0"/>
               <a:t>Must manually resolve conflicts</a:t>
             </a:r>
-            <a:endParaRPr lang="en-US" dirty="0"/>
           </a:p>
         </p:txBody>
       </p:sp>
@@ -11120,11 +10863,11 @@
           <a:lstStyle/>
           <a:p>
             <a:r>
-              <a:rPr lang="en-US" smtClean="0"/>
+              <a:rPr lang="en-US"/>
               <a:t>Digital Scholarship Services </a:t>
             </a:r>
             <a:r>
-              <a:rPr lang="en-US" smtClean="0">
+              <a:rPr lang="en-US">
                 <a:solidFill>
                   <a:schemeClr val="accent1">
                     <a:lumMod val="50000"/>
@@ -11134,11 +10877,11 @@
               <a:t>| Email</a:t>
             </a:r>
             <a:r>
-              <a:rPr lang="en-US" smtClean="0"/>
+              <a:rPr lang="en-US"/>
               <a:t> cf24@rice.edu </a:t>
             </a:r>
             <a:r>
-              <a:rPr lang="en-US" smtClean="0">
+              <a:rPr lang="en-US">
                 <a:solidFill>
                   <a:schemeClr val="accent1">
                     <a:lumMod val="50000"/>
@@ -11148,7 +10891,7 @@
               <a:t>|</a:t>
             </a:r>
             <a:r>
-              <a:rPr lang="en-US" smtClean="0"/>
+              <a:rPr lang="en-US"/>
               <a:t> library.rice.edu/dss</a:t>
             </a:r>
             <a:endParaRPr lang="en-US" dirty="0"/>
@@ -11306,10 +11049,9 @@
           <a:lstStyle/>
           <a:p>
             <a:r>
-              <a:rPr lang="en-US" dirty="0" smtClean="0"/>
+              <a:rPr lang="en-US" dirty="0"/>
               <a:t>CONFLICTS IN ACTION</a:t>
             </a:r>
-            <a:endParaRPr lang="en-US" dirty="0"/>
           </a:p>
         </p:txBody>
       </p:sp>
@@ -11352,11 +11094,11 @@
           <a:lstStyle/>
           <a:p>
             <a:r>
-              <a:rPr lang="en-US" smtClean="0"/>
+              <a:rPr lang="en-US"/>
               <a:t>Digital Scholarship Services </a:t>
             </a:r>
             <a:r>
-              <a:rPr lang="en-US" smtClean="0">
+              <a:rPr lang="en-US">
                 <a:solidFill>
                   <a:schemeClr val="accent1">
                     <a:lumMod val="50000"/>
@@ -11366,11 +11108,11 @@
               <a:t>| Email</a:t>
             </a:r>
             <a:r>
-              <a:rPr lang="en-US" smtClean="0"/>
+              <a:rPr lang="en-US"/>
               <a:t> cf24@rice.edu </a:t>
             </a:r>
             <a:r>
-              <a:rPr lang="en-US" smtClean="0">
+              <a:rPr lang="en-US">
                 <a:solidFill>
                   <a:schemeClr val="accent1">
                     <a:lumMod val="50000"/>
@@ -11380,7 +11122,7 @@
               <a:t>|</a:t>
             </a:r>
             <a:r>
-              <a:rPr lang="en-US" smtClean="0"/>
+              <a:rPr lang="en-US"/>
               <a:t> library.rice.edu/dss</a:t>
             </a:r>
             <a:endParaRPr lang="en-US" dirty="0"/>
@@ -11658,7 +11400,7 @@
           <a:p>
             <a:pPr algn="ctr"/>
             <a:r>
-              <a:rPr lang="en-US" sz="5400" b="0" cap="none" spc="0" dirty="0" smtClean="0">
+              <a:rPr lang="en-US" sz="5400" b="0" cap="none" spc="0" dirty="0">
                 <a:ln w="0"/>
                 <a:solidFill>
                   <a:schemeClr val="tx1"/>
@@ -11673,19 +11415,6 @@
               </a:rPr>
               <a:t>?</a:t>
             </a:r>
-            <a:endParaRPr lang="en-US" sz="5400" b="0" cap="none" spc="0" dirty="0">
-              <a:ln w="0"/>
-              <a:solidFill>
-                <a:schemeClr val="tx1"/>
-              </a:solidFill>
-              <a:effectLst>
-                <a:outerShdw blurRad="38100" dist="19050" dir="2700000" algn="tl" rotWithShape="0">
-                  <a:schemeClr val="dk1">
-                    <a:alpha val="40000"/>
-                  </a:schemeClr>
-                </a:outerShdw>
-              </a:effectLst>
-            </a:endParaRPr>
           </a:p>
         </p:txBody>
       </p:sp>
@@ -11770,10 +11499,9 @@
           <a:lstStyle/>
           <a:p>
             <a:r>
-              <a:rPr lang="en-US" dirty="0" smtClean="0"/>
+              <a:rPr lang="en-US" dirty="0"/>
               <a:t>CONFLICTS IN ACTION</a:t>
             </a:r>
-            <a:endParaRPr lang="en-US" dirty="0"/>
           </a:p>
         </p:txBody>
       </p:sp>
@@ -11816,11 +11544,11 @@
           <a:lstStyle/>
           <a:p>
             <a:r>
-              <a:rPr lang="en-US" smtClean="0"/>
+              <a:rPr lang="en-US"/>
               <a:t>Digital Scholarship Services </a:t>
             </a:r>
             <a:r>
-              <a:rPr lang="en-US" smtClean="0">
+              <a:rPr lang="en-US">
                 <a:solidFill>
                   <a:schemeClr val="accent1">
                     <a:lumMod val="50000"/>
@@ -11830,11 +11558,11 @@
               <a:t>| Email</a:t>
             </a:r>
             <a:r>
-              <a:rPr lang="en-US" smtClean="0"/>
+              <a:rPr lang="en-US"/>
               <a:t> cf24@rice.edu </a:t>
             </a:r>
             <a:r>
-              <a:rPr lang="en-US" smtClean="0">
+              <a:rPr lang="en-US">
                 <a:solidFill>
                   <a:schemeClr val="accent1">
                     <a:lumMod val="50000"/>
@@ -11844,7 +11572,7 @@
               <a:t>|</a:t>
             </a:r>
             <a:r>
-              <a:rPr lang="en-US" smtClean="0"/>
+              <a:rPr lang="en-US"/>
               <a:t> library.rice.edu/dss</a:t>
             </a:r>
             <a:endParaRPr lang="en-US" dirty="0"/>
@@ -12192,14 +11920,11 @@
           <a:lstStyle/>
           <a:p>
             <a:r>
-              <a:rPr lang="en-US" dirty="0" smtClean="0">
+              <a:rPr lang="en-US" dirty="0">
                 <a:latin typeface="+mn-lt"/>
               </a:rPr>
               <a:t>WHAT IS GITHUB?</a:t>
             </a:r>
-            <a:endParaRPr lang="en-US" dirty="0">
-              <a:latin typeface="+mn-lt"/>
-            </a:endParaRPr>
           </a:p>
         </p:txBody>
       </p:sp>
@@ -12284,11 +12009,11 @@
           <a:lstStyle/>
           <a:p>
             <a:r>
-              <a:rPr lang="en-US" smtClean="0"/>
+              <a:rPr lang="en-US"/>
               <a:t>Digital Scholarship Services </a:t>
             </a:r>
             <a:r>
-              <a:rPr lang="en-US" smtClean="0">
+              <a:rPr lang="en-US">
                 <a:solidFill>
                   <a:schemeClr val="accent1">
                     <a:lumMod val="50000"/>
@@ -12298,11 +12023,11 @@
               <a:t>| Email</a:t>
             </a:r>
             <a:r>
-              <a:rPr lang="en-US" smtClean="0"/>
+              <a:rPr lang="en-US"/>
               <a:t> cf24@rice.edu </a:t>
             </a:r>
             <a:r>
-              <a:rPr lang="en-US" smtClean="0">
+              <a:rPr lang="en-US">
                 <a:solidFill>
                   <a:schemeClr val="accent1">
                     <a:lumMod val="50000"/>
@@ -12312,7 +12037,7 @@
               <a:t>|</a:t>
             </a:r>
             <a:r>
-              <a:rPr lang="en-US" smtClean="0"/>
+              <a:rPr lang="en-US"/>
               <a:t> library.rice.edu/dss</a:t>
             </a:r>
             <a:endParaRPr lang="en-US" dirty="0"/>
@@ -12329,13 +12054,6 @@
   <p:clrMapOvr>
     <a:masterClrMapping/>
   </p:clrMapOvr>
-  <p:timing>
-    <p:tnLst>
-      <p:par>
-        <p:cTn id="1" dur="indefinite" restart="never" nodeType="tmRoot"/>
-      </p:par>
-    </p:tnLst>
-  </p:timing>
 </p:sld>
 </file>
 
@@ -12372,10 +12090,9 @@
           <a:lstStyle/>
           <a:p>
             <a:r>
-              <a:rPr lang="en-US" dirty="0" smtClean="0"/>
+              <a:rPr lang="en-US" dirty="0"/>
               <a:t>CONFLICTS AND MERGING</a:t>
             </a:r>
-            <a:endParaRPr lang="en-US" dirty="0"/>
           </a:p>
         </p:txBody>
       </p:sp>
@@ -12395,32 +12112,27 @@
           <a:lstStyle/>
           <a:p>
             <a:r>
-              <a:rPr lang="en-US" dirty="0" smtClean="0"/>
+              <a:rPr lang="en-US" dirty="0"/>
               <a:t>Create a new branch.</a:t>
             </a:r>
           </a:p>
           <a:p>
             <a:r>
               <a:rPr lang="en-US" dirty="0"/>
-              <a:t>E</a:t>
-            </a:r>
-            <a:r>
-              <a:rPr lang="en-US" dirty="0" smtClean="0"/>
-              <a:t>dit community.txt to include only a one-line message.</a:t>
-            </a:r>
-          </a:p>
-          <a:p>
-            <a:r>
-              <a:rPr lang="en-US" dirty="0" smtClean="0"/>
+              <a:t>Edit community.txt to include only a one-line message.</a:t>
+            </a:r>
+          </a:p>
+          <a:p>
+            <a:r>
+              <a:rPr lang="en-US" dirty="0"/>
               <a:t>Try to merge it.</a:t>
             </a:r>
           </a:p>
           <a:p>
             <a:r>
-              <a:rPr lang="en-US" dirty="0" smtClean="0"/>
+              <a:rPr lang="en-US" dirty="0"/>
               <a:t>If it fails, merge by combining the two messages. Don’t delete anyone else’s work!</a:t>
             </a:r>
-            <a:endParaRPr lang="en-US" dirty="0"/>
           </a:p>
         </p:txBody>
       </p:sp>
@@ -12463,11 +12175,11 @@
           <a:lstStyle/>
           <a:p>
             <a:r>
-              <a:rPr lang="en-US" smtClean="0"/>
+              <a:rPr lang="en-US"/>
               <a:t>Digital Scholarship Services </a:t>
             </a:r>
             <a:r>
-              <a:rPr lang="en-US" smtClean="0">
+              <a:rPr lang="en-US">
                 <a:solidFill>
                   <a:schemeClr val="accent1">
                     <a:lumMod val="50000"/>
@@ -12477,11 +12189,11 @@
               <a:t>| Email</a:t>
             </a:r>
             <a:r>
-              <a:rPr lang="en-US" smtClean="0"/>
+              <a:rPr lang="en-US"/>
               <a:t> cf24@rice.edu </a:t>
             </a:r>
             <a:r>
-              <a:rPr lang="en-US" smtClean="0">
+              <a:rPr lang="en-US">
                 <a:solidFill>
                   <a:schemeClr val="accent1">
                     <a:lumMod val="50000"/>
@@ -12491,7 +12203,7 @@
               <a:t>|</a:t>
             </a:r>
             <a:r>
-              <a:rPr lang="en-US" smtClean="0"/>
+              <a:rPr lang="en-US"/>
               <a:t> library.rice.edu/dss</a:t>
             </a:r>
             <a:endParaRPr lang="en-US" dirty="0"/>
@@ -12567,14 +12279,11 @@
           <a:lstStyle/>
           <a:p>
             <a:r>
-              <a:rPr lang="en-US" dirty="0" smtClean="0">
+              <a:rPr lang="en-US" dirty="0">
                 <a:latin typeface="+mn-lt"/>
               </a:rPr>
               <a:t>ACKNOWLEDGMENTS</a:t>
             </a:r>
-            <a:endParaRPr lang="en-US" dirty="0">
-              <a:latin typeface="+mn-lt"/>
-            </a:endParaRPr>
           </a:p>
         </p:txBody>
       </p:sp>
@@ -12595,15 +12304,7 @@
           <a:p>
             <a:r>
               <a:rPr lang="en-US" dirty="0"/>
-              <a:t>The </a:t>
-            </a:r>
-            <a:r>
-              <a:rPr lang="en-US" dirty="0" smtClean="0"/>
-              <a:t>figures are </a:t>
-            </a:r>
-            <a:r>
-              <a:rPr lang="en-US" dirty="0"/>
-              <a:t>taken from Pro </a:t>
+              <a:t>The figures are taken from Pro </a:t>
             </a:r>
             <a:r>
               <a:rPr lang="en-US" dirty="0" err="1"/>
@@ -12619,15 +12320,7 @@
             </a:r>
             <a:r>
               <a:rPr lang="en-US" dirty="0"/>
-              <a:t>, </a:t>
-            </a:r>
-            <a:r>
-              <a:rPr lang="en-US" dirty="0" smtClean="0"/>
-              <a:t>used under </a:t>
-            </a:r>
-            <a:r>
-              <a:rPr lang="en-US" dirty="0"/>
-              <a:t>the terms of the Creative Commons Attribution-</a:t>
+              <a:t>, used under the terms of the Creative Commons Attribution-</a:t>
             </a:r>
             <a:r>
               <a:rPr lang="en-US" dirty="0" err="1"/>
@@ -12651,16 +12344,12 @@
             </a:r>
             <a:r>
               <a:rPr lang="en-US" dirty="0"/>
-              <a:t> License</a:t>
-            </a:r>
-            <a:r>
-              <a:rPr lang="en-US" dirty="0" smtClean="0"/>
-              <a:t>.</a:t>
-            </a:r>
-          </a:p>
-          <a:p>
-            <a:r>
-              <a:rPr lang="en-US" dirty="0" smtClean="0"/>
+              <a:t> License.</a:t>
+            </a:r>
+          </a:p>
+          <a:p>
+            <a:r>
+              <a:rPr lang="en-US" dirty="0"/>
               <a:t>The GitHub mark is used under their official license (</a:t>
             </a:r>
             <a:r>
@@ -12670,8 +12359,18 @@
               <a:t>https://github.com/logos</a:t>
             </a:r>
             <a:r>
-              <a:rPr lang="en-US" dirty="0" smtClean="0"/>
+              <a:rPr lang="en-US" dirty="0"/>
               <a:t>)</a:t>
+            </a:r>
+          </a:p>
+          <a:p>
+            <a:r>
+              <a:rPr lang="en-US" dirty="0"/>
+              <a:t>Screenshots are taken from </a:t>
+            </a:r>
+            <a:r>
+              <a:rPr lang="en-US"/>
+              <a:t>GitHub Desktop and Atom.</a:t>
             </a:r>
             <a:endParaRPr lang="en-US" dirty="0"/>
           </a:p>
@@ -12739,11 +12438,11 @@
           <a:lstStyle/>
           <a:p>
             <a:r>
-              <a:rPr lang="en-US" smtClean="0"/>
+              <a:rPr lang="en-US"/>
               <a:t>Digital Scholarship Services </a:t>
             </a:r>
             <a:r>
-              <a:rPr lang="en-US" smtClean="0">
+              <a:rPr lang="en-US">
                 <a:solidFill>
                   <a:schemeClr val="accent1">
                     <a:lumMod val="50000"/>
@@ -12753,11 +12452,11 @@
               <a:t>| Email</a:t>
             </a:r>
             <a:r>
-              <a:rPr lang="en-US" smtClean="0"/>
+              <a:rPr lang="en-US"/>
               <a:t> cf24@rice.edu </a:t>
             </a:r>
             <a:r>
-              <a:rPr lang="en-US" smtClean="0">
+              <a:rPr lang="en-US">
                 <a:solidFill>
                   <a:schemeClr val="accent1">
                     <a:lumMod val="50000"/>
@@ -12767,7 +12466,7 @@
               <a:t>|</a:t>
             </a:r>
             <a:r>
-              <a:rPr lang="en-US" smtClean="0"/>
+              <a:rPr lang="en-US"/>
               <a:t> library.rice.edu/dss</a:t>
             </a:r>
             <a:endParaRPr lang="en-US" dirty="0"/>
@@ -12784,13 +12483,6 @@
   <p:clrMapOvr>
     <a:masterClrMapping/>
   </p:clrMapOvr>
-  <p:timing>
-    <p:tnLst>
-      <p:par>
-        <p:cTn id="1" dur="indefinite" restart="never" nodeType="tmRoot"/>
-      </p:par>
-    </p:tnLst>
-  </p:timing>
 </p:sld>
 </file>
 
@@ -12827,14 +12519,11 @@
           <a:lstStyle/>
           <a:p>
             <a:r>
-              <a:rPr lang="en-US" dirty="0" smtClean="0">
+              <a:rPr lang="en-US" dirty="0">
                 <a:latin typeface="+mn-lt"/>
               </a:rPr>
               <a:t>WHAT IS GITHUB NOT?</a:t>
             </a:r>
-            <a:endParaRPr lang="en-US" dirty="0">
-              <a:latin typeface="+mn-lt"/>
-            </a:endParaRPr>
           </a:p>
         </p:txBody>
       </p:sp>
@@ -12919,11 +12608,11 @@
           <a:lstStyle/>
           <a:p>
             <a:r>
-              <a:rPr lang="en-US" smtClean="0"/>
+              <a:rPr lang="en-US"/>
               <a:t>Digital Scholarship Services </a:t>
             </a:r>
             <a:r>
-              <a:rPr lang="en-US" smtClean="0">
+              <a:rPr lang="en-US">
                 <a:solidFill>
                   <a:schemeClr val="accent1">
                     <a:lumMod val="50000"/>
@@ -12933,11 +12622,11 @@
               <a:t>| Email</a:t>
             </a:r>
             <a:r>
-              <a:rPr lang="en-US" smtClean="0"/>
+              <a:rPr lang="en-US"/>
               <a:t> cf24@rice.edu </a:t>
             </a:r>
             <a:r>
-              <a:rPr lang="en-US" smtClean="0">
+              <a:rPr lang="en-US">
                 <a:solidFill>
                   <a:schemeClr val="accent1">
                     <a:lumMod val="50000"/>
@@ -12947,7 +12636,7 @@
               <a:t>|</a:t>
             </a:r>
             <a:r>
-              <a:rPr lang="en-US" smtClean="0"/>
+              <a:rPr lang="en-US"/>
               <a:t> library.rice.edu/dss</a:t>
             </a:r>
             <a:endParaRPr lang="en-US" dirty="0"/>
@@ -12964,13 +12653,6 @@
   <p:clrMapOvr>
     <a:masterClrMapping/>
   </p:clrMapOvr>
-  <p:timing>
-    <p:tnLst>
-      <p:par>
-        <p:cTn id="1" dur="indefinite" restart="never" nodeType="tmRoot"/>
-      </p:par>
-    </p:tnLst>
-  </p:timing>
 </p:sld>
 </file>
 
@@ -13007,14 +12689,11 @@
           <a:lstStyle/>
           <a:p>
             <a:r>
-              <a:rPr lang="en-US" dirty="0" smtClean="0">
+              <a:rPr lang="en-US" dirty="0">
                 <a:latin typeface="+mn-lt"/>
               </a:rPr>
               <a:t>STRUCTURE OF A GIT REPOSITORY</a:t>
             </a:r>
-            <a:endParaRPr lang="en-US" dirty="0">
-              <a:latin typeface="+mn-lt"/>
-            </a:endParaRPr>
           </a:p>
         </p:txBody>
       </p:sp>
@@ -13034,18 +12713,9 @@
           <a:lstStyle/>
           <a:p>
             <a:r>
-              <a:rPr lang="en-US" dirty="0" smtClean="0"/>
-              <a:t>Snapshots, Locality,</a:t>
-            </a:r>
-            <a:r>
               <a:rPr lang="en-US" dirty="0"/>
-              <a:t> </a:t>
-            </a:r>
-            <a:r>
-              <a:rPr lang="en-US" dirty="0" smtClean="0"/>
-              <a:t>File States</a:t>
-            </a:r>
-            <a:endParaRPr lang="en-US" dirty="0"/>
+              <a:t>Snapshots, Locality, File States</a:t>
+            </a:r>
           </a:p>
         </p:txBody>
       </p:sp>
@@ -13111,11 +12781,11 @@
           <a:lstStyle/>
           <a:p>
             <a:r>
-              <a:rPr lang="en-US" smtClean="0"/>
+              <a:rPr lang="en-US"/>
               <a:t>Digital Scholarship Services </a:t>
             </a:r>
             <a:r>
-              <a:rPr lang="en-US" smtClean="0">
+              <a:rPr lang="en-US">
                 <a:solidFill>
                   <a:schemeClr val="accent1">
                     <a:lumMod val="50000"/>
@@ -13125,11 +12795,11 @@
               <a:t>| Email</a:t>
             </a:r>
             <a:r>
-              <a:rPr lang="en-US" smtClean="0"/>
+              <a:rPr lang="en-US"/>
               <a:t> cf24@rice.edu </a:t>
             </a:r>
             <a:r>
-              <a:rPr lang="en-US" smtClean="0">
+              <a:rPr lang="en-US">
                 <a:solidFill>
                   <a:schemeClr val="accent1">
                     <a:lumMod val="50000"/>
@@ -13139,7 +12809,7 @@
               <a:t>|</a:t>
             </a:r>
             <a:r>
-              <a:rPr lang="en-US" smtClean="0"/>
+              <a:rPr lang="en-US"/>
               <a:t> library.rice.edu/dss</a:t>
             </a:r>
             <a:endParaRPr lang="en-US" dirty="0"/>
@@ -13156,13 +12826,6 @@
   <p:clrMapOvr>
     <a:masterClrMapping/>
   </p:clrMapOvr>
-  <p:timing>
-    <p:tnLst>
-      <p:par>
-        <p:cTn id="1" dur="indefinite" restart="never" nodeType="tmRoot"/>
-      </p:par>
-    </p:tnLst>
-  </p:timing>
 </p:sld>
 </file>
 
@@ -13199,14 +12862,11 @@
           <a:lstStyle/>
           <a:p>
             <a:r>
-              <a:rPr lang="en-US" dirty="0" smtClean="0">
+              <a:rPr lang="en-US" dirty="0">
                 <a:latin typeface="+mn-lt"/>
               </a:rPr>
               <a:t>SNAPSHOTS</a:t>
             </a:r>
-            <a:endParaRPr lang="en-US" dirty="0">
-              <a:latin typeface="+mn-lt"/>
-            </a:endParaRPr>
           </a:p>
         </p:txBody>
       </p:sp>
@@ -13260,10 +12920,9 @@
           <a:p>
             <a:pPr algn="ctr"/>
             <a:r>
-              <a:rPr lang="en-US" dirty="0" smtClean="0"/>
+              <a:rPr lang="en-US" dirty="0"/>
               <a:t>Stores the entire file structure at each snapshot, not a set of changes!</a:t>
             </a:r>
-            <a:endParaRPr lang="en-US" dirty="0"/>
           </a:p>
         </p:txBody>
       </p:sp>
@@ -13329,11 +12988,11 @@
           <a:lstStyle/>
           <a:p>
             <a:r>
-              <a:rPr lang="en-US" smtClean="0"/>
+              <a:rPr lang="en-US"/>
               <a:t>Digital Scholarship Services </a:t>
             </a:r>
             <a:r>
-              <a:rPr lang="en-US" smtClean="0">
+              <a:rPr lang="en-US">
                 <a:solidFill>
                   <a:schemeClr val="accent1">
                     <a:lumMod val="50000"/>
@@ -13343,11 +13002,11 @@
               <a:t>| Email</a:t>
             </a:r>
             <a:r>
-              <a:rPr lang="en-US" smtClean="0"/>
+              <a:rPr lang="en-US"/>
               <a:t> cf24@rice.edu </a:t>
             </a:r>
             <a:r>
-              <a:rPr lang="en-US" smtClean="0">
+              <a:rPr lang="en-US">
                 <a:solidFill>
                   <a:schemeClr val="accent1">
                     <a:lumMod val="50000"/>
@@ -13357,7 +13016,7 @@
               <a:t>|</a:t>
             </a:r>
             <a:r>
-              <a:rPr lang="en-US" smtClean="0"/>
+              <a:rPr lang="en-US"/>
               <a:t> library.rice.edu/dss</a:t>
             </a:r>
             <a:endParaRPr lang="en-US" dirty="0"/>
@@ -13374,13 +13033,6 @@
   <p:clrMapOvr>
     <a:masterClrMapping/>
   </p:clrMapOvr>
-  <p:timing>
-    <p:tnLst>
-      <p:par>
-        <p:cTn id="1" dur="indefinite" restart="never" nodeType="tmRoot"/>
-      </p:par>
-    </p:tnLst>
-  </p:timing>
 </p:sld>
 </file>
 
@@ -13417,14 +13069,11 @@
           <a:lstStyle/>
           <a:p>
             <a:r>
-              <a:rPr lang="en-US" dirty="0" smtClean="0">
+              <a:rPr lang="en-US" dirty="0">
                 <a:latin typeface="+mn-lt"/>
               </a:rPr>
               <a:t>SNAPSHOTS</a:t>
             </a:r>
-            <a:endParaRPr lang="en-US" dirty="0">
-              <a:latin typeface="+mn-lt"/>
-            </a:endParaRPr>
           </a:p>
         </p:txBody>
       </p:sp>
@@ -13449,7 +13098,7 @@
           <a:lstStyle/>
           <a:p>
             <a:r>
-              <a:rPr lang="en-US" dirty="0" smtClean="0"/>
+              <a:rPr lang="en-US" dirty="0"/>
               <a:t>Sample Snapshot:</a:t>
             </a:r>
           </a:p>
@@ -13457,23 +13106,22 @@
             <a:endParaRPr lang="en-US" dirty="0"/>
           </a:p>
           <a:p>
-            <a:endParaRPr lang="en-US" dirty="0" smtClean="0"/>
-          </a:p>
-          <a:p>
-            <a:endParaRPr lang="en-US" dirty="0"/>
-          </a:p>
-          <a:p>
-            <a:endParaRPr lang="en-US" dirty="0" smtClean="0"/>
-          </a:p>
-          <a:p>
-            <a:endParaRPr lang="en-US" dirty="0"/>
-          </a:p>
-          <a:p>
-            <a:r>
-              <a:rPr lang="en-US" dirty="0" smtClean="0"/>
+            <a:endParaRPr lang="en-US" dirty="0"/>
+          </a:p>
+          <a:p>
+            <a:endParaRPr lang="en-US" dirty="0"/>
+          </a:p>
+          <a:p>
+            <a:endParaRPr lang="en-US" dirty="0"/>
+          </a:p>
+          <a:p>
+            <a:endParaRPr lang="en-US" dirty="0"/>
+          </a:p>
+          <a:p>
+            <a:r>
+              <a:rPr lang="en-US" dirty="0"/>
               <a:t>Can see all files present at any of these times!</a:t>
             </a:r>
-            <a:endParaRPr lang="en-US" dirty="0"/>
           </a:p>
         </p:txBody>
       </p:sp>
@@ -13562,11 +13210,11 @@
           <a:lstStyle/>
           <a:p>
             <a:r>
-              <a:rPr lang="en-US" smtClean="0"/>
+              <a:rPr lang="en-US"/>
               <a:t>Digital Scholarship Services </a:t>
             </a:r>
             <a:r>
-              <a:rPr lang="en-US" smtClean="0">
+              <a:rPr lang="en-US">
                 <a:solidFill>
                   <a:schemeClr val="accent1">
                     <a:lumMod val="50000"/>
@@ -13576,11 +13224,11 @@
               <a:t>| Email</a:t>
             </a:r>
             <a:r>
-              <a:rPr lang="en-US" smtClean="0"/>
+              <a:rPr lang="en-US"/>
               <a:t> cf24@rice.edu </a:t>
             </a:r>
             <a:r>
-              <a:rPr lang="en-US" smtClean="0">
+              <a:rPr lang="en-US">
                 <a:solidFill>
                   <a:schemeClr val="accent1">
                     <a:lumMod val="50000"/>
@@ -13590,7 +13238,7 @@
               <a:t>|</a:t>
             </a:r>
             <a:r>
-              <a:rPr lang="en-US" smtClean="0"/>
+              <a:rPr lang="en-US"/>
               <a:t> library.rice.edu/dss</a:t>
             </a:r>
             <a:endParaRPr lang="en-US" dirty="0"/>
@@ -13643,14 +13291,11 @@
           <a:lstStyle/>
           <a:p>
             <a:r>
-              <a:rPr lang="en-US" dirty="0" smtClean="0">
+              <a:rPr lang="en-US" dirty="0">
                 <a:latin typeface="+mn-lt"/>
               </a:rPr>
               <a:t>LOCALITY</a:t>
             </a:r>
-            <a:endParaRPr lang="en-US" dirty="0">
-              <a:latin typeface="+mn-lt"/>
-            </a:endParaRPr>
           </a:p>
         </p:txBody>
       </p:sp>
@@ -13675,32 +13320,31 @@
           <a:lstStyle/>
           <a:p>
             <a:r>
-              <a:rPr lang="en-US" dirty="0" smtClean="0"/>
+              <a:rPr lang="en-US" dirty="0"/>
               <a:t>Snapshots stored on your computer, not only on a server!</a:t>
             </a:r>
           </a:p>
           <a:p>
             <a:pPr lvl="1"/>
             <a:r>
-              <a:rPr lang="en-US" dirty="0" smtClean="0"/>
+              <a:rPr lang="en-US" dirty="0"/>
               <a:t>Hidden .</a:t>
             </a:r>
             <a:r>
-              <a:rPr lang="en-US" dirty="0" err="1" smtClean="0"/>
+              <a:rPr lang="en-US" dirty="0" err="1"/>
               <a:t>git</a:t>
             </a:r>
             <a:r>
-              <a:rPr lang="en-US" dirty="0" smtClean="0"/>
+              <a:rPr lang="en-US" dirty="0"/>
               <a:t> directory</a:t>
             </a:r>
           </a:p>
           <a:p>
             <a:pPr lvl="1"/>
             <a:r>
-              <a:rPr lang="en-US" dirty="0" smtClean="0"/>
+              <a:rPr lang="en-US" dirty="0"/>
               <a:t>Stores entire history of project (compressed!)</a:t>
             </a:r>
-            <a:endParaRPr lang="en-US" dirty="0"/>
           </a:p>
         </p:txBody>
       </p:sp>
@@ -13790,11 +13434,11 @@
           <a:lstStyle/>
           <a:p>
             <a:r>
-              <a:rPr lang="en-US" smtClean="0"/>
+              <a:rPr lang="en-US"/>
               <a:t>Digital Scholarship Services </a:t>
             </a:r>
             <a:r>
-              <a:rPr lang="en-US" smtClean="0">
+              <a:rPr lang="en-US">
                 <a:solidFill>
                   <a:schemeClr val="accent1">
                     <a:lumMod val="50000"/>
@@ -13804,11 +13448,11 @@
               <a:t>| Email</a:t>
             </a:r>
             <a:r>
-              <a:rPr lang="en-US" smtClean="0"/>
+              <a:rPr lang="en-US"/>
               <a:t> cf24@rice.edu </a:t>
             </a:r>
             <a:r>
-              <a:rPr lang="en-US" smtClean="0">
+              <a:rPr lang="en-US">
                 <a:solidFill>
                   <a:schemeClr val="accent1">
                     <a:lumMod val="50000"/>
@@ -13818,7 +13462,7 @@
               <a:t>|</a:t>
             </a:r>
             <a:r>
-              <a:rPr lang="en-US" smtClean="0"/>
+              <a:rPr lang="en-US"/>
               <a:t> library.rice.edu/dss</a:t>
             </a:r>
             <a:endParaRPr lang="en-US" dirty="0"/>
@@ -13835,13 +13479,6 @@
   <p:clrMapOvr>
     <a:masterClrMapping/>
   </p:clrMapOvr>
-  <p:timing>
-    <p:tnLst>
-      <p:par>
-        <p:cTn id="1" dur="indefinite" restart="never" nodeType="tmRoot"/>
-      </p:par>
-    </p:tnLst>
-  </p:timing>
 </p:sld>
 </file>
 

--- a/github/Introduction to Git & Github.pptx
+++ b/github/Introduction to Git & Github.pptx
@@ -6211,6 +6211,14 @@
           <a:bodyPr/>
           <a:lstStyle/>
           <a:p>
+            <a:r>
+              <a:rPr lang="en-US" dirty="0"/>
+              <a:t>A </a:t>
+            </a:r>
+            <a:r>
+              <a:rPr lang="en-US"/>
+              <a:t>version-control system</a:t>
+            </a:r>
             <a:endParaRPr lang="en-US" dirty="0"/>
           </a:p>
         </p:txBody>
